--- a/會議記錄/前端設計.pptx
+++ b/會議記錄/前端設計.pptx
@@ -5,7 +5,7 @@
     <p:sldMasterId id="2147483660" r:id="rId1"/>
   </p:sldMasterIdLst>
   <p:notesMasterIdLst>
-    <p:notesMasterId r:id="rId15"/>
+    <p:notesMasterId r:id="rId16"/>
   </p:notesMasterIdLst>
   <p:sldIdLst>
     <p:sldId id="256" r:id="rId2"/>
@@ -13,14 +13,15 @@
     <p:sldId id="267" r:id="rId4"/>
     <p:sldId id="283" r:id="rId5"/>
     <p:sldId id="284" r:id="rId6"/>
-    <p:sldId id="268" r:id="rId7"/>
-    <p:sldId id="274" r:id="rId8"/>
-    <p:sldId id="279" r:id="rId9"/>
-    <p:sldId id="280" r:id="rId10"/>
-    <p:sldId id="281" r:id="rId11"/>
-    <p:sldId id="282" r:id="rId12"/>
-    <p:sldId id="285" r:id="rId13"/>
-    <p:sldId id="286" r:id="rId14"/>
+    <p:sldId id="287" r:id="rId7"/>
+    <p:sldId id="268" r:id="rId8"/>
+    <p:sldId id="274" r:id="rId9"/>
+    <p:sldId id="279" r:id="rId10"/>
+    <p:sldId id="280" r:id="rId11"/>
+    <p:sldId id="281" r:id="rId12"/>
+    <p:sldId id="282" r:id="rId13"/>
+    <p:sldId id="285" r:id="rId14"/>
+    <p:sldId id="286" r:id="rId15"/>
   </p:sldIdLst>
   <p:sldSz cx="12192000" cy="6858000"/>
   <p:notesSz cx="6858000" cy="9144000"/>
@@ -209,7 +210,7 @@
           <a:p>
             <a:fld id="{7965AF4D-C3C3-41F4-8B03-FB0AA6277351}" type="datetimeFigureOut">
               <a:rPr lang="zh-TW" altLang="en-US" smtClean="0"/>
-              <a:t>2025/3/12</a:t>
+              <a:t>2025/3/15</a:t>
             </a:fld>
             <a:endParaRPr lang="zh-TW" altLang="en-US"/>
           </a:p>
@@ -710,7 +711,7 @@
           <a:p>
             <a:fld id="{FC194262-B52F-407E-8020-35786983B28B}" type="slidenum">
               <a:rPr lang="zh-TW" altLang="en-US" smtClean="0"/>
-              <a:t>12</a:t>
+              <a:t>6</a:t>
             </a:fld>
             <a:endParaRPr lang="zh-TW" altLang="en-US"/>
           </a:p>
@@ -719,7 +720,7 @@
     </p:spTree>
     <p:extLst>
       <p:ext uri="{BB962C8B-B14F-4D97-AF65-F5344CB8AC3E}">
-        <p14:creationId xmlns:p14="http://schemas.microsoft.com/office/powerpoint/2010/main" val="1047748372"/>
+        <p14:creationId xmlns:p14="http://schemas.microsoft.com/office/powerpoint/2010/main" val="25490900"/>
       </p:ext>
     </p:extLst>
   </p:cSld>
@@ -803,6 +804,90 @@
     </p:spTree>
     <p:extLst>
       <p:ext uri="{BB962C8B-B14F-4D97-AF65-F5344CB8AC3E}">
+        <p14:creationId xmlns:p14="http://schemas.microsoft.com/office/powerpoint/2010/main" val="1047748372"/>
+      </p:ext>
+    </p:extLst>
+  </p:cSld>
+  <p:clrMapOvr>
+    <a:masterClrMapping/>
+  </p:clrMapOvr>
+</p:notes>
+</file>
+
+<file path=ppt/notesSlides/notesSlide5.xml><?xml version="1.0" encoding="utf-8"?>
+<p:notes xmlns:a="http://schemas.openxmlformats.org/drawingml/2006/main" xmlns:r="http://schemas.openxmlformats.org/officeDocument/2006/relationships" xmlns:p="http://schemas.openxmlformats.org/presentationml/2006/main">
+  <p:cSld>
+    <p:spTree>
+      <p:nvGrpSpPr>
+        <p:cNvPr id="1" name=""/>
+        <p:cNvGrpSpPr/>
+        <p:nvPr/>
+      </p:nvGrpSpPr>
+      <p:grpSpPr>
+        <a:xfrm>
+          <a:off x="0" y="0"/>
+          <a:ext cx="0" cy="0"/>
+          <a:chOff x="0" y="0"/>
+          <a:chExt cx="0" cy="0"/>
+        </a:xfrm>
+      </p:grpSpPr>
+      <p:sp>
+        <p:nvSpPr>
+          <p:cNvPr id="2" name="投影片圖像版面配置區 1"/>
+          <p:cNvSpPr>
+            <a:spLocks noGrp="1" noRot="1" noChangeAspect="1"/>
+          </p:cNvSpPr>
+          <p:nvPr>
+            <p:ph type="sldImg"/>
+          </p:nvPr>
+        </p:nvSpPr>
+        <p:spPr/>
+      </p:sp>
+      <p:sp>
+        <p:nvSpPr>
+          <p:cNvPr id="3" name="備忘稿版面配置區 2"/>
+          <p:cNvSpPr>
+            <a:spLocks noGrp="1"/>
+          </p:cNvSpPr>
+          <p:nvPr>
+            <p:ph type="body" idx="1"/>
+          </p:nvPr>
+        </p:nvSpPr>
+        <p:spPr/>
+        <p:txBody>
+          <a:bodyPr/>
+          <a:lstStyle/>
+          <a:p>
+            <a:endParaRPr lang="zh-TW" altLang="en-US" dirty="0"/>
+          </a:p>
+        </p:txBody>
+      </p:sp>
+      <p:sp>
+        <p:nvSpPr>
+          <p:cNvPr id="4" name="投影片編號版面配置區 3"/>
+          <p:cNvSpPr>
+            <a:spLocks noGrp="1"/>
+          </p:cNvSpPr>
+          <p:nvPr>
+            <p:ph type="sldNum" sz="quarter" idx="10"/>
+          </p:nvPr>
+        </p:nvSpPr>
+        <p:spPr/>
+        <p:txBody>
+          <a:bodyPr/>
+          <a:lstStyle/>
+          <a:p>
+            <a:fld id="{FC194262-B52F-407E-8020-35786983B28B}" type="slidenum">
+              <a:rPr lang="zh-TW" altLang="en-US" smtClean="0"/>
+              <a:t>14</a:t>
+            </a:fld>
+            <a:endParaRPr lang="zh-TW" altLang="en-US"/>
+          </a:p>
+        </p:txBody>
+      </p:sp>
+    </p:spTree>
+    <p:extLst>
+      <p:ext uri="{BB962C8B-B14F-4D97-AF65-F5344CB8AC3E}">
         <p14:creationId xmlns:p14="http://schemas.microsoft.com/office/powerpoint/2010/main" val="2589094143"/>
       </p:ext>
     </p:extLst>
@@ -950,7 +1035,7 @@
           <a:p>
             <a:fld id="{F404DC6C-E353-4FBF-8B7B-7C2F0DFA34E8}" type="datetimeFigureOut">
               <a:rPr lang="zh-TW" altLang="en-US" smtClean="0"/>
-              <a:t>2025/3/12</a:t>
+              <a:t>2025/3/15</a:t>
             </a:fld>
             <a:endParaRPr lang="zh-TW" altLang="en-US"/>
           </a:p>
@@ -1120,7 +1205,7 @@
           <a:p>
             <a:fld id="{F404DC6C-E353-4FBF-8B7B-7C2F0DFA34E8}" type="datetimeFigureOut">
               <a:rPr lang="zh-TW" altLang="en-US" smtClean="0"/>
-              <a:t>2025/3/12</a:t>
+              <a:t>2025/3/15</a:t>
             </a:fld>
             <a:endParaRPr lang="zh-TW" altLang="en-US"/>
           </a:p>
@@ -1300,7 +1385,7 @@
           <a:p>
             <a:fld id="{F404DC6C-E353-4FBF-8B7B-7C2F0DFA34E8}" type="datetimeFigureOut">
               <a:rPr lang="zh-TW" altLang="en-US" smtClean="0"/>
-              <a:t>2025/3/12</a:t>
+              <a:t>2025/3/15</a:t>
             </a:fld>
             <a:endParaRPr lang="zh-TW" altLang="en-US"/>
           </a:p>
@@ -1520,7 +1605,7 @@
           <a:p>
             <a:fld id="{F404DC6C-E353-4FBF-8B7B-7C2F0DFA34E8}" type="datetimeFigureOut">
               <a:rPr lang="zh-TW" altLang="en-US" smtClean="0"/>
-              <a:t>2025/3/12</a:t>
+              <a:t>2025/3/15</a:t>
             </a:fld>
             <a:endParaRPr lang="zh-TW" altLang="en-US"/>
           </a:p>
@@ -1766,7 +1851,7 @@
           <a:p>
             <a:fld id="{F404DC6C-E353-4FBF-8B7B-7C2F0DFA34E8}" type="datetimeFigureOut">
               <a:rPr lang="zh-TW" altLang="en-US" smtClean="0"/>
-              <a:t>2025/3/12</a:t>
+              <a:t>2025/3/15</a:t>
             </a:fld>
             <a:endParaRPr lang="zh-TW" altLang="en-US"/>
           </a:p>
@@ -1998,7 +2083,7 @@
           <a:p>
             <a:fld id="{F404DC6C-E353-4FBF-8B7B-7C2F0DFA34E8}" type="datetimeFigureOut">
               <a:rPr lang="zh-TW" altLang="en-US" smtClean="0"/>
-              <a:t>2025/3/12</a:t>
+              <a:t>2025/3/15</a:t>
             </a:fld>
             <a:endParaRPr lang="zh-TW" altLang="en-US"/>
           </a:p>
@@ -2365,7 +2450,7 @@
           <a:p>
             <a:fld id="{F404DC6C-E353-4FBF-8B7B-7C2F0DFA34E8}" type="datetimeFigureOut">
               <a:rPr lang="zh-TW" altLang="en-US" smtClean="0"/>
-              <a:t>2025/3/12</a:t>
+              <a:t>2025/3/15</a:t>
             </a:fld>
             <a:endParaRPr lang="zh-TW" altLang="en-US"/>
           </a:p>
@@ -2483,7 +2568,7 @@
           <a:p>
             <a:fld id="{F404DC6C-E353-4FBF-8B7B-7C2F0DFA34E8}" type="datetimeFigureOut">
               <a:rPr lang="zh-TW" altLang="en-US" smtClean="0"/>
-              <a:t>2025/3/12</a:t>
+              <a:t>2025/3/15</a:t>
             </a:fld>
             <a:endParaRPr lang="zh-TW" altLang="en-US"/>
           </a:p>
@@ -2578,7 +2663,7 @@
           <a:p>
             <a:fld id="{F404DC6C-E353-4FBF-8B7B-7C2F0DFA34E8}" type="datetimeFigureOut">
               <a:rPr lang="zh-TW" altLang="en-US" smtClean="0"/>
-              <a:t>2025/3/12</a:t>
+              <a:t>2025/3/15</a:t>
             </a:fld>
             <a:endParaRPr lang="zh-TW" altLang="en-US"/>
           </a:p>
@@ -2855,7 +2940,7 @@
           <a:p>
             <a:fld id="{F404DC6C-E353-4FBF-8B7B-7C2F0DFA34E8}" type="datetimeFigureOut">
               <a:rPr lang="zh-TW" altLang="en-US" smtClean="0"/>
-              <a:t>2025/3/12</a:t>
+              <a:t>2025/3/15</a:t>
             </a:fld>
             <a:endParaRPr lang="zh-TW" altLang="en-US"/>
           </a:p>
@@ -3112,7 +3197,7 @@
           <a:p>
             <a:fld id="{F404DC6C-E353-4FBF-8B7B-7C2F0DFA34E8}" type="datetimeFigureOut">
               <a:rPr lang="zh-TW" altLang="en-US" smtClean="0"/>
-              <a:t>2025/3/12</a:t>
+              <a:t>2025/3/15</a:t>
             </a:fld>
             <a:endParaRPr lang="zh-TW" altLang="en-US"/>
           </a:p>
@@ -3325,7 +3410,7 @@
           <a:p>
             <a:fld id="{F404DC6C-E353-4FBF-8B7B-7C2F0DFA34E8}" type="datetimeFigureOut">
               <a:rPr lang="zh-TW" altLang="en-US" smtClean="0"/>
-              <a:t>2025/3/12</a:t>
+              <a:t>2025/3/15</a:t>
             </a:fld>
             <a:endParaRPr lang="zh-TW" altLang="en-US"/>
           </a:p>
@@ -3813,6 +3898,2178 @@
           <a:chExt cx="0" cy="0"/>
         </a:xfrm>
       </p:grpSpPr>
+      <p:sp>
+        <p:nvSpPr>
+          <p:cNvPr id="124" name="圓角矩形 123"/>
+          <p:cNvSpPr/>
+          <p:nvPr/>
+        </p:nvSpPr>
+        <p:spPr>
+          <a:xfrm>
+            <a:off x="3197593" y="842248"/>
+            <a:ext cx="4737169" cy="5805599"/>
+          </a:xfrm>
+          <a:prstGeom prst="roundRect">
+            <a:avLst>
+              <a:gd name="adj" fmla="val 2030"/>
+            </a:avLst>
+          </a:prstGeom>
+          <a:solidFill>
+            <a:srgbClr val="21222D"/>
+          </a:solidFill>
+          <a:ln>
+            <a:noFill/>
+          </a:ln>
+        </p:spPr>
+        <p:style>
+          <a:lnRef idx="2">
+            <a:schemeClr val="accent1">
+              <a:shade val="50000"/>
+            </a:schemeClr>
+          </a:lnRef>
+          <a:fillRef idx="1">
+            <a:schemeClr val="accent1"/>
+          </a:fillRef>
+          <a:effectRef idx="0">
+            <a:schemeClr val="accent1"/>
+          </a:effectRef>
+          <a:fontRef idx="minor">
+            <a:schemeClr val="lt1"/>
+          </a:fontRef>
+        </p:style>
+        <p:txBody>
+          <a:bodyPr rtlCol="0" anchor="ctr"/>
+          <a:lstStyle/>
+          <a:p>
+            <a:pPr algn="ctr"/>
+            <a:r>
+              <a:rPr lang="zh-TW" altLang="en-US" dirty="0" smtClean="0"/>
+              <a:t> </a:t>
+            </a:r>
+            <a:endParaRPr lang="zh-TW" altLang="en-US" dirty="0"/>
+          </a:p>
+        </p:txBody>
+      </p:sp>
+      <p:grpSp>
+        <p:nvGrpSpPr>
+          <p:cNvPr id="19" name="群組 18"/>
+          <p:cNvGrpSpPr/>
+          <p:nvPr/>
+        </p:nvGrpSpPr>
+        <p:grpSpPr>
+          <a:xfrm>
+            <a:off x="-2540" y="0"/>
+            <a:ext cx="12194540" cy="632095"/>
+            <a:chOff x="-2540" y="0"/>
+            <a:chExt cx="12194540" cy="632095"/>
+          </a:xfrm>
+        </p:grpSpPr>
+        <p:sp>
+          <p:nvSpPr>
+            <p:cNvPr id="10" name="矩形 9"/>
+            <p:cNvSpPr/>
+            <p:nvPr/>
+          </p:nvSpPr>
+          <p:spPr>
+            <a:xfrm>
+              <a:off x="-2540" y="0"/>
+              <a:ext cx="12194540" cy="632095"/>
+            </a:xfrm>
+            <a:prstGeom prst="rect">
+              <a:avLst/>
+            </a:prstGeom>
+            <a:solidFill>
+              <a:srgbClr val="121318"/>
+            </a:solidFill>
+            <a:ln>
+              <a:noFill/>
+            </a:ln>
+          </p:spPr>
+          <p:style>
+            <a:lnRef idx="2">
+              <a:schemeClr val="accent1">
+                <a:shade val="50000"/>
+              </a:schemeClr>
+            </a:lnRef>
+            <a:fillRef idx="1">
+              <a:schemeClr val="accent1"/>
+            </a:fillRef>
+            <a:effectRef idx="0">
+              <a:schemeClr val="accent1"/>
+            </a:effectRef>
+            <a:fontRef idx="minor">
+              <a:schemeClr val="lt1"/>
+            </a:fontRef>
+          </p:style>
+          <p:txBody>
+            <a:bodyPr rtlCol="0" anchor="ctr"/>
+            <a:lstStyle/>
+            <a:p>
+              <a:pPr algn="ctr"/>
+              <a:endParaRPr lang="zh-TW" altLang="en-US"/>
+            </a:p>
+          </p:txBody>
+        </p:sp>
+        <p:sp>
+          <p:nvSpPr>
+            <p:cNvPr id="112" name="矩形 111"/>
+            <p:cNvSpPr/>
+            <p:nvPr/>
+          </p:nvSpPr>
+          <p:spPr>
+            <a:xfrm>
+              <a:off x="28531" y="38339"/>
+              <a:ext cx="2242754" cy="563693"/>
+            </a:xfrm>
+            <a:prstGeom prst="rect">
+              <a:avLst/>
+            </a:prstGeom>
+            <a:noFill/>
+            <a:ln>
+              <a:noFill/>
+            </a:ln>
+          </p:spPr>
+          <p:style>
+            <a:lnRef idx="2">
+              <a:schemeClr val="accent1">
+                <a:shade val="50000"/>
+              </a:schemeClr>
+            </a:lnRef>
+            <a:fillRef idx="1">
+              <a:schemeClr val="accent1"/>
+            </a:fillRef>
+            <a:effectRef idx="0">
+              <a:schemeClr val="accent1"/>
+            </a:effectRef>
+            <a:fontRef idx="minor">
+              <a:schemeClr val="lt1"/>
+            </a:fontRef>
+          </p:style>
+          <p:txBody>
+            <a:bodyPr rtlCol="0" anchor="ctr"/>
+            <a:lstStyle/>
+            <a:p>
+              <a:pPr algn="ctr"/>
+              <a:r>
+                <a:rPr lang="en-US" altLang="zh-TW" sz="2800" b="1" dirty="0" smtClean="0">
+                  <a:solidFill>
+                    <a:schemeClr val="tx1"/>
+                  </a:solidFill>
+                  <a:latin typeface="Old English Text MT" panose="03040902040508030806" pitchFamily="66" charset="0"/>
+                  <a:ea typeface="微軟正黑體" panose="020B0604030504040204" pitchFamily="34" charset="-120"/>
+                </a:rPr>
+                <a:t>Trajectory</a:t>
+              </a:r>
+              <a:endParaRPr lang="zh-TW" altLang="en-US" sz="2800" b="1" dirty="0">
+                <a:solidFill>
+                  <a:schemeClr val="tx1"/>
+                </a:solidFill>
+                <a:latin typeface="Old English Text MT" panose="03040902040508030806" pitchFamily="66" charset="0"/>
+                <a:ea typeface="微軟正黑體" panose="020B0604030504040204" pitchFamily="34" charset="-120"/>
+              </a:endParaRPr>
+            </a:p>
+          </p:txBody>
+        </p:sp>
+      </p:grpSp>
+      <p:sp>
+        <p:nvSpPr>
+          <p:cNvPr id="99" name="圓角矩形 98"/>
+          <p:cNvSpPr/>
+          <p:nvPr/>
+        </p:nvSpPr>
+        <p:spPr>
+          <a:xfrm>
+            <a:off x="9114791" y="632095"/>
+            <a:ext cx="3077209" cy="6225905"/>
+          </a:xfrm>
+          <a:prstGeom prst="roundRect">
+            <a:avLst>
+              <a:gd name="adj" fmla="val 0"/>
+            </a:avLst>
+          </a:prstGeom>
+          <a:solidFill>
+            <a:srgbClr val="21222D"/>
+          </a:solidFill>
+          <a:ln>
+            <a:noFill/>
+          </a:ln>
+        </p:spPr>
+        <p:style>
+          <a:lnRef idx="2">
+            <a:schemeClr val="accent1">
+              <a:shade val="50000"/>
+            </a:schemeClr>
+          </a:lnRef>
+          <a:fillRef idx="1">
+            <a:schemeClr val="accent1"/>
+          </a:fillRef>
+          <a:effectRef idx="0">
+            <a:schemeClr val="accent1"/>
+          </a:effectRef>
+          <a:fontRef idx="minor">
+            <a:schemeClr val="lt1"/>
+          </a:fontRef>
+        </p:style>
+        <p:txBody>
+          <a:bodyPr rtlCol="0" anchor="ctr"/>
+          <a:lstStyle/>
+          <a:p>
+            <a:pPr algn="ctr"/>
+            <a:endParaRPr lang="zh-TW" altLang="en-US"/>
+          </a:p>
+        </p:txBody>
+      </p:sp>
+      <p:sp>
+        <p:nvSpPr>
+          <p:cNvPr id="100" name="橢圓 99"/>
+          <p:cNvSpPr/>
+          <p:nvPr/>
+        </p:nvSpPr>
+        <p:spPr>
+          <a:xfrm>
+            <a:off x="9652574" y="1504612"/>
+            <a:ext cx="2026919" cy="2026919"/>
+          </a:xfrm>
+          <a:prstGeom prst="ellipse">
+            <a:avLst/>
+          </a:prstGeom>
+          <a:noFill/>
+          <a:ln w="28575">
+            <a:solidFill>
+              <a:srgbClr val="88B2AC"/>
+            </a:solidFill>
+          </a:ln>
+        </p:spPr>
+        <p:style>
+          <a:lnRef idx="2">
+            <a:schemeClr val="accent1">
+              <a:shade val="50000"/>
+            </a:schemeClr>
+          </a:lnRef>
+          <a:fillRef idx="1">
+            <a:schemeClr val="accent1"/>
+          </a:fillRef>
+          <a:effectRef idx="0">
+            <a:schemeClr val="accent1"/>
+          </a:effectRef>
+          <a:fontRef idx="minor">
+            <a:schemeClr val="lt1"/>
+          </a:fontRef>
+        </p:style>
+        <p:txBody>
+          <a:bodyPr rtlCol="0" anchor="ctr"/>
+          <a:lstStyle/>
+          <a:p>
+            <a:pPr algn="ctr"/>
+            <a:endParaRPr lang="zh-TW" altLang="en-US"/>
+          </a:p>
+        </p:txBody>
+      </p:sp>
+      <p:sp>
+        <p:nvSpPr>
+          <p:cNvPr id="101" name="矩形 100"/>
+          <p:cNvSpPr/>
+          <p:nvPr/>
+        </p:nvSpPr>
+        <p:spPr>
+          <a:xfrm>
+            <a:off x="9914753" y="3651836"/>
+            <a:ext cx="1485647" cy="438945"/>
+          </a:xfrm>
+          <a:prstGeom prst="rect">
+            <a:avLst/>
+          </a:prstGeom>
+          <a:noFill/>
+          <a:ln>
+            <a:noFill/>
+          </a:ln>
+        </p:spPr>
+        <p:style>
+          <a:lnRef idx="2">
+            <a:schemeClr val="accent1">
+              <a:shade val="50000"/>
+            </a:schemeClr>
+          </a:lnRef>
+          <a:fillRef idx="1">
+            <a:schemeClr val="accent1"/>
+          </a:fillRef>
+          <a:effectRef idx="0">
+            <a:schemeClr val="accent1"/>
+          </a:effectRef>
+          <a:fontRef idx="minor">
+            <a:schemeClr val="lt1"/>
+          </a:fontRef>
+        </p:style>
+        <p:txBody>
+          <a:bodyPr rtlCol="0" anchor="ctr"/>
+          <a:lstStyle/>
+          <a:p>
+            <a:pPr algn="ctr"/>
+            <a:r>
+              <a:rPr lang="zh-TW" altLang="en-US" sz="2000" b="1" dirty="0">
+                <a:solidFill>
+                  <a:schemeClr val="tx1"/>
+                </a:solidFill>
+                <a:latin typeface="微軟正黑體" panose="020B0604030504040204" pitchFamily="34" charset="-120"/>
+                <a:ea typeface="微軟正黑體" panose="020B0604030504040204" pitchFamily="34" charset="-120"/>
+              </a:rPr>
+              <a:t>陳老王</a:t>
+            </a:r>
+          </a:p>
+        </p:txBody>
+      </p:sp>
+      <p:graphicFrame>
+        <p:nvGraphicFramePr>
+          <p:cNvPr id="102" name="表格 101"/>
+          <p:cNvGraphicFramePr>
+            <a:graphicFrameLocks noGrp="1"/>
+          </p:cNvGraphicFramePr>
+          <p:nvPr>
+            <p:extLst>
+              <p:ext uri="{D42A27DB-BD31-4B8C-83A1-F6EECF244321}">
+                <p14:modId xmlns:p14="http://schemas.microsoft.com/office/powerpoint/2010/main" val="465783450"/>
+              </p:ext>
+            </p:extLst>
+          </p:nvPr>
+        </p:nvGraphicFramePr>
+        <p:xfrm>
+          <a:off x="9442746" y="4289286"/>
+          <a:ext cx="2582622" cy="1483360"/>
+        </p:xfrm>
+        <a:graphic>
+          <a:graphicData uri="http://schemas.openxmlformats.org/drawingml/2006/table">
+            <a:tbl>
+              <a:tblPr firstRow="1" bandRow="1">
+                <a:tableStyleId>{2D5ABB26-0587-4C30-8999-92F81FD0307C}</a:tableStyleId>
+              </a:tblPr>
+              <a:tblGrid>
+                <a:gridCol w="1115275">
+                  <a:extLst>
+                    <a:ext uri="{9D8B030D-6E8A-4147-A177-3AD203B41FA5}">
+                      <a16:colId xmlns:a16="http://schemas.microsoft.com/office/drawing/2014/main" val="3208460249"/>
+                    </a:ext>
+                  </a:extLst>
+                </a:gridCol>
+                <a:gridCol w="1467347">
+                  <a:extLst>
+                    <a:ext uri="{9D8B030D-6E8A-4147-A177-3AD203B41FA5}">
+                      <a16:colId xmlns:a16="http://schemas.microsoft.com/office/drawing/2014/main" val="2219400454"/>
+                    </a:ext>
+                  </a:extLst>
+                </a:gridCol>
+              </a:tblGrid>
+              <a:tr h="370840">
+                <a:tc>
+                  <a:txBody>
+                    <a:bodyPr/>
+                    <a:lstStyle/>
+                    <a:p>
+                      <a:pPr algn="l"/>
+                      <a:r>
+                        <a:rPr lang="zh-TW" altLang="en-US" sz="1400" b="1" dirty="0" smtClean="0">
+                          <a:solidFill>
+                            <a:schemeClr val="tx1">
+                              <a:lumMod val="65000"/>
+                            </a:schemeClr>
+                          </a:solidFill>
+                          <a:latin typeface="微軟正黑體" panose="020B0604030504040204" pitchFamily="34" charset="-120"/>
+                          <a:ea typeface="微軟正黑體" panose="020B0604030504040204" pitchFamily="34" charset="-120"/>
+                        </a:rPr>
+                        <a:t>身分證字號</a:t>
+                      </a:r>
+                      <a:endParaRPr lang="zh-TW" altLang="en-US" sz="1400" b="1" dirty="0">
+                        <a:solidFill>
+                          <a:schemeClr val="tx1">
+                            <a:lumMod val="65000"/>
+                          </a:schemeClr>
+                        </a:solidFill>
+                        <a:latin typeface="微軟正黑體" panose="020B0604030504040204" pitchFamily="34" charset="-120"/>
+                        <a:ea typeface="微軟正黑體" panose="020B0604030504040204" pitchFamily="34" charset="-120"/>
+                      </a:endParaRPr>
+                    </a:p>
+                  </a:txBody>
+                  <a:tcPr/>
+                </a:tc>
+                <a:tc>
+                  <a:txBody>
+                    <a:bodyPr/>
+                    <a:lstStyle/>
+                    <a:p>
+                      <a:pPr algn="r"/>
+                      <a:r>
+                        <a:rPr lang="en-US" altLang="zh-TW" sz="1400" b="1" dirty="0" smtClean="0">
+                          <a:solidFill>
+                            <a:schemeClr val="tx1">
+                              <a:lumMod val="85000"/>
+                            </a:schemeClr>
+                          </a:solidFill>
+                          <a:latin typeface="微軟正黑體" panose="020B0604030504040204" pitchFamily="34" charset="-120"/>
+                          <a:ea typeface="微軟正黑體" panose="020B0604030504040204" pitchFamily="34" charset="-120"/>
+                        </a:rPr>
+                        <a:t>A11200938</a:t>
+                      </a:r>
+                      <a:endParaRPr lang="zh-TW" altLang="en-US" sz="1400" b="1" dirty="0">
+                        <a:solidFill>
+                          <a:schemeClr val="tx1">
+                            <a:lumMod val="85000"/>
+                          </a:schemeClr>
+                        </a:solidFill>
+                        <a:latin typeface="微軟正黑體" panose="020B0604030504040204" pitchFamily="34" charset="-120"/>
+                        <a:ea typeface="微軟正黑體" panose="020B0604030504040204" pitchFamily="34" charset="-120"/>
+                      </a:endParaRPr>
+                    </a:p>
+                  </a:txBody>
+                  <a:tcPr/>
+                </a:tc>
+                <a:extLst>
+                  <a:ext uri="{0D108BD9-81ED-4DB2-BD59-A6C34878D82A}">
+                    <a16:rowId xmlns:a16="http://schemas.microsoft.com/office/drawing/2014/main" val="4260925474"/>
+                  </a:ext>
+                </a:extLst>
+              </a:tr>
+              <a:tr h="370840">
+                <a:tc>
+                  <a:txBody>
+                    <a:bodyPr/>
+                    <a:lstStyle/>
+                    <a:p>
+                      <a:pPr algn="l"/>
+                      <a:r>
+                        <a:rPr lang="zh-TW" altLang="en-US" sz="1400" b="1" dirty="0" smtClean="0">
+                          <a:solidFill>
+                            <a:schemeClr val="tx1">
+                              <a:lumMod val="65000"/>
+                            </a:schemeClr>
+                          </a:solidFill>
+                          <a:latin typeface="微軟正黑體" panose="020B0604030504040204" pitchFamily="34" charset="-120"/>
+                          <a:ea typeface="微軟正黑體" panose="020B0604030504040204" pitchFamily="34" charset="-120"/>
+                        </a:rPr>
+                        <a:t>出生日期</a:t>
+                      </a:r>
+                      <a:endParaRPr lang="zh-TW" altLang="en-US" sz="1400" b="1" dirty="0">
+                        <a:solidFill>
+                          <a:schemeClr val="tx1">
+                            <a:lumMod val="65000"/>
+                          </a:schemeClr>
+                        </a:solidFill>
+                        <a:latin typeface="微軟正黑體" panose="020B0604030504040204" pitchFamily="34" charset="-120"/>
+                        <a:ea typeface="微軟正黑體" panose="020B0604030504040204" pitchFamily="34" charset="-120"/>
+                      </a:endParaRPr>
+                    </a:p>
+                  </a:txBody>
+                  <a:tcPr/>
+                </a:tc>
+                <a:tc>
+                  <a:txBody>
+                    <a:bodyPr/>
+                    <a:lstStyle/>
+                    <a:p>
+                      <a:pPr algn="r"/>
+                      <a:r>
+                        <a:rPr lang="en-US" altLang="zh-TW" sz="1400" b="1" dirty="0" smtClean="0">
+                          <a:solidFill>
+                            <a:schemeClr val="tx1">
+                              <a:lumMod val="85000"/>
+                            </a:schemeClr>
+                          </a:solidFill>
+                          <a:latin typeface="微軟正黑體" panose="020B0604030504040204" pitchFamily="34" charset="-120"/>
+                          <a:ea typeface="微軟正黑體" panose="020B0604030504040204" pitchFamily="34" charset="-120"/>
+                        </a:rPr>
+                        <a:t>1975/08/08</a:t>
+                      </a:r>
+                      <a:endParaRPr lang="zh-TW" altLang="en-US" sz="1400" b="1" dirty="0">
+                        <a:solidFill>
+                          <a:schemeClr val="tx1">
+                            <a:lumMod val="85000"/>
+                          </a:schemeClr>
+                        </a:solidFill>
+                        <a:latin typeface="微軟正黑體" panose="020B0604030504040204" pitchFamily="34" charset="-120"/>
+                        <a:ea typeface="微軟正黑體" panose="020B0604030504040204" pitchFamily="34" charset="-120"/>
+                      </a:endParaRPr>
+                    </a:p>
+                  </a:txBody>
+                  <a:tcPr/>
+                </a:tc>
+                <a:extLst>
+                  <a:ext uri="{0D108BD9-81ED-4DB2-BD59-A6C34878D82A}">
+                    <a16:rowId xmlns:a16="http://schemas.microsoft.com/office/drawing/2014/main" val="256342623"/>
+                  </a:ext>
+                </a:extLst>
+              </a:tr>
+              <a:tr h="370840">
+                <a:tc>
+                  <a:txBody>
+                    <a:bodyPr/>
+                    <a:lstStyle/>
+                    <a:p>
+                      <a:pPr algn="l"/>
+                      <a:r>
+                        <a:rPr lang="zh-TW" altLang="en-US" sz="1400" b="1" dirty="0" smtClean="0">
+                          <a:solidFill>
+                            <a:schemeClr val="tx1">
+                              <a:lumMod val="65000"/>
+                            </a:schemeClr>
+                          </a:solidFill>
+                          <a:latin typeface="微軟正黑體" panose="020B0604030504040204" pitchFamily="34" charset="-120"/>
+                          <a:ea typeface="微軟正黑體" panose="020B0604030504040204" pitchFamily="34" charset="-120"/>
+                        </a:rPr>
+                        <a:t>性別</a:t>
+                      </a:r>
+                      <a:endParaRPr lang="zh-TW" altLang="en-US" sz="1400" b="1" dirty="0">
+                        <a:solidFill>
+                          <a:schemeClr val="tx1">
+                            <a:lumMod val="65000"/>
+                          </a:schemeClr>
+                        </a:solidFill>
+                        <a:latin typeface="微軟正黑體" panose="020B0604030504040204" pitchFamily="34" charset="-120"/>
+                        <a:ea typeface="微軟正黑體" panose="020B0604030504040204" pitchFamily="34" charset="-120"/>
+                      </a:endParaRPr>
+                    </a:p>
+                  </a:txBody>
+                  <a:tcPr/>
+                </a:tc>
+                <a:tc>
+                  <a:txBody>
+                    <a:bodyPr/>
+                    <a:lstStyle/>
+                    <a:p>
+                      <a:pPr algn="r"/>
+                      <a:r>
+                        <a:rPr lang="zh-TW" altLang="en-US" sz="1400" b="1" dirty="0" smtClean="0">
+                          <a:solidFill>
+                            <a:schemeClr val="tx1">
+                              <a:lumMod val="85000"/>
+                            </a:schemeClr>
+                          </a:solidFill>
+                          <a:latin typeface="微軟正黑體" panose="020B0604030504040204" pitchFamily="34" charset="-120"/>
+                          <a:ea typeface="微軟正黑體" panose="020B0604030504040204" pitchFamily="34" charset="-120"/>
+                        </a:rPr>
+                        <a:t>男</a:t>
+                      </a:r>
+                      <a:endParaRPr lang="zh-TW" altLang="en-US" sz="1400" b="1" dirty="0">
+                        <a:solidFill>
+                          <a:schemeClr val="tx1">
+                            <a:lumMod val="85000"/>
+                          </a:schemeClr>
+                        </a:solidFill>
+                        <a:latin typeface="微軟正黑體" panose="020B0604030504040204" pitchFamily="34" charset="-120"/>
+                        <a:ea typeface="微軟正黑體" panose="020B0604030504040204" pitchFamily="34" charset="-120"/>
+                      </a:endParaRPr>
+                    </a:p>
+                  </a:txBody>
+                  <a:tcPr/>
+                </a:tc>
+                <a:extLst>
+                  <a:ext uri="{0D108BD9-81ED-4DB2-BD59-A6C34878D82A}">
+                    <a16:rowId xmlns:a16="http://schemas.microsoft.com/office/drawing/2014/main" val="3290354184"/>
+                  </a:ext>
+                </a:extLst>
+              </a:tr>
+              <a:tr h="370840">
+                <a:tc>
+                  <a:txBody>
+                    <a:bodyPr/>
+                    <a:lstStyle/>
+                    <a:p>
+                      <a:pPr algn="l"/>
+                      <a:r>
+                        <a:rPr lang="zh-TW" altLang="en-US" sz="1400" b="1" dirty="0" smtClean="0">
+                          <a:solidFill>
+                            <a:schemeClr val="tx1">
+                              <a:lumMod val="65000"/>
+                            </a:schemeClr>
+                          </a:solidFill>
+                          <a:latin typeface="微軟正黑體" panose="020B0604030504040204" pitchFamily="34" charset="-120"/>
+                          <a:ea typeface="微軟正黑體" panose="020B0604030504040204" pitchFamily="34" charset="-120"/>
+                        </a:rPr>
+                        <a:t>影像紀錄</a:t>
+                      </a:r>
+                      <a:endParaRPr lang="zh-TW" altLang="en-US" sz="1400" b="1" dirty="0">
+                        <a:solidFill>
+                          <a:schemeClr val="tx1">
+                            <a:lumMod val="65000"/>
+                          </a:schemeClr>
+                        </a:solidFill>
+                        <a:latin typeface="微軟正黑體" panose="020B0604030504040204" pitchFamily="34" charset="-120"/>
+                        <a:ea typeface="微軟正黑體" panose="020B0604030504040204" pitchFamily="34" charset="-120"/>
+                      </a:endParaRPr>
+                    </a:p>
+                  </a:txBody>
+                  <a:tcPr/>
+                </a:tc>
+                <a:tc>
+                  <a:txBody>
+                    <a:bodyPr/>
+                    <a:lstStyle/>
+                    <a:p>
+                      <a:pPr algn="r"/>
+                      <a:r>
+                        <a:rPr lang="en-US" altLang="zh-TW" sz="1400" b="1" dirty="0" smtClean="0">
+                          <a:solidFill>
+                            <a:schemeClr val="tx1">
+                              <a:lumMod val="85000"/>
+                            </a:schemeClr>
+                          </a:solidFill>
+                          <a:latin typeface="微軟正黑體" panose="020B0604030504040204" pitchFamily="34" charset="-120"/>
+                          <a:ea typeface="微軟正黑體" panose="020B0604030504040204" pitchFamily="34" charset="-120"/>
+                        </a:rPr>
+                        <a:t>5</a:t>
+                      </a:r>
+                      <a:endParaRPr lang="zh-TW" altLang="en-US" sz="1400" b="1" dirty="0">
+                        <a:solidFill>
+                          <a:schemeClr val="tx1">
+                            <a:lumMod val="85000"/>
+                          </a:schemeClr>
+                        </a:solidFill>
+                        <a:latin typeface="微軟正黑體" panose="020B0604030504040204" pitchFamily="34" charset="-120"/>
+                        <a:ea typeface="微軟正黑體" panose="020B0604030504040204" pitchFamily="34" charset="-120"/>
+                      </a:endParaRPr>
+                    </a:p>
+                  </a:txBody>
+                  <a:tcPr/>
+                </a:tc>
+                <a:extLst>
+                  <a:ext uri="{0D108BD9-81ED-4DB2-BD59-A6C34878D82A}">
+                    <a16:rowId xmlns:a16="http://schemas.microsoft.com/office/drawing/2014/main" val="435934568"/>
+                  </a:ext>
+                </a:extLst>
+              </a:tr>
+            </a:tbl>
+          </a:graphicData>
+        </a:graphic>
+      </p:graphicFrame>
+      <p:cxnSp>
+        <p:nvCxnSpPr>
+          <p:cNvPr id="103" name="直線接點 102"/>
+          <p:cNvCxnSpPr/>
+          <p:nvPr/>
+        </p:nvCxnSpPr>
+        <p:spPr>
+          <a:xfrm>
+            <a:off x="9491682" y="4180662"/>
+            <a:ext cx="2484749" cy="0"/>
+          </a:xfrm>
+          <a:prstGeom prst="line">
+            <a:avLst/>
+          </a:prstGeom>
+          <a:ln w="12700">
+            <a:solidFill>
+              <a:srgbClr val="88B2AC"/>
+            </a:solidFill>
+          </a:ln>
+        </p:spPr>
+        <p:style>
+          <a:lnRef idx="1">
+            <a:schemeClr val="accent1"/>
+          </a:lnRef>
+          <a:fillRef idx="0">
+            <a:schemeClr val="accent1"/>
+          </a:fillRef>
+          <a:effectRef idx="0">
+            <a:schemeClr val="accent1"/>
+          </a:effectRef>
+          <a:fontRef idx="minor">
+            <a:schemeClr val="tx1"/>
+          </a:fontRef>
+        </p:style>
+      </p:cxnSp>
+      <p:cxnSp>
+        <p:nvCxnSpPr>
+          <p:cNvPr id="104" name="直線接點 103"/>
+          <p:cNvCxnSpPr/>
+          <p:nvPr/>
+        </p:nvCxnSpPr>
+        <p:spPr>
+          <a:xfrm>
+            <a:off x="9520299" y="5825536"/>
+            <a:ext cx="2484749" cy="0"/>
+          </a:xfrm>
+          <a:prstGeom prst="line">
+            <a:avLst/>
+          </a:prstGeom>
+          <a:ln w="12700">
+            <a:solidFill>
+              <a:srgbClr val="88B2AC"/>
+            </a:solidFill>
+          </a:ln>
+        </p:spPr>
+        <p:style>
+          <a:lnRef idx="1">
+            <a:schemeClr val="accent1"/>
+          </a:lnRef>
+          <a:fillRef idx="0">
+            <a:schemeClr val="accent1"/>
+          </a:fillRef>
+          <a:effectRef idx="0">
+            <a:schemeClr val="accent1"/>
+          </a:effectRef>
+          <a:fontRef idx="minor">
+            <a:schemeClr val="tx1"/>
+          </a:fontRef>
+        </p:style>
+      </p:cxnSp>
+      <p:sp>
+        <p:nvSpPr>
+          <p:cNvPr id="117" name="矩形 116"/>
+          <p:cNvSpPr/>
+          <p:nvPr/>
+        </p:nvSpPr>
+        <p:spPr>
+          <a:xfrm>
+            <a:off x="3800516" y="1779871"/>
+            <a:ext cx="1082348" cy="307777"/>
+          </a:xfrm>
+          <a:prstGeom prst="rect">
+            <a:avLst/>
+          </a:prstGeom>
+        </p:spPr>
+        <p:txBody>
+          <a:bodyPr wrap="none">
+            <a:spAutoFit/>
+          </a:bodyPr>
+          <a:lstStyle/>
+          <a:p>
+            <a:r>
+              <a:rPr lang="zh-TW" altLang="en-US" sz="1400" dirty="0">
+                <a:solidFill>
+                  <a:schemeClr val="tx1">
+                    <a:lumMod val="85000"/>
+                  </a:schemeClr>
+                </a:solidFill>
+                <a:latin typeface="微軟正黑體" panose="020B0604030504040204" pitchFamily="34" charset="-120"/>
+                <a:ea typeface="微軟正黑體" panose="020B0604030504040204" pitchFamily="34" charset="-120"/>
+              </a:rPr>
+              <a:t>身分證字號</a:t>
+            </a:r>
+          </a:p>
+        </p:txBody>
+      </p:sp>
+      <p:sp>
+        <p:nvSpPr>
+          <p:cNvPr id="118" name="矩形 117"/>
+          <p:cNvSpPr/>
+          <p:nvPr/>
+        </p:nvSpPr>
+        <p:spPr>
+          <a:xfrm>
+            <a:off x="3800516" y="2445718"/>
+            <a:ext cx="902811" cy="307777"/>
+          </a:xfrm>
+          <a:prstGeom prst="rect">
+            <a:avLst/>
+          </a:prstGeom>
+        </p:spPr>
+        <p:txBody>
+          <a:bodyPr wrap="none">
+            <a:spAutoFit/>
+          </a:bodyPr>
+          <a:lstStyle/>
+          <a:p>
+            <a:r>
+              <a:rPr lang="zh-TW" altLang="en-US" sz="1400" dirty="0" smtClean="0">
+                <a:solidFill>
+                  <a:schemeClr val="tx1">
+                    <a:lumMod val="85000"/>
+                  </a:schemeClr>
+                </a:solidFill>
+                <a:latin typeface="微軟正黑體" panose="020B0604030504040204" pitchFamily="34" charset="-120"/>
+                <a:ea typeface="微軟正黑體" panose="020B0604030504040204" pitchFamily="34" charset="-120"/>
+              </a:rPr>
+              <a:t>拍攝日期</a:t>
+            </a:r>
+            <a:endParaRPr lang="zh-TW" altLang="en-US" sz="1400" dirty="0">
+              <a:solidFill>
+                <a:schemeClr val="tx1">
+                  <a:lumMod val="85000"/>
+                </a:schemeClr>
+              </a:solidFill>
+              <a:latin typeface="微軟正黑體" panose="020B0604030504040204" pitchFamily="34" charset="-120"/>
+              <a:ea typeface="微軟正黑體" panose="020B0604030504040204" pitchFamily="34" charset="-120"/>
+            </a:endParaRPr>
+          </a:p>
+        </p:txBody>
+      </p:sp>
+      <p:sp>
+        <p:nvSpPr>
+          <p:cNvPr id="119" name="矩形 118"/>
+          <p:cNvSpPr/>
+          <p:nvPr/>
+        </p:nvSpPr>
+        <p:spPr>
+          <a:xfrm>
+            <a:off x="3800516" y="3111565"/>
+            <a:ext cx="902811" cy="307777"/>
+          </a:xfrm>
+          <a:prstGeom prst="rect">
+            <a:avLst/>
+          </a:prstGeom>
+        </p:spPr>
+        <p:txBody>
+          <a:bodyPr wrap="none">
+            <a:spAutoFit/>
+          </a:bodyPr>
+          <a:lstStyle/>
+          <a:p>
+            <a:r>
+              <a:rPr lang="zh-TW" altLang="en-US" sz="1400" dirty="0" smtClean="0">
+                <a:solidFill>
+                  <a:schemeClr val="tx1">
+                    <a:lumMod val="85000"/>
+                  </a:schemeClr>
+                </a:solidFill>
+                <a:latin typeface="微軟正黑體" panose="020B0604030504040204" pitchFamily="34" charset="-120"/>
+                <a:ea typeface="微軟正黑體" panose="020B0604030504040204" pitchFamily="34" charset="-120"/>
+              </a:rPr>
+              <a:t>上傳檔案</a:t>
+            </a:r>
+            <a:endParaRPr lang="zh-TW" altLang="en-US" sz="1400" dirty="0">
+              <a:solidFill>
+                <a:schemeClr val="tx1">
+                  <a:lumMod val="85000"/>
+                </a:schemeClr>
+              </a:solidFill>
+              <a:latin typeface="微軟正黑體" panose="020B0604030504040204" pitchFamily="34" charset="-120"/>
+              <a:ea typeface="微軟正黑體" panose="020B0604030504040204" pitchFamily="34" charset="-120"/>
+            </a:endParaRPr>
+          </a:p>
+        </p:txBody>
+      </p:sp>
+      <p:sp>
+        <p:nvSpPr>
+          <p:cNvPr id="120" name="矩形 119"/>
+          <p:cNvSpPr/>
+          <p:nvPr/>
+        </p:nvSpPr>
+        <p:spPr>
+          <a:xfrm>
+            <a:off x="3800516" y="3777412"/>
+            <a:ext cx="902811" cy="307777"/>
+          </a:xfrm>
+          <a:prstGeom prst="rect">
+            <a:avLst/>
+          </a:prstGeom>
+        </p:spPr>
+        <p:txBody>
+          <a:bodyPr wrap="none">
+            <a:spAutoFit/>
+          </a:bodyPr>
+          <a:lstStyle/>
+          <a:p>
+            <a:r>
+              <a:rPr lang="zh-TW" altLang="en-US" sz="1400" dirty="0" smtClean="0">
+                <a:solidFill>
+                  <a:schemeClr val="tx1">
+                    <a:lumMod val="85000"/>
+                  </a:schemeClr>
+                </a:solidFill>
+                <a:latin typeface="微軟正黑體" panose="020B0604030504040204" pitchFamily="34" charset="-120"/>
+                <a:ea typeface="微軟正黑體" panose="020B0604030504040204" pitchFamily="34" charset="-120"/>
+              </a:rPr>
+              <a:t>實際年齡</a:t>
+            </a:r>
+            <a:endParaRPr lang="zh-TW" altLang="en-US" sz="1400" dirty="0">
+              <a:solidFill>
+                <a:schemeClr val="tx1">
+                  <a:lumMod val="85000"/>
+                </a:schemeClr>
+              </a:solidFill>
+              <a:latin typeface="微軟正黑體" panose="020B0604030504040204" pitchFamily="34" charset="-120"/>
+              <a:ea typeface="微軟正黑體" panose="020B0604030504040204" pitchFamily="34" charset="-120"/>
+            </a:endParaRPr>
+          </a:p>
+        </p:txBody>
+      </p:sp>
+      <p:sp>
+        <p:nvSpPr>
+          <p:cNvPr id="121" name="矩形 120"/>
+          <p:cNvSpPr/>
+          <p:nvPr/>
+        </p:nvSpPr>
+        <p:spPr>
+          <a:xfrm>
+            <a:off x="3800516" y="4442445"/>
+            <a:ext cx="902811" cy="307777"/>
+          </a:xfrm>
+          <a:prstGeom prst="rect">
+            <a:avLst/>
+          </a:prstGeom>
+        </p:spPr>
+        <p:txBody>
+          <a:bodyPr wrap="none">
+            <a:spAutoFit/>
+          </a:bodyPr>
+          <a:lstStyle/>
+          <a:p>
+            <a:r>
+              <a:rPr lang="zh-TW" altLang="en-US" sz="1400" dirty="0" smtClean="0">
+                <a:solidFill>
+                  <a:schemeClr val="tx1">
+                    <a:lumMod val="85000"/>
+                  </a:schemeClr>
+                </a:solidFill>
+                <a:latin typeface="微軟正黑體" panose="020B0604030504040204" pitchFamily="34" charset="-120"/>
+                <a:ea typeface="微軟正黑體" panose="020B0604030504040204" pitchFamily="34" charset="-120"/>
+              </a:rPr>
+              <a:t>腦部年齡</a:t>
+            </a:r>
+            <a:endParaRPr lang="zh-TW" altLang="en-US" sz="1400" dirty="0">
+              <a:solidFill>
+                <a:schemeClr val="tx1">
+                  <a:lumMod val="85000"/>
+                </a:schemeClr>
+              </a:solidFill>
+              <a:latin typeface="微軟正黑體" panose="020B0604030504040204" pitchFamily="34" charset="-120"/>
+              <a:ea typeface="微軟正黑體" panose="020B0604030504040204" pitchFamily="34" charset="-120"/>
+            </a:endParaRPr>
+          </a:p>
+        </p:txBody>
+      </p:sp>
+      <p:sp>
+        <p:nvSpPr>
+          <p:cNvPr id="122" name="矩形 121"/>
+          <p:cNvSpPr/>
+          <p:nvPr/>
+        </p:nvSpPr>
+        <p:spPr>
+          <a:xfrm>
+            <a:off x="3800516" y="5108292"/>
+            <a:ext cx="1082348" cy="307777"/>
+          </a:xfrm>
+          <a:prstGeom prst="rect">
+            <a:avLst/>
+          </a:prstGeom>
+        </p:spPr>
+        <p:txBody>
+          <a:bodyPr wrap="none">
+            <a:spAutoFit/>
+          </a:bodyPr>
+          <a:lstStyle/>
+          <a:p>
+            <a:r>
+              <a:rPr lang="zh-TW" altLang="en-US" sz="1400" dirty="0" smtClean="0">
+                <a:solidFill>
+                  <a:schemeClr val="tx1">
+                    <a:lumMod val="85000"/>
+                  </a:schemeClr>
+                </a:solidFill>
+                <a:latin typeface="微軟正黑體" panose="020B0604030504040204" pitchFamily="34" charset="-120"/>
+                <a:ea typeface="微軟正黑體" panose="020B0604030504040204" pitchFamily="34" charset="-120"/>
+              </a:rPr>
+              <a:t>失智症風險</a:t>
+            </a:r>
+            <a:endParaRPr lang="zh-TW" altLang="en-US" sz="1400" dirty="0">
+              <a:solidFill>
+                <a:schemeClr val="tx1">
+                  <a:lumMod val="85000"/>
+                </a:schemeClr>
+              </a:solidFill>
+              <a:latin typeface="微軟正黑體" panose="020B0604030504040204" pitchFamily="34" charset="-120"/>
+              <a:ea typeface="微軟正黑體" panose="020B0604030504040204" pitchFamily="34" charset="-120"/>
+            </a:endParaRPr>
+          </a:p>
+        </p:txBody>
+      </p:sp>
+      <p:sp>
+        <p:nvSpPr>
+          <p:cNvPr id="125" name="矩形 124"/>
+          <p:cNvSpPr/>
+          <p:nvPr/>
+        </p:nvSpPr>
+        <p:spPr>
+          <a:xfrm>
+            <a:off x="3564363" y="1158858"/>
+            <a:ext cx="1625272" cy="313160"/>
+          </a:xfrm>
+          <a:prstGeom prst="rect">
+            <a:avLst/>
+          </a:prstGeom>
+          <a:solidFill>
+            <a:srgbClr val="21222D"/>
+          </a:solidFill>
+          <a:ln>
+            <a:noFill/>
+          </a:ln>
+        </p:spPr>
+        <p:style>
+          <a:lnRef idx="2">
+            <a:schemeClr val="accent1">
+              <a:shade val="50000"/>
+            </a:schemeClr>
+          </a:lnRef>
+          <a:fillRef idx="1">
+            <a:schemeClr val="accent1"/>
+          </a:fillRef>
+          <a:effectRef idx="0">
+            <a:schemeClr val="accent1"/>
+          </a:effectRef>
+          <a:fontRef idx="minor">
+            <a:schemeClr val="lt1"/>
+          </a:fontRef>
+        </p:style>
+        <p:txBody>
+          <a:bodyPr rtlCol="0" anchor="ctr"/>
+          <a:lstStyle/>
+          <a:p>
+            <a:pPr algn="ctr"/>
+            <a:r>
+              <a:rPr lang="zh-TW" altLang="en-US" sz="2000" b="1" dirty="0">
+                <a:solidFill>
+                  <a:schemeClr val="tx1"/>
+                </a:solidFill>
+                <a:latin typeface="微軟正黑體" panose="020B0604030504040204" pitchFamily="34" charset="-120"/>
+                <a:ea typeface="微軟正黑體" panose="020B0604030504040204" pitchFamily="34" charset="-120"/>
+              </a:rPr>
+              <a:t>上</a:t>
+            </a:r>
+            <a:r>
+              <a:rPr lang="zh-TW" altLang="en-US" sz="2000" b="1" dirty="0" smtClean="0">
+                <a:solidFill>
+                  <a:schemeClr val="tx1"/>
+                </a:solidFill>
+                <a:latin typeface="微軟正黑體" panose="020B0604030504040204" pitchFamily="34" charset="-120"/>
+                <a:ea typeface="微軟正黑體" panose="020B0604030504040204" pitchFamily="34" charset="-120"/>
+              </a:rPr>
+              <a:t>傳</a:t>
+            </a:r>
+            <a:r>
+              <a:rPr lang="zh-TW" altLang="en-US" sz="2000" b="1" dirty="0">
+                <a:solidFill>
+                  <a:schemeClr val="tx1"/>
+                </a:solidFill>
+                <a:latin typeface="微軟正黑體" panose="020B0604030504040204" pitchFamily="34" charset="-120"/>
+                <a:ea typeface="微軟正黑體" panose="020B0604030504040204" pitchFamily="34" charset="-120"/>
+              </a:rPr>
+              <a:t>影像</a:t>
+            </a:r>
+          </a:p>
+        </p:txBody>
+      </p:sp>
+      <p:sp>
+        <p:nvSpPr>
+          <p:cNvPr id="126" name="矩形 125"/>
+          <p:cNvSpPr/>
+          <p:nvPr/>
+        </p:nvSpPr>
+        <p:spPr>
+          <a:xfrm>
+            <a:off x="9800686" y="996875"/>
+            <a:ext cx="1625272" cy="313160"/>
+          </a:xfrm>
+          <a:prstGeom prst="rect">
+            <a:avLst/>
+          </a:prstGeom>
+          <a:solidFill>
+            <a:srgbClr val="21222D"/>
+          </a:solidFill>
+          <a:ln>
+            <a:noFill/>
+          </a:ln>
+        </p:spPr>
+        <p:style>
+          <a:lnRef idx="2">
+            <a:schemeClr val="accent1">
+              <a:shade val="50000"/>
+            </a:schemeClr>
+          </a:lnRef>
+          <a:fillRef idx="1">
+            <a:schemeClr val="accent1"/>
+          </a:fillRef>
+          <a:effectRef idx="0">
+            <a:schemeClr val="accent1"/>
+          </a:effectRef>
+          <a:fontRef idx="minor">
+            <a:schemeClr val="lt1"/>
+          </a:fontRef>
+        </p:style>
+        <p:txBody>
+          <a:bodyPr rtlCol="0" anchor="ctr"/>
+          <a:lstStyle/>
+          <a:p>
+            <a:pPr algn="ctr"/>
+            <a:r>
+              <a:rPr lang="zh-TW" altLang="en-US" sz="2000" b="1" dirty="0" smtClean="0">
+                <a:solidFill>
+                  <a:schemeClr val="tx1"/>
+                </a:solidFill>
+                <a:latin typeface="微軟正黑體" panose="020B0604030504040204" pitchFamily="34" charset="-120"/>
+                <a:ea typeface="微軟正黑體" panose="020B0604030504040204" pitchFamily="34" charset="-120"/>
+              </a:rPr>
+              <a:t>個人檔案</a:t>
+            </a:r>
+            <a:endParaRPr lang="zh-TW" altLang="en-US" sz="2000" b="1" dirty="0">
+              <a:solidFill>
+                <a:schemeClr val="tx1"/>
+              </a:solidFill>
+              <a:latin typeface="微軟正黑體" panose="020B0604030504040204" pitchFamily="34" charset="-120"/>
+              <a:ea typeface="微軟正黑體" panose="020B0604030504040204" pitchFamily="34" charset="-120"/>
+            </a:endParaRPr>
+          </a:p>
+        </p:txBody>
+      </p:sp>
+      <p:sp>
+        <p:nvSpPr>
+          <p:cNvPr id="53" name="圓角矩形 52"/>
+          <p:cNvSpPr/>
+          <p:nvPr/>
+        </p:nvSpPr>
+        <p:spPr>
+          <a:xfrm>
+            <a:off x="5074238" y="1736647"/>
+            <a:ext cx="2271498" cy="436309"/>
+          </a:xfrm>
+          <a:prstGeom prst="roundRect">
+            <a:avLst>
+              <a:gd name="adj" fmla="val 11522"/>
+            </a:avLst>
+          </a:prstGeom>
+          <a:solidFill>
+            <a:srgbClr val="21222D"/>
+          </a:solidFill>
+          <a:ln w="3175">
+            <a:solidFill>
+              <a:schemeClr val="tx1">
+                <a:lumMod val="75000"/>
+              </a:schemeClr>
+            </a:solidFill>
+          </a:ln>
+        </p:spPr>
+        <p:style>
+          <a:lnRef idx="2">
+            <a:schemeClr val="accent1">
+              <a:shade val="50000"/>
+            </a:schemeClr>
+          </a:lnRef>
+          <a:fillRef idx="1">
+            <a:schemeClr val="accent1"/>
+          </a:fillRef>
+          <a:effectRef idx="0">
+            <a:schemeClr val="accent1"/>
+          </a:effectRef>
+          <a:fontRef idx="minor">
+            <a:schemeClr val="lt1"/>
+          </a:fontRef>
+        </p:style>
+        <p:txBody>
+          <a:bodyPr rtlCol="0" anchor="ctr"/>
+          <a:lstStyle/>
+          <a:p>
+            <a:r>
+              <a:rPr lang="en-US" altLang="zh-TW" sz="1400" dirty="0" smtClean="0">
+                <a:solidFill>
+                  <a:schemeClr val="tx1">
+                    <a:lumMod val="75000"/>
+                  </a:schemeClr>
+                </a:solidFill>
+                <a:latin typeface="微軟正黑體" panose="020B0604030504040204" pitchFamily="34" charset="-120"/>
+                <a:ea typeface="微軟正黑體" panose="020B0604030504040204" pitchFamily="34" charset="-120"/>
+              </a:rPr>
+              <a:t>A11200938</a:t>
+            </a:r>
+            <a:endParaRPr lang="zh-TW" altLang="en-US" sz="1400" dirty="0">
+              <a:solidFill>
+                <a:schemeClr val="tx1">
+                  <a:lumMod val="75000"/>
+                </a:schemeClr>
+              </a:solidFill>
+              <a:latin typeface="微軟正黑體" panose="020B0604030504040204" pitchFamily="34" charset="-120"/>
+              <a:ea typeface="微軟正黑體" panose="020B0604030504040204" pitchFamily="34" charset="-120"/>
+            </a:endParaRPr>
+          </a:p>
+        </p:txBody>
+      </p:sp>
+      <p:sp>
+        <p:nvSpPr>
+          <p:cNvPr id="54" name="圓角矩形 53"/>
+          <p:cNvSpPr/>
+          <p:nvPr/>
+        </p:nvSpPr>
+        <p:spPr>
+          <a:xfrm>
+            <a:off x="5074238" y="2402494"/>
+            <a:ext cx="2271498" cy="436309"/>
+          </a:xfrm>
+          <a:prstGeom prst="roundRect">
+            <a:avLst>
+              <a:gd name="adj" fmla="val 11522"/>
+            </a:avLst>
+          </a:prstGeom>
+          <a:solidFill>
+            <a:srgbClr val="21222D"/>
+          </a:solidFill>
+          <a:ln w="3175">
+            <a:solidFill>
+              <a:schemeClr val="tx1">
+                <a:lumMod val="75000"/>
+              </a:schemeClr>
+            </a:solidFill>
+          </a:ln>
+        </p:spPr>
+        <p:style>
+          <a:lnRef idx="2">
+            <a:schemeClr val="accent1">
+              <a:shade val="50000"/>
+            </a:schemeClr>
+          </a:lnRef>
+          <a:fillRef idx="1">
+            <a:schemeClr val="accent1"/>
+          </a:fillRef>
+          <a:effectRef idx="0">
+            <a:schemeClr val="accent1"/>
+          </a:effectRef>
+          <a:fontRef idx="minor">
+            <a:schemeClr val="lt1"/>
+          </a:fontRef>
+        </p:style>
+        <p:txBody>
+          <a:bodyPr rtlCol="0" anchor="ctr"/>
+          <a:lstStyle/>
+          <a:p>
+            <a:r>
+              <a:rPr lang="en-US" altLang="zh-TW" sz="1400" dirty="0" smtClean="0">
+                <a:solidFill>
+                  <a:schemeClr val="tx1">
+                    <a:lumMod val="75000"/>
+                  </a:schemeClr>
+                </a:solidFill>
+                <a:latin typeface="微軟正黑體" panose="020B0604030504040204" pitchFamily="34" charset="-120"/>
+                <a:ea typeface="微軟正黑體" panose="020B0604030504040204" pitchFamily="34" charset="-120"/>
+              </a:rPr>
+              <a:t>2025/03/08</a:t>
+            </a:r>
+            <a:endParaRPr lang="zh-TW" altLang="en-US" sz="1400" dirty="0">
+              <a:solidFill>
+                <a:schemeClr val="tx1">
+                  <a:lumMod val="75000"/>
+                </a:schemeClr>
+              </a:solidFill>
+              <a:latin typeface="微軟正黑體" panose="020B0604030504040204" pitchFamily="34" charset="-120"/>
+              <a:ea typeface="微軟正黑體" panose="020B0604030504040204" pitchFamily="34" charset="-120"/>
+            </a:endParaRPr>
+          </a:p>
+        </p:txBody>
+      </p:sp>
+      <p:sp>
+        <p:nvSpPr>
+          <p:cNvPr id="55" name="圓角矩形 54"/>
+          <p:cNvSpPr/>
+          <p:nvPr/>
+        </p:nvSpPr>
+        <p:spPr>
+          <a:xfrm>
+            <a:off x="5074238" y="3069545"/>
+            <a:ext cx="2271498" cy="436309"/>
+          </a:xfrm>
+          <a:prstGeom prst="roundRect">
+            <a:avLst>
+              <a:gd name="adj" fmla="val 11522"/>
+            </a:avLst>
+          </a:prstGeom>
+          <a:solidFill>
+            <a:srgbClr val="21222D"/>
+          </a:solidFill>
+          <a:ln w="3175">
+            <a:solidFill>
+              <a:schemeClr val="tx1">
+                <a:lumMod val="75000"/>
+              </a:schemeClr>
+            </a:solidFill>
+          </a:ln>
+        </p:spPr>
+        <p:style>
+          <a:lnRef idx="2">
+            <a:schemeClr val="accent1">
+              <a:shade val="50000"/>
+            </a:schemeClr>
+          </a:lnRef>
+          <a:fillRef idx="1">
+            <a:schemeClr val="accent1"/>
+          </a:fillRef>
+          <a:effectRef idx="0">
+            <a:schemeClr val="accent1"/>
+          </a:effectRef>
+          <a:fontRef idx="minor">
+            <a:schemeClr val="lt1"/>
+          </a:fontRef>
+        </p:style>
+        <p:txBody>
+          <a:bodyPr rtlCol="0" anchor="ctr"/>
+          <a:lstStyle/>
+          <a:p>
+            <a:r>
+              <a:rPr lang="en-US" altLang="zh-TW" sz="1400" dirty="0" smtClean="0">
+                <a:solidFill>
+                  <a:schemeClr val="tx1">
+                    <a:lumMod val="75000"/>
+                  </a:schemeClr>
+                </a:solidFill>
+                <a:latin typeface="微軟正黑體" panose="020B0604030504040204" pitchFamily="34" charset="-120"/>
+                <a:ea typeface="微軟正黑體" panose="020B0604030504040204" pitchFamily="34" charset="-120"/>
+              </a:rPr>
+              <a:t>myMRI250308.nii.gz</a:t>
+            </a:r>
+            <a:endParaRPr lang="zh-TW" altLang="en-US" sz="1400" dirty="0">
+              <a:solidFill>
+                <a:schemeClr val="tx1">
+                  <a:lumMod val="75000"/>
+                </a:schemeClr>
+              </a:solidFill>
+              <a:latin typeface="微軟正黑體" panose="020B0604030504040204" pitchFamily="34" charset="-120"/>
+              <a:ea typeface="微軟正黑體" panose="020B0604030504040204" pitchFamily="34" charset="-120"/>
+            </a:endParaRPr>
+          </a:p>
+        </p:txBody>
+      </p:sp>
+      <p:sp>
+        <p:nvSpPr>
+          <p:cNvPr id="56" name="圓角矩形 55"/>
+          <p:cNvSpPr/>
+          <p:nvPr/>
+        </p:nvSpPr>
+        <p:spPr>
+          <a:xfrm>
+            <a:off x="5074238" y="4403647"/>
+            <a:ext cx="2271498" cy="436309"/>
+          </a:xfrm>
+          <a:prstGeom prst="roundRect">
+            <a:avLst>
+              <a:gd name="adj" fmla="val 11522"/>
+            </a:avLst>
+          </a:prstGeom>
+          <a:solidFill>
+            <a:schemeClr val="bg2">
+              <a:lumMod val="75000"/>
+            </a:schemeClr>
+          </a:solidFill>
+          <a:ln w="28575">
+            <a:gradFill flip="none" rotWithShape="1">
+              <a:gsLst>
+                <a:gs pos="0">
+                  <a:srgbClr val="00B050"/>
+                </a:gs>
+                <a:gs pos="100000">
+                  <a:srgbClr val="FF0000"/>
+                </a:gs>
+                <a:gs pos="28000">
+                  <a:srgbClr val="92D050"/>
+                </a:gs>
+                <a:gs pos="52000">
+                  <a:srgbClr val="FFFF00"/>
+                </a:gs>
+                <a:gs pos="77000">
+                  <a:srgbClr val="FFC000"/>
+                </a:gs>
+              </a:gsLst>
+              <a:lin ang="0" scaled="1"/>
+              <a:tileRect/>
+            </a:gradFill>
+          </a:ln>
+        </p:spPr>
+        <p:style>
+          <a:lnRef idx="2">
+            <a:schemeClr val="accent1">
+              <a:shade val="50000"/>
+            </a:schemeClr>
+          </a:lnRef>
+          <a:fillRef idx="1">
+            <a:schemeClr val="accent1"/>
+          </a:fillRef>
+          <a:effectRef idx="0">
+            <a:schemeClr val="accent1"/>
+          </a:effectRef>
+          <a:fontRef idx="minor">
+            <a:schemeClr val="lt1"/>
+          </a:fontRef>
+        </p:style>
+        <p:txBody>
+          <a:bodyPr rtlCol="0" anchor="ctr"/>
+          <a:lstStyle/>
+          <a:p>
+            <a:r>
+              <a:rPr lang="en-US" altLang="zh-TW" sz="1600" dirty="0" smtClean="0">
+                <a:solidFill>
+                  <a:schemeClr val="tx1">
+                    <a:lumMod val="75000"/>
+                  </a:schemeClr>
+                </a:solidFill>
+                <a:latin typeface="微軟正黑體" panose="020B0604030504040204" pitchFamily="34" charset="-120"/>
+                <a:ea typeface="微軟正黑體" panose="020B0604030504040204" pitchFamily="34" charset="-120"/>
+              </a:rPr>
+              <a:t>74</a:t>
+            </a:r>
+            <a:endParaRPr lang="zh-TW" altLang="en-US" sz="1600" dirty="0">
+              <a:solidFill>
+                <a:schemeClr val="tx1">
+                  <a:lumMod val="75000"/>
+                </a:schemeClr>
+              </a:solidFill>
+              <a:latin typeface="微軟正黑體" panose="020B0604030504040204" pitchFamily="34" charset="-120"/>
+              <a:ea typeface="微軟正黑體" panose="020B0604030504040204" pitchFamily="34" charset="-120"/>
+            </a:endParaRPr>
+          </a:p>
+        </p:txBody>
+      </p:sp>
+      <p:sp>
+        <p:nvSpPr>
+          <p:cNvPr id="57" name="圓角矩形 56"/>
+          <p:cNvSpPr/>
+          <p:nvPr/>
+        </p:nvSpPr>
+        <p:spPr>
+          <a:xfrm>
+            <a:off x="5074238" y="3736596"/>
+            <a:ext cx="2271498" cy="436309"/>
+          </a:xfrm>
+          <a:prstGeom prst="roundRect">
+            <a:avLst>
+              <a:gd name="adj" fmla="val 11522"/>
+            </a:avLst>
+          </a:prstGeom>
+          <a:solidFill>
+            <a:schemeClr val="bg2">
+              <a:lumMod val="75000"/>
+            </a:schemeClr>
+          </a:solidFill>
+          <a:ln w="3175">
+            <a:solidFill>
+              <a:schemeClr val="tx1">
+                <a:lumMod val="75000"/>
+              </a:schemeClr>
+            </a:solidFill>
+          </a:ln>
+        </p:spPr>
+        <p:style>
+          <a:lnRef idx="2">
+            <a:schemeClr val="accent1">
+              <a:shade val="50000"/>
+            </a:schemeClr>
+          </a:lnRef>
+          <a:fillRef idx="1">
+            <a:schemeClr val="accent1"/>
+          </a:fillRef>
+          <a:effectRef idx="0">
+            <a:schemeClr val="accent1"/>
+          </a:effectRef>
+          <a:fontRef idx="minor">
+            <a:schemeClr val="lt1"/>
+          </a:fontRef>
+        </p:style>
+        <p:txBody>
+          <a:bodyPr rtlCol="0" anchor="ctr"/>
+          <a:lstStyle/>
+          <a:p>
+            <a:r>
+              <a:rPr lang="en-US" altLang="zh-TW" sz="1400" dirty="0" smtClean="0">
+                <a:solidFill>
+                  <a:schemeClr val="tx1">
+                    <a:lumMod val="75000"/>
+                  </a:schemeClr>
+                </a:solidFill>
+                <a:latin typeface="微軟正黑體" panose="020B0604030504040204" pitchFamily="34" charset="-120"/>
+                <a:ea typeface="微軟正黑體" panose="020B0604030504040204" pitchFamily="34" charset="-120"/>
+              </a:rPr>
+              <a:t>65</a:t>
+            </a:r>
+            <a:endParaRPr lang="zh-TW" altLang="en-US" sz="1400" dirty="0">
+              <a:solidFill>
+                <a:schemeClr val="tx1">
+                  <a:lumMod val="75000"/>
+                </a:schemeClr>
+              </a:solidFill>
+              <a:latin typeface="微軟正黑體" panose="020B0604030504040204" pitchFamily="34" charset="-120"/>
+              <a:ea typeface="微軟正黑體" panose="020B0604030504040204" pitchFamily="34" charset="-120"/>
+            </a:endParaRPr>
+          </a:p>
+        </p:txBody>
+      </p:sp>
+      <p:sp>
+        <p:nvSpPr>
+          <p:cNvPr id="65" name="圓角矩形 64"/>
+          <p:cNvSpPr/>
+          <p:nvPr/>
+        </p:nvSpPr>
+        <p:spPr>
+          <a:xfrm>
+            <a:off x="5074238" y="5070698"/>
+            <a:ext cx="2271498" cy="436309"/>
+          </a:xfrm>
+          <a:prstGeom prst="roundRect">
+            <a:avLst>
+              <a:gd name="adj" fmla="val 11522"/>
+            </a:avLst>
+          </a:prstGeom>
+          <a:solidFill>
+            <a:schemeClr val="bg2">
+              <a:lumMod val="75000"/>
+            </a:schemeClr>
+          </a:solidFill>
+          <a:ln w="3175">
+            <a:solidFill>
+              <a:schemeClr val="tx1">
+                <a:lumMod val="75000"/>
+              </a:schemeClr>
+            </a:solidFill>
+          </a:ln>
+        </p:spPr>
+        <p:style>
+          <a:lnRef idx="2">
+            <a:schemeClr val="accent1">
+              <a:shade val="50000"/>
+            </a:schemeClr>
+          </a:lnRef>
+          <a:fillRef idx="1">
+            <a:schemeClr val="accent1"/>
+          </a:fillRef>
+          <a:effectRef idx="0">
+            <a:schemeClr val="accent1"/>
+          </a:effectRef>
+          <a:fontRef idx="minor">
+            <a:schemeClr val="lt1"/>
+          </a:fontRef>
+        </p:style>
+        <p:txBody>
+          <a:bodyPr rtlCol="0" anchor="ctr"/>
+          <a:lstStyle/>
+          <a:p>
+            <a:r>
+              <a:rPr lang="zh-TW" altLang="en-US" sz="1400" dirty="0">
+                <a:solidFill>
+                  <a:schemeClr val="tx1">
+                    <a:lumMod val="75000"/>
+                  </a:schemeClr>
+                </a:solidFill>
+                <a:latin typeface="微軟正黑體" panose="020B0604030504040204" pitchFamily="34" charset="-120"/>
+                <a:ea typeface="微軟正黑體" panose="020B0604030504040204" pitchFamily="34" charset="-120"/>
+              </a:rPr>
+              <a:t>失智症風險 </a:t>
+            </a:r>
+            <a:r>
+              <a:rPr lang="en-US" altLang="zh-TW" sz="1400" dirty="0">
+                <a:solidFill>
+                  <a:schemeClr val="tx1">
+                    <a:lumMod val="75000"/>
+                  </a:schemeClr>
+                </a:solidFill>
+                <a:latin typeface="微軟正黑體" panose="020B0604030504040204" pitchFamily="34" charset="-120"/>
+                <a:ea typeface="微軟正黑體" panose="020B0604030504040204" pitchFamily="34" charset="-120"/>
+              </a:rPr>
+              <a:t>(AI</a:t>
+            </a:r>
+            <a:r>
+              <a:rPr lang="zh-TW" altLang="en-US" sz="1400" dirty="0">
+                <a:solidFill>
+                  <a:schemeClr val="tx1">
+                    <a:lumMod val="75000"/>
+                  </a:schemeClr>
+                </a:solidFill>
+                <a:latin typeface="微軟正黑體" panose="020B0604030504040204" pitchFamily="34" charset="-120"/>
+                <a:ea typeface="微軟正黑體" panose="020B0604030504040204" pitchFamily="34" charset="-120"/>
+              </a:rPr>
+              <a:t>計算</a:t>
+            </a:r>
+            <a:r>
+              <a:rPr lang="en-US" altLang="zh-TW" sz="1400" dirty="0">
+                <a:solidFill>
+                  <a:schemeClr val="tx1">
+                    <a:lumMod val="75000"/>
+                  </a:schemeClr>
+                </a:solidFill>
+                <a:latin typeface="微軟正黑體" panose="020B0604030504040204" pitchFamily="34" charset="-120"/>
+                <a:ea typeface="微軟正黑體" panose="020B0604030504040204" pitchFamily="34" charset="-120"/>
+              </a:rPr>
+              <a:t>)</a:t>
+            </a:r>
+            <a:endParaRPr lang="zh-TW" altLang="en-US" sz="1400" dirty="0">
+              <a:solidFill>
+                <a:schemeClr val="tx1">
+                  <a:lumMod val="75000"/>
+                </a:schemeClr>
+              </a:solidFill>
+              <a:latin typeface="微軟正黑體" panose="020B0604030504040204" pitchFamily="34" charset="-120"/>
+              <a:ea typeface="微軟正黑體" panose="020B0604030504040204" pitchFamily="34" charset="-120"/>
+            </a:endParaRPr>
+          </a:p>
+        </p:txBody>
+      </p:sp>
+      <p:sp>
+        <p:nvSpPr>
+          <p:cNvPr id="66" name="圓角矩形 65"/>
+          <p:cNvSpPr/>
+          <p:nvPr/>
+        </p:nvSpPr>
+        <p:spPr>
+          <a:xfrm>
+            <a:off x="3886530" y="5798709"/>
+            <a:ext cx="1971042" cy="373297"/>
+          </a:xfrm>
+          <a:prstGeom prst="roundRect">
+            <a:avLst>
+              <a:gd name="adj" fmla="val 11522"/>
+            </a:avLst>
+          </a:prstGeom>
+          <a:solidFill>
+            <a:schemeClr val="bg2">
+              <a:lumMod val="75000"/>
+            </a:schemeClr>
+          </a:solidFill>
+          <a:ln w="28575">
+            <a:gradFill flip="none" rotWithShape="1">
+              <a:gsLst>
+                <a:gs pos="0">
+                  <a:srgbClr val="00B050"/>
+                </a:gs>
+                <a:gs pos="100000">
+                  <a:srgbClr val="FF0000"/>
+                </a:gs>
+                <a:gs pos="28000">
+                  <a:srgbClr val="92D050"/>
+                </a:gs>
+                <a:gs pos="52000">
+                  <a:srgbClr val="FFFF00"/>
+                </a:gs>
+                <a:gs pos="77000">
+                  <a:srgbClr val="FFC000"/>
+                </a:gs>
+              </a:gsLst>
+              <a:lin ang="0" scaled="1"/>
+              <a:tileRect/>
+            </a:gradFill>
+          </a:ln>
+        </p:spPr>
+        <p:style>
+          <a:lnRef idx="2">
+            <a:schemeClr val="accent1">
+              <a:shade val="50000"/>
+            </a:schemeClr>
+          </a:lnRef>
+          <a:fillRef idx="1">
+            <a:schemeClr val="accent1"/>
+          </a:fillRef>
+          <a:effectRef idx="0">
+            <a:schemeClr val="accent1"/>
+          </a:effectRef>
+          <a:fontRef idx="minor">
+            <a:schemeClr val="lt1"/>
+          </a:fontRef>
+        </p:style>
+        <p:txBody>
+          <a:bodyPr rtlCol="0" anchor="ctr"/>
+          <a:lstStyle/>
+          <a:p>
+            <a:pPr algn="ctr"/>
+            <a:r>
+              <a:rPr lang="zh-TW" altLang="en-US" sz="1600" b="1" dirty="0">
+                <a:solidFill>
+                  <a:schemeClr val="tx1"/>
+                </a:solidFill>
+                <a:latin typeface="微軟正黑體" panose="020B0604030504040204" pitchFamily="34" charset="-120"/>
+                <a:ea typeface="微軟正黑體" panose="020B0604030504040204" pitchFamily="34" charset="-120"/>
+              </a:rPr>
+              <a:t>計算中</a:t>
+            </a:r>
+            <a:r>
+              <a:rPr lang="en-US" altLang="zh-TW" sz="1600" b="1" dirty="0">
+                <a:solidFill>
+                  <a:schemeClr val="tx1"/>
+                </a:solidFill>
+                <a:latin typeface="微軟正黑體" panose="020B0604030504040204" pitchFamily="34" charset="-120"/>
+                <a:ea typeface="微軟正黑體" panose="020B0604030504040204" pitchFamily="34" charset="-120"/>
+              </a:rPr>
+              <a:t>…</a:t>
+            </a:r>
+            <a:endParaRPr lang="zh-TW" altLang="en-US" sz="1600" b="1" dirty="0">
+              <a:solidFill>
+                <a:schemeClr val="tx1"/>
+              </a:solidFill>
+              <a:latin typeface="微軟正黑體" panose="020B0604030504040204" pitchFamily="34" charset="-120"/>
+              <a:ea typeface="微軟正黑體" panose="020B0604030504040204" pitchFamily="34" charset="-120"/>
+            </a:endParaRPr>
+          </a:p>
+        </p:txBody>
+      </p:sp>
+      <p:sp>
+        <p:nvSpPr>
+          <p:cNvPr id="67" name="圓角矩形 66"/>
+          <p:cNvSpPr/>
+          <p:nvPr/>
+        </p:nvSpPr>
+        <p:spPr>
+          <a:xfrm>
+            <a:off x="5969331" y="5798709"/>
+            <a:ext cx="1376405" cy="373297"/>
+          </a:xfrm>
+          <a:prstGeom prst="roundRect">
+            <a:avLst>
+              <a:gd name="adj" fmla="val 11522"/>
+            </a:avLst>
+          </a:prstGeom>
+          <a:solidFill>
+            <a:srgbClr val="21222D"/>
+          </a:solidFill>
+          <a:ln w="3175">
+            <a:solidFill>
+              <a:schemeClr val="tx1">
+                <a:lumMod val="75000"/>
+              </a:schemeClr>
+            </a:solidFill>
+          </a:ln>
+        </p:spPr>
+        <p:style>
+          <a:lnRef idx="2">
+            <a:schemeClr val="accent1">
+              <a:shade val="50000"/>
+            </a:schemeClr>
+          </a:lnRef>
+          <a:fillRef idx="1">
+            <a:schemeClr val="accent1"/>
+          </a:fillRef>
+          <a:effectRef idx="0">
+            <a:schemeClr val="accent1"/>
+          </a:effectRef>
+          <a:fontRef idx="minor">
+            <a:schemeClr val="lt1"/>
+          </a:fontRef>
+        </p:style>
+        <p:txBody>
+          <a:bodyPr rtlCol="0" anchor="ctr"/>
+          <a:lstStyle/>
+          <a:p>
+            <a:pPr algn="ctr"/>
+            <a:r>
+              <a:rPr lang="zh-TW" altLang="en-US" sz="1600" b="1" dirty="0" smtClean="0">
+                <a:solidFill>
+                  <a:schemeClr val="tx1"/>
+                </a:solidFill>
+                <a:latin typeface="微軟正黑體" panose="020B0604030504040204" pitchFamily="34" charset="-120"/>
+                <a:ea typeface="微軟正黑體" panose="020B0604030504040204" pitchFamily="34" charset="-120"/>
+              </a:rPr>
+              <a:t>送出</a:t>
+            </a:r>
+            <a:endParaRPr lang="zh-TW" altLang="en-US" sz="1600" b="1" dirty="0">
+              <a:solidFill>
+                <a:schemeClr val="tx1"/>
+              </a:solidFill>
+              <a:latin typeface="微軟正黑體" panose="020B0604030504040204" pitchFamily="34" charset="-120"/>
+              <a:ea typeface="微軟正黑體" panose="020B0604030504040204" pitchFamily="34" charset="-120"/>
+            </a:endParaRPr>
+          </a:p>
+        </p:txBody>
+      </p:sp>
+      <p:pic>
+        <p:nvPicPr>
+          <p:cNvPr id="70" name="Picture 2" descr="low-light photography of man wearing blue collared shirt"/>
+          <p:cNvPicPr>
+            <a:picLocks noChangeAspect="1" noChangeArrowheads="1"/>
+          </p:cNvPicPr>
+          <p:nvPr/>
+        </p:nvPicPr>
+        <p:blipFill rotWithShape="1">
+          <a:blip r:embed="rId2" cstate="print">
+            <a:extLst>
+              <a:ext uri="{28A0092B-C50C-407E-A947-70E740481C1C}">
+                <a14:useLocalDpi xmlns:a14="http://schemas.microsoft.com/office/drawing/2010/main" val="0"/>
+              </a:ext>
+            </a:extLst>
+          </a:blip>
+          <a:srcRect l="740" t="11170" r="740" b="23151"/>
+          <a:stretch/>
+        </p:blipFill>
+        <p:spPr bwMode="auto">
+          <a:xfrm>
+            <a:off x="9715384" y="1567422"/>
+            <a:ext cx="1901297" cy="1901297"/>
+          </a:xfrm>
+          <a:prstGeom prst="ellipse">
+            <a:avLst/>
+          </a:prstGeom>
+          <a:noFill/>
+          <a:extLst>
+            <a:ext uri="{909E8E84-426E-40DD-AFC4-6F175D3DCCD1}">
+              <a14:hiddenFill xmlns:a14="http://schemas.microsoft.com/office/drawing/2010/main">
+                <a:solidFill>
+                  <a:srgbClr val="FFFFFF"/>
+                </a:solidFill>
+              </a14:hiddenFill>
+            </a:ext>
+          </a:extLst>
+        </p:spPr>
+      </p:pic>
+      <p:sp>
+        <p:nvSpPr>
+          <p:cNvPr id="72" name="矩形 71"/>
+          <p:cNvSpPr/>
+          <p:nvPr/>
+        </p:nvSpPr>
+        <p:spPr>
+          <a:xfrm>
+            <a:off x="1126264" y="4355335"/>
+            <a:ext cx="2812861" cy="454617"/>
+          </a:xfrm>
+          <a:prstGeom prst="rect">
+            <a:avLst/>
+          </a:prstGeom>
+          <a:noFill/>
+          <a:ln w="19050">
+            <a:noFill/>
+          </a:ln>
+        </p:spPr>
+        <p:style>
+          <a:lnRef idx="2">
+            <a:schemeClr val="dk1">
+              <a:shade val="50000"/>
+            </a:schemeClr>
+          </a:lnRef>
+          <a:fillRef idx="1">
+            <a:schemeClr val="dk1"/>
+          </a:fillRef>
+          <a:effectRef idx="0">
+            <a:schemeClr val="dk1"/>
+          </a:effectRef>
+          <a:fontRef idx="minor">
+            <a:schemeClr val="lt1"/>
+          </a:fontRef>
+        </p:style>
+        <p:txBody>
+          <a:bodyPr rtlCol="0" anchor="ctr"/>
+          <a:lstStyle/>
+          <a:p>
+            <a:r>
+              <a:rPr lang="en-US" altLang="zh-TW" sz="2000" b="1" dirty="0" smtClean="0">
+                <a:solidFill>
+                  <a:srgbClr val="FF0000"/>
+                </a:solidFill>
+                <a:latin typeface="微軟正黑體" panose="020B0604030504040204" pitchFamily="34" charset="-120"/>
+                <a:ea typeface="微軟正黑體" panose="020B0604030504040204" pitchFamily="34" charset="-120"/>
+              </a:rPr>
+              <a:t>AI</a:t>
+            </a:r>
+            <a:r>
+              <a:rPr lang="zh-TW" altLang="en-US" sz="2000" b="1" dirty="0" smtClean="0">
+                <a:solidFill>
+                  <a:srgbClr val="FF0000"/>
+                </a:solidFill>
+                <a:latin typeface="微軟正黑體" panose="020B0604030504040204" pitchFamily="34" charset="-120"/>
+                <a:ea typeface="微軟正黑體" panose="020B0604030504040204" pitchFamily="34" charset="-120"/>
+              </a:rPr>
+              <a:t>計算時邊框彩色特效</a:t>
+            </a:r>
+            <a:endParaRPr lang="zh-TW" altLang="en-US" sz="2000" b="1" dirty="0">
+              <a:solidFill>
+                <a:srgbClr val="FF0000"/>
+              </a:solidFill>
+              <a:latin typeface="微軟正黑體" panose="020B0604030504040204" pitchFamily="34" charset="-120"/>
+              <a:ea typeface="微軟正黑體" panose="020B0604030504040204" pitchFamily="34" charset="-120"/>
+            </a:endParaRPr>
+          </a:p>
+        </p:txBody>
+      </p:sp>
+      <p:sp>
+        <p:nvSpPr>
+          <p:cNvPr id="73" name="矩形 72"/>
+          <p:cNvSpPr/>
+          <p:nvPr/>
+        </p:nvSpPr>
+        <p:spPr>
+          <a:xfrm>
+            <a:off x="8391535" y="541063"/>
+            <a:ext cx="3421358" cy="454617"/>
+          </a:xfrm>
+          <a:prstGeom prst="rect">
+            <a:avLst/>
+          </a:prstGeom>
+          <a:noFill/>
+          <a:ln w="19050">
+            <a:noFill/>
+          </a:ln>
+        </p:spPr>
+        <p:style>
+          <a:lnRef idx="2">
+            <a:schemeClr val="dk1">
+              <a:shade val="50000"/>
+            </a:schemeClr>
+          </a:lnRef>
+          <a:fillRef idx="1">
+            <a:schemeClr val="dk1"/>
+          </a:fillRef>
+          <a:effectRef idx="0">
+            <a:schemeClr val="dk1"/>
+          </a:effectRef>
+          <a:fontRef idx="minor">
+            <a:schemeClr val="lt1"/>
+          </a:fontRef>
+        </p:style>
+        <p:txBody>
+          <a:bodyPr rtlCol="0" anchor="ctr"/>
+          <a:lstStyle/>
+          <a:p>
+            <a:r>
+              <a:rPr lang="zh-TW" altLang="en-US" sz="2000" b="1" dirty="0">
+                <a:solidFill>
+                  <a:srgbClr val="FF0000"/>
+                </a:solidFill>
+                <a:latin typeface="微軟正黑體" panose="020B0604030504040204" pitchFamily="34" charset="-120"/>
+                <a:ea typeface="微軟正黑體" panose="020B0604030504040204" pitchFamily="34" charset="-120"/>
+              </a:rPr>
+              <a:t>輸入</a:t>
+            </a:r>
+            <a:r>
+              <a:rPr lang="zh-TW" altLang="en-US" sz="2000" b="1" dirty="0" smtClean="0">
+                <a:solidFill>
+                  <a:srgbClr val="FF0000"/>
+                </a:solidFill>
+                <a:latin typeface="微軟正黑體" panose="020B0604030504040204" pitchFamily="34" charset="-120"/>
+                <a:ea typeface="微軟正黑體" panose="020B0604030504040204" pitchFamily="34" charset="-120"/>
+              </a:rPr>
+              <a:t>完身分證字號自動填入</a:t>
+            </a:r>
+            <a:endParaRPr lang="zh-TW" altLang="en-US" sz="2000" b="1" dirty="0">
+              <a:solidFill>
+                <a:srgbClr val="FF0000"/>
+              </a:solidFill>
+              <a:latin typeface="微軟正黑體" panose="020B0604030504040204" pitchFamily="34" charset="-120"/>
+              <a:ea typeface="微軟正黑體" panose="020B0604030504040204" pitchFamily="34" charset="-120"/>
+            </a:endParaRPr>
+          </a:p>
+        </p:txBody>
+      </p:sp>
+      <p:sp>
+        <p:nvSpPr>
+          <p:cNvPr id="78" name="矩形 77"/>
+          <p:cNvSpPr/>
+          <p:nvPr/>
+        </p:nvSpPr>
+        <p:spPr>
+          <a:xfrm>
+            <a:off x="9216351" y="97368"/>
+            <a:ext cx="2236485" cy="438945"/>
+          </a:xfrm>
+          <a:prstGeom prst="rect">
+            <a:avLst/>
+          </a:prstGeom>
+          <a:noFill/>
+          <a:ln>
+            <a:noFill/>
+          </a:ln>
+        </p:spPr>
+        <p:style>
+          <a:lnRef idx="2">
+            <a:schemeClr val="accent1">
+              <a:shade val="50000"/>
+            </a:schemeClr>
+          </a:lnRef>
+          <a:fillRef idx="1">
+            <a:schemeClr val="accent1"/>
+          </a:fillRef>
+          <a:effectRef idx="0">
+            <a:schemeClr val="accent1"/>
+          </a:effectRef>
+          <a:fontRef idx="minor">
+            <a:schemeClr val="lt1"/>
+          </a:fontRef>
+        </p:style>
+        <p:txBody>
+          <a:bodyPr rtlCol="0" anchor="ctr"/>
+          <a:lstStyle/>
+          <a:p>
+            <a:pPr algn="ctr"/>
+            <a:r>
+              <a:rPr lang="zh-TW" altLang="en-US" sz="1600" b="1" dirty="0" smtClean="0">
+                <a:solidFill>
+                  <a:schemeClr val="tx1">
+                    <a:lumMod val="85000"/>
+                  </a:schemeClr>
+                </a:solidFill>
+                <a:latin typeface="微軟正黑體" panose="020B0604030504040204" pitchFamily="34" charset="-120"/>
+                <a:ea typeface="微軟正黑體" panose="020B0604030504040204" pitchFamily="34" charset="-120"/>
+              </a:rPr>
+              <a:t>曾柏 </a:t>
+            </a:r>
+            <a:r>
+              <a:rPr lang="en-US" altLang="zh-TW" sz="1600" b="1" dirty="0" smtClean="0">
+                <a:solidFill>
+                  <a:schemeClr val="tx1">
+                    <a:lumMod val="85000"/>
+                  </a:schemeClr>
+                </a:solidFill>
+                <a:latin typeface="微軟正黑體" panose="020B0604030504040204" pitchFamily="34" charset="-120"/>
+                <a:ea typeface="微軟正黑體" panose="020B0604030504040204" pitchFamily="34" charset="-120"/>
+              </a:rPr>
+              <a:t>(D786938)</a:t>
+            </a:r>
+            <a:endParaRPr lang="zh-TW" altLang="en-US" sz="1600" b="1" dirty="0">
+              <a:solidFill>
+                <a:schemeClr val="tx1">
+                  <a:lumMod val="85000"/>
+                </a:schemeClr>
+              </a:solidFill>
+              <a:latin typeface="微軟正黑體" panose="020B0604030504040204" pitchFamily="34" charset="-120"/>
+              <a:ea typeface="微軟正黑體" panose="020B0604030504040204" pitchFamily="34" charset="-120"/>
+            </a:endParaRPr>
+          </a:p>
+        </p:txBody>
+      </p:sp>
+      <p:grpSp>
+        <p:nvGrpSpPr>
+          <p:cNvPr id="79" name="群組 78"/>
+          <p:cNvGrpSpPr/>
+          <p:nvPr/>
+        </p:nvGrpSpPr>
+        <p:grpSpPr>
+          <a:xfrm>
+            <a:off x="11354770" y="97368"/>
+            <a:ext cx="467648" cy="467648"/>
+            <a:chOff x="9652574" y="1504621"/>
+            <a:chExt cx="2026919" cy="2026919"/>
+          </a:xfrm>
+        </p:grpSpPr>
+        <p:sp>
+          <p:nvSpPr>
+            <p:cNvPr id="80" name="橢圓 79"/>
+            <p:cNvSpPr/>
+            <p:nvPr/>
+          </p:nvSpPr>
+          <p:spPr>
+            <a:xfrm>
+              <a:off x="9652574" y="1504621"/>
+              <a:ext cx="2026919" cy="2026919"/>
+            </a:xfrm>
+            <a:prstGeom prst="ellipse">
+              <a:avLst/>
+            </a:prstGeom>
+            <a:noFill/>
+            <a:ln w="28575">
+              <a:solidFill>
+                <a:schemeClr val="accent4">
+                  <a:lumMod val="40000"/>
+                  <a:lumOff val="60000"/>
+                </a:schemeClr>
+              </a:solidFill>
+            </a:ln>
+          </p:spPr>
+          <p:style>
+            <a:lnRef idx="2">
+              <a:schemeClr val="accent1">
+                <a:shade val="50000"/>
+              </a:schemeClr>
+            </a:lnRef>
+            <a:fillRef idx="1">
+              <a:schemeClr val="accent1"/>
+            </a:fillRef>
+            <a:effectRef idx="0">
+              <a:schemeClr val="accent1"/>
+            </a:effectRef>
+            <a:fontRef idx="minor">
+              <a:schemeClr val="lt1"/>
+            </a:fontRef>
+          </p:style>
+          <p:txBody>
+            <a:bodyPr rtlCol="0" anchor="ctr"/>
+            <a:lstStyle/>
+            <a:p>
+              <a:pPr algn="ctr"/>
+              <a:endParaRPr lang="zh-TW" altLang="en-US"/>
+            </a:p>
+          </p:txBody>
+        </p:sp>
+        <p:pic>
+          <p:nvPicPr>
+            <p:cNvPr id="81" name="Picture 2" descr="Portrait of Japanese Doctor Patients and healthcare professionals at a hospital or medical clinic in Tokyo, Japan. Japanese Ethnicity Stock Photo"/>
+            <p:cNvPicPr>
+              <a:picLocks noChangeAspect="1" noChangeArrowheads="1"/>
+            </p:cNvPicPr>
+            <p:nvPr/>
+          </p:nvPicPr>
+          <p:blipFill rotWithShape="1">
+            <a:blip r:embed="rId3" cstate="print">
+              <a:extLst>
+                <a:ext uri="{28A0092B-C50C-407E-A947-70E740481C1C}">
+                  <a14:useLocalDpi xmlns:a14="http://schemas.microsoft.com/office/drawing/2010/main" val="0"/>
+                </a:ext>
+              </a:extLst>
+            </a:blip>
+            <a:srcRect l="42631" t="5226" r="33423" b="49365"/>
+            <a:stretch/>
+          </p:blipFill>
+          <p:spPr bwMode="auto">
+            <a:xfrm>
+              <a:off x="9725793" y="1572027"/>
+              <a:ext cx="1900800" cy="1900800"/>
+            </a:xfrm>
+            <a:prstGeom prst="ellipse">
+              <a:avLst/>
+            </a:prstGeom>
+            <a:noFill/>
+            <a:extLst>
+              <a:ext uri="{909E8E84-426E-40DD-AFC4-6F175D3DCCD1}">
+                <a14:hiddenFill xmlns:a14="http://schemas.microsoft.com/office/drawing/2010/main">
+                  <a:solidFill>
+                    <a:srgbClr val="FFFFFF"/>
+                  </a:solidFill>
+                </a14:hiddenFill>
+              </a:ext>
+            </a:extLst>
+          </p:spPr>
+        </p:pic>
+      </p:grpSp>
+      <p:pic>
+        <p:nvPicPr>
+          <p:cNvPr id="43" name="圖片 42"/>
+          <p:cNvPicPr>
+            <a:picLocks noChangeAspect="1"/>
+          </p:cNvPicPr>
+          <p:nvPr/>
+        </p:nvPicPr>
+        <p:blipFill rotWithShape="1">
+          <a:blip r:embed="rId4"/>
+          <a:srcRect b="4266"/>
+          <a:stretch/>
+        </p:blipFill>
+        <p:spPr>
+          <a:xfrm>
+            <a:off x="-5340" y="632095"/>
+            <a:ext cx="2022904" cy="6205585"/>
+          </a:xfrm>
+          <a:prstGeom prst="rect">
+            <a:avLst/>
+          </a:prstGeom>
+        </p:spPr>
+      </p:pic>
+    </p:spTree>
+    <p:extLst>
+      <p:ext uri="{BB962C8B-B14F-4D97-AF65-F5344CB8AC3E}">
+        <p14:creationId xmlns:p14="http://schemas.microsoft.com/office/powerpoint/2010/main" val="3436903846"/>
+      </p:ext>
+    </p:extLst>
+  </p:cSld>
+  <p:clrMapOvr>
+    <a:masterClrMapping/>
+  </p:clrMapOvr>
+  <p:timing>
+    <p:tnLst>
+      <p:par>
+        <p:cTn id="1" dur="indefinite" restart="never" nodeType="tmRoot"/>
+      </p:par>
+    </p:tnLst>
+  </p:timing>
+</p:sld>
+</file>
+
+<file path=ppt/slides/slide11.xml><?xml version="1.0" encoding="utf-8"?>
+<p:sld xmlns:a="http://schemas.openxmlformats.org/drawingml/2006/main" xmlns:r="http://schemas.openxmlformats.org/officeDocument/2006/relationships" xmlns:p="http://schemas.openxmlformats.org/presentationml/2006/main">
+  <p:cSld>
+    <p:spTree>
+      <p:nvGrpSpPr>
+        <p:cNvPr id="1" name=""/>
+        <p:cNvGrpSpPr/>
+        <p:nvPr/>
+      </p:nvGrpSpPr>
+      <p:grpSpPr>
+        <a:xfrm>
+          <a:off x="0" y="0"/>
+          <a:ext cx="0" cy="0"/>
+          <a:chOff x="0" y="0"/>
+          <a:chExt cx="0" cy="0"/>
+        </a:xfrm>
+      </p:grpSpPr>
       <p:pic>
         <p:nvPicPr>
           <p:cNvPr id="2" name="圖片 1"/>
@@ -5500,7 +7757,7 @@
 </p:sld>
 </file>
 
-<file path=ppt/slides/slide11.xml><?xml version="1.0" encoding="utf-8"?>
+<file path=ppt/slides/slide12.xml><?xml version="1.0" encoding="utf-8"?>
 <p:sld xmlns:a="http://schemas.openxmlformats.org/drawingml/2006/main" xmlns:r="http://schemas.openxmlformats.org/officeDocument/2006/relationships" xmlns:p="http://schemas.openxmlformats.org/presentationml/2006/main">
   <p:cSld>
     <p:spTree>
@@ -6862,13 +9119,6 @@
               </a:rPr>
               <a:t>個人檔案</a:t>
             </a:r>
-            <a:endParaRPr lang="zh-TW" altLang="en-US" sz="2000" b="1" dirty="0">
-              <a:solidFill>
-                <a:schemeClr val="tx1"/>
-              </a:solidFill>
-              <a:latin typeface="微軟正黑體" panose="020B0604030504040204" pitchFamily="34" charset="-120"/>
-              <a:ea typeface="微軟正黑體" panose="020B0604030504040204" pitchFamily="34" charset="-120"/>
-            </a:endParaRPr>
           </a:p>
         </p:txBody>
       </p:sp>
@@ -7239,7 +9489,7 @@
 </p:sld>
 </file>
 
-<file path=ppt/slides/slide12.xml><?xml version="1.0" encoding="utf-8"?>
+<file path=ppt/slides/slide13.xml><?xml version="1.0" encoding="utf-8"?>
 <p:sld xmlns:a="http://schemas.openxmlformats.org/drawingml/2006/main" xmlns:r="http://schemas.openxmlformats.org/officeDocument/2006/relationships" xmlns:p="http://schemas.openxmlformats.org/presentationml/2006/main">
   <p:cSld>
     <p:spTree>
@@ -9282,7 +11532,7 @@
 </p:sld>
 </file>
 
-<file path=ppt/slides/slide13.xml><?xml version="1.0" encoding="utf-8"?>
+<file path=ppt/slides/slide14.xml><?xml version="1.0" encoding="utf-8"?>
 <p:sld xmlns:a="http://schemas.openxmlformats.org/drawingml/2006/main" xmlns:r="http://schemas.openxmlformats.org/officeDocument/2006/relationships" xmlns:p="http://schemas.openxmlformats.org/presentationml/2006/main">
   <p:cSld>
     <p:spTree>
@@ -18671,6 +20921,2881 @@
           <a:chExt cx="0" cy="0"/>
         </a:xfrm>
       </p:grpSpPr>
+      <p:pic>
+        <p:nvPicPr>
+          <p:cNvPr id="52" name="圖片 51"/>
+          <p:cNvPicPr>
+            <a:picLocks noChangeAspect="1"/>
+          </p:cNvPicPr>
+          <p:nvPr/>
+        </p:nvPicPr>
+        <p:blipFill rotWithShape="1">
+          <a:blip r:embed="rId3"/>
+          <a:srcRect t="-1" b="-5544"/>
+          <a:stretch/>
+        </p:blipFill>
+        <p:spPr>
+          <a:xfrm>
+            <a:off x="12113" y="639986"/>
+            <a:ext cx="1951967" cy="6218014"/>
+          </a:xfrm>
+          <a:prstGeom prst="rect">
+            <a:avLst/>
+          </a:prstGeom>
+        </p:spPr>
+      </p:pic>
+      <p:sp>
+        <p:nvSpPr>
+          <p:cNvPr id="93" name="圓角矩形 92"/>
+          <p:cNvSpPr/>
+          <p:nvPr/>
+        </p:nvSpPr>
+        <p:spPr>
+          <a:xfrm>
+            <a:off x="9114791" y="632095"/>
+            <a:ext cx="3077209" cy="6225905"/>
+          </a:xfrm>
+          <a:prstGeom prst="roundRect">
+            <a:avLst>
+              <a:gd name="adj" fmla="val 0"/>
+            </a:avLst>
+          </a:prstGeom>
+          <a:solidFill>
+            <a:srgbClr val="21222D"/>
+          </a:solidFill>
+          <a:ln>
+            <a:noFill/>
+          </a:ln>
+        </p:spPr>
+        <p:style>
+          <a:lnRef idx="2">
+            <a:schemeClr val="accent1">
+              <a:shade val="50000"/>
+            </a:schemeClr>
+          </a:lnRef>
+          <a:fillRef idx="1">
+            <a:schemeClr val="accent1"/>
+          </a:fillRef>
+          <a:effectRef idx="0">
+            <a:schemeClr val="accent1"/>
+          </a:effectRef>
+          <a:fontRef idx="minor">
+            <a:schemeClr val="lt1"/>
+          </a:fontRef>
+        </p:style>
+        <p:txBody>
+          <a:bodyPr rtlCol="0" anchor="ctr"/>
+          <a:lstStyle/>
+          <a:p>
+            <a:pPr algn="ctr"/>
+            <a:endParaRPr lang="zh-TW" altLang="en-US"/>
+          </a:p>
+        </p:txBody>
+      </p:sp>
+      <p:grpSp>
+        <p:nvGrpSpPr>
+          <p:cNvPr id="19" name="群組 18"/>
+          <p:cNvGrpSpPr/>
+          <p:nvPr/>
+        </p:nvGrpSpPr>
+        <p:grpSpPr>
+          <a:xfrm>
+            <a:off x="-2540" y="0"/>
+            <a:ext cx="12194540" cy="632095"/>
+            <a:chOff x="-2540" y="0"/>
+            <a:chExt cx="12194540" cy="632095"/>
+          </a:xfrm>
+        </p:grpSpPr>
+        <p:sp>
+          <p:nvSpPr>
+            <p:cNvPr id="10" name="矩形 9"/>
+            <p:cNvSpPr/>
+            <p:nvPr/>
+          </p:nvSpPr>
+          <p:spPr>
+            <a:xfrm>
+              <a:off x="-2540" y="0"/>
+              <a:ext cx="12194540" cy="632095"/>
+            </a:xfrm>
+            <a:prstGeom prst="rect">
+              <a:avLst/>
+            </a:prstGeom>
+            <a:solidFill>
+              <a:srgbClr val="121318"/>
+            </a:solidFill>
+            <a:ln>
+              <a:noFill/>
+            </a:ln>
+          </p:spPr>
+          <p:style>
+            <a:lnRef idx="2">
+              <a:schemeClr val="accent1">
+                <a:shade val="50000"/>
+              </a:schemeClr>
+            </a:lnRef>
+            <a:fillRef idx="1">
+              <a:schemeClr val="accent1"/>
+            </a:fillRef>
+            <a:effectRef idx="0">
+              <a:schemeClr val="accent1"/>
+            </a:effectRef>
+            <a:fontRef idx="minor">
+              <a:schemeClr val="lt1"/>
+            </a:fontRef>
+          </p:style>
+          <p:txBody>
+            <a:bodyPr rtlCol="0" anchor="ctr"/>
+            <a:lstStyle/>
+            <a:p>
+              <a:pPr algn="ctr"/>
+              <a:endParaRPr lang="zh-TW" altLang="en-US"/>
+            </a:p>
+          </p:txBody>
+        </p:sp>
+        <p:sp>
+          <p:nvSpPr>
+            <p:cNvPr id="112" name="矩形 111"/>
+            <p:cNvSpPr/>
+            <p:nvPr/>
+          </p:nvSpPr>
+          <p:spPr>
+            <a:xfrm>
+              <a:off x="28531" y="38339"/>
+              <a:ext cx="2242754" cy="563693"/>
+            </a:xfrm>
+            <a:prstGeom prst="rect">
+              <a:avLst/>
+            </a:prstGeom>
+            <a:noFill/>
+            <a:ln>
+              <a:noFill/>
+            </a:ln>
+          </p:spPr>
+          <p:style>
+            <a:lnRef idx="2">
+              <a:schemeClr val="accent1">
+                <a:shade val="50000"/>
+              </a:schemeClr>
+            </a:lnRef>
+            <a:fillRef idx="1">
+              <a:schemeClr val="accent1"/>
+            </a:fillRef>
+            <a:effectRef idx="0">
+              <a:schemeClr val="accent1"/>
+            </a:effectRef>
+            <a:fontRef idx="minor">
+              <a:schemeClr val="lt1"/>
+            </a:fontRef>
+          </p:style>
+          <p:txBody>
+            <a:bodyPr rtlCol="0" anchor="ctr"/>
+            <a:lstStyle/>
+            <a:p>
+              <a:pPr algn="ctr"/>
+              <a:r>
+                <a:rPr lang="en-US" altLang="zh-TW" sz="2800" b="1" dirty="0" smtClean="0">
+                  <a:solidFill>
+                    <a:schemeClr val="tx1"/>
+                  </a:solidFill>
+                  <a:latin typeface="Old English Text MT" panose="03040902040508030806" pitchFamily="66" charset="0"/>
+                  <a:ea typeface="微軟正黑體" panose="020B0604030504040204" pitchFamily="34" charset="-120"/>
+                </a:rPr>
+                <a:t>Trajectory</a:t>
+              </a:r>
+              <a:endParaRPr lang="zh-TW" altLang="en-US" sz="2800" b="1" dirty="0">
+                <a:solidFill>
+                  <a:schemeClr val="tx1"/>
+                </a:solidFill>
+                <a:latin typeface="Old English Text MT" panose="03040902040508030806" pitchFamily="66" charset="0"/>
+                <a:ea typeface="微軟正黑體" panose="020B0604030504040204" pitchFamily="34" charset="-120"/>
+              </a:endParaRPr>
+            </a:p>
+          </p:txBody>
+        </p:sp>
+      </p:grpSp>
+      <p:sp>
+        <p:nvSpPr>
+          <p:cNvPr id="79" name="橢圓 78"/>
+          <p:cNvSpPr/>
+          <p:nvPr/>
+        </p:nvSpPr>
+        <p:spPr>
+          <a:xfrm>
+            <a:off x="9652574" y="1504612"/>
+            <a:ext cx="2026919" cy="2026919"/>
+          </a:xfrm>
+          <a:prstGeom prst="ellipse">
+            <a:avLst/>
+          </a:prstGeom>
+          <a:noFill/>
+          <a:ln w="28575">
+            <a:solidFill>
+              <a:srgbClr val="88B2AC"/>
+            </a:solidFill>
+          </a:ln>
+        </p:spPr>
+        <p:style>
+          <a:lnRef idx="2">
+            <a:schemeClr val="accent1">
+              <a:shade val="50000"/>
+            </a:schemeClr>
+          </a:lnRef>
+          <a:fillRef idx="1">
+            <a:schemeClr val="accent1"/>
+          </a:fillRef>
+          <a:effectRef idx="0">
+            <a:schemeClr val="accent1"/>
+          </a:effectRef>
+          <a:fontRef idx="minor">
+            <a:schemeClr val="lt1"/>
+          </a:fontRef>
+        </p:style>
+        <p:txBody>
+          <a:bodyPr rtlCol="0" anchor="ctr"/>
+          <a:lstStyle/>
+          <a:p>
+            <a:pPr algn="ctr"/>
+            <a:endParaRPr lang="zh-TW" altLang="en-US"/>
+          </a:p>
+        </p:txBody>
+      </p:sp>
+      <p:sp>
+        <p:nvSpPr>
+          <p:cNvPr id="80" name="矩形 79"/>
+          <p:cNvSpPr/>
+          <p:nvPr/>
+        </p:nvSpPr>
+        <p:spPr>
+          <a:xfrm>
+            <a:off x="9914753" y="3651836"/>
+            <a:ext cx="1485647" cy="438945"/>
+          </a:xfrm>
+          <a:prstGeom prst="rect">
+            <a:avLst/>
+          </a:prstGeom>
+          <a:noFill/>
+          <a:ln>
+            <a:noFill/>
+          </a:ln>
+        </p:spPr>
+        <p:style>
+          <a:lnRef idx="2">
+            <a:schemeClr val="accent1">
+              <a:shade val="50000"/>
+            </a:schemeClr>
+          </a:lnRef>
+          <a:fillRef idx="1">
+            <a:schemeClr val="accent1"/>
+          </a:fillRef>
+          <a:effectRef idx="0">
+            <a:schemeClr val="accent1"/>
+          </a:effectRef>
+          <a:fontRef idx="minor">
+            <a:schemeClr val="lt1"/>
+          </a:fontRef>
+        </p:style>
+        <p:txBody>
+          <a:bodyPr rtlCol="0" anchor="ctr"/>
+          <a:lstStyle/>
+          <a:p>
+            <a:pPr algn="ctr"/>
+            <a:r>
+              <a:rPr lang="zh-TW" altLang="en-US" sz="2000" b="1" dirty="0">
+                <a:solidFill>
+                  <a:schemeClr val="tx1"/>
+                </a:solidFill>
+                <a:latin typeface="微軟正黑體" panose="020B0604030504040204" pitchFamily="34" charset="-120"/>
+                <a:ea typeface="微軟正黑體" panose="020B0604030504040204" pitchFamily="34" charset="-120"/>
+              </a:rPr>
+              <a:t>陳老王</a:t>
+            </a:r>
+          </a:p>
+        </p:txBody>
+      </p:sp>
+      <p:graphicFrame>
+        <p:nvGraphicFramePr>
+          <p:cNvPr id="81" name="表格 80"/>
+          <p:cNvGraphicFramePr>
+            <a:graphicFrameLocks noGrp="1"/>
+          </p:cNvGraphicFramePr>
+          <p:nvPr>
+            <p:extLst/>
+          </p:nvPr>
+        </p:nvGraphicFramePr>
+        <p:xfrm>
+          <a:off x="9442746" y="4289286"/>
+          <a:ext cx="2582622" cy="1483360"/>
+        </p:xfrm>
+        <a:graphic>
+          <a:graphicData uri="http://schemas.openxmlformats.org/drawingml/2006/table">
+            <a:tbl>
+              <a:tblPr firstRow="1" bandRow="1">
+                <a:tableStyleId>{2D5ABB26-0587-4C30-8999-92F81FD0307C}</a:tableStyleId>
+              </a:tblPr>
+              <a:tblGrid>
+                <a:gridCol w="1115275">
+                  <a:extLst>
+                    <a:ext uri="{9D8B030D-6E8A-4147-A177-3AD203B41FA5}">
+                      <a16:colId xmlns:a16="http://schemas.microsoft.com/office/drawing/2014/main" val="3208460249"/>
+                    </a:ext>
+                  </a:extLst>
+                </a:gridCol>
+                <a:gridCol w="1467347">
+                  <a:extLst>
+                    <a:ext uri="{9D8B030D-6E8A-4147-A177-3AD203B41FA5}">
+                      <a16:colId xmlns:a16="http://schemas.microsoft.com/office/drawing/2014/main" val="2219400454"/>
+                    </a:ext>
+                  </a:extLst>
+                </a:gridCol>
+              </a:tblGrid>
+              <a:tr h="370840">
+                <a:tc>
+                  <a:txBody>
+                    <a:bodyPr/>
+                    <a:lstStyle/>
+                    <a:p>
+                      <a:pPr algn="l"/>
+                      <a:r>
+                        <a:rPr lang="zh-TW" altLang="en-US" sz="1400" b="1" dirty="0" smtClean="0">
+                          <a:solidFill>
+                            <a:schemeClr val="tx1">
+                              <a:lumMod val="65000"/>
+                            </a:schemeClr>
+                          </a:solidFill>
+                          <a:latin typeface="微軟正黑體" panose="020B0604030504040204" pitchFamily="34" charset="-120"/>
+                          <a:ea typeface="微軟正黑體" panose="020B0604030504040204" pitchFamily="34" charset="-120"/>
+                        </a:rPr>
+                        <a:t>身分證字號</a:t>
+                      </a:r>
+                      <a:endParaRPr lang="zh-TW" altLang="en-US" sz="1400" b="1" dirty="0">
+                        <a:solidFill>
+                          <a:schemeClr val="tx1">
+                            <a:lumMod val="65000"/>
+                          </a:schemeClr>
+                        </a:solidFill>
+                        <a:latin typeface="微軟正黑體" panose="020B0604030504040204" pitchFamily="34" charset="-120"/>
+                        <a:ea typeface="微軟正黑體" panose="020B0604030504040204" pitchFamily="34" charset="-120"/>
+                      </a:endParaRPr>
+                    </a:p>
+                  </a:txBody>
+                  <a:tcPr/>
+                </a:tc>
+                <a:tc>
+                  <a:txBody>
+                    <a:bodyPr/>
+                    <a:lstStyle/>
+                    <a:p>
+                      <a:pPr algn="r"/>
+                      <a:r>
+                        <a:rPr lang="en-US" altLang="zh-TW" sz="1400" b="1" dirty="0" smtClean="0">
+                          <a:solidFill>
+                            <a:schemeClr val="tx1">
+                              <a:lumMod val="85000"/>
+                            </a:schemeClr>
+                          </a:solidFill>
+                          <a:latin typeface="微軟正黑體" panose="020B0604030504040204" pitchFamily="34" charset="-120"/>
+                          <a:ea typeface="微軟正黑體" panose="020B0604030504040204" pitchFamily="34" charset="-120"/>
+                        </a:rPr>
+                        <a:t>A11200938</a:t>
+                      </a:r>
+                      <a:endParaRPr lang="zh-TW" altLang="en-US" sz="1400" b="1" dirty="0">
+                        <a:solidFill>
+                          <a:schemeClr val="tx1">
+                            <a:lumMod val="85000"/>
+                          </a:schemeClr>
+                        </a:solidFill>
+                        <a:latin typeface="微軟正黑體" panose="020B0604030504040204" pitchFamily="34" charset="-120"/>
+                        <a:ea typeface="微軟正黑體" panose="020B0604030504040204" pitchFamily="34" charset="-120"/>
+                      </a:endParaRPr>
+                    </a:p>
+                  </a:txBody>
+                  <a:tcPr/>
+                </a:tc>
+                <a:extLst>
+                  <a:ext uri="{0D108BD9-81ED-4DB2-BD59-A6C34878D82A}">
+                    <a16:rowId xmlns:a16="http://schemas.microsoft.com/office/drawing/2014/main" val="4260925474"/>
+                  </a:ext>
+                </a:extLst>
+              </a:tr>
+              <a:tr h="370840">
+                <a:tc>
+                  <a:txBody>
+                    <a:bodyPr/>
+                    <a:lstStyle/>
+                    <a:p>
+                      <a:pPr algn="l"/>
+                      <a:r>
+                        <a:rPr lang="zh-TW" altLang="en-US" sz="1400" b="1" dirty="0" smtClean="0">
+                          <a:solidFill>
+                            <a:schemeClr val="tx1">
+                              <a:lumMod val="65000"/>
+                            </a:schemeClr>
+                          </a:solidFill>
+                          <a:latin typeface="微軟正黑體" panose="020B0604030504040204" pitchFamily="34" charset="-120"/>
+                          <a:ea typeface="微軟正黑體" panose="020B0604030504040204" pitchFamily="34" charset="-120"/>
+                        </a:rPr>
+                        <a:t>出生日期</a:t>
+                      </a:r>
+                      <a:endParaRPr lang="zh-TW" altLang="en-US" sz="1400" b="1" dirty="0">
+                        <a:solidFill>
+                          <a:schemeClr val="tx1">
+                            <a:lumMod val="65000"/>
+                          </a:schemeClr>
+                        </a:solidFill>
+                        <a:latin typeface="微軟正黑體" panose="020B0604030504040204" pitchFamily="34" charset="-120"/>
+                        <a:ea typeface="微軟正黑體" panose="020B0604030504040204" pitchFamily="34" charset="-120"/>
+                      </a:endParaRPr>
+                    </a:p>
+                  </a:txBody>
+                  <a:tcPr/>
+                </a:tc>
+                <a:tc>
+                  <a:txBody>
+                    <a:bodyPr/>
+                    <a:lstStyle/>
+                    <a:p>
+                      <a:pPr algn="r"/>
+                      <a:r>
+                        <a:rPr lang="en-US" altLang="zh-TW" sz="1400" b="1" dirty="0" smtClean="0">
+                          <a:solidFill>
+                            <a:schemeClr val="tx1">
+                              <a:lumMod val="85000"/>
+                            </a:schemeClr>
+                          </a:solidFill>
+                          <a:latin typeface="微軟正黑體" panose="020B0604030504040204" pitchFamily="34" charset="-120"/>
+                          <a:ea typeface="微軟正黑體" panose="020B0604030504040204" pitchFamily="34" charset="-120"/>
+                        </a:rPr>
+                        <a:t>1975/08/08</a:t>
+                      </a:r>
+                      <a:endParaRPr lang="zh-TW" altLang="en-US" sz="1400" b="1" dirty="0">
+                        <a:solidFill>
+                          <a:schemeClr val="tx1">
+                            <a:lumMod val="85000"/>
+                          </a:schemeClr>
+                        </a:solidFill>
+                        <a:latin typeface="微軟正黑體" panose="020B0604030504040204" pitchFamily="34" charset="-120"/>
+                        <a:ea typeface="微軟正黑體" panose="020B0604030504040204" pitchFamily="34" charset="-120"/>
+                      </a:endParaRPr>
+                    </a:p>
+                  </a:txBody>
+                  <a:tcPr/>
+                </a:tc>
+                <a:extLst>
+                  <a:ext uri="{0D108BD9-81ED-4DB2-BD59-A6C34878D82A}">
+                    <a16:rowId xmlns:a16="http://schemas.microsoft.com/office/drawing/2014/main" val="256342623"/>
+                  </a:ext>
+                </a:extLst>
+              </a:tr>
+              <a:tr h="370840">
+                <a:tc>
+                  <a:txBody>
+                    <a:bodyPr/>
+                    <a:lstStyle/>
+                    <a:p>
+                      <a:pPr algn="l"/>
+                      <a:r>
+                        <a:rPr lang="zh-TW" altLang="en-US" sz="1400" b="1" dirty="0" smtClean="0">
+                          <a:solidFill>
+                            <a:schemeClr val="tx1">
+                              <a:lumMod val="65000"/>
+                            </a:schemeClr>
+                          </a:solidFill>
+                          <a:latin typeface="微軟正黑體" panose="020B0604030504040204" pitchFamily="34" charset="-120"/>
+                          <a:ea typeface="微軟正黑體" panose="020B0604030504040204" pitchFamily="34" charset="-120"/>
+                        </a:rPr>
+                        <a:t>性別</a:t>
+                      </a:r>
+                      <a:endParaRPr lang="zh-TW" altLang="en-US" sz="1400" b="1" dirty="0">
+                        <a:solidFill>
+                          <a:schemeClr val="tx1">
+                            <a:lumMod val="65000"/>
+                          </a:schemeClr>
+                        </a:solidFill>
+                        <a:latin typeface="微軟正黑體" panose="020B0604030504040204" pitchFamily="34" charset="-120"/>
+                        <a:ea typeface="微軟正黑體" panose="020B0604030504040204" pitchFamily="34" charset="-120"/>
+                      </a:endParaRPr>
+                    </a:p>
+                  </a:txBody>
+                  <a:tcPr/>
+                </a:tc>
+                <a:tc>
+                  <a:txBody>
+                    <a:bodyPr/>
+                    <a:lstStyle/>
+                    <a:p>
+                      <a:pPr algn="r"/>
+                      <a:r>
+                        <a:rPr lang="zh-TW" altLang="en-US" sz="1400" b="1" dirty="0" smtClean="0">
+                          <a:solidFill>
+                            <a:schemeClr val="tx1">
+                              <a:lumMod val="85000"/>
+                            </a:schemeClr>
+                          </a:solidFill>
+                          <a:latin typeface="微軟正黑體" panose="020B0604030504040204" pitchFamily="34" charset="-120"/>
+                          <a:ea typeface="微軟正黑體" panose="020B0604030504040204" pitchFamily="34" charset="-120"/>
+                        </a:rPr>
+                        <a:t>男</a:t>
+                      </a:r>
+                      <a:endParaRPr lang="zh-TW" altLang="en-US" sz="1400" b="1" dirty="0">
+                        <a:solidFill>
+                          <a:schemeClr val="tx1">
+                            <a:lumMod val="85000"/>
+                          </a:schemeClr>
+                        </a:solidFill>
+                        <a:latin typeface="微軟正黑體" panose="020B0604030504040204" pitchFamily="34" charset="-120"/>
+                        <a:ea typeface="微軟正黑體" panose="020B0604030504040204" pitchFamily="34" charset="-120"/>
+                      </a:endParaRPr>
+                    </a:p>
+                  </a:txBody>
+                  <a:tcPr/>
+                </a:tc>
+                <a:extLst>
+                  <a:ext uri="{0D108BD9-81ED-4DB2-BD59-A6C34878D82A}">
+                    <a16:rowId xmlns:a16="http://schemas.microsoft.com/office/drawing/2014/main" val="3290354184"/>
+                  </a:ext>
+                </a:extLst>
+              </a:tr>
+              <a:tr h="370840">
+                <a:tc>
+                  <a:txBody>
+                    <a:bodyPr/>
+                    <a:lstStyle/>
+                    <a:p>
+                      <a:pPr algn="l"/>
+                      <a:r>
+                        <a:rPr lang="zh-TW" altLang="en-US" sz="1400" b="1" dirty="0" smtClean="0">
+                          <a:solidFill>
+                            <a:schemeClr val="tx1">
+                              <a:lumMod val="65000"/>
+                            </a:schemeClr>
+                          </a:solidFill>
+                          <a:latin typeface="微軟正黑體" panose="020B0604030504040204" pitchFamily="34" charset="-120"/>
+                          <a:ea typeface="微軟正黑體" panose="020B0604030504040204" pitchFamily="34" charset="-120"/>
+                        </a:rPr>
+                        <a:t>影像紀錄</a:t>
+                      </a:r>
+                      <a:endParaRPr lang="zh-TW" altLang="en-US" sz="1400" b="1" dirty="0">
+                        <a:solidFill>
+                          <a:schemeClr val="tx1">
+                            <a:lumMod val="65000"/>
+                          </a:schemeClr>
+                        </a:solidFill>
+                        <a:latin typeface="微軟正黑體" panose="020B0604030504040204" pitchFamily="34" charset="-120"/>
+                        <a:ea typeface="微軟正黑體" panose="020B0604030504040204" pitchFamily="34" charset="-120"/>
+                      </a:endParaRPr>
+                    </a:p>
+                  </a:txBody>
+                  <a:tcPr/>
+                </a:tc>
+                <a:tc>
+                  <a:txBody>
+                    <a:bodyPr/>
+                    <a:lstStyle/>
+                    <a:p>
+                      <a:pPr algn="r"/>
+                      <a:r>
+                        <a:rPr lang="en-US" altLang="zh-TW" sz="1400" b="1" dirty="0" smtClean="0">
+                          <a:solidFill>
+                            <a:schemeClr val="tx1">
+                              <a:lumMod val="85000"/>
+                            </a:schemeClr>
+                          </a:solidFill>
+                          <a:latin typeface="微軟正黑體" panose="020B0604030504040204" pitchFamily="34" charset="-120"/>
+                          <a:ea typeface="微軟正黑體" panose="020B0604030504040204" pitchFamily="34" charset="-120"/>
+                        </a:rPr>
+                        <a:t>5</a:t>
+                      </a:r>
+                      <a:endParaRPr lang="zh-TW" altLang="en-US" sz="1400" b="1" dirty="0">
+                        <a:solidFill>
+                          <a:schemeClr val="tx1">
+                            <a:lumMod val="85000"/>
+                          </a:schemeClr>
+                        </a:solidFill>
+                        <a:latin typeface="微軟正黑體" panose="020B0604030504040204" pitchFamily="34" charset="-120"/>
+                        <a:ea typeface="微軟正黑體" panose="020B0604030504040204" pitchFamily="34" charset="-120"/>
+                      </a:endParaRPr>
+                    </a:p>
+                  </a:txBody>
+                  <a:tcPr/>
+                </a:tc>
+                <a:extLst>
+                  <a:ext uri="{0D108BD9-81ED-4DB2-BD59-A6C34878D82A}">
+                    <a16:rowId xmlns:a16="http://schemas.microsoft.com/office/drawing/2014/main" val="435934568"/>
+                  </a:ext>
+                </a:extLst>
+              </a:tr>
+            </a:tbl>
+          </a:graphicData>
+        </a:graphic>
+      </p:graphicFrame>
+      <p:cxnSp>
+        <p:nvCxnSpPr>
+          <p:cNvPr id="82" name="直線接點 81"/>
+          <p:cNvCxnSpPr/>
+          <p:nvPr/>
+        </p:nvCxnSpPr>
+        <p:spPr>
+          <a:xfrm>
+            <a:off x="9491682" y="4180662"/>
+            <a:ext cx="2484749" cy="0"/>
+          </a:xfrm>
+          <a:prstGeom prst="line">
+            <a:avLst/>
+          </a:prstGeom>
+          <a:ln w="12700">
+            <a:solidFill>
+              <a:srgbClr val="88B2AC"/>
+            </a:solidFill>
+          </a:ln>
+        </p:spPr>
+        <p:style>
+          <a:lnRef idx="1">
+            <a:schemeClr val="accent1"/>
+          </a:lnRef>
+          <a:fillRef idx="0">
+            <a:schemeClr val="accent1"/>
+          </a:fillRef>
+          <a:effectRef idx="0">
+            <a:schemeClr val="accent1"/>
+          </a:effectRef>
+          <a:fontRef idx="minor">
+            <a:schemeClr val="tx1"/>
+          </a:fontRef>
+        </p:style>
+      </p:cxnSp>
+      <p:cxnSp>
+        <p:nvCxnSpPr>
+          <p:cNvPr id="83" name="直線接點 82"/>
+          <p:cNvCxnSpPr/>
+          <p:nvPr/>
+        </p:nvCxnSpPr>
+        <p:spPr>
+          <a:xfrm>
+            <a:off x="9520299" y="5825536"/>
+            <a:ext cx="2484749" cy="0"/>
+          </a:xfrm>
+          <a:prstGeom prst="line">
+            <a:avLst/>
+          </a:prstGeom>
+          <a:ln w="12700">
+            <a:solidFill>
+              <a:srgbClr val="88B2AC"/>
+            </a:solidFill>
+          </a:ln>
+        </p:spPr>
+        <p:style>
+          <a:lnRef idx="1">
+            <a:schemeClr val="accent1"/>
+          </a:lnRef>
+          <a:fillRef idx="0">
+            <a:schemeClr val="accent1"/>
+          </a:fillRef>
+          <a:effectRef idx="0">
+            <a:schemeClr val="accent1"/>
+          </a:effectRef>
+          <a:fontRef idx="minor">
+            <a:schemeClr val="tx1"/>
+          </a:fontRef>
+        </p:style>
+      </p:cxnSp>
+      <p:sp>
+        <p:nvSpPr>
+          <p:cNvPr id="89" name="矩形 88"/>
+          <p:cNvSpPr/>
+          <p:nvPr/>
+        </p:nvSpPr>
+        <p:spPr>
+          <a:xfrm>
+            <a:off x="9800686" y="996875"/>
+            <a:ext cx="1625272" cy="313160"/>
+          </a:xfrm>
+          <a:prstGeom prst="rect">
+            <a:avLst/>
+          </a:prstGeom>
+          <a:solidFill>
+            <a:srgbClr val="21222D"/>
+          </a:solidFill>
+          <a:ln>
+            <a:noFill/>
+          </a:ln>
+        </p:spPr>
+        <p:style>
+          <a:lnRef idx="2">
+            <a:schemeClr val="accent1">
+              <a:shade val="50000"/>
+            </a:schemeClr>
+          </a:lnRef>
+          <a:fillRef idx="1">
+            <a:schemeClr val="accent1"/>
+          </a:fillRef>
+          <a:effectRef idx="0">
+            <a:schemeClr val="accent1"/>
+          </a:effectRef>
+          <a:fontRef idx="minor">
+            <a:schemeClr val="lt1"/>
+          </a:fontRef>
+        </p:style>
+        <p:txBody>
+          <a:bodyPr rtlCol="0" anchor="ctr"/>
+          <a:lstStyle/>
+          <a:p>
+            <a:pPr algn="ctr"/>
+            <a:r>
+              <a:rPr lang="zh-TW" altLang="en-US" sz="2000" b="1" dirty="0" smtClean="0">
+                <a:solidFill>
+                  <a:schemeClr val="tx1"/>
+                </a:solidFill>
+                <a:latin typeface="微軟正黑體" panose="020B0604030504040204" pitchFamily="34" charset="-120"/>
+                <a:ea typeface="微軟正黑體" panose="020B0604030504040204" pitchFamily="34" charset="-120"/>
+              </a:rPr>
+              <a:t>個人檔案</a:t>
+            </a:r>
+            <a:endParaRPr lang="zh-TW" altLang="en-US" sz="2000" b="1" dirty="0">
+              <a:solidFill>
+                <a:schemeClr val="tx1"/>
+              </a:solidFill>
+              <a:latin typeface="微軟正黑體" panose="020B0604030504040204" pitchFamily="34" charset="-120"/>
+              <a:ea typeface="微軟正黑體" panose="020B0604030504040204" pitchFamily="34" charset="-120"/>
+            </a:endParaRPr>
+          </a:p>
+        </p:txBody>
+      </p:sp>
+      <p:pic>
+        <p:nvPicPr>
+          <p:cNvPr id="92" name="Picture 2" descr="low-light photography of man wearing blue collared shirt"/>
+          <p:cNvPicPr>
+            <a:picLocks noChangeAspect="1" noChangeArrowheads="1"/>
+          </p:cNvPicPr>
+          <p:nvPr/>
+        </p:nvPicPr>
+        <p:blipFill rotWithShape="1">
+          <a:blip r:embed="rId4" cstate="print">
+            <a:extLst>
+              <a:ext uri="{28A0092B-C50C-407E-A947-70E740481C1C}">
+                <a14:useLocalDpi xmlns:a14="http://schemas.microsoft.com/office/drawing/2010/main" val="0"/>
+              </a:ext>
+            </a:extLst>
+          </a:blip>
+          <a:srcRect l="740" t="11170" r="740" b="23151"/>
+          <a:stretch/>
+        </p:blipFill>
+        <p:spPr bwMode="auto">
+          <a:xfrm>
+            <a:off x="9715384" y="1567422"/>
+            <a:ext cx="1901297" cy="1901297"/>
+          </a:xfrm>
+          <a:prstGeom prst="ellipse">
+            <a:avLst/>
+          </a:prstGeom>
+          <a:noFill/>
+          <a:extLst>
+            <a:ext uri="{909E8E84-426E-40DD-AFC4-6F175D3DCCD1}">
+              <a14:hiddenFill xmlns:a14="http://schemas.microsoft.com/office/drawing/2010/main">
+                <a:solidFill>
+                  <a:srgbClr val="FFFFFF"/>
+                </a:solidFill>
+              </a14:hiddenFill>
+            </a:ext>
+          </a:extLst>
+        </p:spPr>
+      </p:pic>
+      <p:sp>
+        <p:nvSpPr>
+          <p:cNvPr id="48" name="圓角矩形 47"/>
+          <p:cNvSpPr/>
+          <p:nvPr/>
+        </p:nvSpPr>
+        <p:spPr>
+          <a:xfrm>
+            <a:off x="-5158" y="5218318"/>
+            <a:ext cx="2131842" cy="1634654"/>
+          </a:xfrm>
+          <a:prstGeom prst="roundRect">
+            <a:avLst>
+              <a:gd name="adj" fmla="val 0"/>
+            </a:avLst>
+          </a:prstGeom>
+          <a:solidFill>
+            <a:srgbClr val="171821"/>
+          </a:solidFill>
+          <a:ln>
+            <a:noFill/>
+          </a:ln>
+        </p:spPr>
+        <p:style>
+          <a:lnRef idx="2">
+            <a:schemeClr val="accent1">
+              <a:shade val="50000"/>
+            </a:schemeClr>
+          </a:lnRef>
+          <a:fillRef idx="1">
+            <a:schemeClr val="accent1"/>
+          </a:fillRef>
+          <a:effectRef idx="0">
+            <a:schemeClr val="accent1"/>
+          </a:effectRef>
+          <a:fontRef idx="minor">
+            <a:schemeClr val="lt1"/>
+          </a:fontRef>
+        </p:style>
+        <p:txBody>
+          <a:bodyPr rtlCol="0" anchor="ctr"/>
+          <a:lstStyle/>
+          <a:p>
+            <a:pPr algn="ctr"/>
+            <a:endParaRPr lang="zh-TW" altLang="en-US"/>
+          </a:p>
+        </p:txBody>
+      </p:sp>
+      <p:grpSp>
+        <p:nvGrpSpPr>
+          <p:cNvPr id="4" name="群組 3"/>
+          <p:cNvGrpSpPr/>
+          <p:nvPr/>
+        </p:nvGrpSpPr>
+        <p:grpSpPr>
+          <a:xfrm>
+            <a:off x="2120554" y="3139212"/>
+            <a:ext cx="6722618" cy="3663994"/>
+            <a:chOff x="2262794" y="3065573"/>
+            <a:chExt cx="6722618" cy="3663994"/>
+          </a:xfrm>
+        </p:grpSpPr>
+        <p:sp>
+          <p:nvSpPr>
+            <p:cNvPr id="46" name="圓角矩形 45"/>
+            <p:cNvSpPr/>
+            <p:nvPr/>
+          </p:nvSpPr>
+          <p:spPr>
+            <a:xfrm>
+              <a:off x="2262794" y="3065573"/>
+              <a:ext cx="6722618" cy="3643355"/>
+            </a:xfrm>
+            <a:prstGeom prst="roundRect">
+              <a:avLst>
+                <a:gd name="adj" fmla="val 2030"/>
+              </a:avLst>
+            </a:prstGeom>
+            <a:solidFill>
+              <a:srgbClr val="21222D"/>
+            </a:solidFill>
+            <a:ln>
+              <a:noFill/>
+            </a:ln>
+          </p:spPr>
+          <p:style>
+            <a:lnRef idx="2">
+              <a:schemeClr val="accent1">
+                <a:shade val="50000"/>
+              </a:schemeClr>
+            </a:lnRef>
+            <a:fillRef idx="1">
+              <a:schemeClr val="accent1"/>
+            </a:fillRef>
+            <a:effectRef idx="0">
+              <a:schemeClr val="accent1"/>
+            </a:effectRef>
+            <a:fontRef idx="minor">
+              <a:schemeClr val="lt1"/>
+            </a:fontRef>
+          </p:style>
+          <p:txBody>
+            <a:bodyPr rtlCol="0" anchor="ctr"/>
+            <a:lstStyle/>
+            <a:p>
+              <a:pPr algn="ctr"/>
+              <a:r>
+                <a:rPr lang="zh-TW" altLang="en-US" dirty="0" smtClean="0"/>
+                <a:t> </a:t>
+              </a:r>
+              <a:endParaRPr lang="zh-TW" altLang="en-US" dirty="0"/>
+            </a:p>
+          </p:txBody>
+        </p:sp>
+        <p:grpSp>
+          <p:nvGrpSpPr>
+            <p:cNvPr id="47" name="群組 46"/>
+            <p:cNvGrpSpPr/>
+            <p:nvPr/>
+          </p:nvGrpSpPr>
+          <p:grpSpPr>
+            <a:xfrm>
+              <a:off x="2362107" y="4118823"/>
+              <a:ext cx="2127318" cy="2610744"/>
+              <a:chOff x="2268474" y="1607887"/>
+              <a:chExt cx="2127318" cy="2610744"/>
+            </a:xfrm>
+          </p:grpSpPr>
+          <p:pic>
+            <p:nvPicPr>
+              <p:cNvPr id="69" name="圖片 68"/>
+              <p:cNvPicPr>
+                <a:picLocks noChangeAspect="1"/>
+              </p:cNvPicPr>
+              <p:nvPr/>
+            </p:nvPicPr>
+            <p:blipFill rotWithShape="1">
+              <a:blip r:embed="rId5">
+                <a:extLst>
+                  <a:ext uri="{BEBA8EAE-BF5A-486C-A8C5-ECC9F3942E4B}">
+                    <a14:imgProps xmlns:a14="http://schemas.microsoft.com/office/drawing/2010/main">
+                      <a14:imgLayer r:embed="rId6">
+                        <a14:imgEffect>
+                          <a14:brightnessContrast bright="20000" contrast="-40000"/>
+                        </a14:imgEffect>
+                      </a14:imgLayer>
+                    </a14:imgProps>
+                  </a:ext>
+                  <a:ext uri="{28A0092B-C50C-407E-A947-70E740481C1C}">
+                    <a14:useLocalDpi xmlns:a14="http://schemas.microsoft.com/office/drawing/2010/main" val="0"/>
+                  </a:ext>
+                </a:extLst>
+              </a:blip>
+              <a:srcRect l="21184" t="-365" r="23774" b="365"/>
+              <a:stretch/>
+            </p:blipFill>
+            <p:spPr>
+              <a:xfrm>
+                <a:off x="2268474" y="1607887"/>
+                <a:ext cx="2127318" cy="2128383"/>
+              </a:xfrm>
+              <a:prstGeom prst="rect">
+                <a:avLst/>
+              </a:prstGeom>
+            </p:spPr>
+          </p:pic>
+          <p:sp>
+            <p:nvSpPr>
+              <p:cNvPr id="70" name="圓角矩形 69"/>
+              <p:cNvSpPr/>
+              <p:nvPr/>
+            </p:nvSpPr>
+            <p:spPr>
+              <a:xfrm>
+                <a:off x="2874933" y="3860798"/>
+                <a:ext cx="914400" cy="254002"/>
+              </a:xfrm>
+              <a:prstGeom prst="roundRect">
+                <a:avLst/>
+              </a:prstGeom>
+              <a:solidFill>
+                <a:schemeClr val="bg2">
+                  <a:lumMod val="50000"/>
+                </a:schemeClr>
+              </a:solidFill>
+              <a:ln>
+                <a:solidFill>
+                  <a:schemeClr val="tx1">
+                    <a:lumMod val="50000"/>
+                  </a:schemeClr>
+                </a:solidFill>
+              </a:ln>
+            </p:spPr>
+            <p:style>
+              <a:lnRef idx="2">
+                <a:schemeClr val="accent1">
+                  <a:shade val="50000"/>
+                </a:schemeClr>
+              </a:lnRef>
+              <a:fillRef idx="1">
+                <a:schemeClr val="accent1"/>
+              </a:fillRef>
+              <a:effectRef idx="0">
+                <a:schemeClr val="accent1"/>
+              </a:effectRef>
+              <a:fontRef idx="minor">
+                <a:schemeClr val="lt1"/>
+              </a:fontRef>
+            </p:style>
+            <p:txBody>
+              <a:bodyPr rtlCol="0" anchor="ctr"/>
+              <a:lstStyle/>
+              <a:p>
+                <a:pPr algn="ctr"/>
+                <a:r>
+                  <a:rPr lang="en-US" altLang="zh-TW" sz="1600" dirty="0" smtClean="0">
+                    <a:solidFill>
+                      <a:schemeClr val="tx1">
+                        <a:lumMod val="85000"/>
+                      </a:schemeClr>
+                    </a:solidFill>
+                    <a:latin typeface="微軟正黑體" panose="020B0604030504040204" pitchFamily="34" charset="-120"/>
+                    <a:ea typeface="微軟正黑體" panose="020B0604030504040204" pitchFamily="34" charset="-120"/>
+                  </a:rPr>
+                  <a:t>64</a:t>
+                </a:r>
+                <a:endParaRPr lang="zh-TW" altLang="en-US" sz="1600" dirty="0">
+                  <a:solidFill>
+                    <a:schemeClr val="tx1">
+                      <a:lumMod val="85000"/>
+                    </a:schemeClr>
+                  </a:solidFill>
+                  <a:latin typeface="微軟正黑體" panose="020B0604030504040204" pitchFamily="34" charset="-120"/>
+                  <a:ea typeface="微軟正黑體" panose="020B0604030504040204" pitchFamily="34" charset="-120"/>
+                </a:endParaRPr>
+              </a:p>
+            </p:txBody>
+          </p:sp>
+          <p:sp>
+            <p:nvSpPr>
+              <p:cNvPr id="71" name="文字方塊 70"/>
+              <p:cNvSpPr txBox="1"/>
+              <p:nvPr/>
+            </p:nvSpPr>
+            <p:spPr>
+              <a:xfrm>
+                <a:off x="3837847" y="3756966"/>
+                <a:ext cx="338554" cy="461665"/>
+              </a:xfrm>
+              <a:prstGeom prst="rect">
+                <a:avLst/>
+              </a:prstGeom>
+              <a:noFill/>
+            </p:spPr>
+            <p:txBody>
+              <a:bodyPr wrap="none" rtlCol="0">
+                <a:spAutoFit/>
+              </a:bodyPr>
+              <a:lstStyle/>
+              <a:p>
+                <a:r>
+                  <a:rPr lang="en-US" altLang="zh-TW" sz="2400" dirty="0" smtClean="0"/>
+                  <a:t>+</a:t>
+                </a:r>
+              </a:p>
+            </p:txBody>
+          </p:sp>
+          <p:sp>
+            <p:nvSpPr>
+              <p:cNvPr id="72" name="文字方塊 71"/>
+              <p:cNvSpPr txBox="1"/>
+              <p:nvPr/>
+            </p:nvSpPr>
+            <p:spPr>
+              <a:xfrm>
+                <a:off x="2519379" y="3756966"/>
+                <a:ext cx="279244" cy="461665"/>
+              </a:xfrm>
+              <a:prstGeom prst="rect">
+                <a:avLst/>
+              </a:prstGeom>
+              <a:noFill/>
+            </p:spPr>
+            <p:txBody>
+              <a:bodyPr wrap="none" rtlCol="0">
+                <a:spAutoFit/>
+              </a:bodyPr>
+              <a:lstStyle/>
+              <a:p>
+                <a:r>
+                  <a:rPr lang="en-US" altLang="zh-TW" sz="2400" dirty="0" smtClean="0"/>
+                  <a:t>-</a:t>
+                </a:r>
+              </a:p>
+            </p:txBody>
+          </p:sp>
+        </p:grpSp>
+        <p:grpSp>
+          <p:nvGrpSpPr>
+            <p:cNvPr id="50" name="群組 49"/>
+            <p:cNvGrpSpPr/>
+            <p:nvPr/>
+          </p:nvGrpSpPr>
+          <p:grpSpPr>
+            <a:xfrm>
+              <a:off x="4581652" y="4123786"/>
+              <a:ext cx="2127317" cy="2605781"/>
+              <a:chOff x="4488019" y="1612850"/>
+              <a:chExt cx="2127317" cy="2605781"/>
+            </a:xfrm>
+          </p:grpSpPr>
+          <p:pic>
+            <p:nvPicPr>
+              <p:cNvPr id="65" name="圖片 64"/>
+              <p:cNvPicPr>
+                <a:picLocks noChangeAspect="1"/>
+              </p:cNvPicPr>
+              <p:nvPr/>
+            </p:nvPicPr>
+            <p:blipFill rotWithShape="1">
+              <a:blip r:embed="rId7">
+                <a:extLst>
+                  <a:ext uri="{BEBA8EAE-BF5A-486C-A8C5-ECC9F3942E4B}">
+                    <a14:imgProps xmlns:a14="http://schemas.microsoft.com/office/drawing/2010/main">
+                      <a14:imgLayer r:embed="rId8">
+                        <a14:imgEffect>
+                          <a14:brightnessContrast bright="20000" contrast="-40000"/>
+                        </a14:imgEffect>
+                      </a14:imgLayer>
+                    </a14:imgProps>
+                  </a:ext>
+                  <a:ext uri="{28A0092B-C50C-407E-A947-70E740481C1C}">
+                    <a14:useLocalDpi xmlns:a14="http://schemas.microsoft.com/office/drawing/2010/main" val="0"/>
+                  </a:ext>
+                </a:extLst>
+              </a:blip>
+              <a:srcRect l="21708" r="23248"/>
+              <a:stretch/>
+            </p:blipFill>
+            <p:spPr>
+              <a:xfrm>
+                <a:off x="4488019" y="1612850"/>
+                <a:ext cx="2127317" cy="2123421"/>
+              </a:xfrm>
+              <a:prstGeom prst="rect">
+                <a:avLst/>
+              </a:prstGeom>
+            </p:spPr>
+          </p:pic>
+          <p:sp>
+            <p:nvSpPr>
+              <p:cNvPr id="66" name="圓角矩形 65"/>
+              <p:cNvSpPr/>
+              <p:nvPr/>
+            </p:nvSpPr>
+            <p:spPr>
+              <a:xfrm>
+                <a:off x="5073270" y="3860798"/>
+                <a:ext cx="914400" cy="254002"/>
+              </a:xfrm>
+              <a:prstGeom prst="roundRect">
+                <a:avLst/>
+              </a:prstGeom>
+              <a:solidFill>
+                <a:schemeClr val="bg2">
+                  <a:lumMod val="50000"/>
+                </a:schemeClr>
+              </a:solidFill>
+              <a:ln>
+                <a:solidFill>
+                  <a:schemeClr val="tx1">
+                    <a:lumMod val="50000"/>
+                  </a:schemeClr>
+                </a:solidFill>
+              </a:ln>
+            </p:spPr>
+            <p:style>
+              <a:lnRef idx="2">
+                <a:schemeClr val="accent1">
+                  <a:shade val="50000"/>
+                </a:schemeClr>
+              </a:lnRef>
+              <a:fillRef idx="1">
+                <a:schemeClr val="accent1"/>
+              </a:fillRef>
+              <a:effectRef idx="0">
+                <a:schemeClr val="accent1"/>
+              </a:effectRef>
+              <a:fontRef idx="minor">
+                <a:schemeClr val="lt1"/>
+              </a:fontRef>
+            </p:style>
+            <p:txBody>
+              <a:bodyPr rtlCol="0" anchor="ctr"/>
+              <a:lstStyle/>
+              <a:p>
+                <a:pPr algn="ctr"/>
+                <a:r>
+                  <a:rPr lang="en-US" altLang="zh-TW" sz="1600" dirty="0" smtClean="0">
+                    <a:solidFill>
+                      <a:schemeClr val="tx1">
+                        <a:lumMod val="85000"/>
+                      </a:schemeClr>
+                    </a:solidFill>
+                    <a:latin typeface="微軟正黑體" panose="020B0604030504040204" pitchFamily="34" charset="-120"/>
+                    <a:ea typeface="微軟正黑體" panose="020B0604030504040204" pitchFamily="34" charset="-120"/>
+                  </a:rPr>
+                  <a:t>96</a:t>
+                </a:r>
+                <a:endParaRPr lang="zh-TW" altLang="en-US" sz="1600" dirty="0">
+                  <a:solidFill>
+                    <a:schemeClr val="tx1">
+                      <a:lumMod val="85000"/>
+                    </a:schemeClr>
+                  </a:solidFill>
+                  <a:latin typeface="微軟正黑體" panose="020B0604030504040204" pitchFamily="34" charset="-120"/>
+                  <a:ea typeface="微軟正黑體" panose="020B0604030504040204" pitchFamily="34" charset="-120"/>
+                </a:endParaRPr>
+              </a:p>
+            </p:txBody>
+          </p:sp>
+          <p:sp>
+            <p:nvSpPr>
+              <p:cNvPr id="67" name="文字方塊 66"/>
+              <p:cNvSpPr txBox="1"/>
+              <p:nvPr/>
+            </p:nvSpPr>
+            <p:spPr>
+              <a:xfrm>
+                <a:off x="6024611" y="3756966"/>
+                <a:ext cx="338554" cy="461665"/>
+              </a:xfrm>
+              <a:prstGeom prst="rect">
+                <a:avLst/>
+              </a:prstGeom>
+              <a:noFill/>
+            </p:spPr>
+            <p:txBody>
+              <a:bodyPr wrap="none" rtlCol="0">
+                <a:spAutoFit/>
+              </a:bodyPr>
+              <a:lstStyle/>
+              <a:p>
+                <a:r>
+                  <a:rPr lang="en-US" altLang="zh-TW" sz="2400" dirty="0" smtClean="0"/>
+                  <a:t>+</a:t>
+                </a:r>
+              </a:p>
+            </p:txBody>
+          </p:sp>
+          <p:sp>
+            <p:nvSpPr>
+              <p:cNvPr id="68" name="文字方塊 67"/>
+              <p:cNvSpPr txBox="1"/>
+              <p:nvPr/>
+            </p:nvSpPr>
+            <p:spPr>
+              <a:xfrm>
+                <a:off x="4706143" y="3756966"/>
+                <a:ext cx="279244" cy="461665"/>
+              </a:xfrm>
+              <a:prstGeom prst="rect">
+                <a:avLst/>
+              </a:prstGeom>
+              <a:noFill/>
+            </p:spPr>
+            <p:txBody>
+              <a:bodyPr wrap="none" rtlCol="0">
+                <a:spAutoFit/>
+              </a:bodyPr>
+              <a:lstStyle/>
+              <a:p>
+                <a:r>
+                  <a:rPr lang="en-US" altLang="zh-TW" sz="2400" dirty="0" smtClean="0"/>
+                  <a:t>-</a:t>
+                </a:r>
+              </a:p>
+            </p:txBody>
+          </p:sp>
+        </p:grpSp>
+        <p:grpSp>
+          <p:nvGrpSpPr>
+            <p:cNvPr id="51" name="群組 50"/>
+            <p:cNvGrpSpPr/>
+            <p:nvPr/>
+          </p:nvGrpSpPr>
+          <p:grpSpPr>
+            <a:xfrm>
+              <a:off x="6787963" y="4118822"/>
+              <a:ext cx="2127318" cy="2600446"/>
+              <a:chOff x="6694330" y="1607886"/>
+              <a:chExt cx="2127318" cy="2600446"/>
+            </a:xfrm>
+          </p:grpSpPr>
+          <p:pic>
+            <p:nvPicPr>
+              <p:cNvPr id="56" name="圖片 55"/>
+              <p:cNvPicPr>
+                <a:picLocks noChangeAspect="1"/>
+              </p:cNvPicPr>
+              <p:nvPr/>
+            </p:nvPicPr>
+            <p:blipFill rotWithShape="1">
+              <a:blip r:embed="rId9">
+                <a:extLst>
+                  <a:ext uri="{BEBA8EAE-BF5A-486C-A8C5-ECC9F3942E4B}">
+                    <a14:imgProps xmlns:a14="http://schemas.microsoft.com/office/drawing/2010/main">
+                      <a14:imgLayer r:embed="rId10">
+                        <a14:imgEffect>
+                          <a14:brightnessContrast bright="20000" contrast="-40000"/>
+                        </a14:imgEffect>
+                      </a14:imgLayer>
+                    </a14:imgProps>
+                  </a:ext>
+                  <a:ext uri="{28A0092B-C50C-407E-A947-70E740481C1C}">
+                    <a14:useLocalDpi xmlns:a14="http://schemas.microsoft.com/office/drawing/2010/main" val="0"/>
+                  </a:ext>
+                </a:extLst>
+              </a:blip>
+              <a:srcRect l="23060" r="21897"/>
+              <a:stretch/>
+            </p:blipFill>
+            <p:spPr>
+              <a:xfrm>
+                <a:off x="6694330" y="1607886"/>
+                <a:ext cx="2127318" cy="2128383"/>
+              </a:xfrm>
+              <a:prstGeom prst="rect">
+                <a:avLst/>
+              </a:prstGeom>
+            </p:spPr>
+          </p:pic>
+          <p:sp>
+            <p:nvSpPr>
+              <p:cNvPr id="57" name="圓角矩形 56"/>
+              <p:cNvSpPr/>
+              <p:nvPr/>
+            </p:nvSpPr>
+            <p:spPr>
+              <a:xfrm>
+                <a:off x="7300789" y="3860798"/>
+                <a:ext cx="914400" cy="254002"/>
+              </a:xfrm>
+              <a:prstGeom prst="roundRect">
+                <a:avLst/>
+              </a:prstGeom>
+              <a:solidFill>
+                <a:schemeClr val="bg2">
+                  <a:lumMod val="50000"/>
+                </a:schemeClr>
+              </a:solidFill>
+              <a:ln>
+                <a:solidFill>
+                  <a:schemeClr val="tx1">
+                    <a:lumMod val="50000"/>
+                  </a:schemeClr>
+                </a:solidFill>
+              </a:ln>
+            </p:spPr>
+            <p:style>
+              <a:lnRef idx="2">
+                <a:schemeClr val="accent1">
+                  <a:shade val="50000"/>
+                </a:schemeClr>
+              </a:lnRef>
+              <a:fillRef idx="1">
+                <a:schemeClr val="accent1"/>
+              </a:fillRef>
+              <a:effectRef idx="0">
+                <a:schemeClr val="accent1"/>
+              </a:effectRef>
+              <a:fontRef idx="minor">
+                <a:schemeClr val="lt1"/>
+              </a:fontRef>
+            </p:style>
+            <p:txBody>
+              <a:bodyPr rtlCol="0" anchor="ctr"/>
+              <a:lstStyle/>
+              <a:p>
+                <a:pPr algn="ctr"/>
+                <a:r>
+                  <a:rPr lang="en-US" altLang="zh-TW" sz="1600" dirty="0" smtClean="0">
+                    <a:solidFill>
+                      <a:schemeClr val="tx1">
+                        <a:lumMod val="85000"/>
+                      </a:schemeClr>
+                    </a:solidFill>
+                    <a:latin typeface="微軟正黑體" panose="020B0604030504040204" pitchFamily="34" charset="-120"/>
+                    <a:ea typeface="微軟正黑體" panose="020B0604030504040204" pitchFamily="34" charset="-120"/>
+                  </a:rPr>
+                  <a:t>64</a:t>
+                </a:r>
+                <a:endParaRPr lang="zh-TW" altLang="en-US" sz="1600" dirty="0">
+                  <a:solidFill>
+                    <a:schemeClr val="tx1">
+                      <a:lumMod val="85000"/>
+                    </a:schemeClr>
+                  </a:solidFill>
+                  <a:latin typeface="微軟正黑體" panose="020B0604030504040204" pitchFamily="34" charset="-120"/>
+                  <a:ea typeface="微軟正黑體" panose="020B0604030504040204" pitchFamily="34" charset="-120"/>
+                </a:endParaRPr>
+              </a:p>
+            </p:txBody>
+          </p:sp>
+          <p:sp>
+            <p:nvSpPr>
+              <p:cNvPr id="58" name="文字方塊 57"/>
+              <p:cNvSpPr txBox="1"/>
+              <p:nvPr/>
+            </p:nvSpPr>
+            <p:spPr>
+              <a:xfrm>
+                <a:off x="8244326" y="3746667"/>
+                <a:ext cx="338554" cy="461665"/>
+              </a:xfrm>
+              <a:prstGeom prst="rect">
+                <a:avLst/>
+              </a:prstGeom>
+              <a:noFill/>
+            </p:spPr>
+            <p:txBody>
+              <a:bodyPr wrap="none" rtlCol="0">
+                <a:spAutoFit/>
+              </a:bodyPr>
+              <a:lstStyle/>
+              <a:p>
+                <a:r>
+                  <a:rPr lang="en-US" altLang="zh-TW" sz="2400" dirty="0" smtClean="0"/>
+                  <a:t>+</a:t>
+                </a:r>
+              </a:p>
+            </p:txBody>
+          </p:sp>
+          <p:sp>
+            <p:nvSpPr>
+              <p:cNvPr id="64" name="文字方塊 63"/>
+              <p:cNvSpPr txBox="1"/>
+              <p:nvPr/>
+            </p:nvSpPr>
+            <p:spPr>
+              <a:xfrm>
+                <a:off x="6925858" y="3746667"/>
+                <a:ext cx="279244" cy="461665"/>
+              </a:xfrm>
+              <a:prstGeom prst="rect">
+                <a:avLst/>
+              </a:prstGeom>
+              <a:noFill/>
+            </p:spPr>
+            <p:txBody>
+              <a:bodyPr wrap="none" rtlCol="0">
+                <a:spAutoFit/>
+              </a:bodyPr>
+              <a:lstStyle/>
+              <a:p>
+                <a:r>
+                  <a:rPr lang="en-US" altLang="zh-TW" sz="2400" dirty="0" smtClean="0"/>
+                  <a:t>-</a:t>
+                </a:r>
+              </a:p>
+            </p:txBody>
+          </p:sp>
+        </p:grpSp>
+        <p:sp>
+          <p:nvSpPr>
+            <p:cNvPr id="43" name="矩形 42"/>
+            <p:cNvSpPr/>
+            <p:nvPr/>
+          </p:nvSpPr>
+          <p:spPr>
+            <a:xfrm>
+              <a:off x="2831406" y="3826656"/>
+              <a:ext cx="1249680" cy="264160"/>
+            </a:xfrm>
+            <a:prstGeom prst="rect">
+              <a:avLst/>
+            </a:prstGeom>
+            <a:solidFill>
+              <a:srgbClr val="21222D"/>
+            </a:solidFill>
+            <a:ln>
+              <a:noFill/>
+            </a:ln>
+          </p:spPr>
+          <p:style>
+            <a:lnRef idx="2">
+              <a:schemeClr val="accent1">
+                <a:shade val="50000"/>
+              </a:schemeClr>
+            </a:lnRef>
+            <a:fillRef idx="1">
+              <a:schemeClr val="accent1"/>
+            </a:fillRef>
+            <a:effectRef idx="0">
+              <a:schemeClr val="accent1"/>
+            </a:effectRef>
+            <a:fontRef idx="minor">
+              <a:schemeClr val="lt1"/>
+            </a:fontRef>
+          </p:style>
+          <p:txBody>
+            <a:bodyPr rtlCol="0" anchor="ctr"/>
+            <a:lstStyle/>
+            <a:p>
+              <a:pPr algn="ctr"/>
+              <a:r>
+                <a:rPr lang="en-US" altLang="zh-TW" sz="1400" b="1" dirty="0" smtClean="0">
+                  <a:solidFill>
+                    <a:schemeClr val="tx1"/>
+                  </a:solidFill>
+                  <a:latin typeface="微軟正黑體" panose="020B0604030504040204" pitchFamily="34" charset="-120"/>
+                  <a:ea typeface="微軟正黑體" panose="020B0604030504040204" pitchFamily="34" charset="-120"/>
+                </a:rPr>
+                <a:t>Axial</a:t>
+              </a:r>
+              <a:endParaRPr lang="zh-TW" altLang="en-US" sz="1400" b="1" dirty="0">
+                <a:solidFill>
+                  <a:schemeClr val="tx1"/>
+                </a:solidFill>
+                <a:latin typeface="微軟正黑體" panose="020B0604030504040204" pitchFamily="34" charset="-120"/>
+                <a:ea typeface="微軟正黑體" panose="020B0604030504040204" pitchFamily="34" charset="-120"/>
+              </a:endParaRPr>
+            </a:p>
+          </p:txBody>
+        </p:sp>
+        <p:sp>
+          <p:nvSpPr>
+            <p:cNvPr id="44" name="矩形 43"/>
+            <p:cNvSpPr/>
+            <p:nvPr/>
+          </p:nvSpPr>
+          <p:spPr>
+            <a:xfrm>
+              <a:off x="5029743" y="3826656"/>
+              <a:ext cx="1249680" cy="264160"/>
+            </a:xfrm>
+            <a:prstGeom prst="rect">
+              <a:avLst/>
+            </a:prstGeom>
+            <a:solidFill>
+              <a:srgbClr val="21222D"/>
+            </a:solidFill>
+            <a:ln>
+              <a:noFill/>
+            </a:ln>
+          </p:spPr>
+          <p:style>
+            <a:lnRef idx="2">
+              <a:schemeClr val="accent1">
+                <a:shade val="50000"/>
+              </a:schemeClr>
+            </a:lnRef>
+            <a:fillRef idx="1">
+              <a:schemeClr val="accent1"/>
+            </a:fillRef>
+            <a:effectRef idx="0">
+              <a:schemeClr val="accent1"/>
+            </a:effectRef>
+            <a:fontRef idx="minor">
+              <a:schemeClr val="lt1"/>
+            </a:fontRef>
+          </p:style>
+          <p:txBody>
+            <a:bodyPr rtlCol="0" anchor="ctr"/>
+            <a:lstStyle/>
+            <a:p>
+              <a:pPr algn="ctr"/>
+              <a:r>
+                <a:rPr lang="en-US" altLang="zh-TW" sz="1400" b="1" dirty="0" smtClean="0">
+                  <a:solidFill>
+                    <a:schemeClr val="tx1"/>
+                  </a:solidFill>
+                  <a:latin typeface="微軟正黑體" panose="020B0604030504040204" pitchFamily="34" charset="-120"/>
+                  <a:ea typeface="微軟正黑體" panose="020B0604030504040204" pitchFamily="34" charset="-120"/>
+                </a:rPr>
+                <a:t>Coronal</a:t>
+              </a:r>
+              <a:endParaRPr lang="zh-TW" altLang="en-US" sz="1400" b="1" dirty="0">
+                <a:solidFill>
+                  <a:schemeClr val="tx1"/>
+                </a:solidFill>
+                <a:latin typeface="微軟正黑體" panose="020B0604030504040204" pitchFamily="34" charset="-120"/>
+                <a:ea typeface="微軟正黑體" panose="020B0604030504040204" pitchFamily="34" charset="-120"/>
+              </a:endParaRPr>
+            </a:p>
+          </p:txBody>
+        </p:sp>
+        <p:sp>
+          <p:nvSpPr>
+            <p:cNvPr id="45" name="矩形 44"/>
+            <p:cNvSpPr/>
+            <p:nvPr/>
+          </p:nvSpPr>
+          <p:spPr>
+            <a:xfrm>
+              <a:off x="7196596" y="3826656"/>
+              <a:ext cx="1249680" cy="264160"/>
+            </a:xfrm>
+            <a:prstGeom prst="rect">
+              <a:avLst/>
+            </a:prstGeom>
+            <a:solidFill>
+              <a:srgbClr val="21222D"/>
+            </a:solidFill>
+            <a:ln>
+              <a:noFill/>
+            </a:ln>
+          </p:spPr>
+          <p:style>
+            <a:lnRef idx="2">
+              <a:schemeClr val="accent1">
+                <a:shade val="50000"/>
+              </a:schemeClr>
+            </a:lnRef>
+            <a:fillRef idx="1">
+              <a:schemeClr val="accent1"/>
+            </a:fillRef>
+            <a:effectRef idx="0">
+              <a:schemeClr val="accent1"/>
+            </a:effectRef>
+            <a:fontRef idx="minor">
+              <a:schemeClr val="lt1"/>
+            </a:fontRef>
+          </p:style>
+          <p:txBody>
+            <a:bodyPr rtlCol="0" anchor="ctr"/>
+            <a:lstStyle/>
+            <a:p>
+              <a:pPr algn="ctr"/>
+              <a:r>
+                <a:rPr lang="en-US" altLang="zh-TW" sz="1400" b="1" dirty="0" smtClean="0">
+                  <a:solidFill>
+                    <a:schemeClr val="tx1"/>
+                  </a:solidFill>
+                  <a:latin typeface="微軟正黑體" panose="020B0604030504040204" pitchFamily="34" charset="-120"/>
+                  <a:ea typeface="微軟正黑體" panose="020B0604030504040204" pitchFamily="34" charset="-120"/>
+                </a:rPr>
+                <a:t>Sagittal</a:t>
+              </a:r>
+              <a:endParaRPr lang="zh-TW" altLang="en-US" sz="1400" b="1" dirty="0">
+                <a:solidFill>
+                  <a:schemeClr val="tx1"/>
+                </a:solidFill>
+                <a:latin typeface="微軟正黑體" panose="020B0604030504040204" pitchFamily="34" charset="-120"/>
+                <a:ea typeface="微軟正黑體" panose="020B0604030504040204" pitchFamily="34" charset="-120"/>
+              </a:endParaRPr>
+            </a:p>
+          </p:txBody>
+        </p:sp>
+      </p:grpSp>
+      <p:grpSp>
+        <p:nvGrpSpPr>
+          <p:cNvPr id="2" name="群組 1"/>
+          <p:cNvGrpSpPr/>
+          <p:nvPr/>
+        </p:nvGrpSpPr>
+        <p:grpSpPr>
+          <a:xfrm>
+            <a:off x="2159499" y="709702"/>
+            <a:ext cx="6722618" cy="2305350"/>
+            <a:chOff x="2301739" y="709702"/>
+            <a:chExt cx="6722618" cy="2305350"/>
+          </a:xfrm>
+        </p:grpSpPr>
+        <p:sp>
+          <p:nvSpPr>
+            <p:cNvPr id="84" name="圓角矩形 83"/>
+            <p:cNvSpPr/>
+            <p:nvPr/>
+          </p:nvSpPr>
+          <p:spPr>
+            <a:xfrm>
+              <a:off x="2301739" y="709702"/>
+              <a:ext cx="6722618" cy="2305350"/>
+            </a:xfrm>
+            <a:prstGeom prst="roundRect">
+              <a:avLst>
+                <a:gd name="adj" fmla="val 2030"/>
+              </a:avLst>
+            </a:prstGeom>
+            <a:solidFill>
+              <a:srgbClr val="21222D"/>
+            </a:solidFill>
+            <a:ln>
+              <a:noFill/>
+            </a:ln>
+          </p:spPr>
+          <p:style>
+            <a:lnRef idx="2">
+              <a:schemeClr val="accent1">
+                <a:shade val="50000"/>
+              </a:schemeClr>
+            </a:lnRef>
+            <a:fillRef idx="1">
+              <a:schemeClr val="accent1"/>
+            </a:fillRef>
+            <a:effectRef idx="0">
+              <a:schemeClr val="accent1"/>
+            </a:effectRef>
+            <a:fontRef idx="minor">
+              <a:schemeClr val="lt1"/>
+            </a:fontRef>
+          </p:style>
+          <p:txBody>
+            <a:bodyPr rtlCol="0" anchor="ctr"/>
+            <a:lstStyle/>
+            <a:p>
+              <a:pPr algn="ctr"/>
+              <a:r>
+                <a:rPr lang="zh-TW" altLang="en-US" dirty="0" smtClean="0"/>
+                <a:t> </a:t>
+              </a:r>
+              <a:endParaRPr lang="zh-TW" altLang="en-US" dirty="0"/>
+            </a:p>
+          </p:txBody>
+        </p:sp>
+        <p:sp>
+          <p:nvSpPr>
+            <p:cNvPr id="53" name="矩形 52"/>
+            <p:cNvSpPr/>
+            <p:nvPr/>
+          </p:nvSpPr>
+          <p:spPr>
+            <a:xfrm>
+              <a:off x="2455814" y="898204"/>
+              <a:ext cx="1625272" cy="313160"/>
+            </a:xfrm>
+            <a:prstGeom prst="rect">
+              <a:avLst/>
+            </a:prstGeom>
+            <a:solidFill>
+              <a:srgbClr val="21222D"/>
+            </a:solidFill>
+            <a:ln>
+              <a:noFill/>
+            </a:ln>
+          </p:spPr>
+          <p:style>
+            <a:lnRef idx="2">
+              <a:schemeClr val="accent1">
+                <a:shade val="50000"/>
+              </a:schemeClr>
+            </a:lnRef>
+            <a:fillRef idx="1">
+              <a:schemeClr val="accent1"/>
+            </a:fillRef>
+            <a:effectRef idx="0">
+              <a:schemeClr val="accent1"/>
+            </a:effectRef>
+            <a:fontRef idx="minor">
+              <a:schemeClr val="lt1"/>
+            </a:fontRef>
+          </p:style>
+          <p:txBody>
+            <a:bodyPr rtlCol="0" anchor="ctr"/>
+            <a:lstStyle/>
+            <a:p>
+              <a:pPr algn="ctr"/>
+              <a:r>
+                <a:rPr lang="zh-TW" altLang="en-US" b="1" dirty="0" smtClean="0">
+                  <a:solidFill>
+                    <a:schemeClr val="tx1"/>
+                  </a:solidFill>
+                  <a:latin typeface="微軟正黑體" panose="020B0604030504040204" pitchFamily="34" charset="-120"/>
+                  <a:ea typeface="微軟正黑體" panose="020B0604030504040204" pitchFamily="34" charset="-120"/>
+                </a:rPr>
+                <a:t>選擇紀錄</a:t>
+              </a:r>
+              <a:endParaRPr lang="zh-TW" altLang="en-US" b="1" dirty="0">
+                <a:solidFill>
+                  <a:schemeClr val="tx1"/>
+                </a:solidFill>
+                <a:latin typeface="微軟正黑體" panose="020B0604030504040204" pitchFamily="34" charset="-120"/>
+                <a:ea typeface="微軟正黑體" panose="020B0604030504040204" pitchFamily="34" charset="-120"/>
+              </a:endParaRPr>
+            </a:p>
+          </p:txBody>
+        </p:sp>
+        <p:grpSp>
+          <p:nvGrpSpPr>
+            <p:cNvPr id="5" name="群組 4"/>
+            <p:cNvGrpSpPr/>
+            <p:nvPr/>
+          </p:nvGrpSpPr>
+          <p:grpSpPr>
+            <a:xfrm>
+              <a:off x="2831406" y="1301140"/>
+              <a:ext cx="5614870" cy="1097294"/>
+              <a:chOff x="2635667" y="1416365"/>
+              <a:chExt cx="5306207" cy="1097294"/>
+            </a:xfrm>
+          </p:grpSpPr>
+          <p:sp>
+            <p:nvSpPr>
+              <p:cNvPr id="74" name="圓角矩形 73"/>
+              <p:cNvSpPr/>
+              <p:nvPr/>
+            </p:nvSpPr>
+            <p:spPr>
+              <a:xfrm>
+                <a:off x="2635668" y="1416366"/>
+                <a:ext cx="2610873" cy="477099"/>
+              </a:xfrm>
+              <a:prstGeom prst="roundRect">
+                <a:avLst/>
+              </a:prstGeom>
+              <a:solidFill>
+                <a:srgbClr val="000000"/>
+              </a:solidFill>
+              <a:ln>
+                <a:noFill/>
+              </a:ln>
+            </p:spPr>
+            <p:style>
+              <a:lnRef idx="2">
+                <a:schemeClr val="accent1">
+                  <a:shade val="50000"/>
+                </a:schemeClr>
+              </a:lnRef>
+              <a:fillRef idx="1">
+                <a:schemeClr val="accent1"/>
+              </a:fillRef>
+              <a:effectRef idx="0">
+                <a:schemeClr val="accent1"/>
+              </a:effectRef>
+              <a:fontRef idx="minor">
+                <a:schemeClr val="lt1"/>
+              </a:fontRef>
+            </p:style>
+            <p:txBody>
+              <a:bodyPr rtlCol="0" anchor="ctr"/>
+              <a:lstStyle/>
+              <a:p>
+                <a:r>
+                  <a:rPr lang="en-US" altLang="zh-TW" sz="1050" dirty="0" smtClean="0">
+                    <a:latin typeface="微軟正黑體" panose="020B0604030504040204" pitchFamily="34" charset="-120"/>
+                    <a:ea typeface="微軟正黑體" panose="020B0604030504040204" pitchFamily="34" charset="-120"/>
+                  </a:rPr>
+                  <a:t>2022</a:t>
+                </a:r>
+                <a:r>
+                  <a:rPr lang="zh-TW" altLang="en-US" sz="1050" dirty="0" smtClean="0">
+                    <a:latin typeface="微軟正黑體" panose="020B0604030504040204" pitchFamily="34" charset="-120"/>
+                    <a:ea typeface="微軟正黑體" panose="020B0604030504040204" pitchFamily="34" charset="-120"/>
+                  </a:rPr>
+                  <a:t>年</a:t>
+                </a:r>
+                <a:r>
+                  <a:rPr lang="en-US" altLang="zh-TW" sz="1050" dirty="0" smtClean="0">
+                    <a:latin typeface="微軟正黑體" panose="020B0604030504040204" pitchFamily="34" charset="-120"/>
+                    <a:ea typeface="微軟正黑體" panose="020B0604030504040204" pitchFamily="34" charset="-120"/>
+                  </a:rPr>
+                  <a:t>02</a:t>
+                </a:r>
+                <a:r>
+                  <a:rPr lang="zh-TW" altLang="en-US" sz="1050" dirty="0" smtClean="0">
+                    <a:latin typeface="微軟正黑體" panose="020B0604030504040204" pitchFamily="34" charset="-120"/>
+                    <a:ea typeface="微軟正黑體" panose="020B0604030504040204" pitchFamily="34" charset="-120"/>
+                  </a:rPr>
+                  <a:t>月</a:t>
+                </a:r>
+                <a:r>
+                  <a:rPr lang="en-US" altLang="zh-TW" sz="1050" dirty="0" smtClean="0">
+                    <a:latin typeface="微軟正黑體" panose="020B0604030504040204" pitchFamily="34" charset="-120"/>
+                    <a:ea typeface="微軟正黑體" panose="020B0604030504040204" pitchFamily="34" charset="-120"/>
+                  </a:rPr>
+                  <a:t>28</a:t>
+                </a:r>
+                <a:r>
+                  <a:rPr lang="zh-TW" altLang="en-US" sz="1050" dirty="0" smtClean="0">
+                    <a:latin typeface="微軟正黑體" panose="020B0604030504040204" pitchFamily="34" charset="-120"/>
+                    <a:ea typeface="微軟正黑體" panose="020B0604030504040204" pitchFamily="34" charset="-120"/>
+                  </a:rPr>
+                  <a:t>日</a:t>
+                </a:r>
+                <a:endParaRPr lang="en-US" altLang="zh-TW" sz="1050" dirty="0" smtClean="0">
+                  <a:latin typeface="微軟正黑體" panose="020B0604030504040204" pitchFamily="34" charset="-120"/>
+                  <a:ea typeface="微軟正黑體" panose="020B0604030504040204" pitchFamily="34" charset="-120"/>
+                </a:endParaRPr>
+              </a:p>
+              <a:p>
+                <a:r>
+                  <a:rPr lang="zh-TW" altLang="en-US" sz="1050" dirty="0" smtClean="0">
+                    <a:solidFill>
+                      <a:schemeClr val="tx1">
+                        <a:lumMod val="85000"/>
+                      </a:schemeClr>
+                    </a:solidFill>
+                    <a:latin typeface="微軟正黑體" panose="020B0604030504040204" pitchFamily="34" charset="-120"/>
+                    <a:ea typeface="微軟正黑體" panose="020B0604030504040204" pitchFamily="34" charset="-120"/>
+                  </a:rPr>
+                  <a:t>實際年齡 </a:t>
+                </a:r>
+                <a:r>
+                  <a:rPr lang="en-US" altLang="zh-TW" sz="1050" dirty="0" smtClean="0">
+                    <a:solidFill>
+                      <a:schemeClr val="tx1">
+                        <a:lumMod val="85000"/>
+                      </a:schemeClr>
+                    </a:solidFill>
+                    <a:latin typeface="微軟正黑體" panose="020B0604030504040204" pitchFamily="34" charset="-120"/>
+                    <a:ea typeface="微軟正黑體" panose="020B0604030504040204" pitchFamily="34" charset="-120"/>
+                  </a:rPr>
+                  <a:t>/</a:t>
+                </a:r>
+                <a:r>
+                  <a:rPr lang="zh-TW" altLang="en-US" sz="1050" dirty="0" smtClean="0">
+                    <a:solidFill>
+                      <a:schemeClr val="tx1">
+                        <a:lumMod val="85000"/>
+                      </a:schemeClr>
+                    </a:solidFill>
+                    <a:latin typeface="微軟正黑體" panose="020B0604030504040204" pitchFamily="34" charset="-120"/>
+                    <a:ea typeface="微軟正黑體" panose="020B0604030504040204" pitchFamily="34" charset="-120"/>
+                  </a:rPr>
+                  <a:t> 腦部年齡：</a:t>
+                </a:r>
+                <a:r>
+                  <a:rPr lang="en-US" altLang="zh-TW" sz="1050" dirty="0" smtClean="0">
+                    <a:solidFill>
+                      <a:schemeClr val="tx1">
+                        <a:lumMod val="85000"/>
+                      </a:schemeClr>
+                    </a:solidFill>
+                    <a:latin typeface="微軟正黑體" panose="020B0604030504040204" pitchFamily="34" charset="-120"/>
+                    <a:ea typeface="微軟正黑體" panose="020B0604030504040204" pitchFamily="34" charset="-120"/>
+                  </a:rPr>
+                  <a:t>62 / 71 </a:t>
+                </a:r>
+                <a:r>
+                  <a:rPr lang="zh-TW" altLang="en-US" sz="1050" dirty="0" smtClean="0">
+                    <a:solidFill>
+                      <a:schemeClr val="tx1">
+                        <a:lumMod val="85000"/>
+                      </a:schemeClr>
+                    </a:solidFill>
+                    <a:latin typeface="微軟正黑體" panose="020B0604030504040204" pitchFamily="34" charset="-120"/>
+                    <a:ea typeface="微軟正黑體" panose="020B0604030504040204" pitchFamily="34" charset="-120"/>
+                  </a:rPr>
+                  <a:t>歲</a:t>
+                </a:r>
+                <a:endParaRPr lang="zh-TW" altLang="en-US" sz="1050" dirty="0">
+                  <a:solidFill>
+                    <a:schemeClr val="tx1">
+                      <a:lumMod val="85000"/>
+                    </a:schemeClr>
+                  </a:solidFill>
+                  <a:latin typeface="微軟正黑體" panose="020B0604030504040204" pitchFamily="34" charset="-120"/>
+                  <a:ea typeface="微軟正黑體" panose="020B0604030504040204" pitchFamily="34" charset="-120"/>
+                </a:endParaRPr>
+              </a:p>
+            </p:txBody>
+          </p:sp>
+          <p:sp>
+            <p:nvSpPr>
+              <p:cNvPr id="75" name="圓角矩形 74"/>
+              <p:cNvSpPr/>
+              <p:nvPr/>
+            </p:nvSpPr>
+            <p:spPr>
+              <a:xfrm>
+                <a:off x="2635667" y="2032343"/>
+                <a:ext cx="2610873" cy="477099"/>
+              </a:xfrm>
+              <a:prstGeom prst="roundRect">
+                <a:avLst/>
+              </a:prstGeom>
+              <a:solidFill>
+                <a:srgbClr val="000000"/>
+              </a:solidFill>
+              <a:ln>
+                <a:noFill/>
+              </a:ln>
+            </p:spPr>
+            <p:style>
+              <a:lnRef idx="2">
+                <a:schemeClr val="accent1">
+                  <a:shade val="50000"/>
+                </a:schemeClr>
+              </a:lnRef>
+              <a:fillRef idx="1">
+                <a:schemeClr val="accent1"/>
+              </a:fillRef>
+              <a:effectRef idx="0">
+                <a:schemeClr val="accent1"/>
+              </a:effectRef>
+              <a:fontRef idx="minor">
+                <a:schemeClr val="lt1"/>
+              </a:fontRef>
+            </p:style>
+            <p:txBody>
+              <a:bodyPr rtlCol="0" anchor="ctr"/>
+              <a:lstStyle/>
+              <a:p>
+                <a:r>
+                  <a:rPr lang="en-US" altLang="zh-TW" sz="1050" dirty="0" smtClean="0">
+                    <a:latin typeface="微軟正黑體" panose="020B0604030504040204" pitchFamily="34" charset="-120"/>
+                    <a:ea typeface="微軟正黑體" panose="020B0604030504040204" pitchFamily="34" charset="-120"/>
+                  </a:rPr>
+                  <a:t>2018</a:t>
+                </a:r>
+                <a:r>
+                  <a:rPr lang="zh-TW" altLang="en-US" sz="1050" dirty="0" smtClean="0">
+                    <a:latin typeface="微軟正黑體" panose="020B0604030504040204" pitchFamily="34" charset="-120"/>
+                    <a:ea typeface="微軟正黑體" panose="020B0604030504040204" pitchFamily="34" charset="-120"/>
+                  </a:rPr>
+                  <a:t>年</a:t>
+                </a:r>
+                <a:r>
+                  <a:rPr lang="en-US" altLang="zh-TW" sz="1050" dirty="0" smtClean="0">
+                    <a:latin typeface="微軟正黑體" panose="020B0604030504040204" pitchFamily="34" charset="-120"/>
+                    <a:ea typeface="微軟正黑體" panose="020B0604030504040204" pitchFamily="34" charset="-120"/>
+                  </a:rPr>
+                  <a:t>03</a:t>
+                </a:r>
+                <a:r>
+                  <a:rPr lang="zh-TW" altLang="en-US" sz="1050" dirty="0" smtClean="0">
+                    <a:latin typeface="微軟正黑體" panose="020B0604030504040204" pitchFamily="34" charset="-120"/>
+                    <a:ea typeface="微軟正黑體" panose="020B0604030504040204" pitchFamily="34" charset="-120"/>
+                  </a:rPr>
+                  <a:t>月</a:t>
+                </a:r>
+                <a:r>
+                  <a:rPr lang="en-US" altLang="zh-TW" sz="1050" dirty="0" smtClean="0">
+                    <a:latin typeface="微軟正黑體" panose="020B0604030504040204" pitchFamily="34" charset="-120"/>
+                    <a:ea typeface="微軟正黑體" panose="020B0604030504040204" pitchFamily="34" charset="-120"/>
+                  </a:rPr>
+                  <a:t>21</a:t>
+                </a:r>
+                <a:r>
+                  <a:rPr lang="zh-TW" altLang="en-US" sz="1050" dirty="0" smtClean="0">
+                    <a:latin typeface="微軟正黑體" panose="020B0604030504040204" pitchFamily="34" charset="-120"/>
+                    <a:ea typeface="微軟正黑體" panose="020B0604030504040204" pitchFamily="34" charset="-120"/>
+                  </a:rPr>
+                  <a:t>日</a:t>
+                </a:r>
+                <a:endParaRPr lang="en-US" altLang="zh-TW" sz="1050" dirty="0" smtClean="0">
+                  <a:latin typeface="微軟正黑體" panose="020B0604030504040204" pitchFamily="34" charset="-120"/>
+                  <a:ea typeface="微軟正黑體" panose="020B0604030504040204" pitchFamily="34" charset="-120"/>
+                </a:endParaRPr>
+              </a:p>
+              <a:p>
+                <a:r>
+                  <a:rPr lang="zh-TW" altLang="en-US" sz="1050" dirty="0" smtClean="0">
+                    <a:solidFill>
+                      <a:schemeClr val="tx1">
+                        <a:lumMod val="85000"/>
+                      </a:schemeClr>
+                    </a:solidFill>
+                    <a:latin typeface="微軟正黑體" panose="020B0604030504040204" pitchFamily="34" charset="-120"/>
+                    <a:ea typeface="微軟正黑體" panose="020B0604030504040204" pitchFamily="34" charset="-120"/>
+                  </a:rPr>
+                  <a:t>實際年齡 </a:t>
+                </a:r>
+                <a:r>
+                  <a:rPr lang="en-US" altLang="zh-TW" sz="1050" dirty="0" smtClean="0">
+                    <a:solidFill>
+                      <a:schemeClr val="tx1">
+                        <a:lumMod val="85000"/>
+                      </a:schemeClr>
+                    </a:solidFill>
+                    <a:latin typeface="微軟正黑體" panose="020B0604030504040204" pitchFamily="34" charset="-120"/>
+                    <a:ea typeface="微軟正黑體" panose="020B0604030504040204" pitchFamily="34" charset="-120"/>
+                  </a:rPr>
+                  <a:t>/</a:t>
+                </a:r>
+                <a:r>
+                  <a:rPr lang="zh-TW" altLang="en-US" sz="1050" dirty="0" smtClean="0">
+                    <a:solidFill>
+                      <a:schemeClr val="tx1">
+                        <a:lumMod val="85000"/>
+                      </a:schemeClr>
+                    </a:solidFill>
+                    <a:latin typeface="微軟正黑體" panose="020B0604030504040204" pitchFamily="34" charset="-120"/>
+                    <a:ea typeface="微軟正黑體" panose="020B0604030504040204" pitchFamily="34" charset="-120"/>
+                  </a:rPr>
+                  <a:t> 腦部年齡：</a:t>
+                </a:r>
+                <a:r>
+                  <a:rPr lang="en-US" altLang="zh-TW" sz="1050" dirty="0" smtClean="0">
+                    <a:solidFill>
+                      <a:schemeClr val="tx1">
+                        <a:lumMod val="85000"/>
+                      </a:schemeClr>
+                    </a:solidFill>
+                    <a:latin typeface="微軟正黑體" panose="020B0604030504040204" pitchFamily="34" charset="-120"/>
+                    <a:ea typeface="微軟正黑體" panose="020B0604030504040204" pitchFamily="34" charset="-120"/>
+                  </a:rPr>
+                  <a:t>58 / 59 </a:t>
+                </a:r>
+                <a:r>
+                  <a:rPr lang="zh-TW" altLang="en-US" sz="1050" dirty="0" smtClean="0">
+                    <a:solidFill>
+                      <a:schemeClr val="tx1">
+                        <a:lumMod val="85000"/>
+                      </a:schemeClr>
+                    </a:solidFill>
+                    <a:latin typeface="微軟正黑體" panose="020B0604030504040204" pitchFamily="34" charset="-120"/>
+                    <a:ea typeface="微軟正黑體" panose="020B0604030504040204" pitchFamily="34" charset="-120"/>
+                  </a:rPr>
+                  <a:t>歲</a:t>
+                </a:r>
+                <a:endParaRPr lang="zh-TW" altLang="en-US" sz="1050" dirty="0">
+                  <a:solidFill>
+                    <a:schemeClr val="tx1">
+                      <a:lumMod val="85000"/>
+                    </a:schemeClr>
+                  </a:solidFill>
+                  <a:latin typeface="微軟正黑體" panose="020B0604030504040204" pitchFamily="34" charset="-120"/>
+                  <a:ea typeface="微軟正黑體" panose="020B0604030504040204" pitchFamily="34" charset="-120"/>
+                </a:endParaRPr>
+              </a:p>
+            </p:txBody>
+          </p:sp>
+          <p:sp>
+            <p:nvSpPr>
+              <p:cNvPr id="77" name="圓角矩形 76"/>
+              <p:cNvSpPr/>
+              <p:nvPr/>
+            </p:nvSpPr>
+            <p:spPr>
+              <a:xfrm>
+                <a:off x="5375918" y="2036560"/>
+                <a:ext cx="2565956" cy="477099"/>
+              </a:xfrm>
+              <a:prstGeom prst="roundRect">
+                <a:avLst/>
+              </a:prstGeom>
+              <a:solidFill>
+                <a:srgbClr val="000000"/>
+              </a:solidFill>
+              <a:ln>
+                <a:noFill/>
+              </a:ln>
+            </p:spPr>
+            <p:style>
+              <a:lnRef idx="2">
+                <a:schemeClr val="accent1">
+                  <a:shade val="50000"/>
+                </a:schemeClr>
+              </a:lnRef>
+              <a:fillRef idx="1">
+                <a:schemeClr val="accent1"/>
+              </a:fillRef>
+              <a:effectRef idx="0">
+                <a:schemeClr val="accent1"/>
+              </a:effectRef>
+              <a:fontRef idx="minor">
+                <a:schemeClr val="lt1"/>
+              </a:fontRef>
+            </p:style>
+            <p:txBody>
+              <a:bodyPr rtlCol="0" anchor="ctr"/>
+              <a:lstStyle/>
+              <a:p>
+                <a:r>
+                  <a:rPr lang="en-US" altLang="zh-TW" sz="1050" dirty="0" smtClean="0">
+                    <a:latin typeface="微軟正黑體" panose="020B0604030504040204" pitchFamily="34" charset="-120"/>
+                    <a:ea typeface="微軟正黑體" panose="020B0604030504040204" pitchFamily="34" charset="-120"/>
+                  </a:rPr>
+                  <a:t>2015</a:t>
+                </a:r>
+                <a:r>
+                  <a:rPr lang="zh-TW" altLang="en-US" sz="1050" dirty="0" smtClean="0">
+                    <a:latin typeface="微軟正黑體" panose="020B0604030504040204" pitchFamily="34" charset="-120"/>
+                    <a:ea typeface="微軟正黑體" panose="020B0604030504040204" pitchFamily="34" charset="-120"/>
+                  </a:rPr>
+                  <a:t>年</a:t>
+                </a:r>
+                <a:r>
+                  <a:rPr lang="en-US" altLang="zh-TW" sz="1050" dirty="0" smtClean="0">
+                    <a:latin typeface="微軟正黑體" panose="020B0604030504040204" pitchFamily="34" charset="-120"/>
+                    <a:ea typeface="微軟正黑體" panose="020B0604030504040204" pitchFamily="34" charset="-120"/>
+                  </a:rPr>
+                  <a:t>09</a:t>
+                </a:r>
+                <a:r>
+                  <a:rPr lang="zh-TW" altLang="en-US" sz="1050" dirty="0" smtClean="0">
+                    <a:latin typeface="微軟正黑體" panose="020B0604030504040204" pitchFamily="34" charset="-120"/>
+                    <a:ea typeface="微軟正黑體" panose="020B0604030504040204" pitchFamily="34" charset="-120"/>
+                  </a:rPr>
+                  <a:t>月</a:t>
+                </a:r>
+                <a:r>
+                  <a:rPr lang="en-US" altLang="zh-TW" sz="1050" dirty="0">
+                    <a:latin typeface="微軟正黑體" panose="020B0604030504040204" pitchFamily="34" charset="-120"/>
+                    <a:ea typeface="微軟正黑體" panose="020B0604030504040204" pitchFamily="34" charset="-120"/>
+                  </a:rPr>
+                  <a:t>0</a:t>
+                </a:r>
+                <a:r>
+                  <a:rPr lang="en-US" altLang="zh-TW" sz="1050" dirty="0" smtClean="0">
+                    <a:latin typeface="微軟正黑體" panose="020B0604030504040204" pitchFamily="34" charset="-120"/>
+                    <a:ea typeface="微軟正黑體" panose="020B0604030504040204" pitchFamily="34" charset="-120"/>
+                  </a:rPr>
+                  <a:t>8</a:t>
+                </a:r>
+                <a:r>
+                  <a:rPr lang="zh-TW" altLang="en-US" sz="1050" dirty="0" smtClean="0">
+                    <a:latin typeface="微軟正黑體" panose="020B0604030504040204" pitchFamily="34" charset="-120"/>
+                    <a:ea typeface="微軟正黑體" panose="020B0604030504040204" pitchFamily="34" charset="-120"/>
+                  </a:rPr>
+                  <a:t>日</a:t>
+                </a:r>
+                <a:endParaRPr lang="en-US" altLang="zh-TW" sz="1050" dirty="0" smtClean="0">
+                  <a:latin typeface="微軟正黑體" panose="020B0604030504040204" pitchFamily="34" charset="-120"/>
+                  <a:ea typeface="微軟正黑體" panose="020B0604030504040204" pitchFamily="34" charset="-120"/>
+                </a:endParaRPr>
+              </a:p>
+              <a:p>
+                <a:r>
+                  <a:rPr lang="zh-TW" altLang="en-US" sz="1050" dirty="0" smtClean="0">
+                    <a:solidFill>
+                      <a:schemeClr val="tx1">
+                        <a:lumMod val="85000"/>
+                      </a:schemeClr>
+                    </a:solidFill>
+                    <a:latin typeface="微軟正黑體" panose="020B0604030504040204" pitchFamily="34" charset="-120"/>
+                    <a:ea typeface="微軟正黑體" panose="020B0604030504040204" pitchFamily="34" charset="-120"/>
+                  </a:rPr>
+                  <a:t>實際年齡 </a:t>
+                </a:r>
+                <a:r>
+                  <a:rPr lang="en-US" altLang="zh-TW" sz="1050" dirty="0" smtClean="0">
+                    <a:solidFill>
+                      <a:schemeClr val="tx1">
+                        <a:lumMod val="85000"/>
+                      </a:schemeClr>
+                    </a:solidFill>
+                    <a:latin typeface="微軟正黑體" panose="020B0604030504040204" pitchFamily="34" charset="-120"/>
+                    <a:ea typeface="微軟正黑體" panose="020B0604030504040204" pitchFamily="34" charset="-120"/>
+                  </a:rPr>
+                  <a:t>/</a:t>
+                </a:r>
+                <a:r>
+                  <a:rPr lang="zh-TW" altLang="en-US" sz="1050" dirty="0" smtClean="0">
+                    <a:solidFill>
+                      <a:schemeClr val="tx1">
+                        <a:lumMod val="85000"/>
+                      </a:schemeClr>
+                    </a:solidFill>
+                    <a:latin typeface="微軟正黑體" panose="020B0604030504040204" pitchFamily="34" charset="-120"/>
+                    <a:ea typeface="微軟正黑體" panose="020B0604030504040204" pitchFamily="34" charset="-120"/>
+                  </a:rPr>
+                  <a:t> 腦部年齡：</a:t>
+                </a:r>
+                <a:r>
+                  <a:rPr lang="en-US" altLang="zh-TW" sz="1050" dirty="0" smtClean="0">
+                    <a:solidFill>
+                      <a:schemeClr val="tx1">
+                        <a:lumMod val="85000"/>
+                      </a:schemeClr>
+                    </a:solidFill>
+                    <a:latin typeface="微軟正黑體" panose="020B0604030504040204" pitchFamily="34" charset="-120"/>
+                    <a:ea typeface="微軟正黑體" panose="020B0604030504040204" pitchFamily="34" charset="-120"/>
+                  </a:rPr>
+                  <a:t>55 / 56 </a:t>
+                </a:r>
+                <a:r>
+                  <a:rPr lang="zh-TW" altLang="en-US" sz="1050" dirty="0" smtClean="0">
+                    <a:solidFill>
+                      <a:schemeClr val="tx1">
+                        <a:lumMod val="85000"/>
+                      </a:schemeClr>
+                    </a:solidFill>
+                    <a:latin typeface="微軟正黑體" panose="020B0604030504040204" pitchFamily="34" charset="-120"/>
+                    <a:ea typeface="微軟正黑體" panose="020B0604030504040204" pitchFamily="34" charset="-120"/>
+                  </a:rPr>
+                  <a:t>歲</a:t>
+                </a:r>
+                <a:endParaRPr lang="zh-TW" altLang="en-US" sz="1050" dirty="0">
+                  <a:solidFill>
+                    <a:schemeClr val="tx1">
+                      <a:lumMod val="85000"/>
+                    </a:schemeClr>
+                  </a:solidFill>
+                  <a:latin typeface="微軟正黑體" panose="020B0604030504040204" pitchFamily="34" charset="-120"/>
+                  <a:ea typeface="微軟正黑體" panose="020B0604030504040204" pitchFamily="34" charset="-120"/>
+                </a:endParaRPr>
+              </a:p>
+            </p:txBody>
+          </p:sp>
+          <p:sp>
+            <p:nvSpPr>
+              <p:cNvPr id="78" name="圓角矩形 77"/>
+              <p:cNvSpPr/>
+              <p:nvPr/>
+            </p:nvSpPr>
+            <p:spPr>
+              <a:xfrm>
+                <a:off x="5375918" y="1416365"/>
+                <a:ext cx="2565956" cy="477099"/>
+              </a:xfrm>
+              <a:prstGeom prst="roundRect">
+                <a:avLst/>
+              </a:prstGeom>
+              <a:solidFill>
+                <a:srgbClr val="000000"/>
+              </a:solidFill>
+              <a:ln>
+                <a:noFill/>
+              </a:ln>
+            </p:spPr>
+            <p:style>
+              <a:lnRef idx="2">
+                <a:schemeClr val="accent1">
+                  <a:shade val="50000"/>
+                </a:schemeClr>
+              </a:lnRef>
+              <a:fillRef idx="1">
+                <a:schemeClr val="accent1"/>
+              </a:fillRef>
+              <a:effectRef idx="0">
+                <a:schemeClr val="accent1"/>
+              </a:effectRef>
+              <a:fontRef idx="minor">
+                <a:schemeClr val="lt1"/>
+              </a:fontRef>
+            </p:style>
+            <p:txBody>
+              <a:bodyPr rtlCol="0" anchor="ctr"/>
+              <a:lstStyle/>
+              <a:p>
+                <a:r>
+                  <a:rPr lang="en-US" altLang="zh-TW" sz="1050" dirty="0" smtClean="0">
+                    <a:latin typeface="微軟正黑體" panose="020B0604030504040204" pitchFamily="34" charset="-120"/>
+                    <a:ea typeface="微軟正黑體" panose="020B0604030504040204" pitchFamily="34" charset="-120"/>
+                  </a:rPr>
+                  <a:t>2010</a:t>
+                </a:r>
+                <a:r>
+                  <a:rPr lang="zh-TW" altLang="en-US" sz="1050" dirty="0" smtClean="0">
+                    <a:latin typeface="微軟正黑體" panose="020B0604030504040204" pitchFamily="34" charset="-120"/>
+                    <a:ea typeface="微軟正黑體" panose="020B0604030504040204" pitchFamily="34" charset="-120"/>
+                  </a:rPr>
+                  <a:t>年</a:t>
+                </a:r>
+                <a:r>
+                  <a:rPr lang="en-US" altLang="zh-TW" sz="1050" dirty="0" smtClean="0">
+                    <a:latin typeface="微軟正黑體" panose="020B0604030504040204" pitchFamily="34" charset="-120"/>
+                    <a:ea typeface="微軟正黑體" panose="020B0604030504040204" pitchFamily="34" charset="-120"/>
+                  </a:rPr>
+                  <a:t>01</a:t>
+                </a:r>
+                <a:r>
+                  <a:rPr lang="zh-TW" altLang="en-US" sz="1050" dirty="0" smtClean="0">
+                    <a:latin typeface="微軟正黑體" panose="020B0604030504040204" pitchFamily="34" charset="-120"/>
+                    <a:ea typeface="微軟正黑體" panose="020B0604030504040204" pitchFamily="34" charset="-120"/>
+                  </a:rPr>
+                  <a:t>月</a:t>
+                </a:r>
+                <a:r>
+                  <a:rPr lang="en-US" altLang="zh-TW" sz="1050" dirty="0" smtClean="0">
+                    <a:latin typeface="微軟正黑體" panose="020B0604030504040204" pitchFamily="34" charset="-120"/>
+                    <a:ea typeface="微軟正黑體" panose="020B0604030504040204" pitchFamily="34" charset="-120"/>
+                  </a:rPr>
+                  <a:t>12</a:t>
+                </a:r>
+                <a:r>
+                  <a:rPr lang="zh-TW" altLang="en-US" sz="1050" dirty="0" smtClean="0">
+                    <a:latin typeface="微軟正黑體" panose="020B0604030504040204" pitchFamily="34" charset="-120"/>
+                    <a:ea typeface="微軟正黑體" panose="020B0604030504040204" pitchFamily="34" charset="-120"/>
+                  </a:rPr>
+                  <a:t>日</a:t>
+                </a:r>
+                <a:endParaRPr lang="en-US" altLang="zh-TW" sz="1050" dirty="0" smtClean="0">
+                  <a:latin typeface="微軟正黑體" panose="020B0604030504040204" pitchFamily="34" charset="-120"/>
+                  <a:ea typeface="微軟正黑體" panose="020B0604030504040204" pitchFamily="34" charset="-120"/>
+                </a:endParaRPr>
+              </a:p>
+              <a:p>
+                <a:r>
+                  <a:rPr lang="zh-TW" altLang="en-US" sz="1050" dirty="0" smtClean="0">
+                    <a:solidFill>
+                      <a:schemeClr val="tx1">
+                        <a:lumMod val="85000"/>
+                      </a:schemeClr>
+                    </a:solidFill>
+                    <a:latin typeface="微軟正黑體" panose="020B0604030504040204" pitchFamily="34" charset="-120"/>
+                    <a:ea typeface="微軟正黑體" panose="020B0604030504040204" pitchFamily="34" charset="-120"/>
+                  </a:rPr>
+                  <a:t>實際年齡 </a:t>
+                </a:r>
+                <a:r>
+                  <a:rPr lang="en-US" altLang="zh-TW" sz="1050" dirty="0" smtClean="0">
+                    <a:solidFill>
+                      <a:schemeClr val="tx1">
+                        <a:lumMod val="85000"/>
+                      </a:schemeClr>
+                    </a:solidFill>
+                    <a:latin typeface="微軟正黑體" panose="020B0604030504040204" pitchFamily="34" charset="-120"/>
+                    <a:ea typeface="微軟正黑體" panose="020B0604030504040204" pitchFamily="34" charset="-120"/>
+                  </a:rPr>
+                  <a:t>/</a:t>
+                </a:r>
+                <a:r>
+                  <a:rPr lang="zh-TW" altLang="en-US" sz="1050" dirty="0" smtClean="0">
+                    <a:solidFill>
+                      <a:schemeClr val="tx1">
+                        <a:lumMod val="85000"/>
+                      </a:schemeClr>
+                    </a:solidFill>
+                    <a:latin typeface="微軟正黑體" panose="020B0604030504040204" pitchFamily="34" charset="-120"/>
+                    <a:ea typeface="微軟正黑體" panose="020B0604030504040204" pitchFamily="34" charset="-120"/>
+                  </a:rPr>
+                  <a:t> 腦部年齡：</a:t>
+                </a:r>
+                <a:r>
+                  <a:rPr lang="en-US" altLang="zh-TW" sz="1050" dirty="0" smtClean="0">
+                    <a:solidFill>
+                      <a:schemeClr val="tx1">
+                        <a:lumMod val="85000"/>
+                      </a:schemeClr>
+                    </a:solidFill>
+                    <a:latin typeface="微軟正黑體" panose="020B0604030504040204" pitchFamily="34" charset="-120"/>
+                    <a:ea typeface="微軟正黑體" panose="020B0604030504040204" pitchFamily="34" charset="-120"/>
+                  </a:rPr>
+                  <a:t>50 / 50 </a:t>
+                </a:r>
+                <a:r>
+                  <a:rPr lang="zh-TW" altLang="en-US" sz="1050" dirty="0" smtClean="0">
+                    <a:solidFill>
+                      <a:schemeClr val="tx1">
+                        <a:lumMod val="85000"/>
+                      </a:schemeClr>
+                    </a:solidFill>
+                    <a:latin typeface="微軟正黑體" panose="020B0604030504040204" pitchFamily="34" charset="-120"/>
+                    <a:ea typeface="微軟正黑體" panose="020B0604030504040204" pitchFamily="34" charset="-120"/>
+                  </a:rPr>
+                  <a:t>歲</a:t>
+                </a:r>
+                <a:endParaRPr lang="zh-TW" altLang="en-US" sz="1050" dirty="0">
+                  <a:solidFill>
+                    <a:schemeClr val="tx1">
+                      <a:lumMod val="85000"/>
+                    </a:schemeClr>
+                  </a:solidFill>
+                  <a:latin typeface="微軟正黑體" panose="020B0604030504040204" pitchFamily="34" charset="-120"/>
+                  <a:ea typeface="微軟正黑體" panose="020B0604030504040204" pitchFamily="34" charset="-120"/>
+                </a:endParaRPr>
+              </a:p>
+            </p:txBody>
+          </p:sp>
+        </p:grpSp>
+        <p:sp>
+          <p:nvSpPr>
+            <p:cNvPr id="87" name="圓角矩形 86"/>
+            <p:cNvSpPr/>
+            <p:nvPr/>
+          </p:nvSpPr>
+          <p:spPr>
+            <a:xfrm>
+              <a:off x="4735660" y="2576127"/>
+              <a:ext cx="1823657" cy="309404"/>
+            </a:xfrm>
+            <a:prstGeom prst="roundRect">
+              <a:avLst>
+                <a:gd name="adj" fmla="val 11522"/>
+              </a:avLst>
+            </a:prstGeom>
+            <a:solidFill>
+              <a:srgbClr val="88B2AC"/>
+            </a:solidFill>
+            <a:ln w="3175">
+              <a:solidFill>
+                <a:schemeClr val="tx1">
+                  <a:lumMod val="75000"/>
+                </a:schemeClr>
+              </a:solidFill>
+            </a:ln>
+          </p:spPr>
+          <p:style>
+            <a:lnRef idx="2">
+              <a:schemeClr val="accent1">
+                <a:shade val="50000"/>
+              </a:schemeClr>
+            </a:lnRef>
+            <a:fillRef idx="1">
+              <a:schemeClr val="accent1"/>
+            </a:fillRef>
+            <a:effectRef idx="0">
+              <a:schemeClr val="accent1"/>
+            </a:effectRef>
+            <a:fontRef idx="minor">
+              <a:schemeClr val="lt1"/>
+            </a:fontRef>
+          </p:style>
+          <p:txBody>
+            <a:bodyPr rtlCol="0" anchor="ctr"/>
+            <a:lstStyle/>
+            <a:p>
+              <a:pPr algn="ctr"/>
+              <a:r>
+                <a:rPr lang="zh-TW" altLang="en-US" sz="1600" b="1" dirty="0">
+                  <a:solidFill>
+                    <a:schemeClr val="tx1"/>
+                  </a:solidFill>
+                  <a:latin typeface="微軟正黑體" panose="020B0604030504040204" pitchFamily="34" charset="-120"/>
+                  <a:ea typeface="微軟正黑體" panose="020B0604030504040204" pitchFamily="34" charset="-120"/>
+                </a:rPr>
+                <a:t>選擇</a:t>
+              </a:r>
+            </a:p>
+          </p:txBody>
+        </p:sp>
+      </p:grpSp>
+      <p:grpSp>
+        <p:nvGrpSpPr>
+          <p:cNvPr id="88" name="群組 87"/>
+          <p:cNvGrpSpPr/>
+          <p:nvPr/>
+        </p:nvGrpSpPr>
+        <p:grpSpPr>
+          <a:xfrm>
+            <a:off x="6971460" y="919274"/>
+            <a:ext cx="1415471" cy="264160"/>
+            <a:chOff x="6508104" y="901138"/>
+            <a:chExt cx="1415471" cy="264160"/>
+          </a:xfrm>
+        </p:grpSpPr>
+        <p:sp>
+          <p:nvSpPr>
+            <p:cNvPr id="90" name="矩形 89"/>
+            <p:cNvSpPr/>
+            <p:nvPr/>
+          </p:nvSpPr>
+          <p:spPr>
+            <a:xfrm>
+              <a:off x="6673895" y="901138"/>
+              <a:ext cx="1249680" cy="264160"/>
+            </a:xfrm>
+            <a:prstGeom prst="rect">
+              <a:avLst/>
+            </a:prstGeom>
+            <a:solidFill>
+              <a:srgbClr val="21222D"/>
+            </a:solidFill>
+            <a:ln>
+              <a:noFill/>
+            </a:ln>
+          </p:spPr>
+          <p:style>
+            <a:lnRef idx="2">
+              <a:schemeClr val="accent1">
+                <a:shade val="50000"/>
+              </a:schemeClr>
+            </a:lnRef>
+            <a:fillRef idx="1">
+              <a:schemeClr val="accent1"/>
+            </a:fillRef>
+            <a:effectRef idx="0">
+              <a:schemeClr val="accent1"/>
+            </a:effectRef>
+            <a:fontRef idx="minor">
+              <a:schemeClr val="lt1"/>
+            </a:fontRef>
+          </p:style>
+          <p:txBody>
+            <a:bodyPr rtlCol="0" anchor="ctr"/>
+            <a:lstStyle/>
+            <a:p>
+              <a:pPr algn="ctr"/>
+              <a:r>
+                <a:rPr lang="zh-TW" altLang="en-US" sz="1400" dirty="0" smtClean="0">
+                  <a:solidFill>
+                    <a:schemeClr val="tx1"/>
+                  </a:solidFill>
+                  <a:latin typeface="微軟正黑體" panose="020B0604030504040204" pitchFamily="34" charset="-120"/>
+                  <a:ea typeface="微軟正黑體" panose="020B0604030504040204" pitchFamily="34" charset="-120"/>
+                </a:rPr>
+                <a:t>關鍵腦區標記</a:t>
+              </a:r>
+              <a:endParaRPr lang="zh-TW" altLang="en-US" sz="1400" dirty="0">
+                <a:solidFill>
+                  <a:schemeClr val="tx1"/>
+                </a:solidFill>
+                <a:latin typeface="微軟正黑體" panose="020B0604030504040204" pitchFamily="34" charset="-120"/>
+                <a:ea typeface="微軟正黑體" panose="020B0604030504040204" pitchFamily="34" charset="-120"/>
+              </a:endParaRPr>
+            </a:p>
+          </p:txBody>
+        </p:sp>
+        <p:sp>
+          <p:nvSpPr>
+            <p:cNvPr id="91" name="矩形 90"/>
+            <p:cNvSpPr/>
+            <p:nvPr/>
+          </p:nvSpPr>
+          <p:spPr>
+            <a:xfrm>
+              <a:off x="6508104" y="948341"/>
+              <a:ext cx="181378" cy="172363"/>
+            </a:xfrm>
+            <a:prstGeom prst="rect">
+              <a:avLst/>
+            </a:prstGeom>
+            <a:solidFill>
+              <a:srgbClr val="21222D"/>
+            </a:solidFill>
+            <a:ln>
+              <a:solidFill>
+                <a:schemeClr val="tx1"/>
+              </a:solidFill>
+            </a:ln>
+          </p:spPr>
+          <p:style>
+            <a:lnRef idx="2">
+              <a:schemeClr val="accent1">
+                <a:shade val="50000"/>
+              </a:schemeClr>
+            </a:lnRef>
+            <a:fillRef idx="1">
+              <a:schemeClr val="accent1"/>
+            </a:fillRef>
+            <a:effectRef idx="0">
+              <a:schemeClr val="accent1"/>
+            </a:effectRef>
+            <a:fontRef idx="minor">
+              <a:schemeClr val="lt1"/>
+            </a:fontRef>
+          </p:style>
+          <p:txBody>
+            <a:bodyPr rtlCol="0" anchor="ctr"/>
+            <a:lstStyle/>
+            <a:p>
+              <a:pPr algn="ctr"/>
+              <a:endParaRPr lang="zh-TW" altLang="en-US"/>
+            </a:p>
+          </p:txBody>
+        </p:sp>
+      </p:grpSp>
+      <p:sp>
+        <p:nvSpPr>
+          <p:cNvPr id="3" name="矩形 2"/>
+          <p:cNvSpPr/>
+          <p:nvPr/>
+        </p:nvSpPr>
+        <p:spPr>
+          <a:xfrm>
+            <a:off x="4310732" y="3306865"/>
+            <a:ext cx="2403222" cy="461665"/>
+          </a:xfrm>
+          <a:prstGeom prst="rect">
+            <a:avLst/>
+          </a:prstGeom>
+        </p:spPr>
+        <p:txBody>
+          <a:bodyPr wrap="none">
+            <a:spAutoFit/>
+          </a:bodyPr>
+          <a:lstStyle/>
+          <a:p>
+            <a:pPr algn="ctr"/>
+            <a:r>
+              <a:rPr lang="en-US" altLang="zh-TW" sz="1200" dirty="0">
+                <a:latin typeface="微軟正黑體" panose="020B0604030504040204" pitchFamily="34" charset="-120"/>
+                <a:ea typeface="微軟正黑體" panose="020B0604030504040204" pitchFamily="34" charset="-120"/>
+              </a:rPr>
+              <a:t>2022</a:t>
+            </a:r>
+            <a:r>
+              <a:rPr lang="zh-TW" altLang="en-US" sz="1200" dirty="0">
+                <a:latin typeface="微軟正黑體" panose="020B0604030504040204" pitchFamily="34" charset="-120"/>
+                <a:ea typeface="微軟正黑體" panose="020B0604030504040204" pitchFamily="34" charset="-120"/>
+              </a:rPr>
+              <a:t>年</a:t>
+            </a:r>
+            <a:r>
+              <a:rPr lang="en-US" altLang="zh-TW" sz="1200" dirty="0">
+                <a:latin typeface="微軟正黑體" panose="020B0604030504040204" pitchFamily="34" charset="-120"/>
+                <a:ea typeface="微軟正黑體" panose="020B0604030504040204" pitchFamily="34" charset="-120"/>
+              </a:rPr>
+              <a:t>02</a:t>
+            </a:r>
+            <a:r>
+              <a:rPr lang="zh-TW" altLang="en-US" sz="1200" dirty="0">
+                <a:latin typeface="微軟正黑體" panose="020B0604030504040204" pitchFamily="34" charset="-120"/>
+                <a:ea typeface="微軟正黑體" panose="020B0604030504040204" pitchFamily="34" charset="-120"/>
+              </a:rPr>
+              <a:t>月</a:t>
+            </a:r>
+            <a:r>
+              <a:rPr lang="en-US" altLang="zh-TW" sz="1200" dirty="0">
+                <a:latin typeface="微軟正黑體" panose="020B0604030504040204" pitchFamily="34" charset="-120"/>
+                <a:ea typeface="微軟正黑體" panose="020B0604030504040204" pitchFamily="34" charset="-120"/>
+              </a:rPr>
+              <a:t>28</a:t>
+            </a:r>
+            <a:r>
+              <a:rPr lang="zh-TW" altLang="en-US" sz="1200" dirty="0" smtClean="0">
+                <a:latin typeface="微軟正黑體" panose="020B0604030504040204" pitchFamily="34" charset="-120"/>
+                <a:ea typeface="微軟正黑體" panose="020B0604030504040204" pitchFamily="34" charset="-120"/>
+              </a:rPr>
+              <a:t>日</a:t>
+            </a:r>
+            <a:endParaRPr lang="en-US" altLang="zh-TW" sz="1200" dirty="0" smtClean="0">
+              <a:latin typeface="微軟正黑體" panose="020B0604030504040204" pitchFamily="34" charset="-120"/>
+              <a:ea typeface="微軟正黑體" panose="020B0604030504040204" pitchFamily="34" charset="-120"/>
+            </a:endParaRPr>
+          </a:p>
+          <a:p>
+            <a:pPr algn="ctr"/>
+            <a:r>
+              <a:rPr lang="zh-TW" altLang="en-US" sz="1200" dirty="0">
+                <a:solidFill>
+                  <a:schemeClr val="tx1">
+                    <a:lumMod val="85000"/>
+                  </a:schemeClr>
+                </a:solidFill>
+                <a:latin typeface="微軟正黑體" panose="020B0604030504040204" pitchFamily="34" charset="-120"/>
+                <a:ea typeface="微軟正黑體" panose="020B0604030504040204" pitchFamily="34" charset="-120"/>
+              </a:rPr>
+              <a:t>實際年齡 </a:t>
+            </a:r>
+            <a:r>
+              <a:rPr lang="en-US" altLang="zh-TW" sz="1200" dirty="0">
+                <a:solidFill>
+                  <a:schemeClr val="tx1">
+                    <a:lumMod val="85000"/>
+                  </a:schemeClr>
+                </a:solidFill>
+                <a:latin typeface="微軟正黑體" panose="020B0604030504040204" pitchFamily="34" charset="-120"/>
+                <a:ea typeface="微軟正黑體" panose="020B0604030504040204" pitchFamily="34" charset="-120"/>
+              </a:rPr>
+              <a:t>/</a:t>
+            </a:r>
+            <a:r>
+              <a:rPr lang="zh-TW" altLang="en-US" sz="1200" dirty="0">
+                <a:solidFill>
+                  <a:schemeClr val="tx1">
+                    <a:lumMod val="85000"/>
+                  </a:schemeClr>
+                </a:solidFill>
+                <a:latin typeface="微軟正黑體" panose="020B0604030504040204" pitchFamily="34" charset="-120"/>
+                <a:ea typeface="微軟正黑體" panose="020B0604030504040204" pitchFamily="34" charset="-120"/>
+              </a:rPr>
+              <a:t> 腦部年齡：</a:t>
+            </a:r>
+            <a:r>
+              <a:rPr lang="en-US" altLang="zh-TW" sz="1200" dirty="0">
+                <a:solidFill>
+                  <a:schemeClr val="tx1">
+                    <a:lumMod val="85000"/>
+                  </a:schemeClr>
+                </a:solidFill>
+                <a:latin typeface="微軟正黑體" panose="020B0604030504040204" pitchFamily="34" charset="-120"/>
+                <a:ea typeface="微軟正黑體" panose="020B0604030504040204" pitchFamily="34" charset="-120"/>
+              </a:rPr>
+              <a:t>62 / 71 </a:t>
+            </a:r>
+            <a:r>
+              <a:rPr lang="zh-TW" altLang="en-US" sz="1200" dirty="0" smtClean="0">
+                <a:solidFill>
+                  <a:schemeClr val="tx1">
+                    <a:lumMod val="85000"/>
+                  </a:schemeClr>
+                </a:solidFill>
+                <a:latin typeface="微軟正黑體" panose="020B0604030504040204" pitchFamily="34" charset="-120"/>
+                <a:ea typeface="微軟正黑體" panose="020B0604030504040204" pitchFamily="34" charset="-120"/>
+              </a:rPr>
+              <a:t>歲</a:t>
+            </a:r>
+            <a:endParaRPr lang="zh-TW" altLang="en-US" sz="1200" dirty="0">
+              <a:solidFill>
+                <a:schemeClr val="tx1">
+                  <a:lumMod val="85000"/>
+                </a:schemeClr>
+              </a:solidFill>
+              <a:latin typeface="微軟正黑體" panose="020B0604030504040204" pitchFamily="34" charset="-120"/>
+              <a:ea typeface="微軟正黑體" panose="020B0604030504040204" pitchFamily="34" charset="-120"/>
+            </a:endParaRPr>
+          </a:p>
+        </p:txBody>
+      </p:sp>
+      <mc:AlternateContent xmlns:mc="http://schemas.openxmlformats.org/markup-compatibility/2006">
+        <mc:Choice xmlns:a14="http://schemas.microsoft.com/office/drawing/2010/main" Requires="a14">
+          <p:sp>
+            <p:nvSpPr>
+              <p:cNvPr id="55" name="矩形 54"/>
+              <p:cNvSpPr/>
+              <p:nvPr/>
+            </p:nvSpPr>
+            <p:spPr>
+              <a:xfrm>
+                <a:off x="7995130" y="3300698"/>
+                <a:ext cx="481221" cy="461665"/>
+              </a:xfrm>
+              <a:prstGeom prst="rect">
+                <a:avLst/>
+              </a:prstGeom>
+            </p:spPr>
+            <p:txBody>
+              <a:bodyPr wrap="none">
+                <a:spAutoFit/>
+              </a:bodyPr>
+              <a:lstStyle/>
+              <a:p>
+                <a14:m>
+                  <m:oMathPara xmlns:m="http://schemas.openxmlformats.org/officeDocument/2006/math">
+                    <m:oMathParaPr>
+                      <m:jc m:val="centerGroup"/>
+                    </m:oMathParaPr>
+                    <m:oMath xmlns:m="http://schemas.openxmlformats.org/officeDocument/2006/math">
+                      <m:r>
+                        <a:rPr lang="en-US" altLang="zh-TW" sz="2400" i="1" smtClean="0">
+                          <a:latin typeface="Cambria Math" panose="02040503050406030204" pitchFamily="18" charset="0"/>
+                          <a:ea typeface="Cambria Math" panose="02040503050406030204" pitchFamily="18" charset="0"/>
+                        </a:rPr>
+                        <m:t>×</m:t>
+                      </m:r>
+                    </m:oMath>
+                  </m:oMathPara>
+                </a14:m>
+                <a:endParaRPr lang="en-US" altLang="zh-TW" sz="2400" dirty="0">
+                  <a:latin typeface="微軟正黑體" panose="020B0604030504040204" pitchFamily="34" charset="-120"/>
+                  <a:ea typeface="微軟正黑體" panose="020B0604030504040204" pitchFamily="34" charset="-120"/>
+                </a:endParaRPr>
+              </a:p>
+            </p:txBody>
+          </p:sp>
+        </mc:Choice>
+        <mc:Fallback>
+          <p:sp>
+            <p:nvSpPr>
+              <p:cNvPr id="55" name="矩形 54"/>
+              <p:cNvSpPr>
+                <a:spLocks noRot="1" noChangeAspect="1" noMove="1" noResize="1" noEditPoints="1" noAdjustHandles="1" noChangeArrowheads="1" noChangeShapeType="1" noTextEdit="1"/>
+              </p:cNvSpPr>
+              <p:nvPr/>
+            </p:nvSpPr>
+            <p:spPr>
+              <a:xfrm>
+                <a:off x="7995130" y="3300698"/>
+                <a:ext cx="481221" cy="461665"/>
+              </a:xfrm>
+              <a:prstGeom prst="rect">
+                <a:avLst/>
+              </a:prstGeom>
+              <a:blipFill>
+                <a:blip r:embed="rId11"/>
+                <a:stretch>
+                  <a:fillRect/>
+                </a:stretch>
+              </a:blipFill>
+            </p:spPr>
+            <p:txBody>
+              <a:bodyPr/>
+              <a:lstStyle/>
+              <a:p>
+                <a:r>
+                  <a:rPr lang="zh-TW" altLang="en-US">
+                    <a:noFill/>
+                  </a:rPr>
+                  <a:t> </a:t>
+                </a:r>
+              </a:p>
+            </p:txBody>
+          </p:sp>
+        </mc:Fallback>
+      </mc:AlternateContent>
+    </p:spTree>
+    <p:extLst>
+      <p:ext uri="{BB962C8B-B14F-4D97-AF65-F5344CB8AC3E}">
+        <p14:creationId xmlns:p14="http://schemas.microsoft.com/office/powerpoint/2010/main" val="4032409885"/>
+      </p:ext>
+    </p:extLst>
+  </p:cSld>
+  <p:clrMapOvr>
+    <a:masterClrMapping/>
+  </p:clrMapOvr>
+  <p:timing>
+    <p:tnLst>
+      <p:par>
+        <p:cTn id="1" dur="indefinite" restart="never" nodeType="tmRoot"/>
+      </p:par>
+    </p:tnLst>
+  </p:timing>
+</p:sld>
+</file>
+
+<file path=ppt/slides/slide7.xml><?xml version="1.0" encoding="utf-8"?>
+<p:sld xmlns:a="http://schemas.openxmlformats.org/drawingml/2006/main" xmlns:r="http://schemas.openxmlformats.org/officeDocument/2006/relationships" xmlns:p="http://schemas.openxmlformats.org/presentationml/2006/main">
+  <p:cSld>
+    <p:spTree>
+      <p:nvGrpSpPr>
+        <p:cNvPr id="1" name=""/>
+        <p:cNvGrpSpPr/>
+        <p:nvPr/>
+      </p:nvGrpSpPr>
+      <p:grpSpPr>
+        <a:xfrm>
+          <a:off x="0" y="0"/>
+          <a:ext cx="0" cy="0"/>
+          <a:chOff x="0" y="0"/>
+          <a:chExt cx="0" cy="0"/>
+        </a:xfrm>
+      </p:grpSpPr>
       <p:sp>
         <p:nvSpPr>
           <p:cNvPr id="21" name="圓角矩形 20"/>
@@ -19407,7 +24532,7 @@
 </p:sld>
 </file>
 
-<file path=ppt/slides/slide7.xml><?xml version="1.0" encoding="utf-8"?>
+<file path=ppt/slides/slide8.xml><?xml version="1.0" encoding="utf-8"?>
 <p:sld xmlns:a="http://schemas.openxmlformats.org/drawingml/2006/main" xmlns:r="http://schemas.openxmlformats.org/officeDocument/2006/relationships" xmlns:p="http://schemas.openxmlformats.org/presentationml/2006/main">
   <p:cSld>
     <p:spTree>
@@ -20846,7 +25971,7 @@
 </p:sld>
 </file>
 
-<file path=ppt/slides/slide8.xml><?xml version="1.0" encoding="utf-8"?>
+<file path=ppt/slides/slide9.xml><?xml version="1.0" encoding="utf-8"?>
 <p:sld xmlns:a="http://schemas.openxmlformats.org/drawingml/2006/main" xmlns:r="http://schemas.openxmlformats.org/officeDocument/2006/relationships" xmlns:p="http://schemas.openxmlformats.org/presentationml/2006/main">
   <p:cSld>
     <p:spTree>
@@ -22903,2185 +28028,6 @@
     <p:extLst>
       <p:ext uri="{BB962C8B-B14F-4D97-AF65-F5344CB8AC3E}">
         <p14:creationId xmlns:p14="http://schemas.microsoft.com/office/powerpoint/2010/main" val="2664689919"/>
-      </p:ext>
-    </p:extLst>
-  </p:cSld>
-  <p:clrMapOvr>
-    <a:masterClrMapping/>
-  </p:clrMapOvr>
-  <p:timing>
-    <p:tnLst>
-      <p:par>
-        <p:cTn id="1" dur="indefinite" restart="never" nodeType="tmRoot"/>
-      </p:par>
-    </p:tnLst>
-  </p:timing>
-</p:sld>
-</file>
-
-<file path=ppt/slides/slide9.xml><?xml version="1.0" encoding="utf-8"?>
-<p:sld xmlns:a="http://schemas.openxmlformats.org/drawingml/2006/main" xmlns:r="http://schemas.openxmlformats.org/officeDocument/2006/relationships" xmlns:p="http://schemas.openxmlformats.org/presentationml/2006/main">
-  <p:cSld>
-    <p:spTree>
-      <p:nvGrpSpPr>
-        <p:cNvPr id="1" name=""/>
-        <p:cNvGrpSpPr/>
-        <p:nvPr/>
-      </p:nvGrpSpPr>
-      <p:grpSpPr>
-        <a:xfrm>
-          <a:off x="0" y="0"/>
-          <a:ext cx="0" cy="0"/>
-          <a:chOff x="0" y="0"/>
-          <a:chExt cx="0" cy="0"/>
-        </a:xfrm>
-      </p:grpSpPr>
-      <p:sp>
-        <p:nvSpPr>
-          <p:cNvPr id="124" name="圓角矩形 123"/>
-          <p:cNvSpPr/>
-          <p:nvPr/>
-        </p:nvSpPr>
-        <p:spPr>
-          <a:xfrm>
-            <a:off x="3197593" y="842248"/>
-            <a:ext cx="4737169" cy="5805599"/>
-          </a:xfrm>
-          <a:prstGeom prst="roundRect">
-            <a:avLst>
-              <a:gd name="adj" fmla="val 2030"/>
-            </a:avLst>
-          </a:prstGeom>
-          <a:solidFill>
-            <a:srgbClr val="21222D"/>
-          </a:solidFill>
-          <a:ln>
-            <a:noFill/>
-          </a:ln>
-        </p:spPr>
-        <p:style>
-          <a:lnRef idx="2">
-            <a:schemeClr val="accent1">
-              <a:shade val="50000"/>
-            </a:schemeClr>
-          </a:lnRef>
-          <a:fillRef idx="1">
-            <a:schemeClr val="accent1"/>
-          </a:fillRef>
-          <a:effectRef idx="0">
-            <a:schemeClr val="accent1"/>
-          </a:effectRef>
-          <a:fontRef idx="minor">
-            <a:schemeClr val="lt1"/>
-          </a:fontRef>
-        </p:style>
-        <p:txBody>
-          <a:bodyPr rtlCol="0" anchor="ctr"/>
-          <a:lstStyle/>
-          <a:p>
-            <a:pPr algn="ctr"/>
-            <a:r>
-              <a:rPr lang="zh-TW" altLang="en-US" dirty="0" smtClean="0"/>
-              <a:t> </a:t>
-            </a:r>
-            <a:endParaRPr lang="zh-TW" altLang="en-US" dirty="0"/>
-          </a:p>
-        </p:txBody>
-      </p:sp>
-      <p:grpSp>
-        <p:nvGrpSpPr>
-          <p:cNvPr id="19" name="群組 18"/>
-          <p:cNvGrpSpPr/>
-          <p:nvPr/>
-        </p:nvGrpSpPr>
-        <p:grpSpPr>
-          <a:xfrm>
-            <a:off x="-2540" y="0"/>
-            <a:ext cx="12194540" cy="632095"/>
-            <a:chOff x="-2540" y="0"/>
-            <a:chExt cx="12194540" cy="632095"/>
-          </a:xfrm>
-        </p:grpSpPr>
-        <p:sp>
-          <p:nvSpPr>
-            <p:cNvPr id="10" name="矩形 9"/>
-            <p:cNvSpPr/>
-            <p:nvPr/>
-          </p:nvSpPr>
-          <p:spPr>
-            <a:xfrm>
-              <a:off x="-2540" y="0"/>
-              <a:ext cx="12194540" cy="632095"/>
-            </a:xfrm>
-            <a:prstGeom prst="rect">
-              <a:avLst/>
-            </a:prstGeom>
-            <a:solidFill>
-              <a:srgbClr val="121318"/>
-            </a:solidFill>
-            <a:ln>
-              <a:noFill/>
-            </a:ln>
-          </p:spPr>
-          <p:style>
-            <a:lnRef idx="2">
-              <a:schemeClr val="accent1">
-                <a:shade val="50000"/>
-              </a:schemeClr>
-            </a:lnRef>
-            <a:fillRef idx="1">
-              <a:schemeClr val="accent1"/>
-            </a:fillRef>
-            <a:effectRef idx="0">
-              <a:schemeClr val="accent1"/>
-            </a:effectRef>
-            <a:fontRef idx="minor">
-              <a:schemeClr val="lt1"/>
-            </a:fontRef>
-          </p:style>
-          <p:txBody>
-            <a:bodyPr rtlCol="0" anchor="ctr"/>
-            <a:lstStyle/>
-            <a:p>
-              <a:pPr algn="ctr"/>
-              <a:endParaRPr lang="zh-TW" altLang="en-US"/>
-            </a:p>
-          </p:txBody>
-        </p:sp>
-        <p:sp>
-          <p:nvSpPr>
-            <p:cNvPr id="112" name="矩形 111"/>
-            <p:cNvSpPr/>
-            <p:nvPr/>
-          </p:nvSpPr>
-          <p:spPr>
-            <a:xfrm>
-              <a:off x="28531" y="38339"/>
-              <a:ext cx="2242754" cy="563693"/>
-            </a:xfrm>
-            <a:prstGeom prst="rect">
-              <a:avLst/>
-            </a:prstGeom>
-            <a:noFill/>
-            <a:ln>
-              <a:noFill/>
-            </a:ln>
-          </p:spPr>
-          <p:style>
-            <a:lnRef idx="2">
-              <a:schemeClr val="accent1">
-                <a:shade val="50000"/>
-              </a:schemeClr>
-            </a:lnRef>
-            <a:fillRef idx="1">
-              <a:schemeClr val="accent1"/>
-            </a:fillRef>
-            <a:effectRef idx="0">
-              <a:schemeClr val="accent1"/>
-            </a:effectRef>
-            <a:fontRef idx="minor">
-              <a:schemeClr val="lt1"/>
-            </a:fontRef>
-          </p:style>
-          <p:txBody>
-            <a:bodyPr rtlCol="0" anchor="ctr"/>
-            <a:lstStyle/>
-            <a:p>
-              <a:pPr algn="ctr"/>
-              <a:r>
-                <a:rPr lang="en-US" altLang="zh-TW" sz="2800" b="1" dirty="0" smtClean="0">
-                  <a:solidFill>
-                    <a:schemeClr val="tx1"/>
-                  </a:solidFill>
-                  <a:latin typeface="Old English Text MT" panose="03040902040508030806" pitchFamily="66" charset="0"/>
-                  <a:ea typeface="微軟正黑體" panose="020B0604030504040204" pitchFamily="34" charset="-120"/>
-                </a:rPr>
-                <a:t>Trajectory</a:t>
-              </a:r>
-              <a:endParaRPr lang="zh-TW" altLang="en-US" sz="2800" b="1" dirty="0">
-                <a:solidFill>
-                  <a:schemeClr val="tx1"/>
-                </a:solidFill>
-                <a:latin typeface="Old English Text MT" panose="03040902040508030806" pitchFamily="66" charset="0"/>
-                <a:ea typeface="微軟正黑體" panose="020B0604030504040204" pitchFamily="34" charset="-120"/>
-              </a:endParaRPr>
-            </a:p>
-          </p:txBody>
-        </p:sp>
-      </p:grpSp>
-      <p:sp>
-        <p:nvSpPr>
-          <p:cNvPr id="99" name="圓角矩形 98"/>
-          <p:cNvSpPr/>
-          <p:nvPr/>
-        </p:nvSpPr>
-        <p:spPr>
-          <a:xfrm>
-            <a:off x="9114791" y="632095"/>
-            <a:ext cx="3077209" cy="6225905"/>
-          </a:xfrm>
-          <a:prstGeom prst="roundRect">
-            <a:avLst>
-              <a:gd name="adj" fmla="val 0"/>
-            </a:avLst>
-          </a:prstGeom>
-          <a:solidFill>
-            <a:srgbClr val="21222D"/>
-          </a:solidFill>
-          <a:ln>
-            <a:noFill/>
-          </a:ln>
-        </p:spPr>
-        <p:style>
-          <a:lnRef idx="2">
-            <a:schemeClr val="accent1">
-              <a:shade val="50000"/>
-            </a:schemeClr>
-          </a:lnRef>
-          <a:fillRef idx="1">
-            <a:schemeClr val="accent1"/>
-          </a:fillRef>
-          <a:effectRef idx="0">
-            <a:schemeClr val="accent1"/>
-          </a:effectRef>
-          <a:fontRef idx="minor">
-            <a:schemeClr val="lt1"/>
-          </a:fontRef>
-        </p:style>
-        <p:txBody>
-          <a:bodyPr rtlCol="0" anchor="ctr"/>
-          <a:lstStyle/>
-          <a:p>
-            <a:pPr algn="ctr"/>
-            <a:endParaRPr lang="zh-TW" altLang="en-US"/>
-          </a:p>
-        </p:txBody>
-      </p:sp>
-      <p:sp>
-        <p:nvSpPr>
-          <p:cNvPr id="100" name="橢圓 99"/>
-          <p:cNvSpPr/>
-          <p:nvPr/>
-        </p:nvSpPr>
-        <p:spPr>
-          <a:xfrm>
-            <a:off x="9652574" y="1504612"/>
-            <a:ext cx="2026919" cy="2026919"/>
-          </a:xfrm>
-          <a:prstGeom prst="ellipse">
-            <a:avLst/>
-          </a:prstGeom>
-          <a:noFill/>
-          <a:ln w="28575">
-            <a:solidFill>
-              <a:srgbClr val="88B2AC"/>
-            </a:solidFill>
-          </a:ln>
-        </p:spPr>
-        <p:style>
-          <a:lnRef idx="2">
-            <a:schemeClr val="accent1">
-              <a:shade val="50000"/>
-            </a:schemeClr>
-          </a:lnRef>
-          <a:fillRef idx="1">
-            <a:schemeClr val="accent1"/>
-          </a:fillRef>
-          <a:effectRef idx="0">
-            <a:schemeClr val="accent1"/>
-          </a:effectRef>
-          <a:fontRef idx="minor">
-            <a:schemeClr val="lt1"/>
-          </a:fontRef>
-        </p:style>
-        <p:txBody>
-          <a:bodyPr rtlCol="0" anchor="ctr"/>
-          <a:lstStyle/>
-          <a:p>
-            <a:pPr algn="ctr"/>
-            <a:endParaRPr lang="zh-TW" altLang="en-US"/>
-          </a:p>
-        </p:txBody>
-      </p:sp>
-      <p:sp>
-        <p:nvSpPr>
-          <p:cNvPr id="101" name="矩形 100"/>
-          <p:cNvSpPr/>
-          <p:nvPr/>
-        </p:nvSpPr>
-        <p:spPr>
-          <a:xfrm>
-            <a:off x="9914753" y="3651836"/>
-            <a:ext cx="1485647" cy="438945"/>
-          </a:xfrm>
-          <a:prstGeom prst="rect">
-            <a:avLst/>
-          </a:prstGeom>
-          <a:noFill/>
-          <a:ln>
-            <a:noFill/>
-          </a:ln>
-        </p:spPr>
-        <p:style>
-          <a:lnRef idx="2">
-            <a:schemeClr val="accent1">
-              <a:shade val="50000"/>
-            </a:schemeClr>
-          </a:lnRef>
-          <a:fillRef idx="1">
-            <a:schemeClr val="accent1"/>
-          </a:fillRef>
-          <a:effectRef idx="0">
-            <a:schemeClr val="accent1"/>
-          </a:effectRef>
-          <a:fontRef idx="minor">
-            <a:schemeClr val="lt1"/>
-          </a:fontRef>
-        </p:style>
-        <p:txBody>
-          <a:bodyPr rtlCol="0" anchor="ctr"/>
-          <a:lstStyle/>
-          <a:p>
-            <a:pPr algn="ctr"/>
-            <a:r>
-              <a:rPr lang="zh-TW" altLang="en-US" sz="2000" b="1" dirty="0">
-                <a:solidFill>
-                  <a:schemeClr val="tx1"/>
-                </a:solidFill>
-                <a:latin typeface="微軟正黑體" panose="020B0604030504040204" pitchFamily="34" charset="-120"/>
-                <a:ea typeface="微軟正黑體" panose="020B0604030504040204" pitchFamily="34" charset="-120"/>
-              </a:rPr>
-              <a:t>陳老王</a:t>
-            </a:r>
-          </a:p>
-        </p:txBody>
-      </p:sp>
-      <p:graphicFrame>
-        <p:nvGraphicFramePr>
-          <p:cNvPr id="102" name="表格 101"/>
-          <p:cNvGraphicFramePr>
-            <a:graphicFrameLocks noGrp="1"/>
-          </p:cNvGraphicFramePr>
-          <p:nvPr>
-            <p:extLst>
-              <p:ext uri="{D42A27DB-BD31-4B8C-83A1-F6EECF244321}">
-                <p14:modId xmlns:p14="http://schemas.microsoft.com/office/powerpoint/2010/main" val="465783450"/>
-              </p:ext>
-            </p:extLst>
-          </p:nvPr>
-        </p:nvGraphicFramePr>
-        <p:xfrm>
-          <a:off x="9442746" y="4289286"/>
-          <a:ext cx="2582622" cy="1483360"/>
-        </p:xfrm>
-        <a:graphic>
-          <a:graphicData uri="http://schemas.openxmlformats.org/drawingml/2006/table">
-            <a:tbl>
-              <a:tblPr firstRow="1" bandRow="1">
-                <a:tableStyleId>{2D5ABB26-0587-4C30-8999-92F81FD0307C}</a:tableStyleId>
-              </a:tblPr>
-              <a:tblGrid>
-                <a:gridCol w="1115275">
-                  <a:extLst>
-                    <a:ext uri="{9D8B030D-6E8A-4147-A177-3AD203B41FA5}">
-                      <a16:colId xmlns:a16="http://schemas.microsoft.com/office/drawing/2014/main" val="3208460249"/>
-                    </a:ext>
-                  </a:extLst>
-                </a:gridCol>
-                <a:gridCol w="1467347">
-                  <a:extLst>
-                    <a:ext uri="{9D8B030D-6E8A-4147-A177-3AD203B41FA5}">
-                      <a16:colId xmlns:a16="http://schemas.microsoft.com/office/drawing/2014/main" val="2219400454"/>
-                    </a:ext>
-                  </a:extLst>
-                </a:gridCol>
-              </a:tblGrid>
-              <a:tr h="370840">
-                <a:tc>
-                  <a:txBody>
-                    <a:bodyPr/>
-                    <a:lstStyle/>
-                    <a:p>
-                      <a:pPr algn="l"/>
-                      <a:r>
-                        <a:rPr lang="zh-TW" altLang="en-US" sz="1400" b="1" dirty="0" smtClean="0">
-                          <a:solidFill>
-                            <a:schemeClr val="tx1">
-                              <a:lumMod val="65000"/>
-                            </a:schemeClr>
-                          </a:solidFill>
-                          <a:latin typeface="微軟正黑體" panose="020B0604030504040204" pitchFamily="34" charset="-120"/>
-                          <a:ea typeface="微軟正黑體" panose="020B0604030504040204" pitchFamily="34" charset="-120"/>
-                        </a:rPr>
-                        <a:t>身分證字號</a:t>
-                      </a:r>
-                      <a:endParaRPr lang="zh-TW" altLang="en-US" sz="1400" b="1" dirty="0">
-                        <a:solidFill>
-                          <a:schemeClr val="tx1">
-                            <a:lumMod val="65000"/>
-                          </a:schemeClr>
-                        </a:solidFill>
-                        <a:latin typeface="微軟正黑體" panose="020B0604030504040204" pitchFamily="34" charset="-120"/>
-                        <a:ea typeface="微軟正黑體" panose="020B0604030504040204" pitchFamily="34" charset="-120"/>
-                      </a:endParaRPr>
-                    </a:p>
-                  </a:txBody>
-                  <a:tcPr/>
-                </a:tc>
-                <a:tc>
-                  <a:txBody>
-                    <a:bodyPr/>
-                    <a:lstStyle/>
-                    <a:p>
-                      <a:pPr algn="r"/>
-                      <a:r>
-                        <a:rPr lang="en-US" altLang="zh-TW" sz="1400" b="1" dirty="0" smtClean="0">
-                          <a:solidFill>
-                            <a:schemeClr val="tx1">
-                              <a:lumMod val="85000"/>
-                            </a:schemeClr>
-                          </a:solidFill>
-                          <a:latin typeface="微軟正黑體" panose="020B0604030504040204" pitchFamily="34" charset="-120"/>
-                          <a:ea typeface="微軟正黑體" panose="020B0604030504040204" pitchFamily="34" charset="-120"/>
-                        </a:rPr>
-                        <a:t>A11200938</a:t>
-                      </a:r>
-                      <a:endParaRPr lang="zh-TW" altLang="en-US" sz="1400" b="1" dirty="0">
-                        <a:solidFill>
-                          <a:schemeClr val="tx1">
-                            <a:lumMod val="85000"/>
-                          </a:schemeClr>
-                        </a:solidFill>
-                        <a:latin typeface="微軟正黑體" panose="020B0604030504040204" pitchFamily="34" charset="-120"/>
-                        <a:ea typeface="微軟正黑體" panose="020B0604030504040204" pitchFamily="34" charset="-120"/>
-                      </a:endParaRPr>
-                    </a:p>
-                  </a:txBody>
-                  <a:tcPr/>
-                </a:tc>
-                <a:extLst>
-                  <a:ext uri="{0D108BD9-81ED-4DB2-BD59-A6C34878D82A}">
-                    <a16:rowId xmlns:a16="http://schemas.microsoft.com/office/drawing/2014/main" val="4260925474"/>
-                  </a:ext>
-                </a:extLst>
-              </a:tr>
-              <a:tr h="370840">
-                <a:tc>
-                  <a:txBody>
-                    <a:bodyPr/>
-                    <a:lstStyle/>
-                    <a:p>
-                      <a:pPr algn="l"/>
-                      <a:r>
-                        <a:rPr lang="zh-TW" altLang="en-US" sz="1400" b="1" dirty="0" smtClean="0">
-                          <a:solidFill>
-                            <a:schemeClr val="tx1">
-                              <a:lumMod val="65000"/>
-                            </a:schemeClr>
-                          </a:solidFill>
-                          <a:latin typeface="微軟正黑體" panose="020B0604030504040204" pitchFamily="34" charset="-120"/>
-                          <a:ea typeface="微軟正黑體" panose="020B0604030504040204" pitchFamily="34" charset="-120"/>
-                        </a:rPr>
-                        <a:t>出生日期</a:t>
-                      </a:r>
-                      <a:endParaRPr lang="zh-TW" altLang="en-US" sz="1400" b="1" dirty="0">
-                        <a:solidFill>
-                          <a:schemeClr val="tx1">
-                            <a:lumMod val="65000"/>
-                          </a:schemeClr>
-                        </a:solidFill>
-                        <a:latin typeface="微軟正黑體" panose="020B0604030504040204" pitchFamily="34" charset="-120"/>
-                        <a:ea typeface="微軟正黑體" panose="020B0604030504040204" pitchFamily="34" charset="-120"/>
-                      </a:endParaRPr>
-                    </a:p>
-                  </a:txBody>
-                  <a:tcPr/>
-                </a:tc>
-                <a:tc>
-                  <a:txBody>
-                    <a:bodyPr/>
-                    <a:lstStyle/>
-                    <a:p>
-                      <a:pPr algn="r"/>
-                      <a:r>
-                        <a:rPr lang="en-US" altLang="zh-TW" sz="1400" b="1" dirty="0" smtClean="0">
-                          <a:solidFill>
-                            <a:schemeClr val="tx1">
-                              <a:lumMod val="85000"/>
-                            </a:schemeClr>
-                          </a:solidFill>
-                          <a:latin typeface="微軟正黑體" panose="020B0604030504040204" pitchFamily="34" charset="-120"/>
-                          <a:ea typeface="微軟正黑體" panose="020B0604030504040204" pitchFamily="34" charset="-120"/>
-                        </a:rPr>
-                        <a:t>1975/08/08</a:t>
-                      </a:r>
-                      <a:endParaRPr lang="zh-TW" altLang="en-US" sz="1400" b="1" dirty="0">
-                        <a:solidFill>
-                          <a:schemeClr val="tx1">
-                            <a:lumMod val="85000"/>
-                          </a:schemeClr>
-                        </a:solidFill>
-                        <a:latin typeface="微軟正黑體" panose="020B0604030504040204" pitchFamily="34" charset="-120"/>
-                        <a:ea typeface="微軟正黑體" panose="020B0604030504040204" pitchFamily="34" charset="-120"/>
-                      </a:endParaRPr>
-                    </a:p>
-                  </a:txBody>
-                  <a:tcPr/>
-                </a:tc>
-                <a:extLst>
-                  <a:ext uri="{0D108BD9-81ED-4DB2-BD59-A6C34878D82A}">
-                    <a16:rowId xmlns:a16="http://schemas.microsoft.com/office/drawing/2014/main" val="256342623"/>
-                  </a:ext>
-                </a:extLst>
-              </a:tr>
-              <a:tr h="370840">
-                <a:tc>
-                  <a:txBody>
-                    <a:bodyPr/>
-                    <a:lstStyle/>
-                    <a:p>
-                      <a:pPr algn="l"/>
-                      <a:r>
-                        <a:rPr lang="zh-TW" altLang="en-US" sz="1400" b="1" dirty="0" smtClean="0">
-                          <a:solidFill>
-                            <a:schemeClr val="tx1">
-                              <a:lumMod val="65000"/>
-                            </a:schemeClr>
-                          </a:solidFill>
-                          <a:latin typeface="微軟正黑體" panose="020B0604030504040204" pitchFamily="34" charset="-120"/>
-                          <a:ea typeface="微軟正黑體" panose="020B0604030504040204" pitchFamily="34" charset="-120"/>
-                        </a:rPr>
-                        <a:t>性別</a:t>
-                      </a:r>
-                      <a:endParaRPr lang="zh-TW" altLang="en-US" sz="1400" b="1" dirty="0">
-                        <a:solidFill>
-                          <a:schemeClr val="tx1">
-                            <a:lumMod val="65000"/>
-                          </a:schemeClr>
-                        </a:solidFill>
-                        <a:latin typeface="微軟正黑體" panose="020B0604030504040204" pitchFamily="34" charset="-120"/>
-                        <a:ea typeface="微軟正黑體" panose="020B0604030504040204" pitchFamily="34" charset="-120"/>
-                      </a:endParaRPr>
-                    </a:p>
-                  </a:txBody>
-                  <a:tcPr/>
-                </a:tc>
-                <a:tc>
-                  <a:txBody>
-                    <a:bodyPr/>
-                    <a:lstStyle/>
-                    <a:p>
-                      <a:pPr algn="r"/>
-                      <a:r>
-                        <a:rPr lang="zh-TW" altLang="en-US" sz="1400" b="1" dirty="0" smtClean="0">
-                          <a:solidFill>
-                            <a:schemeClr val="tx1">
-                              <a:lumMod val="85000"/>
-                            </a:schemeClr>
-                          </a:solidFill>
-                          <a:latin typeface="微軟正黑體" panose="020B0604030504040204" pitchFamily="34" charset="-120"/>
-                          <a:ea typeface="微軟正黑體" panose="020B0604030504040204" pitchFamily="34" charset="-120"/>
-                        </a:rPr>
-                        <a:t>男</a:t>
-                      </a:r>
-                      <a:endParaRPr lang="zh-TW" altLang="en-US" sz="1400" b="1" dirty="0">
-                        <a:solidFill>
-                          <a:schemeClr val="tx1">
-                            <a:lumMod val="85000"/>
-                          </a:schemeClr>
-                        </a:solidFill>
-                        <a:latin typeface="微軟正黑體" panose="020B0604030504040204" pitchFamily="34" charset="-120"/>
-                        <a:ea typeface="微軟正黑體" panose="020B0604030504040204" pitchFamily="34" charset="-120"/>
-                      </a:endParaRPr>
-                    </a:p>
-                  </a:txBody>
-                  <a:tcPr/>
-                </a:tc>
-                <a:extLst>
-                  <a:ext uri="{0D108BD9-81ED-4DB2-BD59-A6C34878D82A}">
-                    <a16:rowId xmlns:a16="http://schemas.microsoft.com/office/drawing/2014/main" val="3290354184"/>
-                  </a:ext>
-                </a:extLst>
-              </a:tr>
-              <a:tr h="370840">
-                <a:tc>
-                  <a:txBody>
-                    <a:bodyPr/>
-                    <a:lstStyle/>
-                    <a:p>
-                      <a:pPr algn="l"/>
-                      <a:r>
-                        <a:rPr lang="zh-TW" altLang="en-US" sz="1400" b="1" dirty="0" smtClean="0">
-                          <a:solidFill>
-                            <a:schemeClr val="tx1">
-                              <a:lumMod val="65000"/>
-                            </a:schemeClr>
-                          </a:solidFill>
-                          <a:latin typeface="微軟正黑體" panose="020B0604030504040204" pitchFamily="34" charset="-120"/>
-                          <a:ea typeface="微軟正黑體" panose="020B0604030504040204" pitchFamily="34" charset="-120"/>
-                        </a:rPr>
-                        <a:t>影像紀錄</a:t>
-                      </a:r>
-                      <a:endParaRPr lang="zh-TW" altLang="en-US" sz="1400" b="1" dirty="0">
-                        <a:solidFill>
-                          <a:schemeClr val="tx1">
-                            <a:lumMod val="65000"/>
-                          </a:schemeClr>
-                        </a:solidFill>
-                        <a:latin typeface="微軟正黑體" panose="020B0604030504040204" pitchFamily="34" charset="-120"/>
-                        <a:ea typeface="微軟正黑體" panose="020B0604030504040204" pitchFamily="34" charset="-120"/>
-                      </a:endParaRPr>
-                    </a:p>
-                  </a:txBody>
-                  <a:tcPr/>
-                </a:tc>
-                <a:tc>
-                  <a:txBody>
-                    <a:bodyPr/>
-                    <a:lstStyle/>
-                    <a:p>
-                      <a:pPr algn="r"/>
-                      <a:r>
-                        <a:rPr lang="en-US" altLang="zh-TW" sz="1400" b="1" dirty="0" smtClean="0">
-                          <a:solidFill>
-                            <a:schemeClr val="tx1">
-                              <a:lumMod val="85000"/>
-                            </a:schemeClr>
-                          </a:solidFill>
-                          <a:latin typeface="微軟正黑體" panose="020B0604030504040204" pitchFamily="34" charset="-120"/>
-                          <a:ea typeface="微軟正黑體" panose="020B0604030504040204" pitchFamily="34" charset="-120"/>
-                        </a:rPr>
-                        <a:t>5</a:t>
-                      </a:r>
-                      <a:endParaRPr lang="zh-TW" altLang="en-US" sz="1400" b="1" dirty="0">
-                        <a:solidFill>
-                          <a:schemeClr val="tx1">
-                            <a:lumMod val="85000"/>
-                          </a:schemeClr>
-                        </a:solidFill>
-                        <a:latin typeface="微軟正黑體" panose="020B0604030504040204" pitchFamily="34" charset="-120"/>
-                        <a:ea typeface="微軟正黑體" panose="020B0604030504040204" pitchFamily="34" charset="-120"/>
-                      </a:endParaRPr>
-                    </a:p>
-                  </a:txBody>
-                  <a:tcPr/>
-                </a:tc>
-                <a:extLst>
-                  <a:ext uri="{0D108BD9-81ED-4DB2-BD59-A6C34878D82A}">
-                    <a16:rowId xmlns:a16="http://schemas.microsoft.com/office/drawing/2014/main" val="435934568"/>
-                  </a:ext>
-                </a:extLst>
-              </a:tr>
-            </a:tbl>
-          </a:graphicData>
-        </a:graphic>
-      </p:graphicFrame>
-      <p:cxnSp>
-        <p:nvCxnSpPr>
-          <p:cNvPr id="103" name="直線接點 102"/>
-          <p:cNvCxnSpPr/>
-          <p:nvPr/>
-        </p:nvCxnSpPr>
-        <p:spPr>
-          <a:xfrm>
-            <a:off x="9491682" y="4180662"/>
-            <a:ext cx="2484749" cy="0"/>
-          </a:xfrm>
-          <a:prstGeom prst="line">
-            <a:avLst/>
-          </a:prstGeom>
-          <a:ln w="12700">
-            <a:solidFill>
-              <a:srgbClr val="88B2AC"/>
-            </a:solidFill>
-          </a:ln>
-        </p:spPr>
-        <p:style>
-          <a:lnRef idx="1">
-            <a:schemeClr val="accent1"/>
-          </a:lnRef>
-          <a:fillRef idx="0">
-            <a:schemeClr val="accent1"/>
-          </a:fillRef>
-          <a:effectRef idx="0">
-            <a:schemeClr val="accent1"/>
-          </a:effectRef>
-          <a:fontRef idx="minor">
-            <a:schemeClr val="tx1"/>
-          </a:fontRef>
-        </p:style>
-      </p:cxnSp>
-      <p:cxnSp>
-        <p:nvCxnSpPr>
-          <p:cNvPr id="104" name="直線接點 103"/>
-          <p:cNvCxnSpPr/>
-          <p:nvPr/>
-        </p:nvCxnSpPr>
-        <p:spPr>
-          <a:xfrm>
-            <a:off x="9520299" y="5825536"/>
-            <a:ext cx="2484749" cy="0"/>
-          </a:xfrm>
-          <a:prstGeom prst="line">
-            <a:avLst/>
-          </a:prstGeom>
-          <a:ln w="12700">
-            <a:solidFill>
-              <a:srgbClr val="88B2AC"/>
-            </a:solidFill>
-          </a:ln>
-        </p:spPr>
-        <p:style>
-          <a:lnRef idx="1">
-            <a:schemeClr val="accent1"/>
-          </a:lnRef>
-          <a:fillRef idx="0">
-            <a:schemeClr val="accent1"/>
-          </a:fillRef>
-          <a:effectRef idx="0">
-            <a:schemeClr val="accent1"/>
-          </a:effectRef>
-          <a:fontRef idx="minor">
-            <a:schemeClr val="tx1"/>
-          </a:fontRef>
-        </p:style>
-      </p:cxnSp>
-      <p:sp>
-        <p:nvSpPr>
-          <p:cNvPr id="117" name="矩形 116"/>
-          <p:cNvSpPr/>
-          <p:nvPr/>
-        </p:nvSpPr>
-        <p:spPr>
-          <a:xfrm>
-            <a:off x="3800516" y="1779871"/>
-            <a:ext cx="1082348" cy="307777"/>
-          </a:xfrm>
-          <a:prstGeom prst="rect">
-            <a:avLst/>
-          </a:prstGeom>
-        </p:spPr>
-        <p:txBody>
-          <a:bodyPr wrap="none">
-            <a:spAutoFit/>
-          </a:bodyPr>
-          <a:lstStyle/>
-          <a:p>
-            <a:r>
-              <a:rPr lang="zh-TW" altLang="en-US" sz="1400" dirty="0">
-                <a:solidFill>
-                  <a:schemeClr val="tx1">
-                    <a:lumMod val="85000"/>
-                  </a:schemeClr>
-                </a:solidFill>
-                <a:latin typeface="微軟正黑體" panose="020B0604030504040204" pitchFamily="34" charset="-120"/>
-                <a:ea typeface="微軟正黑體" panose="020B0604030504040204" pitchFamily="34" charset="-120"/>
-              </a:rPr>
-              <a:t>身分證字號</a:t>
-            </a:r>
-          </a:p>
-        </p:txBody>
-      </p:sp>
-      <p:sp>
-        <p:nvSpPr>
-          <p:cNvPr id="118" name="矩形 117"/>
-          <p:cNvSpPr/>
-          <p:nvPr/>
-        </p:nvSpPr>
-        <p:spPr>
-          <a:xfrm>
-            <a:off x="3800516" y="2445718"/>
-            <a:ext cx="902811" cy="307777"/>
-          </a:xfrm>
-          <a:prstGeom prst="rect">
-            <a:avLst/>
-          </a:prstGeom>
-        </p:spPr>
-        <p:txBody>
-          <a:bodyPr wrap="none">
-            <a:spAutoFit/>
-          </a:bodyPr>
-          <a:lstStyle/>
-          <a:p>
-            <a:r>
-              <a:rPr lang="zh-TW" altLang="en-US" sz="1400" dirty="0" smtClean="0">
-                <a:solidFill>
-                  <a:schemeClr val="tx1">
-                    <a:lumMod val="85000"/>
-                  </a:schemeClr>
-                </a:solidFill>
-                <a:latin typeface="微軟正黑體" panose="020B0604030504040204" pitchFamily="34" charset="-120"/>
-                <a:ea typeface="微軟正黑體" panose="020B0604030504040204" pitchFamily="34" charset="-120"/>
-              </a:rPr>
-              <a:t>拍攝日期</a:t>
-            </a:r>
-            <a:endParaRPr lang="zh-TW" altLang="en-US" sz="1400" dirty="0">
-              <a:solidFill>
-                <a:schemeClr val="tx1">
-                  <a:lumMod val="85000"/>
-                </a:schemeClr>
-              </a:solidFill>
-              <a:latin typeface="微軟正黑體" panose="020B0604030504040204" pitchFamily="34" charset="-120"/>
-              <a:ea typeface="微軟正黑體" panose="020B0604030504040204" pitchFamily="34" charset="-120"/>
-            </a:endParaRPr>
-          </a:p>
-        </p:txBody>
-      </p:sp>
-      <p:sp>
-        <p:nvSpPr>
-          <p:cNvPr id="119" name="矩形 118"/>
-          <p:cNvSpPr/>
-          <p:nvPr/>
-        </p:nvSpPr>
-        <p:spPr>
-          <a:xfrm>
-            <a:off x="3800516" y="3111565"/>
-            <a:ext cx="902811" cy="307777"/>
-          </a:xfrm>
-          <a:prstGeom prst="rect">
-            <a:avLst/>
-          </a:prstGeom>
-        </p:spPr>
-        <p:txBody>
-          <a:bodyPr wrap="none">
-            <a:spAutoFit/>
-          </a:bodyPr>
-          <a:lstStyle/>
-          <a:p>
-            <a:r>
-              <a:rPr lang="zh-TW" altLang="en-US" sz="1400" dirty="0" smtClean="0">
-                <a:solidFill>
-                  <a:schemeClr val="tx1">
-                    <a:lumMod val="85000"/>
-                  </a:schemeClr>
-                </a:solidFill>
-                <a:latin typeface="微軟正黑體" panose="020B0604030504040204" pitchFamily="34" charset="-120"/>
-                <a:ea typeface="微軟正黑體" panose="020B0604030504040204" pitchFamily="34" charset="-120"/>
-              </a:rPr>
-              <a:t>上傳檔案</a:t>
-            </a:r>
-            <a:endParaRPr lang="zh-TW" altLang="en-US" sz="1400" dirty="0">
-              <a:solidFill>
-                <a:schemeClr val="tx1">
-                  <a:lumMod val="85000"/>
-                </a:schemeClr>
-              </a:solidFill>
-              <a:latin typeface="微軟正黑體" panose="020B0604030504040204" pitchFamily="34" charset="-120"/>
-              <a:ea typeface="微軟正黑體" panose="020B0604030504040204" pitchFamily="34" charset="-120"/>
-            </a:endParaRPr>
-          </a:p>
-        </p:txBody>
-      </p:sp>
-      <p:sp>
-        <p:nvSpPr>
-          <p:cNvPr id="120" name="矩形 119"/>
-          <p:cNvSpPr/>
-          <p:nvPr/>
-        </p:nvSpPr>
-        <p:spPr>
-          <a:xfrm>
-            <a:off x="3800516" y="3777412"/>
-            <a:ext cx="902811" cy="307777"/>
-          </a:xfrm>
-          <a:prstGeom prst="rect">
-            <a:avLst/>
-          </a:prstGeom>
-        </p:spPr>
-        <p:txBody>
-          <a:bodyPr wrap="none">
-            <a:spAutoFit/>
-          </a:bodyPr>
-          <a:lstStyle/>
-          <a:p>
-            <a:r>
-              <a:rPr lang="zh-TW" altLang="en-US" sz="1400" dirty="0" smtClean="0">
-                <a:solidFill>
-                  <a:schemeClr val="tx1">
-                    <a:lumMod val="85000"/>
-                  </a:schemeClr>
-                </a:solidFill>
-                <a:latin typeface="微軟正黑體" panose="020B0604030504040204" pitchFamily="34" charset="-120"/>
-                <a:ea typeface="微軟正黑體" panose="020B0604030504040204" pitchFamily="34" charset="-120"/>
-              </a:rPr>
-              <a:t>實際年齡</a:t>
-            </a:r>
-            <a:endParaRPr lang="zh-TW" altLang="en-US" sz="1400" dirty="0">
-              <a:solidFill>
-                <a:schemeClr val="tx1">
-                  <a:lumMod val="85000"/>
-                </a:schemeClr>
-              </a:solidFill>
-              <a:latin typeface="微軟正黑體" panose="020B0604030504040204" pitchFamily="34" charset="-120"/>
-              <a:ea typeface="微軟正黑體" panose="020B0604030504040204" pitchFamily="34" charset="-120"/>
-            </a:endParaRPr>
-          </a:p>
-        </p:txBody>
-      </p:sp>
-      <p:sp>
-        <p:nvSpPr>
-          <p:cNvPr id="121" name="矩形 120"/>
-          <p:cNvSpPr/>
-          <p:nvPr/>
-        </p:nvSpPr>
-        <p:spPr>
-          <a:xfrm>
-            <a:off x="3800516" y="4442445"/>
-            <a:ext cx="902811" cy="307777"/>
-          </a:xfrm>
-          <a:prstGeom prst="rect">
-            <a:avLst/>
-          </a:prstGeom>
-        </p:spPr>
-        <p:txBody>
-          <a:bodyPr wrap="none">
-            <a:spAutoFit/>
-          </a:bodyPr>
-          <a:lstStyle/>
-          <a:p>
-            <a:r>
-              <a:rPr lang="zh-TW" altLang="en-US" sz="1400" dirty="0" smtClean="0">
-                <a:solidFill>
-                  <a:schemeClr val="tx1">
-                    <a:lumMod val="85000"/>
-                  </a:schemeClr>
-                </a:solidFill>
-                <a:latin typeface="微軟正黑體" panose="020B0604030504040204" pitchFamily="34" charset="-120"/>
-                <a:ea typeface="微軟正黑體" panose="020B0604030504040204" pitchFamily="34" charset="-120"/>
-              </a:rPr>
-              <a:t>腦部年齡</a:t>
-            </a:r>
-            <a:endParaRPr lang="zh-TW" altLang="en-US" sz="1400" dirty="0">
-              <a:solidFill>
-                <a:schemeClr val="tx1">
-                  <a:lumMod val="85000"/>
-                </a:schemeClr>
-              </a:solidFill>
-              <a:latin typeface="微軟正黑體" panose="020B0604030504040204" pitchFamily="34" charset="-120"/>
-              <a:ea typeface="微軟正黑體" panose="020B0604030504040204" pitchFamily="34" charset="-120"/>
-            </a:endParaRPr>
-          </a:p>
-        </p:txBody>
-      </p:sp>
-      <p:sp>
-        <p:nvSpPr>
-          <p:cNvPr id="122" name="矩形 121"/>
-          <p:cNvSpPr/>
-          <p:nvPr/>
-        </p:nvSpPr>
-        <p:spPr>
-          <a:xfrm>
-            <a:off x="3800516" y="5108292"/>
-            <a:ext cx="1082348" cy="307777"/>
-          </a:xfrm>
-          <a:prstGeom prst="rect">
-            <a:avLst/>
-          </a:prstGeom>
-        </p:spPr>
-        <p:txBody>
-          <a:bodyPr wrap="none">
-            <a:spAutoFit/>
-          </a:bodyPr>
-          <a:lstStyle/>
-          <a:p>
-            <a:r>
-              <a:rPr lang="zh-TW" altLang="en-US" sz="1400" dirty="0" smtClean="0">
-                <a:solidFill>
-                  <a:schemeClr val="tx1">
-                    <a:lumMod val="85000"/>
-                  </a:schemeClr>
-                </a:solidFill>
-                <a:latin typeface="微軟正黑體" panose="020B0604030504040204" pitchFamily="34" charset="-120"/>
-                <a:ea typeface="微軟正黑體" panose="020B0604030504040204" pitchFamily="34" charset="-120"/>
-              </a:rPr>
-              <a:t>失智症風險</a:t>
-            </a:r>
-            <a:endParaRPr lang="zh-TW" altLang="en-US" sz="1400" dirty="0">
-              <a:solidFill>
-                <a:schemeClr val="tx1">
-                  <a:lumMod val="85000"/>
-                </a:schemeClr>
-              </a:solidFill>
-              <a:latin typeface="微軟正黑體" panose="020B0604030504040204" pitchFamily="34" charset="-120"/>
-              <a:ea typeface="微軟正黑體" panose="020B0604030504040204" pitchFamily="34" charset="-120"/>
-            </a:endParaRPr>
-          </a:p>
-        </p:txBody>
-      </p:sp>
-      <p:sp>
-        <p:nvSpPr>
-          <p:cNvPr id="125" name="矩形 124"/>
-          <p:cNvSpPr/>
-          <p:nvPr/>
-        </p:nvSpPr>
-        <p:spPr>
-          <a:xfrm>
-            <a:off x="3564363" y="1158858"/>
-            <a:ext cx="1625272" cy="313160"/>
-          </a:xfrm>
-          <a:prstGeom prst="rect">
-            <a:avLst/>
-          </a:prstGeom>
-          <a:solidFill>
-            <a:srgbClr val="21222D"/>
-          </a:solidFill>
-          <a:ln>
-            <a:noFill/>
-          </a:ln>
-        </p:spPr>
-        <p:style>
-          <a:lnRef idx="2">
-            <a:schemeClr val="accent1">
-              <a:shade val="50000"/>
-            </a:schemeClr>
-          </a:lnRef>
-          <a:fillRef idx="1">
-            <a:schemeClr val="accent1"/>
-          </a:fillRef>
-          <a:effectRef idx="0">
-            <a:schemeClr val="accent1"/>
-          </a:effectRef>
-          <a:fontRef idx="minor">
-            <a:schemeClr val="lt1"/>
-          </a:fontRef>
-        </p:style>
-        <p:txBody>
-          <a:bodyPr rtlCol="0" anchor="ctr"/>
-          <a:lstStyle/>
-          <a:p>
-            <a:pPr algn="ctr"/>
-            <a:r>
-              <a:rPr lang="zh-TW" altLang="en-US" sz="2000" b="1" dirty="0">
-                <a:solidFill>
-                  <a:schemeClr val="tx1"/>
-                </a:solidFill>
-                <a:latin typeface="微軟正黑體" panose="020B0604030504040204" pitchFamily="34" charset="-120"/>
-                <a:ea typeface="微軟正黑體" panose="020B0604030504040204" pitchFamily="34" charset="-120"/>
-              </a:rPr>
-              <a:t>上</a:t>
-            </a:r>
-            <a:r>
-              <a:rPr lang="zh-TW" altLang="en-US" sz="2000" b="1" dirty="0" smtClean="0">
-                <a:solidFill>
-                  <a:schemeClr val="tx1"/>
-                </a:solidFill>
-                <a:latin typeface="微軟正黑體" panose="020B0604030504040204" pitchFamily="34" charset="-120"/>
-                <a:ea typeface="微軟正黑體" panose="020B0604030504040204" pitchFamily="34" charset="-120"/>
-              </a:rPr>
-              <a:t>傳</a:t>
-            </a:r>
-            <a:r>
-              <a:rPr lang="zh-TW" altLang="en-US" sz="2000" b="1" dirty="0">
-                <a:solidFill>
-                  <a:schemeClr val="tx1"/>
-                </a:solidFill>
-                <a:latin typeface="微軟正黑體" panose="020B0604030504040204" pitchFamily="34" charset="-120"/>
-                <a:ea typeface="微軟正黑體" panose="020B0604030504040204" pitchFamily="34" charset="-120"/>
-              </a:rPr>
-              <a:t>影像</a:t>
-            </a:r>
-            <a:endParaRPr lang="zh-TW" altLang="en-US" sz="2000" b="1" dirty="0">
-              <a:solidFill>
-                <a:schemeClr val="tx1"/>
-              </a:solidFill>
-              <a:latin typeface="微軟正黑體" panose="020B0604030504040204" pitchFamily="34" charset="-120"/>
-              <a:ea typeface="微軟正黑體" panose="020B0604030504040204" pitchFamily="34" charset="-120"/>
-            </a:endParaRPr>
-          </a:p>
-        </p:txBody>
-      </p:sp>
-      <p:sp>
-        <p:nvSpPr>
-          <p:cNvPr id="126" name="矩形 125"/>
-          <p:cNvSpPr/>
-          <p:nvPr/>
-        </p:nvSpPr>
-        <p:spPr>
-          <a:xfrm>
-            <a:off x="9800686" y="996875"/>
-            <a:ext cx="1625272" cy="313160"/>
-          </a:xfrm>
-          <a:prstGeom prst="rect">
-            <a:avLst/>
-          </a:prstGeom>
-          <a:solidFill>
-            <a:srgbClr val="21222D"/>
-          </a:solidFill>
-          <a:ln>
-            <a:noFill/>
-          </a:ln>
-        </p:spPr>
-        <p:style>
-          <a:lnRef idx="2">
-            <a:schemeClr val="accent1">
-              <a:shade val="50000"/>
-            </a:schemeClr>
-          </a:lnRef>
-          <a:fillRef idx="1">
-            <a:schemeClr val="accent1"/>
-          </a:fillRef>
-          <a:effectRef idx="0">
-            <a:schemeClr val="accent1"/>
-          </a:effectRef>
-          <a:fontRef idx="minor">
-            <a:schemeClr val="lt1"/>
-          </a:fontRef>
-        </p:style>
-        <p:txBody>
-          <a:bodyPr rtlCol="0" anchor="ctr"/>
-          <a:lstStyle/>
-          <a:p>
-            <a:pPr algn="ctr"/>
-            <a:r>
-              <a:rPr lang="zh-TW" altLang="en-US" sz="2000" b="1" dirty="0" smtClean="0">
-                <a:solidFill>
-                  <a:schemeClr val="tx1"/>
-                </a:solidFill>
-                <a:latin typeface="微軟正黑體" panose="020B0604030504040204" pitchFamily="34" charset="-120"/>
-                <a:ea typeface="微軟正黑體" panose="020B0604030504040204" pitchFamily="34" charset="-120"/>
-              </a:rPr>
-              <a:t>個人檔案</a:t>
-            </a:r>
-            <a:endParaRPr lang="zh-TW" altLang="en-US" sz="2000" b="1" dirty="0">
-              <a:solidFill>
-                <a:schemeClr val="tx1"/>
-              </a:solidFill>
-              <a:latin typeface="微軟正黑體" panose="020B0604030504040204" pitchFamily="34" charset="-120"/>
-              <a:ea typeface="微軟正黑體" panose="020B0604030504040204" pitchFamily="34" charset="-120"/>
-            </a:endParaRPr>
-          </a:p>
-        </p:txBody>
-      </p:sp>
-      <p:sp>
-        <p:nvSpPr>
-          <p:cNvPr id="53" name="圓角矩形 52"/>
-          <p:cNvSpPr/>
-          <p:nvPr/>
-        </p:nvSpPr>
-        <p:spPr>
-          <a:xfrm>
-            <a:off x="5074238" y="1736647"/>
-            <a:ext cx="2271498" cy="436309"/>
-          </a:xfrm>
-          <a:prstGeom prst="roundRect">
-            <a:avLst>
-              <a:gd name="adj" fmla="val 11522"/>
-            </a:avLst>
-          </a:prstGeom>
-          <a:solidFill>
-            <a:srgbClr val="21222D"/>
-          </a:solidFill>
-          <a:ln w="3175">
-            <a:solidFill>
-              <a:schemeClr val="tx1">
-                <a:lumMod val="75000"/>
-              </a:schemeClr>
-            </a:solidFill>
-          </a:ln>
-        </p:spPr>
-        <p:style>
-          <a:lnRef idx="2">
-            <a:schemeClr val="accent1">
-              <a:shade val="50000"/>
-            </a:schemeClr>
-          </a:lnRef>
-          <a:fillRef idx="1">
-            <a:schemeClr val="accent1"/>
-          </a:fillRef>
-          <a:effectRef idx="0">
-            <a:schemeClr val="accent1"/>
-          </a:effectRef>
-          <a:fontRef idx="minor">
-            <a:schemeClr val="lt1"/>
-          </a:fontRef>
-        </p:style>
-        <p:txBody>
-          <a:bodyPr rtlCol="0" anchor="ctr"/>
-          <a:lstStyle/>
-          <a:p>
-            <a:r>
-              <a:rPr lang="en-US" altLang="zh-TW" sz="1400" dirty="0" smtClean="0">
-                <a:solidFill>
-                  <a:schemeClr val="tx1">
-                    <a:lumMod val="75000"/>
-                  </a:schemeClr>
-                </a:solidFill>
-                <a:latin typeface="微軟正黑體" panose="020B0604030504040204" pitchFamily="34" charset="-120"/>
-                <a:ea typeface="微軟正黑體" panose="020B0604030504040204" pitchFamily="34" charset="-120"/>
-              </a:rPr>
-              <a:t>A11200938</a:t>
-            </a:r>
-            <a:endParaRPr lang="zh-TW" altLang="en-US" sz="1400" dirty="0">
-              <a:solidFill>
-                <a:schemeClr val="tx1">
-                  <a:lumMod val="75000"/>
-                </a:schemeClr>
-              </a:solidFill>
-              <a:latin typeface="微軟正黑體" panose="020B0604030504040204" pitchFamily="34" charset="-120"/>
-              <a:ea typeface="微軟正黑體" panose="020B0604030504040204" pitchFamily="34" charset="-120"/>
-            </a:endParaRPr>
-          </a:p>
-        </p:txBody>
-      </p:sp>
-      <p:sp>
-        <p:nvSpPr>
-          <p:cNvPr id="54" name="圓角矩形 53"/>
-          <p:cNvSpPr/>
-          <p:nvPr/>
-        </p:nvSpPr>
-        <p:spPr>
-          <a:xfrm>
-            <a:off x="5074238" y="2402494"/>
-            <a:ext cx="2271498" cy="436309"/>
-          </a:xfrm>
-          <a:prstGeom prst="roundRect">
-            <a:avLst>
-              <a:gd name="adj" fmla="val 11522"/>
-            </a:avLst>
-          </a:prstGeom>
-          <a:solidFill>
-            <a:srgbClr val="21222D"/>
-          </a:solidFill>
-          <a:ln w="3175">
-            <a:solidFill>
-              <a:schemeClr val="tx1">
-                <a:lumMod val="75000"/>
-              </a:schemeClr>
-            </a:solidFill>
-          </a:ln>
-        </p:spPr>
-        <p:style>
-          <a:lnRef idx="2">
-            <a:schemeClr val="accent1">
-              <a:shade val="50000"/>
-            </a:schemeClr>
-          </a:lnRef>
-          <a:fillRef idx="1">
-            <a:schemeClr val="accent1"/>
-          </a:fillRef>
-          <a:effectRef idx="0">
-            <a:schemeClr val="accent1"/>
-          </a:effectRef>
-          <a:fontRef idx="minor">
-            <a:schemeClr val="lt1"/>
-          </a:fontRef>
-        </p:style>
-        <p:txBody>
-          <a:bodyPr rtlCol="0" anchor="ctr"/>
-          <a:lstStyle/>
-          <a:p>
-            <a:r>
-              <a:rPr lang="en-US" altLang="zh-TW" sz="1400" dirty="0" smtClean="0">
-                <a:solidFill>
-                  <a:schemeClr val="tx1">
-                    <a:lumMod val="75000"/>
-                  </a:schemeClr>
-                </a:solidFill>
-                <a:latin typeface="微軟正黑體" panose="020B0604030504040204" pitchFamily="34" charset="-120"/>
-                <a:ea typeface="微軟正黑體" panose="020B0604030504040204" pitchFamily="34" charset="-120"/>
-              </a:rPr>
-              <a:t>2025/03/08</a:t>
-            </a:r>
-            <a:endParaRPr lang="zh-TW" altLang="en-US" sz="1400" dirty="0">
-              <a:solidFill>
-                <a:schemeClr val="tx1">
-                  <a:lumMod val="75000"/>
-                </a:schemeClr>
-              </a:solidFill>
-              <a:latin typeface="微軟正黑體" panose="020B0604030504040204" pitchFamily="34" charset="-120"/>
-              <a:ea typeface="微軟正黑體" panose="020B0604030504040204" pitchFamily="34" charset="-120"/>
-            </a:endParaRPr>
-          </a:p>
-        </p:txBody>
-      </p:sp>
-      <p:sp>
-        <p:nvSpPr>
-          <p:cNvPr id="55" name="圓角矩形 54"/>
-          <p:cNvSpPr/>
-          <p:nvPr/>
-        </p:nvSpPr>
-        <p:spPr>
-          <a:xfrm>
-            <a:off x="5074238" y="3069545"/>
-            <a:ext cx="2271498" cy="436309"/>
-          </a:xfrm>
-          <a:prstGeom prst="roundRect">
-            <a:avLst>
-              <a:gd name="adj" fmla="val 11522"/>
-            </a:avLst>
-          </a:prstGeom>
-          <a:solidFill>
-            <a:srgbClr val="21222D"/>
-          </a:solidFill>
-          <a:ln w="3175">
-            <a:solidFill>
-              <a:schemeClr val="tx1">
-                <a:lumMod val="75000"/>
-              </a:schemeClr>
-            </a:solidFill>
-          </a:ln>
-        </p:spPr>
-        <p:style>
-          <a:lnRef idx="2">
-            <a:schemeClr val="accent1">
-              <a:shade val="50000"/>
-            </a:schemeClr>
-          </a:lnRef>
-          <a:fillRef idx="1">
-            <a:schemeClr val="accent1"/>
-          </a:fillRef>
-          <a:effectRef idx="0">
-            <a:schemeClr val="accent1"/>
-          </a:effectRef>
-          <a:fontRef idx="minor">
-            <a:schemeClr val="lt1"/>
-          </a:fontRef>
-        </p:style>
-        <p:txBody>
-          <a:bodyPr rtlCol="0" anchor="ctr"/>
-          <a:lstStyle/>
-          <a:p>
-            <a:r>
-              <a:rPr lang="en-US" altLang="zh-TW" sz="1400" dirty="0" smtClean="0">
-                <a:solidFill>
-                  <a:schemeClr val="tx1">
-                    <a:lumMod val="75000"/>
-                  </a:schemeClr>
-                </a:solidFill>
-                <a:latin typeface="微軟正黑體" panose="020B0604030504040204" pitchFamily="34" charset="-120"/>
-                <a:ea typeface="微軟正黑體" panose="020B0604030504040204" pitchFamily="34" charset="-120"/>
-              </a:rPr>
-              <a:t>myMRI250308.nii.gz</a:t>
-            </a:r>
-            <a:endParaRPr lang="zh-TW" altLang="en-US" sz="1400" dirty="0">
-              <a:solidFill>
-                <a:schemeClr val="tx1">
-                  <a:lumMod val="75000"/>
-                </a:schemeClr>
-              </a:solidFill>
-              <a:latin typeface="微軟正黑體" panose="020B0604030504040204" pitchFamily="34" charset="-120"/>
-              <a:ea typeface="微軟正黑體" panose="020B0604030504040204" pitchFamily="34" charset="-120"/>
-            </a:endParaRPr>
-          </a:p>
-        </p:txBody>
-      </p:sp>
-      <p:sp>
-        <p:nvSpPr>
-          <p:cNvPr id="56" name="圓角矩形 55"/>
-          <p:cNvSpPr/>
-          <p:nvPr/>
-        </p:nvSpPr>
-        <p:spPr>
-          <a:xfrm>
-            <a:off x="5074238" y="4403647"/>
-            <a:ext cx="2271498" cy="436309"/>
-          </a:xfrm>
-          <a:prstGeom prst="roundRect">
-            <a:avLst>
-              <a:gd name="adj" fmla="val 11522"/>
-            </a:avLst>
-          </a:prstGeom>
-          <a:solidFill>
-            <a:schemeClr val="bg2">
-              <a:lumMod val="75000"/>
-            </a:schemeClr>
-          </a:solidFill>
-          <a:ln w="28575">
-            <a:gradFill flip="none" rotWithShape="1">
-              <a:gsLst>
-                <a:gs pos="0">
-                  <a:srgbClr val="00B050"/>
-                </a:gs>
-                <a:gs pos="100000">
-                  <a:srgbClr val="FF0000"/>
-                </a:gs>
-                <a:gs pos="28000">
-                  <a:srgbClr val="92D050"/>
-                </a:gs>
-                <a:gs pos="52000">
-                  <a:srgbClr val="FFFF00"/>
-                </a:gs>
-                <a:gs pos="77000">
-                  <a:srgbClr val="FFC000"/>
-                </a:gs>
-              </a:gsLst>
-              <a:lin ang="0" scaled="1"/>
-              <a:tileRect/>
-            </a:gradFill>
-          </a:ln>
-        </p:spPr>
-        <p:style>
-          <a:lnRef idx="2">
-            <a:schemeClr val="accent1">
-              <a:shade val="50000"/>
-            </a:schemeClr>
-          </a:lnRef>
-          <a:fillRef idx="1">
-            <a:schemeClr val="accent1"/>
-          </a:fillRef>
-          <a:effectRef idx="0">
-            <a:schemeClr val="accent1"/>
-          </a:effectRef>
-          <a:fontRef idx="minor">
-            <a:schemeClr val="lt1"/>
-          </a:fontRef>
-        </p:style>
-        <p:txBody>
-          <a:bodyPr rtlCol="0" anchor="ctr"/>
-          <a:lstStyle/>
-          <a:p>
-            <a:r>
-              <a:rPr lang="en-US" altLang="zh-TW" sz="1600" dirty="0" smtClean="0">
-                <a:solidFill>
-                  <a:schemeClr val="tx1">
-                    <a:lumMod val="75000"/>
-                  </a:schemeClr>
-                </a:solidFill>
-                <a:latin typeface="微軟正黑體" panose="020B0604030504040204" pitchFamily="34" charset="-120"/>
-                <a:ea typeface="微軟正黑體" panose="020B0604030504040204" pitchFamily="34" charset="-120"/>
-              </a:rPr>
-              <a:t>74</a:t>
-            </a:r>
-            <a:endParaRPr lang="zh-TW" altLang="en-US" sz="1600" dirty="0">
-              <a:solidFill>
-                <a:schemeClr val="tx1">
-                  <a:lumMod val="75000"/>
-                </a:schemeClr>
-              </a:solidFill>
-              <a:latin typeface="微軟正黑體" panose="020B0604030504040204" pitchFamily="34" charset="-120"/>
-              <a:ea typeface="微軟正黑體" panose="020B0604030504040204" pitchFamily="34" charset="-120"/>
-            </a:endParaRPr>
-          </a:p>
-        </p:txBody>
-      </p:sp>
-      <p:sp>
-        <p:nvSpPr>
-          <p:cNvPr id="57" name="圓角矩形 56"/>
-          <p:cNvSpPr/>
-          <p:nvPr/>
-        </p:nvSpPr>
-        <p:spPr>
-          <a:xfrm>
-            <a:off x="5074238" y="3736596"/>
-            <a:ext cx="2271498" cy="436309"/>
-          </a:xfrm>
-          <a:prstGeom prst="roundRect">
-            <a:avLst>
-              <a:gd name="adj" fmla="val 11522"/>
-            </a:avLst>
-          </a:prstGeom>
-          <a:solidFill>
-            <a:schemeClr val="bg2">
-              <a:lumMod val="75000"/>
-            </a:schemeClr>
-          </a:solidFill>
-          <a:ln w="3175">
-            <a:solidFill>
-              <a:schemeClr val="tx1">
-                <a:lumMod val="75000"/>
-              </a:schemeClr>
-            </a:solidFill>
-          </a:ln>
-        </p:spPr>
-        <p:style>
-          <a:lnRef idx="2">
-            <a:schemeClr val="accent1">
-              <a:shade val="50000"/>
-            </a:schemeClr>
-          </a:lnRef>
-          <a:fillRef idx="1">
-            <a:schemeClr val="accent1"/>
-          </a:fillRef>
-          <a:effectRef idx="0">
-            <a:schemeClr val="accent1"/>
-          </a:effectRef>
-          <a:fontRef idx="minor">
-            <a:schemeClr val="lt1"/>
-          </a:fontRef>
-        </p:style>
-        <p:txBody>
-          <a:bodyPr rtlCol="0" anchor="ctr"/>
-          <a:lstStyle/>
-          <a:p>
-            <a:r>
-              <a:rPr lang="en-US" altLang="zh-TW" sz="1400" dirty="0" smtClean="0">
-                <a:solidFill>
-                  <a:schemeClr val="tx1">
-                    <a:lumMod val="75000"/>
-                  </a:schemeClr>
-                </a:solidFill>
-                <a:latin typeface="微軟正黑體" panose="020B0604030504040204" pitchFamily="34" charset="-120"/>
-                <a:ea typeface="微軟正黑體" panose="020B0604030504040204" pitchFamily="34" charset="-120"/>
-              </a:rPr>
-              <a:t>65</a:t>
-            </a:r>
-            <a:endParaRPr lang="zh-TW" altLang="en-US" sz="1400" dirty="0">
-              <a:solidFill>
-                <a:schemeClr val="tx1">
-                  <a:lumMod val="75000"/>
-                </a:schemeClr>
-              </a:solidFill>
-              <a:latin typeface="微軟正黑體" panose="020B0604030504040204" pitchFamily="34" charset="-120"/>
-              <a:ea typeface="微軟正黑體" panose="020B0604030504040204" pitchFamily="34" charset="-120"/>
-            </a:endParaRPr>
-          </a:p>
-        </p:txBody>
-      </p:sp>
-      <p:sp>
-        <p:nvSpPr>
-          <p:cNvPr id="65" name="圓角矩形 64"/>
-          <p:cNvSpPr/>
-          <p:nvPr/>
-        </p:nvSpPr>
-        <p:spPr>
-          <a:xfrm>
-            <a:off x="5074238" y="5070698"/>
-            <a:ext cx="2271498" cy="436309"/>
-          </a:xfrm>
-          <a:prstGeom prst="roundRect">
-            <a:avLst>
-              <a:gd name="adj" fmla="val 11522"/>
-            </a:avLst>
-          </a:prstGeom>
-          <a:solidFill>
-            <a:schemeClr val="bg2">
-              <a:lumMod val="75000"/>
-            </a:schemeClr>
-          </a:solidFill>
-          <a:ln w="3175">
-            <a:solidFill>
-              <a:schemeClr val="tx1">
-                <a:lumMod val="75000"/>
-              </a:schemeClr>
-            </a:solidFill>
-          </a:ln>
-        </p:spPr>
-        <p:style>
-          <a:lnRef idx="2">
-            <a:schemeClr val="accent1">
-              <a:shade val="50000"/>
-            </a:schemeClr>
-          </a:lnRef>
-          <a:fillRef idx="1">
-            <a:schemeClr val="accent1"/>
-          </a:fillRef>
-          <a:effectRef idx="0">
-            <a:schemeClr val="accent1"/>
-          </a:effectRef>
-          <a:fontRef idx="minor">
-            <a:schemeClr val="lt1"/>
-          </a:fontRef>
-        </p:style>
-        <p:txBody>
-          <a:bodyPr rtlCol="0" anchor="ctr"/>
-          <a:lstStyle/>
-          <a:p>
-            <a:r>
-              <a:rPr lang="zh-TW" altLang="en-US" sz="1400" dirty="0">
-                <a:solidFill>
-                  <a:schemeClr val="tx1">
-                    <a:lumMod val="75000"/>
-                  </a:schemeClr>
-                </a:solidFill>
-                <a:latin typeface="微軟正黑體" panose="020B0604030504040204" pitchFamily="34" charset="-120"/>
-                <a:ea typeface="微軟正黑體" panose="020B0604030504040204" pitchFamily="34" charset="-120"/>
-              </a:rPr>
-              <a:t>失智症風險 </a:t>
-            </a:r>
-            <a:r>
-              <a:rPr lang="en-US" altLang="zh-TW" sz="1400" dirty="0">
-                <a:solidFill>
-                  <a:schemeClr val="tx1">
-                    <a:lumMod val="75000"/>
-                  </a:schemeClr>
-                </a:solidFill>
-                <a:latin typeface="微軟正黑體" panose="020B0604030504040204" pitchFamily="34" charset="-120"/>
-                <a:ea typeface="微軟正黑體" panose="020B0604030504040204" pitchFamily="34" charset="-120"/>
-              </a:rPr>
-              <a:t>(AI</a:t>
-            </a:r>
-            <a:r>
-              <a:rPr lang="zh-TW" altLang="en-US" sz="1400" dirty="0">
-                <a:solidFill>
-                  <a:schemeClr val="tx1">
-                    <a:lumMod val="75000"/>
-                  </a:schemeClr>
-                </a:solidFill>
-                <a:latin typeface="微軟正黑體" panose="020B0604030504040204" pitchFamily="34" charset="-120"/>
-                <a:ea typeface="微軟正黑體" panose="020B0604030504040204" pitchFamily="34" charset="-120"/>
-              </a:rPr>
-              <a:t>計算</a:t>
-            </a:r>
-            <a:r>
-              <a:rPr lang="en-US" altLang="zh-TW" sz="1400" dirty="0">
-                <a:solidFill>
-                  <a:schemeClr val="tx1">
-                    <a:lumMod val="75000"/>
-                  </a:schemeClr>
-                </a:solidFill>
-                <a:latin typeface="微軟正黑體" panose="020B0604030504040204" pitchFamily="34" charset="-120"/>
-                <a:ea typeface="微軟正黑體" panose="020B0604030504040204" pitchFamily="34" charset="-120"/>
-              </a:rPr>
-              <a:t>)</a:t>
-            </a:r>
-            <a:endParaRPr lang="zh-TW" altLang="en-US" sz="1400" dirty="0">
-              <a:solidFill>
-                <a:schemeClr val="tx1">
-                  <a:lumMod val="75000"/>
-                </a:schemeClr>
-              </a:solidFill>
-              <a:latin typeface="微軟正黑體" panose="020B0604030504040204" pitchFamily="34" charset="-120"/>
-              <a:ea typeface="微軟正黑體" panose="020B0604030504040204" pitchFamily="34" charset="-120"/>
-            </a:endParaRPr>
-          </a:p>
-        </p:txBody>
-      </p:sp>
-      <p:sp>
-        <p:nvSpPr>
-          <p:cNvPr id="66" name="圓角矩形 65"/>
-          <p:cNvSpPr/>
-          <p:nvPr/>
-        </p:nvSpPr>
-        <p:spPr>
-          <a:xfrm>
-            <a:off x="3886530" y="5798709"/>
-            <a:ext cx="1971042" cy="373297"/>
-          </a:xfrm>
-          <a:prstGeom prst="roundRect">
-            <a:avLst>
-              <a:gd name="adj" fmla="val 11522"/>
-            </a:avLst>
-          </a:prstGeom>
-          <a:solidFill>
-            <a:schemeClr val="bg2">
-              <a:lumMod val="75000"/>
-            </a:schemeClr>
-          </a:solidFill>
-          <a:ln w="28575">
-            <a:gradFill flip="none" rotWithShape="1">
-              <a:gsLst>
-                <a:gs pos="0">
-                  <a:srgbClr val="00B050"/>
-                </a:gs>
-                <a:gs pos="100000">
-                  <a:srgbClr val="FF0000"/>
-                </a:gs>
-                <a:gs pos="28000">
-                  <a:srgbClr val="92D050"/>
-                </a:gs>
-                <a:gs pos="52000">
-                  <a:srgbClr val="FFFF00"/>
-                </a:gs>
-                <a:gs pos="77000">
-                  <a:srgbClr val="FFC000"/>
-                </a:gs>
-              </a:gsLst>
-              <a:lin ang="0" scaled="1"/>
-              <a:tileRect/>
-            </a:gradFill>
-          </a:ln>
-        </p:spPr>
-        <p:style>
-          <a:lnRef idx="2">
-            <a:schemeClr val="accent1">
-              <a:shade val="50000"/>
-            </a:schemeClr>
-          </a:lnRef>
-          <a:fillRef idx="1">
-            <a:schemeClr val="accent1"/>
-          </a:fillRef>
-          <a:effectRef idx="0">
-            <a:schemeClr val="accent1"/>
-          </a:effectRef>
-          <a:fontRef idx="minor">
-            <a:schemeClr val="lt1"/>
-          </a:fontRef>
-        </p:style>
-        <p:txBody>
-          <a:bodyPr rtlCol="0" anchor="ctr"/>
-          <a:lstStyle/>
-          <a:p>
-            <a:pPr algn="ctr"/>
-            <a:r>
-              <a:rPr lang="zh-TW" altLang="en-US" sz="1600" b="1" dirty="0">
-                <a:solidFill>
-                  <a:schemeClr val="tx1"/>
-                </a:solidFill>
-                <a:latin typeface="微軟正黑體" panose="020B0604030504040204" pitchFamily="34" charset="-120"/>
-                <a:ea typeface="微軟正黑體" panose="020B0604030504040204" pitchFamily="34" charset="-120"/>
-              </a:rPr>
-              <a:t>計算中</a:t>
-            </a:r>
-            <a:r>
-              <a:rPr lang="en-US" altLang="zh-TW" sz="1600" b="1" dirty="0">
-                <a:solidFill>
-                  <a:schemeClr val="tx1"/>
-                </a:solidFill>
-                <a:latin typeface="微軟正黑體" panose="020B0604030504040204" pitchFamily="34" charset="-120"/>
-                <a:ea typeface="微軟正黑體" panose="020B0604030504040204" pitchFamily="34" charset="-120"/>
-              </a:rPr>
-              <a:t>…</a:t>
-            </a:r>
-            <a:endParaRPr lang="zh-TW" altLang="en-US" sz="1600" b="1" dirty="0">
-              <a:solidFill>
-                <a:schemeClr val="tx1"/>
-              </a:solidFill>
-              <a:latin typeface="微軟正黑體" panose="020B0604030504040204" pitchFamily="34" charset="-120"/>
-              <a:ea typeface="微軟正黑體" panose="020B0604030504040204" pitchFamily="34" charset="-120"/>
-            </a:endParaRPr>
-          </a:p>
-        </p:txBody>
-      </p:sp>
-      <p:sp>
-        <p:nvSpPr>
-          <p:cNvPr id="67" name="圓角矩形 66"/>
-          <p:cNvSpPr/>
-          <p:nvPr/>
-        </p:nvSpPr>
-        <p:spPr>
-          <a:xfrm>
-            <a:off x="5969331" y="5798709"/>
-            <a:ext cx="1376405" cy="373297"/>
-          </a:xfrm>
-          <a:prstGeom prst="roundRect">
-            <a:avLst>
-              <a:gd name="adj" fmla="val 11522"/>
-            </a:avLst>
-          </a:prstGeom>
-          <a:solidFill>
-            <a:srgbClr val="21222D"/>
-          </a:solidFill>
-          <a:ln w="3175">
-            <a:solidFill>
-              <a:schemeClr val="tx1">
-                <a:lumMod val="75000"/>
-              </a:schemeClr>
-            </a:solidFill>
-          </a:ln>
-        </p:spPr>
-        <p:style>
-          <a:lnRef idx="2">
-            <a:schemeClr val="accent1">
-              <a:shade val="50000"/>
-            </a:schemeClr>
-          </a:lnRef>
-          <a:fillRef idx="1">
-            <a:schemeClr val="accent1"/>
-          </a:fillRef>
-          <a:effectRef idx="0">
-            <a:schemeClr val="accent1"/>
-          </a:effectRef>
-          <a:fontRef idx="minor">
-            <a:schemeClr val="lt1"/>
-          </a:fontRef>
-        </p:style>
-        <p:txBody>
-          <a:bodyPr rtlCol="0" anchor="ctr"/>
-          <a:lstStyle/>
-          <a:p>
-            <a:pPr algn="ctr"/>
-            <a:r>
-              <a:rPr lang="zh-TW" altLang="en-US" sz="1600" b="1" dirty="0" smtClean="0">
-                <a:solidFill>
-                  <a:schemeClr val="tx1"/>
-                </a:solidFill>
-                <a:latin typeface="微軟正黑體" panose="020B0604030504040204" pitchFamily="34" charset="-120"/>
-                <a:ea typeface="微軟正黑體" panose="020B0604030504040204" pitchFamily="34" charset="-120"/>
-              </a:rPr>
-              <a:t>送出</a:t>
-            </a:r>
-            <a:endParaRPr lang="zh-TW" altLang="en-US" sz="1600" b="1" dirty="0">
-              <a:solidFill>
-                <a:schemeClr val="tx1"/>
-              </a:solidFill>
-              <a:latin typeface="微軟正黑體" panose="020B0604030504040204" pitchFamily="34" charset="-120"/>
-              <a:ea typeface="微軟正黑體" panose="020B0604030504040204" pitchFamily="34" charset="-120"/>
-            </a:endParaRPr>
-          </a:p>
-        </p:txBody>
-      </p:sp>
-      <p:pic>
-        <p:nvPicPr>
-          <p:cNvPr id="70" name="Picture 2" descr="low-light photography of man wearing blue collared shirt"/>
-          <p:cNvPicPr>
-            <a:picLocks noChangeAspect="1" noChangeArrowheads="1"/>
-          </p:cNvPicPr>
-          <p:nvPr/>
-        </p:nvPicPr>
-        <p:blipFill rotWithShape="1">
-          <a:blip r:embed="rId2" cstate="print">
-            <a:extLst>
-              <a:ext uri="{28A0092B-C50C-407E-A947-70E740481C1C}">
-                <a14:useLocalDpi xmlns:a14="http://schemas.microsoft.com/office/drawing/2010/main" val="0"/>
-              </a:ext>
-            </a:extLst>
-          </a:blip>
-          <a:srcRect l="740" t="11170" r="740" b="23151"/>
-          <a:stretch/>
-        </p:blipFill>
-        <p:spPr bwMode="auto">
-          <a:xfrm>
-            <a:off x="9715384" y="1567422"/>
-            <a:ext cx="1901297" cy="1901297"/>
-          </a:xfrm>
-          <a:prstGeom prst="ellipse">
-            <a:avLst/>
-          </a:prstGeom>
-          <a:noFill/>
-          <a:extLst>
-            <a:ext uri="{909E8E84-426E-40DD-AFC4-6F175D3DCCD1}">
-              <a14:hiddenFill xmlns:a14="http://schemas.microsoft.com/office/drawing/2010/main">
-                <a:solidFill>
-                  <a:srgbClr val="FFFFFF"/>
-                </a:solidFill>
-              </a14:hiddenFill>
-            </a:ext>
-          </a:extLst>
-        </p:spPr>
-      </p:pic>
-      <p:sp>
-        <p:nvSpPr>
-          <p:cNvPr id="72" name="矩形 71"/>
-          <p:cNvSpPr/>
-          <p:nvPr/>
-        </p:nvSpPr>
-        <p:spPr>
-          <a:xfrm>
-            <a:off x="1126264" y="4355335"/>
-            <a:ext cx="2812861" cy="454617"/>
-          </a:xfrm>
-          <a:prstGeom prst="rect">
-            <a:avLst/>
-          </a:prstGeom>
-          <a:noFill/>
-          <a:ln w="19050">
-            <a:noFill/>
-          </a:ln>
-        </p:spPr>
-        <p:style>
-          <a:lnRef idx="2">
-            <a:schemeClr val="dk1">
-              <a:shade val="50000"/>
-            </a:schemeClr>
-          </a:lnRef>
-          <a:fillRef idx="1">
-            <a:schemeClr val="dk1"/>
-          </a:fillRef>
-          <a:effectRef idx="0">
-            <a:schemeClr val="dk1"/>
-          </a:effectRef>
-          <a:fontRef idx="minor">
-            <a:schemeClr val="lt1"/>
-          </a:fontRef>
-        </p:style>
-        <p:txBody>
-          <a:bodyPr rtlCol="0" anchor="ctr"/>
-          <a:lstStyle/>
-          <a:p>
-            <a:r>
-              <a:rPr lang="en-US" altLang="zh-TW" sz="2000" b="1" dirty="0" smtClean="0">
-                <a:solidFill>
-                  <a:srgbClr val="FF0000"/>
-                </a:solidFill>
-                <a:latin typeface="微軟正黑體" panose="020B0604030504040204" pitchFamily="34" charset="-120"/>
-                <a:ea typeface="微軟正黑體" panose="020B0604030504040204" pitchFamily="34" charset="-120"/>
-              </a:rPr>
-              <a:t>AI</a:t>
-            </a:r>
-            <a:r>
-              <a:rPr lang="zh-TW" altLang="en-US" sz="2000" b="1" dirty="0" smtClean="0">
-                <a:solidFill>
-                  <a:srgbClr val="FF0000"/>
-                </a:solidFill>
-                <a:latin typeface="微軟正黑體" panose="020B0604030504040204" pitchFamily="34" charset="-120"/>
-                <a:ea typeface="微軟正黑體" panose="020B0604030504040204" pitchFamily="34" charset="-120"/>
-              </a:rPr>
-              <a:t>計算時邊框彩色特效</a:t>
-            </a:r>
-            <a:endParaRPr lang="zh-TW" altLang="en-US" sz="2000" b="1" dirty="0">
-              <a:solidFill>
-                <a:srgbClr val="FF0000"/>
-              </a:solidFill>
-              <a:latin typeface="微軟正黑體" panose="020B0604030504040204" pitchFamily="34" charset="-120"/>
-              <a:ea typeface="微軟正黑體" panose="020B0604030504040204" pitchFamily="34" charset="-120"/>
-            </a:endParaRPr>
-          </a:p>
-        </p:txBody>
-      </p:sp>
-      <p:sp>
-        <p:nvSpPr>
-          <p:cNvPr id="73" name="矩形 72"/>
-          <p:cNvSpPr/>
-          <p:nvPr/>
-        </p:nvSpPr>
-        <p:spPr>
-          <a:xfrm>
-            <a:off x="8391535" y="541063"/>
-            <a:ext cx="3421358" cy="454617"/>
-          </a:xfrm>
-          <a:prstGeom prst="rect">
-            <a:avLst/>
-          </a:prstGeom>
-          <a:noFill/>
-          <a:ln w="19050">
-            <a:noFill/>
-          </a:ln>
-        </p:spPr>
-        <p:style>
-          <a:lnRef idx="2">
-            <a:schemeClr val="dk1">
-              <a:shade val="50000"/>
-            </a:schemeClr>
-          </a:lnRef>
-          <a:fillRef idx="1">
-            <a:schemeClr val="dk1"/>
-          </a:fillRef>
-          <a:effectRef idx="0">
-            <a:schemeClr val="dk1"/>
-          </a:effectRef>
-          <a:fontRef idx="minor">
-            <a:schemeClr val="lt1"/>
-          </a:fontRef>
-        </p:style>
-        <p:txBody>
-          <a:bodyPr rtlCol="0" anchor="ctr"/>
-          <a:lstStyle/>
-          <a:p>
-            <a:r>
-              <a:rPr lang="zh-TW" altLang="en-US" sz="2000" b="1" dirty="0">
-                <a:solidFill>
-                  <a:srgbClr val="FF0000"/>
-                </a:solidFill>
-                <a:latin typeface="微軟正黑體" panose="020B0604030504040204" pitchFamily="34" charset="-120"/>
-                <a:ea typeface="微軟正黑體" panose="020B0604030504040204" pitchFamily="34" charset="-120"/>
-              </a:rPr>
-              <a:t>輸入</a:t>
-            </a:r>
-            <a:r>
-              <a:rPr lang="zh-TW" altLang="en-US" sz="2000" b="1" dirty="0" smtClean="0">
-                <a:solidFill>
-                  <a:srgbClr val="FF0000"/>
-                </a:solidFill>
-                <a:latin typeface="微軟正黑體" panose="020B0604030504040204" pitchFamily="34" charset="-120"/>
-                <a:ea typeface="微軟正黑體" panose="020B0604030504040204" pitchFamily="34" charset="-120"/>
-              </a:rPr>
-              <a:t>完身分證字號自動填入</a:t>
-            </a:r>
-            <a:endParaRPr lang="zh-TW" altLang="en-US" sz="2000" b="1" dirty="0">
-              <a:solidFill>
-                <a:srgbClr val="FF0000"/>
-              </a:solidFill>
-              <a:latin typeface="微軟正黑體" panose="020B0604030504040204" pitchFamily="34" charset="-120"/>
-              <a:ea typeface="微軟正黑體" panose="020B0604030504040204" pitchFamily="34" charset="-120"/>
-            </a:endParaRPr>
-          </a:p>
-        </p:txBody>
-      </p:sp>
-      <p:sp>
-        <p:nvSpPr>
-          <p:cNvPr id="78" name="矩形 77"/>
-          <p:cNvSpPr/>
-          <p:nvPr/>
-        </p:nvSpPr>
-        <p:spPr>
-          <a:xfrm>
-            <a:off x="9216351" y="97368"/>
-            <a:ext cx="2236485" cy="438945"/>
-          </a:xfrm>
-          <a:prstGeom prst="rect">
-            <a:avLst/>
-          </a:prstGeom>
-          <a:noFill/>
-          <a:ln>
-            <a:noFill/>
-          </a:ln>
-        </p:spPr>
-        <p:style>
-          <a:lnRef idx="2">
-            <a:schemeClr val="accent1">
-              <a:shade val="50000"/>
-            </a:schemeClr>
-          </a:lnRef>
-          <a:fillRef idx="1">
-            <a:schemeClr val="accent1"/>
-          </a:fillRef>
-          <a:effectRef idx="0">
-            <a:schemeClr val="accent1"/>
-          </a:effectRef>
-          <a:fontRef idx="minor">
-            <a:schemeClr val="lt1"/>
-          </a:fontRef>
-        </p:style>
-        <p:txBody>
-          <a:bodyPr rtlCol="0" anchor="ctr"/>
-          <a:lstStyle/>
-          <a:p>
-            <a:pPr algn="ctr"/>
-            <a:r>
-              <a:rPr lang="zh-TW" altLang="en-US" sz="1600" b="1" dirty="0" smtClean="0">
-                <a:solidFill>
-                  <a:schemeClr val="tx1">
-                    <a:lumMod val="85000"/>
-                  </a:schemeClr>
-                </a:solidFill>
-                <a:latin typeface="微軟正黑體" panose="020B0604030504040204" pitchFamily="34" charset="-120"/>
-                <a:ea typeface="微軟正黑體" panose="020B0604030504040204" pitchFamily="34" charset="-120"/>
-              </a:rPr>
-              <a:t>曾柏 </a:t>
-            </a:r>
-            <a:r>
-              <a:rPr lang="en-US" altLang="zh-TW" sz="1600" b="1" dirty="0" smtClean="0">
-                <a:solidFill>
-                  <a:schemeClr val="tx1">
-                    <a:lumMod val="85000"/>
-                  </a:schemeClr>
-                </a:solidFill>
-                <a:latin typeface="微軟正黑體" panose="020B0604030504040204" pitchFamily="34" charset="-120"/>
-                <a:ea typeface="微軟正黑體" panose="020B0604030504040204" pitchFamily="34" charset="-120"/>
-              </a:rPr>
-              <a:t>(D786938)</a:t>
-            </a:r>
-            <a:endParaRPr lang="zh-TW" altLang="en-US" sz="1600" b="1" dirty="0">
-              <a:solidFill>
-                <a:schemeClr val="tx1">
-                  <a:lumMod val="85000"/>
-                </a:schemeClr>
-              </a:solidFill>
-              <a:latin typeface="微軟正黑體" panose="020B0604030504040204" pitchFamily="34" charset="-120"/>
-              <a:ea typeface="微軟正黑體" panose="020B0604030504040204" pitchFamily="34" charset="-120"/>
-            </a:endParaRPr>
-          </a:p>
-        </p:txBody>
-      </p:sp>
-      <p:grpSp>
-        <p:nvGrpSpPr>
-          <p:cNvPr id="79" name="群組 78"/>
-          <p:cNvGrpSpPr/>
-          <p:nvPr/>
-        </p:nvGrpSpPr>
-        <p:grpSpPr>
-          <a:xfrm>
-            <a:off x="11354770" y="97368"/>
-            <a:ext cx="467648" cy="467648"/>
-            <a:chOff x="9652574" y="1504621"/>
-            <a:chExt cx="2026919" cy="2026919"/>
-          </a:xfrm>
-        </p:grpSpPr>
-        <p:sp>
-          <p:nvSpPr>
-            <p:cNvPr id="80" name="橢圓 79"/>
-            <p:cNvSpPr/>
-            <p:nvPr/>
-          </p:nvSpPr>
-          <p:spPr>
-            <a:xfrm>
-              <a:off x="9652574" y="1504621"/>
-              <a:ext cx="2026919" cy="2026919"/>
-            </a:xfrm>
-            <a:prstGeom prst="ellipse">
-              <a:avLst/>
-            </a:prstGeom>
-            <a:noFill/>
-            <a:ln w="28575">
-              <a:solidFill>
-                <a:schemeClr val="accent4">
-                  <a:lumMod val="40000"/>
-                  <a:lumOff val="60000"/>
-                </a:schemeClr>
-              </a:solidFill>
-            </a:ln>
-          </p:spPr>
-          <p:style>
-            <a:lnRef idx="2">
-              <a:schemeClr val="accent1">
-                <a:shade val="50000"/>
-              </a:schemeClr>
-            </a:lnRef>
-            <a:fillRef idx="1">
-              <a:schemeClr val="accent1"/>
-            </a:fillRef>
-            <a:effectRef idx="0">
-              <a:schemeClr val="accent1"/>
-            </a:effectRef>
-            <a:fontRef idx="minor">
-              <a:schemeClr val="lt1"/>
-            </a:fontRef>
-          </p:style>
-          <p:txBody>
-            <a:bodyPr rtlCol="0" anchor="ctr"/>
-            <a:lstStyle/>
-            <a:p>
-              <a:pPr algn="ctr"/>
-              <a:endParaRPr lang="zh-TW" altLang="en-US"/>
-            </a:p>
-          </p:txBody>
-        </p:sp>
-        <p:pic>
-          <p:nvPicPr>
-            <p:cNvPr id="81" name="Picture 2" descr="Portrait of Japanese Doctor Patients and healthcare professionals at a hospital or medical clinic in Tokyo, Japan. Japanese Ethnicity Stock Photo"/>
-            <p:cNvPicPr>
-              <a:picLocks noChangeAspect="1" noChangeArrowheads="1"/>
-            </p:cNvPicPr>
-            <p:nvPr/>
-          </p:nvPicPr>
-          <p:blipFill rotWithShape="1">
-            <a:blip r:embed="rId3" cstate="print">
-              <a:extLst>
-                <a:ext uri="{28A0092B-C50C-407E-A947-70E740481C1C}">
-                  <a14:useLocalDpi xmlns:a14="http://schemas.microsoft.com/office/drawing/2010/main" val="0"/>
-                </a:ext>
-              </a:extLst>
-            </a:blip>
-            <a:srcRect l="42631" t="5226" r="33423" b="49365"/>
-            <a:stretch/>
-          </p:blipFill>
-          <p:spPr bwMode="auto">
-            <a:xfrm>
-              <a:off x="9725793" y="1572027"/>
-              <a:ext cx="1900800" cy="1900800"/>
-            </a:xfrm>
-            <a:prstGeom prst="ellipse">
-              <a:avLst/>
-            </a:prstGeom>
-            <a:noFill/>
-            <a:extLst>
-              <a:ext uri="{909E8E84-426E-40DD-AFC4-6F175D3DCCD1}">
-                <a14:hiddenFill xmlns:a14="http://schemas.microsoft.com/office/drawing/2010/main">
-                  <a:solidFill>
-                    <a:srgbClr val="FFFFFF"/>
-                  </a:solidFill>
-                </a14:hiddenFill>
-              </a:ext>
-            </a:extLst>
-          </p:spPr>
-        </p:pic>
-      </p:grpSp>
-      <p:pic>
-        <p:nvPicPr>
-          <p:cNvPr id="43" name="圖片 42"/>
-          <p:cNvPicPr>
-            <a:picLocks noChangeAspect="1"/>
-          </p:cNvPicPr>
-          <p:nvPr/>
-        </p:nvPicPr>
-        <p:blipFill rotWithShape="1">
-          <a:blip r:embed="rId4"/>
-          <a:srcRect b="4266"/>
-          <a:stretch/>
-        </p:blipFill>
-        <p:spPr>
-          <a:xfrm>
-            <a:off x="-5340" y="632095"/>
-            <a:ext cx="2022904" cy="6205585"/>
-          </a:xfrm>
-          <a:prstGeom prst="rect">
-            <a:avLst/>
-          </a:prstGeom>
-        </p:spPr>
-      </p:pic>
-    </p:spTree>
-    <p:extLst>
-      <p:ext uri="{BB962C8B-B14F-4D97-AF65-F5344CB8AC3E}">
-        <p14:creationId xmlns:p14="http://schemas.microsoft.com/office/powerpoint/2010/main" val="3436903846"/>
       </p:ext>
     </p:extLst>
   </p:cSld>

--- a/會議記錄/前端設計.pptx
+++ b/會議記錄/前端設計.pptx
@@ -5,23 +5,24 @@
     <p:sldMasterId id="2147483660" r:id="rId1"/>
   </p:sldMasterIdLst>
   <p:notesMasterIdLst>
-    <p:notesMasterId r:id="rId16"/>
+    <p:notesMasterId r:id="rId17"/>
   </p:notesMasterIdLst>
   <p:sldIdLst>
     <p:sldId id="256" r:id="rId2"/>
     <p:sldId id="261" r:id="rId3"/>
-    <p:sldId id="267" r:id="rId4"/>
-    <p:sldId id="283" r:id="rId5"/>
-    <p:sldId id="284" r:id="rId6"/>
-    <p:sldId id="287" r:id="rId7"/>
-    <p:sldId id="268" r:id="rId8"/>
-    <p:sldId id="274" r:id="rId9"/>
-    <p:sldId id="279" r:id="rId10"/>
-    <p:sldId id="280" r:id="rId11"/>
-    <p:sldId id="281" r:id="rId12"/>
-    <p:sldId id="282" r:id="rId13"/>
-    <p:sldId id="285" r:id="rId14"/>
-    <p:sldId id="286" r:id="rId15"/>
+    <p:sldId id="289" r:id="rId4"/>
+    <p:sldId id="267" r:id="rId5"/>
+    <p:sldId id="283" r:id="rId6"/>
+    <p:sldId id="284" r:id="rId7"/>
+    <p:sldId id="287" r:id="rId8"/>
+    <p:sldId id="268" r:id="rId9"/>
+    <p:sldId id="274" r:id="rId10"/>
+    <p:sldId id="279" r:id="rId11"/>
+    <p:sldId id="280" r:id="rId12"/>
+    <p:sldId id="281" r:id="rId13"/>
+    <p:sldId id="282" r:id="rId14"/>
+    <p:sldId id="285" r:id="rId15"/>
+    <p:sldId id="286" r:id="rId16"/>
   </p:sldIdLst>
   <p:sldSz cx="12192000" cy="6858000"/>
   <p:notesSz cx="6858000" cy="9144000"/>
@@ -210,7 +211,7 @@
           <a:p>
             <a:fld id="{7965AF4D-C3C3-41F4-8B03-FB0AA6277351}" type="datetimeFigureOut">
               <a:rPr lang="zh-TW" altLang="en-US" smtClean="0"/>
-              <a:t>2025/3/15</a:t>
+              <a:t>2025/3/17</a:t>
             </a:fld>
             <a:endParaRPr lang="zh-TW" altLang="en-US"/>
           </a:p>
@@ -543,7 +544,7 @@
           <a:p>
             <a:fld id="{FC194262-B52F-407E-8020-35786983B28B}" type="slidenum">
               <a:rPr lang="zh-TW" altLang="en-US" smtClean="0"/>
-              <a:t>4</a:t>
+              <a:t>3</a:t>
             </a:fld>
             <a:endParaRPr lang="zh-TW" altLang="en-US"/>
           </a:p>
@@ -552,7 +553,7 @@
     </p:spTree>
     <p:extLst>
       <p:ext uri="{BB962C8B-B14F-4D97-AF65-F5344CB8AC3E}">
-        <p14:creationId xmlns:p14="http://schemas.microsoft.com/office/powerpoint/2010/main" val="4235552865"/>
+        <p14:creationId xmlns:p14="http://schemas.microsoft.com/office/powerpoint/2010/main" val="222924284"/>
       </p:ext>
     </p:extLst>
   </p:cSld>
@@ -636,7 +637,7 @@
     </p:spTree>
     <p:extLst>
       <p:ext uri="{BB962C8B-B14F-4D97-AF65-F5344CB8AC3E}">
-        <p14:creationId xmlns:p14="http://schemas.microsoft.com/office/powerpoint/2010/main" val="1280400527"/>
+        <p14:creationId xmlns:p14="http://schemas.microsoft.com/office/powerpoint/2010/main" val="4235552865"/>
       </p:ext>
     </p:extLst>
   </p:cSld>
@@ -720,7 +721,7 @@
     </p:spTree>
     <p:extLst>
       <p:ext uri="{BB962C8B-B14F-4D97-AF65-F5344CB8AC3E}">
-        <p14:creationId xmlns:p14="http://schemas.microsoft.com/office/powerpoint/2010/main" val="25490900"/>
+        <p14:creationId xmlns:p14="http://schemas.microsoft.com/office/powerpoint/2010/main" val="1280400527"/>
       </p:ext>
     </p:extLst>
   </p:cSld>
@@ -795,7 +796,7 @@
           <a:p>
             <a:fld id="{FC194262-B52F-407E-8020-35786983B28B}" type="slidenum">
               <a:rPr lang="zh-TW" altLang="en-US" smtClean="0"/>
-              <a:t>13</a:t>
+              <a:t>7</a:t>
             </a:fld>
             <a:endParaRPr lang="zh-TW" altLang="en-US"/>
           </a:p>
@@ -804,7 +805,7 @@
     </p:spTree>
     <p:extLst>
       <p:ext uri="{BB962C8B-B14F-4D97-AF65-F5344CB8AC3E}">
-        <p14:creationId xmlns:p14="http://schemas.microsoft.com/office/powerpoint/2010/main" val="1047748372"/>
+        <p14:creationId xmlns:p14="http://schemas.microsoft.com/office/powerpoint/2010/main" val="25490900"/>
       </p:ext>
     </p:extLst>
   </p:cSld>
@@ -888,6 +889,90 @@
     </p:spTree>
     <p:extLst>
       <p:ext uri="{BB962C8B-B14F-4D97-AF65-F5344CB8AC3E}">
+        <p14:creationId xmlns:p14="http://schemas.microsoft.com/office/powerpoint/2010/main" val="1047748372"/>
+      </p:ext>
+    </p:extLst>
+  </p:cSld>
+  <p:clrMapOvr>
+    <a:masterClrMapping/>
+  </p:clrMapOvr>
+</p:notes>
+</file>
+
+<file path=ppt/notesSlides/notesSlide6.xml><?xml version="1.0" encoding="utf-8"?>
+<p:notes xmlns:a="http://schemas.openxmlformats.org/drawingml/2006/main" xmlns:r="http://schemas.openxmlformats.org/officeDocument/2006/relationships" xmlns:p="http://schemas.openxmlformats.org/presentationml/2006/main">
+  <p:cSld>
+    <p:spTree>
+      <p:nvGrpSpPr>
+        <p:cNvPr id="1" name=""/>
+        <p:cNvGrpSpPr/>
+        <p:nvPr/>
+      </p:nvGrpSpPr>
+      <p:grpSpPr>
+        <a:xfrm>
+          <a:off x="0" y="0"/>
+          <a:ext cx="0" cy="0"/>
+          <a:chOff x="0" y="0"/>
+          <a:chExt cx="0" cy="0"/>
+        </a:xfrm>
+      </p:grpSpPr>
+      <p:sp>
+        <p:nvSpPr>
+          <p:cNvPr id="2" name="投影片圖像版面配置區 1"/>
+          <p:cNvSpPr>
+            <a:spLocks noGrp="1" noRot="1" noChangeAspect="1"/>
+          </p:cNvSpPr>
+          <p:nvPr>
+            <p:ph type="sldImg"/>
+          </p:nvPr>
+        </p:nvSpPr>
+        <p:spPr/>
+      </p:sp>
+      <p:sp>
+        <p:nvSpPr>
+          <p:cNvPr id="3" name="備忘稿版面配置區 2"/>
+          <p:cNvSpPr>
+            <a:spLocks noGrp="1"/>
+          </p:cNvSpPr>
+          <p:nvPr>
+            <p:ph type="body" idx="1"/>
+          </p:nvPr>
+        </p:nvSpPr>
+        <p:spPr/>
+        <p:txBody>
+          <a:bodyPr/>
+          <a:lstStyle/>
+          <a:p>
+            <a:endParaRPr lang="zh-TW" altLang="en-US" dirty="0"/>
+          </a:p>
+        </p:txBody>
+      </p:sp>
+      <p:sp>
+        <p:nvSpPr>
+          <p:cNvPr id="4" name="投影片編號版面配置區 3"/>
+          <p:cNvSpPr>
+            <a:spLocks noGrp="1"/>
+          </p:cNvSpPr>
+          <p:nvPr>
+            <p:ph type="sldNum" sz="quarter" idx="10"/>
+          </p:nvPr>
+        </p:nvSpPr>
+        <p:spPr/>
+        <p:txBody>
+          <a:bodyPr/>
+          <a:lstStyle/>
+          <a:p>
+            <a:fld id="{FC194262-B52F-407E-8020-35786983B28B}" type="slidenum">
+              <a:rPr lang="zh-TW" altLang="en-US" smtClean="0"/>
+              <a:t>15</a:t>
+            </a:fld>
+            <a:endParaRPr lang="zh-TW" altLang="en-US"/>
+          </a:p>
+        </p:txBody>
+      </p:sp>
+    </p:spTree>
+    <p:extLst>
+      <p:ext uri="{BB962C8B-B14F-4D97-AF65-F5344CB8AC3E}">
         <p14:creationId xmlns:p14="http://schemas.microsoft.com/office/powerpoint/2010/main" val="2589094143"/>
       </p:ext>
     </p:extLst>
@@ -1035,7 +1120,7 @@
           <a:p>
             <a:fld id="{F404DC6C-E353-4FBF-8B7B-7C2F0DFA34E8}" type="datetimeFigureOut">
               <a:rPr lang="zh-TW" altLang="en-US" smtClean="0"/>
-              <a:t>2025/3/15</a:t>
+              <a:t>2025/3/17</a:t>
             </a:fld>
             <a:endParaRPr lang="zh-TW" altLang="en-US"/>
           </a:p>
@@ -1205,7 +1290,7 @@
           <a:p>
             <a:fld id="{F404DC6C-E353-4FBF-8B7B-7C2F0DFA34E8}" type="datetimeFigureOut">
               <a:rPr lang="zh-TW" altLang="en-US" smtClean="0"/>
-              <a:t>2025/3/15</a:t>
+              <a:t>2025/3/17</a:t>
             </a:fld>
             <a:endParaRPr lang="zh-TW" altLang="en-US"/>
           </a:p>
@@ -1385,7 +1470,7 @@
           <a:p>
             <a:fld id="{F404DC6C-E353-4FBF-8B7B-7C2F0DFA34E8}" type="datetimeFigureOut">
               <a:rPr lang="zh-TW" altLang="en-US" smtClean="0"/>
-              <a:t>2025/3/15</a:t>
+              <a:t>2025/3/17</a:t>
             </a:fld>
             <a:endParaRPr lang="zh-TW" altLang="en-US"/>
           </a:p>
@@ -1605,7 +1690,7 @@
           <a:p>
             <a:fld id="{F404DC6C-E353-4FBF-8B7B-7C2F0DFA34E8}" type="datetimeFigureOut">
               <a:rPr lang="zh-TW" altLang="en-US" smtClean="0"/>
-              <a:t>2025/3/15</a:t>
+              <a:t>2025/3/17</a:t>
             </a:fld>
             <a:endParaRPr lang="zh-TW" altLang="en-US"/>
           </a:p>
@@ -1851,7 +1936,7 @@
           <a:p>
             <a:fld id="{F404DC6C-E353-4FBF-8B7B-7C2F0DFA34E8}" type="datetimeFigureOut">
               <a:rPr lang="zh-TW" altLang="en-US" smtClean="0"/>
-              <a:t>2025/3/15</a:t>
+              <a:t>2025/3/17</a:t>
             </a:fld>
             <a:endParaRPr lang="zh-TW" altLang="en-US"/>
           </a:p>
@@ -2083,7 +2168,7 @@
           <a:p>
             <a:fld id="{F404DC6C-E353-4FBF-8B7B-7C2F0DFA34E8}" type="datetimeFigureOut">
               <a:rPr lang="zh-TW" altLang="en-US" smtClean="0"/>
-              <a:t>2025/3/15</a:t>
+              <a:t>2025/3/17</a:t>
             </a:fld>
             <a:endParaRPr lang="zh-TW" altLang="en-US"/>
           </a:p>
@@ -2450,7 +2535,7 @@
           <a:p>
             <a:fld id="{F404DC6C-E353-4FBF-8B7B-7C2F0DFA34E8}" type="datetimeFigureOut">
               <a:rPr lang="zh-TW" altLang="en-US" smtClean="0"/>
-              <a:t>2025/3/15</a:t>
+              <a:t>2025/3/17</a:t>
             </a:fld>
             <a:endParaRPr lang="zh-TW" altLang="en-US"/>
           </a:p>
@@ -2568,7 +2653,7 @@
           <a:p>
             <a:fld id="{F404DC6C-E353-4FBF-8B7B-7C2F0DFA34E8}" type="datetimeFigureOut">
               <a:rPr lang="zh-TW" altLang="en-US" smtClean="0"/>
-              <a:t>2025/3/15</a:t>
+              <a:t>2025/3/17</a:t>
             </a:fld>
             <a:endParaRPr lang="zh-TW" altLang="en-US"/>
           </a:p>
@@ -2663,7 +2748,7 @@
           <a:p>
             <a:fld id="{F404DC6C-E353-4FBF-8B7B-7C2F0DFA34E8}" type="datetimeFigureOut">
               <a:rPr lang="zh-TW" altLang="en-US" smtClean="0"/>
-              <a:t>2025/3/15</a:t>
+              <a:t>2025/3/17</a:t>
             </a:fld>
             <a:endParaRPr lang="zh-TW" altLang="en-US"/>
           </a:p>
@@ -2940,7 +3025,7 @@
           <a:p>
             <a:fld id="{F404DC6C-E353-4FBF-8B7B-7C2F0DFA34E8}" type="datetimeFigureOut">
               <a:rPr lang="zh-TW" altLang="en-US" smtClean="0"/>
-              <a:t>2025/3/15</a:t>
+              <a:t>2025/3/17</a:t>
             </a:fld>
             <a:endParaRPr lang="zh-TW" altLang="en-US"/>
           </a:p>
@@ -3197,7 +3282,7 @@
           <a:p>
             <a:fld id="{F404DC6C-E353-4FBF-8B7B-7C2F0DFA34E8}" type="datetimeFigureOut">
               <a:rPr lang="zh-TW" altLang="en-US" smtClean="0"/>
-              <a:t>2025/3/15</a:t>
+              <a:t>2025/3/17</a:t>
             </a:fld>
             <a:endParaRPr lang="zh-TW" altLang="en-US"/>
           </a:p>
@@ -3410,7 +3495,7 @@
           <a:p>
             <a:fld id="{F404DC6C-E353-4FBF-8B7B-7C2F0DFA34E8}" type="datetimeFigureOut">
               <a:rPr lang="zh-TW" altLang="en-US" smtClean="0"/>
-              <a:t>2025/3/15</a:t>
+              <a:t>2025/3/17</a:t>
             </a:fld>
             <a:endParaRPr lang="zh-TW" altLang="en-US"/>
           </a:p>
@@ -3898,6 +3983,2079 @@
           <a:chExt cx="0" cy="0"/>
         </a:xfrm>
       </p:grpSpPr>
+      <p:pic>
+        <p:nvPicPr>
+          <p:cNvPr id="2" name="圖片 1"/>
+          <p:cNvPicPr>
+            <a:picLocks noChangeAspect="1"/>
+          </p:cNvPicPr>
+          <p:nvPr/>
+        </p:nvPicPr>
+        <p:blipFill rotWithShape="1">
+          <a:blip r:embed="rId2"/>
+          <a:srcRect b="4266"/>
+          <a:stretch/>
+        </p:blipFill>
+        <p:spPr>
+          <a:xfrm>
+            <a:off x="-5340" y="632095"/>
+            <a:ext cx="2022904" cy="6205585"/>
+          </a:xfrm>
+          <a:prstGeom prst="rect">
+            <a:avLst/>
+          </a:prstGeom>
+        </p:spPr>
+      </p:pic>
+      <p:sp>
+        <p:nvSpPr>
+          <p:cNvPr id="124" name="圓角矩形 123"/>
+          <p:cNvSpPr/>
+          <p:nvPr/>
+        </p:nvSpPr>
+        <p:spPr>
+          <a:xfrm>
+            <a:off x="3197593" y="842248"/>
+            <a:ext cx="4737169" cy="5805599"/>
+          </a:xfrm>
+          <a:prstGeom prst="roundRect">
+            <a:avLst>
+              <a:gd name="adj" fmla="val 2030"/>
+            </a:avLst>
+          </a:prstGeom>
+          <a:solidFill>
+            <a:srgbClr val="21222D"/>
+          </a:solidFill>
+          <a:ln>
+            <a:noFill/>
+          </a:ln>
+        </p:spPr>
+        <p:style>
+          <a:lnRef idx="2">
+            <a:schemeClr val="accent1">
+              <a:shade val="50000"/>
+            </a:schemeClr>
+          </a:lnRef>
+          <a:fillRef idx="1">
+            <a:schemeClr val="accent1"/>
+          </a:fillRef>
+          <a:effectRef idx="0">
+            <a:schemeClr val="accent1"/>
+          </a:effectRef>
+          <a:fontRef idx="minor">
+            <a:schemeClr val="lt1"/>
+          </a:fontRef>
+        </p:style>
+        <p:txBody>
+          <a:bodyPr rtlCol="0" anchor="ctr"/>
+          <a:lstStyle/>
+          <a:p>
+            <a:pPr algn="ctr"/>
+            <a:r>
+              <a:rPr lang="zh-TW" altLang="en-US" dirty="0" smtClean="0"/>
+              <a:t> </a:t>
+            </a:r>
+            <a:endParaRPr lang="zh-TW" altLang="en-US" dirty="0"/>
+          </a:p>
+        </p:txBody>
+      </p:sp>
+      <p:grpSp>
+        <p:nvGrpSpPr>
+          <p:cNvPr id="19" name="群組 18"/>
+          <p:cNvGrpSpPr/>
+          <p:nvPr/>
+        </p:nvGrpSpPr>
+        <p:grpSpPr>
+          <a:xfrm>
+            <a:off x="-2540" y="0"/>
+            <a:ext cx="12194540" cy="632095"/>
+            <a:chOff x="-2540" y="0"/>
+            <a:chExt cx="12194540" cy="632095"/>
+          </a:xfrm>
+        </p:grpSpPr>
+        <p:sp>
+          <p:nvSpPr>
+            <p:cNvPr id="10" name="矩形 9"/>
+            <p:cNvSpPr/>
+            <p:nvPr/>
+          </p:nvSpPr>
+          <p:spPr>
+            <a:xfrm>
+              <a:off x="-2540" y="0"/>
+              <a:ext cx="12194540" cy="632095"/>
+            </a:xfrm>
+            <a:prstGeom prst="rect">
+              <a:avLst/>
+            </a:prstGeom>
+            <a:solidFill>
+              <a:srgbClr val="121318"/>
+            </a:solidFill>
+            <a:ln>
+              <a:noFill/>
+            </a:ln>
+          </p:spPr>
+          <p:style>
+            <a:lnRef idx="2">
+              <a:schemeClr val="accent1">
+                <a:shade val="50000"/>
+              </a:schemeClr>
+            </a:lnRef>
+            <a:fillRef idx="1">
+              <a:schemeClr val="accent1"/>
+            </a:fillRef>
+            <a:effectRef idx="0">
+              <a:schemeClr val="accent1"/>
+            </a:effectRef>
+            <a:fontRef idx="minor">
+              <a:schemeClr val="lt1"/>
+            </a:fontRef>
+          </p:style>
+          <p:txBody>
+            <a:bodyPr rtlCol="0" anchor="ctr"/>
+            <a:lstStyle/>
+            <a:p>
+              <a:pPr algn="ctr"/>
+              <a:endParaRPr lang="zh-TW" altLang="en-US"/>
+            </a:p>
+          </p:txBody>
+        </p:sp>
+        <p:sp>
+          <p:nvSpPr>
+            <p:cNvPr id="112" name="矩形 111"/>
+            <p:cNvSpPr/>
+            <p:nvPr/>
+          </p:nvSpPr>
+          <p:spPr>
+            <a:xfrm>
+              <a:off x="28531" y="38339"/>
+              <a:ext cx="2242754" cy="563693"/>
+            </a:xfrm>
+            <a:prstGeom prst="rect">
+              <a:avLst/>
+            </a:prstGeom>
+            <a:noFill/>
+            <a:ln>
+              <a:noFill/>
+            </a:ln>
+          </p:spPr>
+          <p:style>
+            <a:lnRef idx="2">
+              <a:schemeClr val="accent1">
+                <a:shade val="50000"/>
+              </a:schemeClr>
+            </a:lnRef>
+            <a:fillRef idx="1">
+              <a:schemeClr val="accent1"/>
+            </a:fillRef>
+            <a:effectRef idx="0">
+              <a:schemeClr val="accent1"/>
+            </a:effectRef>
+            <a:fontRef idx="minor">
+              <a:schemeClr val="lt1"/>
+            </a:fontRef>
+          </p:style>
+          <p:txBody>
+            <a:bodyPr rtlCol="0" anchor="ctr"/>
+            <a:lstStyle/>
+            <a:p>
+              <a:pPr algn="ctr"/>
+              <a:r>
+                <a:rPr lang="en-US" altLang="zh-TW" sz="2800" b="1" dirty="0" smtClean="0">
+                  <a:solidFill>
+                    <a:schemeClr val="tx1"/>
+                  </a:solidFill>
+                  <a:latin typeface="Old English Text MT" panose="03040902040508030806" pitchFamily="66" charset="0"/>
+                  <a:ea typeface="微軟正黑體" panose="020B0604030504040204" pitchFamily="34" charset="-120"/>
+                </a:rPr>
+                <a:t>Trajectory</a:t>
+              </a:r>
+              <a:endParaRPr lang="zh-TW" altLang="en-US" sz="2800" b="1" dirty="0">
+                <a:solidFill>
+                  <a:schemeClr val="tx1"/>
+                </a:solidFill>
+                <a:latin typeface="Old English Text MT" panose="03040902040508030806" pitchFamily="66" charset="0"/>
+                <a:ea typeface="微軟正黑體" panose="020B0604030504040204" pitchFamily="34" charset="-120"/>
+              </a:endParaRPr>
+            </a:p>
+          </p:txBody>
+        </p:sp>
+      </p:grpSp>
+      <p:sp>
+        <p:nvSpPr>
+          <p:cNvPr id="99" name="圓角矩形 98"/>
+          <p:cNvSpPr/>
+          <p:nvPr/>
+        </p:nvSpPr>
+        <p:spPr>
+          <a:xfrm>
+            <a:off x="9114791" y="632095"/>
+            <a:ext cx="3077209" cy="6225905"/>
+          </a:xfrm>
+          <a:prstGeom prst="roundRect">
+            <a:avLst>
+              <a:gd name="adj" fmla="val 0"/>
+            </a:avLst>
+          </a:prstGeom>
+          <a:solidFill>
+            <a:srgbClr val="21222D"/>
+          </a:solidFill>
+          <a:ln>
+            <a:noFill/>
+          </a:ln>
+        </p:spPr>
+        <p:style>
+          <a:lnRef idx="2">
+            <a:schemeClr val="accent1">
+              <a:shade val="50000"/>
+            </a:schemeClr>
+          </a:lnRef>
+          <a:fillRef idx="1">
+            <a:schemeClr val="accent1"/>
+          </a:fillRef>
+          <a:effectRef idx="0">
+            <a:schemeClr val="accent1"/>
+          </a:effectRef>
+          <a:fontRef idx="minor">
+            <a:schemeClr val="lt1"/>
+          </a:fontRef>
+        </p:style>
+        <p:txBody>
+          <a:bodyPr rtlCol="0" anchor="ctr"/>
+          <a:lstStyle/>
+          <a:p>
+            <a:pPr algn="ctr"/>
+            <a:endParaRPr lang="zh-TW" altLang="en-US"/>
+          </a:p>
+        </p:txBody>
+      </p:sp>
+      <p:sp>
+        <p:nvSpPr>
+          <p:cNvPr id="100" name="橢圓 99"/>
+          <p:cNvSpPr/>
+          <p:nvPr/>
+        </p:nvSpPr>
+        <p:spPr>
+          <a:xfrm>
+            <a:off x="9652574" y="1504612"/>
+            <a:ext cx="2026919" cy="2026919"/>
+          </a:xfrm>
+          <a:prstGeom prst="ellipse">
+            <a:avLst/>
+          </a:prstGeom>
+          <a:noFill/>
+          <a:ln w="28575">
+            <a:solidFill>
+              <a:srgbClr val="88B2AC"/>
+            </a:solidFill>
+          </a:ln>
+        </p:spPr>
+        <p:style>
+          <a:lnRef idx="2">
+            <a:schemeClr val="accent1">
+              <a:shade val="50000"/>
+            </a:schemeClr>
+          </a:lnRef>
+          <a:fillRef idx="1">
+            <a:schemeClr val="accent1"/>
+          </a:fillRef>
+          <a:effectRef idx="0">
+            <a:schemeClr val="accent1"/>
+          </a:effectRef>
+          <a:fontRef idx="minor">
+            <a:schemeClr val="lt1"/>
+          </a:fontRef>
+        </p:style>
+        <p:txBody>
+          <a:bodyPr rtlCol="0" anchor="ctr"/>
+          <a:lstStyle/>
+          <a:p>
+            <a:pPr algn="ctr"/>
+            <a:endParaRPr lang="zh-TW" altLang="en-US"/>
+          </a:p>
+        </p:txBody>
+      </p:sp>
+      <p:sp>
+        <p:nvSpPr>
+          <p:cNvPr id="101" name="矩形 100"/>
+          <p:cNvSpPr/>
+          <p:nvPr/>
+        </p:nvSpPr>
+        <p:spPr>
+          <a:xfrm>
+            <a:off x="9914753" y="3651836"/>
+            <a:ext cx="1485647" cy="438945"/>
+          </a:xfrm>
+          <a:prstGeom prst="rect">
+            <a:avLst/>
+          </a:prstGeom>
+          <a:noFill/>
+          <a:ln>
+            <a:noFill/>
+          </a:ln>
+        </p:spPr>
+        <p:style>
+          <a:lnRef idx="2">
+            <a:schemeClr val="accent1">
+              <a:shade val="50000"/>
+            </a:schemeClr>
+          </a:lnRef>
+          <a:fillRef idx="1">
+            <a:schemeClr val="accent1"/>
+          </a:fillRef>
+          <a:effectRef idx="0">
+            <a:schemeClr val="accent1"/>
+          </a:effectRef>
+          <a:fontRef idx="minor">
+            <a:schemeClr val="lt1"/>
+          </a:fontRef>
+        </p:style>
+        <p:txBody>
+          <a:bodyPr rtlCol="0" anchor="ctr"/>
+          <a:lstStyle/>
+          <a:p>
+            <a:pPr algn="ctr"/>
+            <a:r>
+              <a:rPr lang="en-US" altLang="zh-TW" sz="2000" b="1" dirty="0" smtClean="0">
+                <a:solidFill>
+                  <a:schemeClr val="tx1"/>
+                </a:solidFill>
+                <a:latin typeface="微軟正黑體" panose="020B0604030504040204" pitchFamily="34" charset="-120"/>
+                <a:ea typeface="微軟正黑體" panose="020B0604030504040204" pitchFamily="34" charset="-120"/>
+              </a:rPr>
+              <a:t>---</a:t>
+            </a:r>
+            <a:endParaRPr lang="zh-TW" altLang="en-US" sz="2000" b="1" dirty="0">
+              <a:solidFill>
+                <a:schemeClr val="tx1"/>
+              </a:solidFill>
+              <a:latin typeface="微軟正黑體" panose="020B0604030504040204" pitchFamily="34" charset="-120"/>
+              <a:ea typeface="微軟正黑體" panose="020B0604030504040204" pitchFamily="34" charset="-120"/>
+            </a:endParaRPr>
+          </a:p>
+        </p:txBody>
+      </p:sp>
+      <p:graphicFrame>
+        <p:nvGraphicFramePr>
+          <p:cNvPr id="102" name="表格 101"/>
+          <p:cNvGraphicFramePr>
+            <a:graphicFrameLocks noGrp="1"/>
+          </p:cNvGraphicFramePr>
+          <p:nvPr>
+            <p:extLst>
+              <p:ext uri="{D42A27DB-BD31-4B8C-83A1-F6EECF244321}">
+                <p14:modId xmlns:p14="http://schemas.microsoft.com/office/powerpoint/2010/main" val="455050632"/>
+              </p:ext>
+            </p:extLst>
+          </p:nvPr>
+        </p:nvGraphicFramePr>
+        <p:xfrm>
+          <a:off x="9442746" y="4289286"/>
+          <a:ext cx="2582622" cy="1483360"/>
+        </p:xfrm>
+        <a:graphic>
+          <a:graphicData uri="http://schemas.openxmlformats.org/drawingml/2006/table">
+            <a:tbl>
+              <a:tblPr firstRow="1" bandRow="1">
+                <a:tableStyleId>{2D5ABB26-0587-4C30-8999-92F81FD0307C}</a:tableStyleId>
+              </a:tblPr>
+              <a:tblGrid>
+                <a:gridCol w="1115275">
+                  <a:extLst>
+                    <a:ext uri="{9D8B030D-6E8A-4147-A177-3AD203B41FA5}">
+                      <a16:colId xmlns:a16="http://schemas.microsoft.com/office/drawing/2014/main" val="3208460249"/>
+                    </a:ext>
+                  </a:extLst>
+                </a:gridCol>
+                <a:gridCol w="1467347">
+                  <a:extLst>
+                    <a:ext uri="{9D8B030D-6E8A-4147-A177-3AD203B41FA5}">
+                      <a16:colId xmlns:a16="http://schemas.microsoft.com/office/drawing/2014/main" val="2219400454"/>
+                    </a:ext>
+                  </a:extLst>
+                </a:gridCol>
+              </a:tblGrid>
+              <a:tr h="370840">
+                <a:tc>
+                  <a:txBody>
+                    <a:bodyPr/>
+                    <a:lstStyle/>
+                    <a:p>
+                      <a:pPr algn="l"/>
+                      <a:r>
+                        <a:rPr lang="zh-TW" altLang="en-US" sz="1400" b="1" dirty="0" smtClean="0">
+                          <a:solidFill>
+                            <a:schemeClr val="tx1">
+                              <a:lumMod val="65000"/>
+                            </a:schemeClr>
+                          </a:solidFill>
+                          <a:latin typeface="微軟正黑體" panose="020B0604030504040204" pitchFamily="34" charset="-120"/>
+                          <a:ea typeface="微軟正黑體" panose="020B0604030504040204" pitchFamily="34" charset="-120"/>
+                        </a:rPr>
+                        <a:t>身分證字號</a:t>
+                      </a:r>
+                      <a:endParaRPr lang="zh-TW" altLang="en-US" sz="1400" b="1" dirty="0">
+                        <a:solidFill>
+                          <a:schemeClr val="tx1">
+                            <a:lumMod val="65000"/>
+                          </a:schemeClr>
+                        </a:solidFill>
+                        <a:latin typeface="微軟正黑體" panose="020B0604030504040204" pitchFamily="34" charset="-120"/>
+                        <a:ea typeface="微軟正黑體" panose="020B0604030504040204" pitchFamily="34" charset="-120"/>
+                      </a:endParaRPr>
+                    </a:p>
+                  </a:txBody>
+                  <a:tcPr/>
+                </a:tc>
+                <a:tc>
+                  <a:txBody>
+                    <a:bodyPr/>
+                    <a:lstStyle/>
+                    <a:p>
+                      <a:pPr algn="r"/>
+                      <a:r>
+                        <a:rPr lang="en-US" altLang="zh-TW" sz="1400" b="1" dirty="0" smtClean="0">
+                          <a:solidFill>
+                            <a:schemeClr val="tx1">
+                              <a:lumMod val="85000"/>
+                            </a:schemeClr>
+                          </a:solidFill>
+                          <a:latin typeface="微軟正黑體" panose="020B0604030504040204" pitchFamily="34" charset="-120"/>
+                          <a:ea typeface="微軟正黑體" panose="020B0604030504040204" pitchFamily="34" charset="-120"/>
+                        </a:rPr>
+                        <a:t>---</a:t>
+                      </a:r>
+                      <a:endParaRPr lang="zh-TW" altLang="en-US" sz="1400" b="1" dirty="0">
+                        <a:solidFill>
+                          <a:schemeClr val="tx1">
+                            <a:lumMod val="85000"/>
+                          </a:schemeClr>
+                        </a:solidFill>
+                        <a:latin typeface="微軟正黑體" panose="020B0604030504040204" pitchFamily="34" charset="-120"/>
+                        <a:ea typeface="微軟正黑體" panose="020B0604030504040204" pitchFamily="34" charset="-120"/>
+                      </a:endParaRPr>
+                    </a:p>
+                  </a:txBody>
+                  <a:tcPr/>
+                </a:tc>
+                <a:extLst>
+                  <a:ext uri="{0D108BD9-81ED-4DB2-BD59-A6C34878D82A}">
+                    <a16:rowId xmlns:a16="http://schemas.microsoft.com/office/drawing/2014/main" val="4260925474"/>
+                  </a:ext>
+                </a:extLst>
+              </a:tr>
+              <a:tr h="370840">
+                <a:tc>
+                  <a:txBody>
+                    <a:bodyPr/>
+                    <a:lstStyle/>
+                    <a:p>
+                      <a:pPr algn="l"/>
+                      <a:r>
+                        <a:rPr lang="zh-TW" altLang="en-US" sz="1400" b="1" dirty="0" smtClean="0">
+                          <a:solidFill>
+                            <a:schemeClr val="tx1">
+                              <a:lumMod val="65000"/>
+                            </a:schemeClr>
+                          </a:solidFill>
+                          <a:latin typeface="微軟正黑體" panose="020B0604030504040204" pitchFamily="34" charset="-120"/>
+                          <a:ea typeface="微軟正黑體" panose="020B0604030504040204" pitchFamily="34" charset="-120"/>
+                        </a:rPr>
+                        <a:t>出生日期</a:t>
+                      </a:r>
+                      <a:endParaRPr lang="zh-TW" altLang="en-US" sz="1400" b="1" dirty="0">
+                        <a:solidFill>
+                          <a:schemeClr val="tx1">
+                            <a:lumMod val="65000"/>
+                          </a:schemeClr>
+                        </a:solidFill>
+                        <a:latin typeface="微軟正黑體" panose="020B0604030504040204" pitchFamily="34" charset="-120"/>
+                        <a:ea typeface="微軟正黑體" panose="020B0604030504040204" pitchFamily="34" charset="-120"/>
+                      </a:endParaRPr>
+                    </a:p>
+                  </a:txBody>
+                  <a:tcPr/>
+                </a:tc>
+                <a:tc>
+                  <a:txBody>
+                    <a:bodyPr/>
+                    <a:lstStyle/>
+                    <a:p>
+                      <a:pPr algn="r"/>
+                      <a:r>
+                        <a:rPr lang="en-US" altLang="zh-TW" sz="1400" b="1" dirty="0" smtClean="0">
+                          <a:solidFill>
+                            <a:schemeClr val="tx1">
+                              <a:lumMod val="85000"/>
+                            </a:schemeClr>
+                          </a:solidFill>
+                          <a:latin typeface="微軟正黑體" panose="020B0604030504040204" pitchFamily="34" charset="-120"/>
+                          <a:ea typeface="微軟正黑體" panose="020B0604030504040204" pitchFamily="34" charset="-120"/>
+                        </a:rPr>
+                        <a:t>---</a:t>
+                      </a:r>
+                      <a:endParaRPr lang="zh-TW" altLang="en-US" sz="1400" b="1" dirty="0">
+                        <a:solidFill>
+                          <a:schemeClr val="tx1">
+                            <a:lumMod val="85000"/>
+                          </a:schemeClr>
+                        </a:solidFill>
+                        <a:latin typeface="微軟正黑體" panose="020B0604030504040204" pitchFamily="34" charset="-120"/>
+                        <a:ea typeface="微軟正黑體" panose="020B0604030504040204" pitchFamily="34" charset="-120"/>
+                      </a:endParaRPr>
+                    </a:p>
+                  </a:txBody>
+                  <a:tcPr/>
+                </a:tc>
+                <a:extLst>
+                  <a:ext uri="{0D108BD9-81ED-4DB2-BD59-A6C34878D82A}">
+                    <a16:rowId xmlns:a16="http://schemas.microsoft.com/office/drawing/2014/main" val="256342623"/>
+                  </a:ext>
+                </a:extLst>
+              </a:tr>
+              <a:tr h="370840">
+                <a:tc>
+                  <a:txBody>
+                    <a:bodyPr/>
+                    <a:lstStyle/>
+                    <a:p>
+                      <a:pPr algn="l"/>
+                      <a:r>
+                        <a:rPr lang="zh-TW" altLang="en-US" sz="1400" b="1" dirty="0" smtClean="0">
+                          <a:solidFill>
+                            <a:schemeClr val="tx1">
+                              <a:lumMod val="65000"/>
+                            </a:schemeClr>
+                          </a:solidFill>
+                          <a:latin typeface="微軟正黑體" panose="020B0604030504040204" pitchFamily="34" charset="-120"/>
+                          <a:ea typeface="微軟正黑體" panose="020B0604030504040204" pitchFamily="34" charset="-120"/>
+                        </a:rPr>
+                        <a:t>性別</a:t>
+                      </a:r>
+                      <a:endParaRPr lang="zh-TW" altLang="en-US" sz="1400" b="1" dirty="0">
+                        <a:solidFill>
+                          <a:schemeClr val="tx1">
+                            <a:lumMod val="65000"/>
+                          </a:schemeClr>
+                        </a:solidFill>
+                        <a:latin typeface="微軟正黑體" panose="020B0604030504040204" pitchFamily="34" charset="-120"/>
+                        <a:ea typeface="微軟正黑體" panose="020B0604030504040204" pitchFamily="34" charset="-120"/>
+                      </a:endParaRPr>
+                    </a:p>
+                  </a:txBody>
+                  <a:tcPr/>
+                </a:tc>
+                <a:tc>
+                  <a:txBody>
+                    <a:bodyPr/>
+                    <a:lstStyle/>
+                    <a:p>
+                      <a:pPr algn="r"/>
+                      <a:r>
+                        <a:rPr lang="en-US" altLang="zh-TW" sz="1400" b="1" dirty="0" smtClean="0">
+                          <a:solidFill>
+                            <a:schemeClr val="tx1">
+                              <a:lumMod val="85000"/>
+                            </a:schemeClr>
+                          </a:solidFill>
+                          <a:latin typeface="微軟正黑體" panose="020B0604030504040204" pitchFamily="34" charset="-120"/>
+                          <a:ea typeface="微軟正黑體" panose="020B0604030504040204" pitchFamily="34" charset="-120"/>
+                        </a:rPr>
+                        <a:t>---</a:t>
+                      </a:r>
+                      <a:endParaRPr lang="zh-TW" altLang="en-US" sz="1400" b="1" dirty="0">
+                        <a:solidFill>
+                          <a:schemeClr val="tx1">
+                            <a:lumMod val="85000"/>
+                          </a:schemeClr>
+                        </a:solidFill>
+                        <a:latin typeface="微軟正黑體" panose="020B0604030504040204" pitchFamily="34" charset="-120"/>
+                        <a:ea typeface="微軟正黑體" panose="020B0604030504040204" pitchFamily="34" charset="-120"/>
+                      </a:endParaRPr>
+                    </a:p>
+                  </a:txBody>
+                  <a:tcPr/>
+                </a:tc>
+                <a:extLst>
+                  <a:ext uri="{0D108BD9-81ED-4DB2-BD59-A6C34878D82A}">
+                    <a16:rowId xmlns:a16="http://schemas.microsoft.com/office/drawing/2014/main" val="3290354184"/>
+                  </a:ext>
+                </a:extLst>
+              </a:tr>
+              <a:tr h="370840">
+                <a:tc>
+                  <a:txBody>
+                    <a:bodyPr/>
+                    <a:lstStyle/>
+                    <a:p>
+                      <a:pPr algn="l"/>
+                      <a:r>
+                        <a:rPr lang="zh-TW" altLang="en-US" sz="1400" b="1" dirty="0" smtClean="0">
+                          <a:solidFill>
+                            <a:schemeClr val="tx1">
+                              <a:lumMod val="65000"/>
+                            </a:schemeClr>
+                          </a:solidFill>
+                          <a:latin typeface="微軟正黑體" panose="020B0604030504040204" pitchFamily="34" charset="-120"/>
+                          <a:ea typeface="微軟正黑體" panose="020B0604030504040204" pitchFamily="34" charset="-120"/>
+                        </a:rPr>
+                        <a:t>影像紀錄</a:t>
+                      </a:r>
+                      <a:endParaRPr lang="zh-TW" altLang="en-US" sz="1400" b="1" dirty="0">
+                        <a:solidFill>
+                          <a:schemeClr val="tx1">
+                            <a:lumMod val="65000"/>
+                          </a:schemeClr>
+                        </a:solidFill>
+                        <a:latin typeface="微軟正黑體" panose="020B0604030504040204" pitchFamily="34" charset="-120"/>
+                        <a:ea typeface="微軟正黑體" panose="020B0604030504040204" pitchFamily="34" charset="-120"/>
+                      </a:endParaRPr>
+                    </a:p>
+                  </a:txBody>
+                  <a:tcPr/>
+                </a:tc>
+                <a:tc>
+                  <a:txBody>
+                    <a:bodyPr/>
+                    <a:lstStyle/>
+                    <a:p>
+                      <a:pPr algn="r"/>
+                      <a:r>
+                        <a:rPr lang="en-US" altLang="zh-TW" sz="1400" b="1" dirty="0" smtClean="0">
+                          <a:solidFill>
+                            <a:schemeClr val="tx1">
+                              <a:lumMod val="85000"/>
+                            </a:schemeClr>
+                          </a:solidFill>
+                          <a:latin typeface="微軟正黑體" panose="020B0604030504040204" pitchFamily="34" charset="-120"/>
+                          <a:ea typeface="微軟正黑體" panose="020B0604030504040204" pitchFamily="34" charset="-120"/>
+                        </a:rPr>
+                        <a:t>---</a:t>
+                      </a:r>
+                      <a:endParaRPr lang="zh-TW" altLang="en-US" sz="1400" b="1" dirty="0">
+                        <a:solidFill>
+                          <a:schemeClr val="tx1">
+                            <a:lumMod val="85000"/>
+                          </a:schemeClr>
+                        </a:solidFill>
+                        <a:latin typeface="微軟正黑體" panose="020B0604030504040204" pitchFamily="34" charset="-120"/>
+                        <a:ea typeface="微軟正黑體" panose="020B0604030504040204" pitchFamily="34" charset="-120"/>
+                      </a:endParaRPr>
+                    </a:p>
+                  </a:txBody>
+                  <a:tcPr/>
+                </a:tc>
+                <a:extLst>
+                  <a:ext uri="{0D108BD9-81ED-4DB2-BD59-A6C34878D82A}">
+                    <a16:rowId xmlns:a16="http://schemas.microsoft.com/office/drawing/2014/main" val="435934568"/>
+                  </a:ext>
+                </a:extLst>
+              </a:tr>
+            </a:tbl>
+          </a:graphicData>
+        </a:graphic>
+      </p:graphicFrame>
+      <p:cxnSp>
+        <p:nvCxnSpPr>
+          <p:cNvPr id="103" name="直線接點 102"/>
+          <p:cNvCxnSpPr/>
+          <p:nvPr/>
+        </p:nvCxnSpPr>
+        <p:spPr>
+          <a:xfrm>
+            <a:off x="9491682" y="4180662"/>
+            <a:ext cx="2484749" cy="0"/>
+          </a:xfrm>
+          <a:prstGeom prst="line">
+            <a:avLst/>
+          </a:prstGeom>
+          <a:ln w="12700">
+            <a:solidFill>
+              <a:srgbClr val="88B2AC"/>
+            </a:solidFill>
+          </a:ln>
+        </p:spPr>
+        <p:style>
+          <a:lnRef idx="1">
+            <a:schemeClr val="accent1"/>
+          </a:lnRef>
+          <a:fillRef idx="0">
+            <a:schemeClr val="accent1"/>
+          </a:fillRef>
+          <a:effectRef idx="0">
+            <a:schemeClr val="accent1"/>
+          </a:effectRef>
+          <a:fontRef idx="minor">
+            <a:schemeClr val="tx1"/>
+          </a:fontRef>
+        </p:style>
+      </p:cxnSp>
+      <p:cxnSp>
+        <p:nvCxnSpPr>
+          <p:cNvPr id="104" name="直線接點 103"/>
+          <p:cNvCxnSpPr/>
+          <p:nvPr/>
+        </p:nvCxnSpPr>
+        <p:spPr>
+          <a:xfrm>
+            <a:off x="9520299" y="5825536"/>
+            <a:ext cx="2484749" cy="0"/>
+          </a:xfrm>
+          <a:prstGeom prst="line">
+            <a:avLst/>
+          </a:prstGeom>
+          <a:ln w="12700">
+            <a:solidFill>
+              <a:srgbClr val="88B2AC"/>
+            </a:solidFill>
+          </a:ln>
+        </p:spPr>
+        <p:style>
+          <a:lnRef idx="1">
+            <a:schemeClr val="accent1"/>
+          </a:lnRef>
+          <a:fillRef idx="0">
+            <a:schemeClr val="accent1"/>
+          </a:fillRef>
+          <a:effectRef idx="0">
+            <a:schemeClr val="accent1"/>
+          </a:effectRef>
+          <a:fontRef idx="minor">
+            <a:schemeClr val="tx1"/>
+          </a:fontRef>
+        </p:style>
+      </p:cxnSp>
+      <p:sp>
+        <p:nvSpPr>
+          <p:cNvPr id="106" name="圓角矩形 105"/>
+          <p:cNvSpPr/>
+          <p:nvPr/>
+        </p:nvSpPr>
+        <p:spPr>
+          <a:xfrm>
+            <a:off x="5066104" y="1730994"/>
+            <a:ext cx="2271498" cy="436309"/>
+          </a:xfrm>
+          <a:prstGeom prst="roundRect">
+            <a:avLst>
+              <a:gd name="adj" fmla="val 11522"/>
+            </a:avLst>
+          </a:prstGeom>
+          <a:solidFill>
+            <a:srgbClr val="21222D"/>
+          </a:solidFill>
+          <a:ln w="3175">
+            <a:solidFill>
+              <a:schemeClr val="tx1">
+                <a:lumMod val="75000"/>
+              </a:schemeClr>
+            </a:solidFill>
+          </a:ln>
+        </p:spPr>
+        <p:style>
+          <a:lnRef idx="2">
+            <a:schemeClr val="accent1">
+              <a:shade val="50000"/>
+            </a:schemeClr>
+          </a:lnRef>
+          <a:fillRef idx="1">
+            <a:schemeClr val="accent1"/>
+          </a:fillRef>
+          <a:effectRef idx="0">
+            <a:schemeClr val="accent1"/>
+          </a:effectRef>
+          <a:fontRef idx="minor">
+            <a:schemeClr val="lt1"/>
+          </a:fontRef>
+        </p:style>
+        <p:txBody>
+          <a:bodyPr rtlCol="0" anchor="ctr"/>
+          <a:lstStyle/>
+          <a:p>
+            <a:r>
+              <a:rPr lang="zh-TW" altLang="en-US" sz="1400" dirty="0">
+                <a:solidFill>
+                  <a:schemeClr val="tx1">
+                    <a:lumMod val="75000"/>
+                  </a:schemeClr>
+                </a:solidFill>
+                <a:latin typeface="微軟正黑體" panose="020B0604030504040204" pitchFamily="34" charset="-120"/>
+                <a:ea typeface="微軟正黑體" panose="020B0604030504040204" pitchFamily="34" charset="-120"/>
+              </a:rPr>
+              <a:t>身</a:t>
+            </a:r>
+            <a:r>
+              <a:rPr lang="zh-TW" altLang="en-US" sz="1400" dirty="0" smtClean="0">
+                <a:solidFill>
+                  <a:schemeClr val="tx1">
+                    <a:lumMod val="75000"/>
+                  </a:schemeClr>
+                </a:solidFill>
+                <a:latin typeface="微軟正黑體" panose="020B0604030504040204" pitchFamily="34" charset="-120"/>
+                <a:ea typeface="微軟正黑體" panose="020B0604030504040204" pitchFamily="34" charset="-120"/>
+              </a:rPr>
+              <a:t>分證字號</a:t>
+            </a:r>
+            <a:endParaRPr lang="zh-TW" altLang="en-US" sz="1400" dirty="0">
+              <a:solidFill>
+                <a:schemeClr val="tx1">
+                  <a:lumMod val="75000"/>
+                </a:schemeClr>
+              </a:solidFill>
+              <a:latin typeface="微軟正黑體" panose="020B0604030504040204" pitchFamily="34" charset="-120"/>
+              <a:ea typeface="微軟正黑體" panose="020B0604030504040204" pitchFamily="34" charset="-120"/>
+            </a:endParaRPr>
+          </a:p>
+        </p:txBody>
+      </p:sp>
+      <p:sp>
+        <p:nvSpPr>
+          <p:cNvPr id="107" name="圓角矩形 106"/>
+          <p:cNvSpPr/>
+          <p:nvPr/>
+        </p:nvSpPr>
+        <p:spPr>
+          <a:xfrm>
+            <a:off x="5066104" y="2396841"/>
+            <a:ext cx="2271498" cy="436309"/>
+          </a:xfrm>
+          <a:prstGeom prst="roundRect">
+            <a:avLst>
+              <a:gd name="adj" fmla="val 11522"/>
+            </a:avLst>
+          </a:prstGeom>
+          <a:solidFill>
+            <a:srgbClr val="21222D"/>
+          </a:solidFill>
+          <a:ln w="3175">
+            <a:solidFill>
+              <a:schemeClr val="tx1">
+                <a:lumMod val="75000"/>
+              </a:schemeClr>
+            </a:solidFill>
+          </a:ln>
+        </p:spPr>
+        <p:style>
+          <a:lnRef idx="2">
+            <a:schemeClr val="accent1">
+              <a:shade val="50000"/>
+            </a:schemeClr>
+          </a:lnRef>
+          <a:fillRef idx="1">
+            <a:schemeClr val="accent1"/>
+          </a:fillRef>
+          <a:effectRef idx="0">
+            <a:schemeClr val="accent1"/>
+          </a:effectRef>
+          <a:fontRef idx="minor">
+            <a:schemeClr val="lt1"/>
+          </a:fontRef>
+        </p:style>
+        <p:txBody>
+          <a:bodyPr rtlCol="0" anchor="ctr"/>
+          <a:lstStyle/>
+          <a:p>
+            <a:r>
+              <a:rPr lang="zh-TW" altLang="en-US" sz="1400" dirty="0">
+                <a:solidFill>
+                  <a:schemeClr val="tx1">
+                    <a:lumMod val="75000"/>
+                  </a:schemeClr>
+                </a:solidFill>
+                <a:latin typeface="微軟正黑體" panose="020B0604030504040204" pitchFamily="34" charset="-120"/>
+                <a:ea typeface="微軟正黑體" panose="020B0604030504040204" pitchFamily="34" charset="-120"/>
+              </a:rPr>
+              <a:t>拍攝日期</a:t>
+            </a:r>
+          </a:p>
+        </p:txBody>
+      </p:sp>
+      <p:sp>
+        <p:nvSpPr>
+          <p:cNvPr id="108" name="圓角矩形 107"/>
+          <p:cNvSpPr/>
+          <p:nvPr/>
+        </p:nvSpPr>
+        <p:spPr>
+          <a:xfrm>
+            <a:off x="5066104" y="3063892"/>
+            <a:ext cx="2271498" cy="436309"/>
+          </a:xfrm>
+          <a:prstGeom prst="roundRect">
+            <a:avLst>
+              <a:gd name="adj" fmla="val 11522"/>
+            </a:avLst>
+          </a:prstGeom>
+          <a:solidFill>
+            <a:srgbClr val="21222D"/>
+          </a:solidFill>
+          <a:ln w="3175">
+            <a:solidFill>
+              <a:schemeClr val="tx1">
+                <a:lumMod val="75000"/>
+              </a:schemeClr>
+            </a:solidFill>
+          </a:ln>
+        </p:spPr>
+        <p:style>
+          <a:lnRef idx="2">
+            <a:schemeClr val="accent1">
+              <a:shade val="50000"/>
+            </a:schemeClr>
+          </a:lnRef>
+          <a:fillRef idx="1">
+            <a:schemeClr val="accent1"/>
+          </a:fillRef>
+          <a:effectRef idx="0">
+            <a:schemeClr val="accent1"/>
+          </a:effectRef>
+          <a:fontRef idx="minor">
+            <a:schemeClr val="lt1"/>
+          </a:fontRef>
+        </p:style>
+        <p:txBody>
+          <a:bodyPr rtlCol="0" anchor="ctr"/>
+          <a:lstStyle/>
+          <a:p>
+            <a:r>
+              <a:rPr lang="zh-TW" altLang="en-US" sz="1400" dirty="0" smtClean="0">
+                <a:solidFill>
+                  <a:schemeClr val="tx1">
+                    <a:lumMod val="75000"/>
+                  </a:schemeClr>
+                </a:solidFill>
+                <a:latin typeface="微軟正黑體" panose="020B0604030504040204" pitchFamily="34" charset="-120"/>
+                <a:ea typeface="微軟正黑體" panose="020B0604030504040204" pitchFamily="34" charset="-120"/>
+              </a:rPr>
+              <a:t>上傳檔案 </a:t>
+            </a:r>
+            <a:r>
+              <a:rPr lang="en-US" altLang="zh-TW" sz="1400" dirty="0" smtClean="0">
+                <a:solidFill>
+                  <a:schemeClr val="tx1">
+                    <a:lumMod val="75000"/>
+                  </a:schemeClr>
+                </a:solidFill>
+                <a:latin typeface="微軟正黑體" panose="020B0604030504040204" pitchFamily="34" charset="-120"/>
+                <a:ea typeface="微軟正黑體" panose="020B0604030504040204" pitchFamily="34" charset="-120"/>
+              </a:rPr>
+              <a:t>nii.gz</a:t>
+            </a:r>
+            <a:endParaRPr lang="zh-TW" altLang="en-US" sz="1400" dirty="0">
+              <a:solidFill>
+                <a:schemeClr val="tx1">
+                  <a:lumMod val="75000"/>
+                </a:schemeClr>
+              </a:solidFill>
+              <a:latin typeface="微軟正黑體" panose="020B0604030504040204" pitchFamily="34" charset="-120"/>
+              <a:ea typeface="微軟正黑體" panose="020B0604030504040204" pitchFamily="34" charset="-120"/>
+            </a:endParaRPr>
+          </a:p>
+        </p:txBody>
+      </p:sp>
+      <p:sp>
+        <p:nvSpPr>
+          <p:cNvPr id="109" name="圓角矩形 108"/>
+          <p:cNvSpPr/>
+          <p:nvPr/>
+        </p:nvSpPr>
+        <p:spPr>
+          <a:xfrm>
+            <a:off x="5066104" y="4397994"/>
+            <a:ext cx="2271498" cy="436309"/>
+          </a:xfrm>
+          <a:prstGeom prst="roundRect">
+            <a:avLst>
+              <a:gd name="adj" fmla="val 11522"/>
+            </a:avLst>
+          </a:prstGeom>
+          <a:solidFill>
+            <a:schemeClr val="bg2">
+              <a:lumMod val="75000"/>
+            </a:schemeClr>
+          </a:solidFill>
+          <a:ln w="3175">
+            <a:solidFill>
+              <a:schemeClr val="tx1">
+                <a:lumMod val="75000"/>
+              </a:schemeClr>
+            </a:solidFill>
+          </a:ln>
+        </p:spPr>
+        <p:style>
+          <a:lnRef idx="2">
+            <a:schemeClr val="accent1">
+              <a:shade val="50000"/>
+            </a:schemeClr>
+          </a:lnRef>
+          <a:fillRef idx="1">
+            <a:schemeClr val="accent1"/>
+          </a:fillRef>
+          <a:effectRef idx="0">
+            <a:schemeClr val="accent1"/>
+          </a:effectRef>
+          <a:fontRef idx="minor">
+            <a:schemeClr val="lt1"/>
+          </a:fontRef>
+        </p:style>
+        <p:txBody>
+          <a:bodyPr rtlCol="0" anchor="ctr"/>
+          <a:lstStyle/>
+          <a:p>
+            <a:r>
+              <a:rPr lang="zh-TW" altLang="en-US" sz="1400" dirty="0" smtClean="0">
+                <a:solidFill>
+                  <a:schemeClr val="tx1">
+                    <a:lumMod val="75000"/>
+                  </a:schemeClr>
+                </a:solidFill>
+                <a:latin typeface="微軟正黑體" panose="020B0604030504040204" pitchFamily="34" charset="-120"/>
+                <a:ea typeface="微軟正黑體" panose="020B0604030504040204" pitchFamily="34" charset="-120"/>
+              </a:rPr>
+              <a:t>腦部年齡 </a:t>
+            </a:r>
+            <a:r>
+              <a:rPr lang="en-US" altLang="zh-TW" sz="1400" dirty="0" smtClean="0">
+                <a:solidFill>
+                  <a:schemeClr val="tx1">
+                    <a:lumMod val="75000"/>
+                  </a:schemeClr>
+                </a:solidFill>
+                <a:latin typeface="微軟正黑體" panose="020B0604030504040204" pitchFamily="34" charset="-120"/>
+                <a:ea typeface="微軟正黑體" panose="020B0604030504040204" pitchFamily="34" charset="-120"/>
+              </a:rPr>
+              <a:t>(AI</a:t>
+            </a:r>
+            <a:r>
+              <a:rPr lang="zh-TW" altLang="en-US" sz="1400" dirty="0" smtClean="0">
+                <a:solidFill>
+                  <a:schemeClr val="tx1">
+                    <a:lumMod val="75000"/>
+                  </a:schemeClr>
+                </a:solidFill>
+                <a:latin typeface="微軟正黑體" panose="020B0604030504040204" pitchFamily="34" charset="-120"/>
+                <a:ea typeface="微軟正黑體" panose="020B0604030504040204" pitchFamily="34" charset="-120"/>
+              </a:rPr>
+              <a:t>計算</a:t>
+            </a:r>
+            <a:r>
+              <a:rPr lang="en-US" altLang="zh-TW" sz="1400" dirty="0" smtClean="0">
+                <a:solidFill>
+                  <a:schemeClr val="tx1">
+                    <a:lumMod val="75000"/>
+                  </a:schemeClr>
+                </a:solidFill>
+                <a:latin typeface="微軟正黑體" panose="020B0604030504040204" pitchFamily="34" charset="-120"/>
+                <a:ea typeface="微軟正黑體" panose="020B0604030504040204" pitchFamily="34" charset="-120"/>
+              </a:rPr>
+              <a:t>)</a:t>
+            </a:r>
+            <a:endParaRPr lang="zh-TW" altLang="en-US" sz="1400" dirty="0">
+              <a:solidFill>
+                <a:schemeClr val="tx1">
+                  <a:lumMod val="75000"/>
+                </a:schemeClr>
+              </a:solidFill>
+              <a:latin typeface="微軟正黑體" panose="020B0604030504040204" pitchFamily="34" charset="-120"/>
+              <a:ea typeface="微軟正黑體" panose="020B0604030504040204" pitchFamily="34" charset="-120"/>
+            </a:endParaRPr>
+          </a:p>
+        </p:txBody>
+      </p:sp>
+      <p:sp>
+        <p:nvSpPr>
+          <p:cNvPr id="110" name="圓角矩形 109"/>
+          <p:cNvSpPr/>
+          <p:nvPr/>
+        </p:nvSpPr>
+        <p:spPr>
+          <a:xfrm>
+            <a:off x="5066104" y="3730943"/>
+            <a:ext cx="2271498" cy="436309"/>
+          </a:xfrm>
+          <a:prstGeom prst="roundRect">
+            <a:avLst>
+              <a:gd name="adj" fmla="val 11522"/>
+            </a:avLst>
+          </a:prstGeom>
+          <a:solidFill>
+            <a:schemeClr val="bg2">
+              <a:lumMod val="75000"/>
+            </a:schemeClr>
+          </a:solidFill>
+          <a:ln w="3175">
+            <a:solidFill>
+              <a:schemeClr val="tx1">
+                <a:lumMod val="75000"/>
+              </a:schemeClr>
+            </a:solidFill>
+          </a:ln>
+        </p:spPr>
+        <p:style>
+          <a:lnRef idx="2">
+            <a:schemeClr val="accent1">
+              <a:shade val="50000"/>
+            </a:schemeClr>
+          </a:lnRef>
+          <a:fillRef idx="1">
+            <a:schemeClr val="accent1"/>
+          </a:fillRef>
+          <a:effectRef idx="0">
+            <a:schemeClr val="accent1"/>
+          </a:effectRef>
+          <a:fontRef idx="minor">
+            <a:schemeClr val="lt1"/>
+          </a:fontRef>
+        </p:style>
+        <p:txBody>
+          <a:bodyPr rtlCol="0" anchor="ctr"/>
+          <a:lstStyle/>
+          <a:p>
+            <a:r>
+              <a:rPr lang="zh-TW" altLang="en-US" sz="1400" dirty="0">
+                <a:solidFill>
+                  <a:schemeClr val="tx1">
+                    <a:lumMod val="75000"/>
+                  </a:schemeClr>
+                </a:solidFill>
+                <a:latin typeface="微軟正黑體" panose="020B0604030504040204" pitchFamily="34" charset="-120"/>
+                <a:ea typeface="微軟正黑體" panose="020B0604030504040204" pitchFamily="34" charset="-120"/>
+              </a:rPr>
+              <a:t>實際</a:t>
+            </a:r>
+            <a:r>
+              <a:rPr lang="zh-TW" altLang="en-US" sz="1400" dirty="0" smtClean="0">
+                <a:solidFill>
+                  <a:schemeClr val="tx1">
+                    <a:lumMod val="75000"/>
+                  </a:schemeClr>
+                </a:solidFill>
+                <a:latin typeface="微軟正黑體" panose="020B0604030504040204" pitchFamily="34" charset="-120"/>
+                <a:ea typeface="微軟正黑體" panose="020B0604030504040204" pitchFamily="34" charset="-120"/>
+              </a:rPr>
+              <a:t>年齡 </a:t>
+            </a:r>
+            <a:r>
+              <a:rPr lang="en-US" altLang="zh-TW" sz="1400" dirty="0" smtClean="0">
+                <a:solidFill>
+                  <a:schemeClr val="tx1">
+                    <a:lumMod val="75000"/>
+                  </a:schemeClr>
+                </a:solidFill>
+                <a:latin typeface="微軟正黑體" panose="020B0604030504040204" pitchFamily="34" charset="-120"/>
+                <a:ea typeface="微軟正黑體" panose="020B0604030504040204" pitchFamily="34" charset="-120"/>
+              </a:rPr>
+              <a:t>(</a:t>
+            </a:r>
+            <a:r>
+              <a:rPr lang="zh-TW" altLang="en-US" sz="1400" dirty="0" smtClean="0">
+                <a:solidFill>
+                  <a:schemeClr val="tx1">
+                    <a:lumMod val="75000"/>
+                  </a:schemeClr>
+                </a:solidFill>
+                <a:latin typeface="微軟正黑體" panose="020B0604030504040204" pitchFamily="34" charset="-120"/>
+                <a:ea typeface="微軟正黑體" panose="020B0604030504040204" pitchFamily="34" charset="-120"/>
+              </a:rPr>
+              <a:t>自動填入</a:t>
+            </a:r>
+            <a:r>
+              <a:rPr lang="en-US" altLang="zh-TW" sz="1400" dirty="0" smtClean="0">
+                <a:solidFill>
+                  <a:schemeClr val="tx1">
+                    <a:lumMod val="75000"/>
+                  </a:schemeClr>
+                </a:solidFill>
+                <a:latin typeface="微軟正黑體" panose="020B0604030504040204" pitchFamily="34" charset="-120"/>
+                <a:ea typeface="微軟正黑體" panose="020B0604030504040204" pitchFamily="34" charset="-120"/>
+              </a:rPr>
+              <a:t>)</a:t>
+            </a:r>
+            <a:endParaRPr lang="zh-TW" altLang="en-US" sz="1400" dirty="0">
+              <a:solidFill>
+                <a:schemeClr val="tx1">
+                  <a:lumMod val="75000"/>
+                </a:schemeClr>
+              </a:solidFill>
+              <a:latin typeface="微軟正黑體" panose="020B0604030504040204" pitchFamily="34" charset="-120"/>
+              <a:ea typeface="微軟正黑體" panose="020B0604030504040204" pitchFamily="34" charset="-120"/>
+            </a:endParaRPr>
+          </a:p>
+        </p:txBody>
+      </p:sp>
+      <p:sp>
+        <p:nvSpPr>
+          <p:cNvPr id="111" name="圓角矩形 110"/>
+          <p:cNvSpPr/>
+          <p:nvPr/>
+        </p:nvSpPr>
+        <p:spPr>
+          <a:xfrm>
+            <a:off x="5066104" y="5065045"/>
+            <a:ext cx="2271498" cy="436309"/>
+          </a:xfrm>
+          <a:prstGeom prst="roundRect">
+            <a:avLst>
+              <a:gd name="adj" fmla="val 11522"/>
+            </a:avLst>
+          </a:prstGeom>
+          <a:solidFill>
+            <a:schemeClr val="bg2">
+              <a:lumMod val="75000"/>
+            </a:schemeClr>
+          </a:solidFill>
+          <a:ln w="3175">
+            <a:solidFill>
+              <a:schemeClr val="tx1">
+                <a:lumMod val="75000"/>
+              </a:schemeClr>
+            </a:solidFill>
+          </a:ln>
+        </p:spPr>
+        <p:style>
+          <a:lnRef idx="2">
+            <a:schemeClr val="accent1">
+              <a:shade val="50000"/>
+            </a:schemeClr>
+          </a:lnRef>
+          <a:fillRef idx="1">
+            <a:schemeClr val="accent1"/>
+          </a:fillRef>
+          <a:effectRef idx="0">
+            <a:schemeClr val="accent1"/>
+          </a:effectRef>
+          <a:fontRef idx="minor">
+            <a:schemeClr val="lt1"/>
+          </a:fontRef>
+        </p:style>
+        <p:txBody>
+          <a:bodyPr rtlCol="0" anchor="ctr"/>
+          <a:lstStyle/>
+          <a:p>
+            <a:r>
+              <a:rPr lang="zh-TW" altLang="en-US" sz="1400" dirty="0" smtClean="0">
+                <a:solidFill>
+                  <a:schemeClr val="tx1">
+                    <a:lumMod val="75000"/>
+                  </a:schemeClr>
+                </a:solidFill>
+                <a:latin typeface="微軟正黑體" panose="020B0604030504040204" pitchFamily="34" charset="-120"/>
+                <a:ea typeface="微軟正黑體" panose="020B0604030504040204" pitchFamily="34" charset="-120"/>
+              </a:rPr>
+              <a:t>失智症風險 </a:t>
+            </a:r>
+            <a:r>
+              <a:rPr lang="en-US" altLang="zh-TW" sz="1400" dirty="0" smtClean="0">
+                <a:solidFill>
+                  <a:schemeClr val="tx1">
+                    <a:lumMod val="75000"/>
+                  </a:schemeClr>
+                </a:solidFill>
+                <a:latin typeface="微軟正黑體" panose="020B0604030504040204" pitchFamily="34" charset="-120"/>
+                <a:ea typeface="微軟正黑體" panose="020B0604030504040204" pitchFamily="34" charset="-120"/>
+              </a:rPr>
+              <a:t>(AI</a:t>
+            </a:r>
+            <a:r>
+              <a:rPr lang="zh-TW" altLang="en-US" sz="1400" dirty="0" smtClean="0">
+                <a:solidFill>
+                  <a:schemeClr val="tx1">
+                    <a:lumMod val="75000"/>
+                  </a:schemeClr>
+                </a:solidFill>
+                <a:latin typeface="微軟正黑體" panose="020B0604030504040204" pitchFamily="34" charset="-120"/>
+                <a:ea typeface="微軟正黑體" panose="020B0604030504040204" pitchFamily="34" charset="-120"/>
+              </a:rPr>
+              <a:t>計算</a:t>
+            </a:r>
+            <a:r>
+              <a:rPr lang="en-US" altLang="zh-TW" sz="1400" dirty="0" smtClean="0">
+                <a:solidFill>
+                  <a:schemeClr val="tx1">
+                    <a:lumMod val="75000"/>
+                  </a:schemeClr>
+                </a:solidFill>
+                <a:latin typeface="微軟正黑體" panose="020B0604030504040204" pitchFamily="34" charset="-120"/>
+                <a:ea typeface="微軟正黑體" panose="020B0604030504040204" pitchFamily="34" charset="-120"/>
+              </a:rPr>
+              <a:t>)</a:t>
+            </a:r>
+            <a:endParaRPr lang="zh-TW" altLang="en-US" sz="1400" dirty="0">
+              <a:solidFill>
+                <a:schemeClr val="tx1">
+                  <a:lumMod val="75000"/>
+                </a:schemeClr>
+              </a:solidFill>
+              <a:latin typeface="微軟正黑體" panose="020B0604030504040204" pitchFamily="34" charset="-120"/>
+              <a:ea typeface="微軟正黑體" panose="020B0604030504040204" pitchFamily="34" charset="-120"/>
+            </a:endParaRPr>
+          </a:p>
+        </p:txBody>
+      </p:sp>
+      <p:sp>
+        <p:nvSpPr>
+          <p:cNvPr id="113" name="圓角矩形 112"/>
+          <p:cNvSpPr/>
+          <p:nvPr/>
+        </p:nvSpPr>
+        <p:spPr>
+          <a:xfrm>
+            <a:off x="3878396" y="5793056"/>
+            <a:ext cx="1971042" cy="373297"/>
+          </a:xfrm>
+          <a:prstGeom prst="roundRect">
+            <a:avLst>
+              <a:gd name="adj" fmla="val 11522"/>
+            </a:avLst>
+          </a:prstGeom>
+          <a:solidFill>
+            <a:srgbClr val="88B2AC"/>
+          </a:solidFill>
+          <a:ln w="28575">
+            <a:gradFill flip="none" rotWithShape="1">
+              <a:gsLst>
+                <a:gs pos="0">
+                  <a:srgbClr val="00B050"/>
+                </a:gs>
+                <a:gs pos="100000">
+                  <a:srgbClr val="FF0000"/>
+                </a:gs>
+                <a:gs pos="28000">
+                  <a:srgbClr val="92D050"/>
+                </a:gs>
+                <a:gs pos="52000">
+                  <a:srgbClr val="FFFF00"/>
+                </a:gs>
+                <a:gs pos="77000">
+                  <a:srgbClr val="FFC000"/>
+                </a:gs>
+              </a:gsLst>
+              <a:lin ang="0" scaled="1"/>
+              <a:tileRect/>
+            </a:gradFill>
+          </a:ln>
+        </p:spPr>
+        <p:style>
+          <a:lnRef idx="2">
+            <a:schemeClr val="accent1">
+              <a:shade val="50000"/>
+            </a:schemeClr>
+          </a:lnRef>
+          <a:fillRef idx="1">
+            <a:schemeClr val="accent1"/>
+          </a:fillRef>
+          <a:effectRef idx="0">
+            <a:schemeClr val="accent1"/>
+          </a:effectRef>
+          <a:fontRef idx="minor">
+            <a:schemeClr val="lt1"/>
+          </a:fontRef>
+        </p:style>
+        <p:txBody>
+          <a:bodyPr rtlCol="0" anchor="ctr"/>
+          <a:lstStyle/>
+          <a:p>
+            <a:pPr algn="ctr"/>
+            <a:r>
+              <a:rPr lang="en-US" altLang="zh-TW" sz="1600" b="1" dirty="0">
+                <a:solidFill>
+                  <a:schemeClr val="tx1"/>
+                </a:solidFill>
+                <a:latin typeface="微軟正黑體" panose="020B0604030504040204" pitchFamily="34" charset="-120"/>
+                <a:ea typeface="微軟正黑體" panose="020B0604030504040204" pitchFamily="34" charset="-120"/>
+              </a:rPr>
+              <a:t>AI</a:t>
+            </a:r>
+            <a:r>
+              <a:rPr lang="zh-TW" altLang="en-US" sz="1600" b="1" dirty="0">
+                <a:solidFill>
+                  <a:schemeClr val="tx1"/>
+                </a:solidFill>
+                <a:latin typeface="微軟正黑體" panose="020B0604030504040204" pitchFamily="34" charset="-120"/>
+                <a:ea typeface="微軟正黑體" panose="020B0604030504040204" pitchFamily="34" charset="-120"/>
+              </a:rPr>
+              <a:t>計算</a:t>
+            </a:r>
+          </a:p>
+        </p:txBody>
+      </p:sp>
+      <p:sp>
+        <p:nvSpPr>
+          <p:cNvPr id="114" name="圓角矩形 113"/>
+          <p:cNvSpPr/>
+          <p:nvPr/>
+        </p:nvSpPr>
+        <p:spPr>
+          <a:xfrm>
+            <a:off x="5961197" y="5793056"/>
+            <a:ext cx="1376405" cy="373297"/>
+          </a:xfrm>
+          <a:prstGeom prst="roundRect">
+            <a:avLst>
+              <a:gd name="adj" fmla="val 11522"/>
+            </a:avLst>
+          </a:prstGeom>
+          <a:solidFill>
+            <a:srgbClr val="21222D"/>
+          </a:solidFill>
+          <a:ln w="3175">
+            <a:solidFill>
+              <a:schemeClr val="tx1">
+                <a:lumMod val="75000"/>
+              </a:schemeClr>
+            </a:solidFill>
+          </a:ln>
+        </p:spPr>
+        <p:style>
+          <a:lnRef idx="2">
+            <a:schemeClr val="accent1">
+              <a:shade val="50000"/>
+            </a:schemeClr>
+          </a:lnRef>
+          <a:fillRef idx="1">
+            <a:schemeClr val="accent1"/>
+          </a:fillRef>
+          <a:effectRef idx="0">
+            <a:schemeClr val="accent1"/>
+          </a:effectRef>
+          <a:fontRef idx="minor">
+            <a:schemeClr val="lt1"/>
+          </a:fontRef>
+        </p:style>
+        <p:txBody>
+          <a:bodyPr rtlCol="0" anchor="ctr"/>
+          <a:lstStyle/>
+          <a:p>
+            <a:pPr algn="ctr"/>
+            <a:r>
+              <a:rPr lang="zh-TW" altLang="en-US" sz="1600" b="1" dirty="0" smtClean="0">
+                <a:solidFill>
+                  <a:schemeClr val="tx1"/>
+                </a:solidFill>
+                <a:latin typeface="微軟正黑體" panose="020B0604030504040204" pitchFamily="34" charset="-120"/>
+                <a:ea typeface="微軟正黑體" panose="020B0604030504040204" pitchFamily="34" charset="-120"/>
+              </a:rPr>
+              <a:t>送出</a:t>
+            </a:r>
+            <a:endParaRPr lang="zh-TW" altLang="en-US" sz="1600" b="1" dirty="0">
+              <a:solidFill>
+                <a:schemeClr val="tx1"/>
+              </a:solidFill>
+              <a:latin typeface="微軟正黑體" panose="020B0604030504040204" pitchFamily="34" charset="-120"/>
+              <a:ea typeface="微軟正黑體" panose="020B0604030504040204" pitchFamily="34" charset="-120"/>
+            </a:endParaRPr>
+          </a:p>
+        </p:txBody>
+      </p:sp>
+      <p:sp>
+        <p:nvSpPr>
+          <p:cNvPr id="117" name="矩形 116"/>
+          <p:cNvSpPr/>
+          <p:nvPr/>
+        </p:nvSpPr>
+        <p:spPr>
+          <a:xfrm>
+            <a:off x="3800516" y="1779871"/>
+            <a:ext cx="1082348" cy="307777"/>
+          </a:xfrm>
+          <a:prstGeom prst="rect">
+            <a:avLst/>
+          </a:prstGeom>
+        </p:spPr>
+        <p:txBody>
+          <a:bodyPr wrap="none">
+            <a:spAutoFit/>
+          </a:bodyPr>
+          <a:lstStyle/>
+          <a:p>
+            <a:r>
+              <a:rPr lang="zh-TW" altLang="en-US" sz="1400" dirty="0">
+                <a:solidFill>
+                  <a:schemeClr val="tx1">
+                    <a:lumMod val="85000"/>
+                  </a:schemeClr>
+                </a:solidFill>
+                <a:latin typeface="微軟正黑體" panose="020B0604030504040204" pitchFamily="34" charset="-120"/>
+                <a:ea typeface="微軟正黑體" panose="020B0604030504040204" pitchFamily="34" charset="-120"/>
+              </a:rPr>
+              <a:t>身分證字號</a:t>
+            </a:r>
+          </a:p>
+        </p:txBody>
+      </p:sp>
+      <p:sp>
+        <p:nvSpPr>
+          <p:cNvPr id="118" name="矩形 117"/>
+          <p:cNvSpPr/>
+          <p:nvPr/>
+        </p:nvSpPr>
+        <p:spPr>
+          <a:xfrm>
+            <a:off x="3800516" y="2445718"/>
+            <a:ext cx="902811" cy="307777"/>
+          </a:xfrm>
+          <a:prstGeom prst="rect">
+            <a:avLst/>
+          </a:prstGeom>
+        </p:spPr>
+        <p:txBody>
+          <a:bodyPr wrap="none">
+            <a:spAutoFit/>
+          </a:bodyPr>
+          <a:lstStyle/>
+          <a:p>
+            <a:r>
+              <a:rPr lang="zh-TW" altLang="en-US" sz="1400" dirty="0" smtClean="0">
+                <a:solidFill>
+                  <a:schemeClr val="tx1">
+                    <a:lumMod val="85000"/>
+                  </a:schemeClr>
+                </a:solidFill>
+                <a:latin typeface="微軟正黑體" panose="020B0604030504040204" pitchFamily="34" charset="-120"/>
+                <a:ea typeface="微軟正黑體" panose="020B0604030504040204" pitchFamily="34" charset="-120"/>
+              </a:rPr>
+              <a:t>拍攝日期</a:t>
+            </a:r>
+            <a:endParaRPr lang="zh-TW" altLang="en-US" sz="1400" dirty="0">
+              <a:solidFill>
+                <a:schemeClr val="tx1">
+                  <a:lumMod val="85000"/>
+                </a:schemeClr>
+              </a:solidFill>
+              <a:latin typeface="微軟正黑體" panose="020B0604030504040204" pitchFamily="34" charset="-120"/>
+              <a:ea typeface="微軟正黑體" panose="020B0604030504040204" pitchFamily="34" charset="-120"/>
+            </a:endParaRPr>
+          </a:p>
+        </p:txBody>
+      </p:sp>
+      <p:sp>
+        <p:nvSpPr>
+          <p:cNvPr id="119" name="矩形 118"/>
+          <p:cNvSpPr/>
+          <p:nvPr/>
+        </p:nvSpPr>
+        <p:spPr>
+          <a:xfrm>
+            <a:off x="3800516" y="3111565"/>
+            <a:ext cx="902811" cy="307777"/>
+          </a:xfrm>
+          <a:prstGeom prst="rect">
+            <a:avLst/>
+          </a:prstGeom>
+        </p:spPr>
+        <p:txBody>
+          <a:bodyPr wrap="none">
+            <a:spAutoFit/>
+          </a:bodyPr>
+          <a:lstStyle/>
+          <a:p>
+            <a:r>
+              <a:rPr lang="zh-TW" altLang="en-US" sz="1400" dirty="0" smtClean="0">
+                <a:solidFill>
+                  <a:schemeClr val="tx1">
+                    <a:lumMod val="85000"/>
+                  </a:schemeClr>
+                </a:solidFill>
+                <a:latin typeface="微軟正黑體" panose="020B0604030504040204" pitchFamily="34" charset="-120"/>
+                <a:ea typeface="微軟正黑體" panose="020B0604030504040204" pitchFamily="34" charset="-120"/>
+              </a:rPr>
+              <a:t>上傳檔案</a:t>
+            </a:r>
+            <a:endParaRPr lang="zh-TW" altLang="en-US" sz="1400" dirty="0">
+              <a:solidFill>
+                <a:schemeClr val="tx1">
+                  <a:lumMod val="85000"/>
+                </a:schemeClr>
+              </a:solidFill>
+              <a:latin typeface="微軟正黑體" panose="020B0604030504040204" pitchFamily="34" charset="-120"/>
+              <a:ea typeface="微軟正黑體" panose="020B0604030504040204" pitchFamily="34" charset="-120"/>
+            </a:endParaRPr>
+          </a:p>
+        </p:txBody>
+      </p:sp>
+      <p:sp>
+        <p:nvSpPr>
+          <p:cNvPr id="120" name="矩形 119"/>
+          <p:cNvSpPr/>
+          <p:nvPr/>
+        </p:nvSpPr>
+        <p:spPr>
+          <a:xfrm>
+            <a:off x="3800516" y="3777412"/>
+            <a:ext cx="902811" cy="307777"/>
+          </a:xfrm>
+          <a:prstGeom prst="rect">
+            <a:avLst/>
+          </a:prstGeom>
+        </p:spPr>
+        <p:txBody>
+          <a:bodyPr wrap="none">
+            <a:spAutoFit/>
+          </a:bodyPr>
+          <a:lstStyle/>
+          <a:p>
+            <a:r>
+              <a:rPr lang="zh-TW" altLang="en-US" sz="1400" dirty="0" smtClean="0">
+                <a:solidFill>
+                  <a:schemeClr val="tx1">
+                    <a:lumMod val="85000"/>
+                  </a:schemeClr>
+                </a:solidFill>
+                <a:latin typeface="微軟正黑體" panose="020B0604030504040204" pitchFamily="34" charset="-120"/>
+                <a:ea typeface="微軟正黑體" panose="020B0604030504040204" pitchFamily="34" charset="-120"/>
+              </a:rPr>
+              <a:t>實際年齡</a:t>
+            </a:r>
+            <a:endParaRPr lang="zh-TW" altLang="en-US" sz="1400" dirty="0">
+              <a:solidFill>
+                <a:schemeClr val="tx1">
+                  <a:lumMod val="85000"/>
+                </a:schemeClr>
+              </a:solidFill>
+              <a:latin typeface="微軟正黑體" panose="020B0604030504040204" pitchFamily="34" charset="-120"/>
+              <a:ea typeface="微軟正黑體" panose="020B0604030504040204" pitchFamily="34" charset="-120"/>
+            </a:endParaRPr>
+          </a:p>
+        </p:txBody>
+      </p:sp>
+      <p:sp>
+        <p:nvSpPr>
+          <p:cNvPr id="121" name="矩形 120"/>
+          <p:cNvSpPr/>
+          <p:nvPr/>
+        </p:nvSpPr>
+        <p:spPr>
+          <a:xfrm>
+            <a:off x="3800516" y="4442445"/>
+            <a:ext cx="902811" cy="307777"/>
+          </a:xfrm>
+          <a:prstGeom prst="rect">
+            <a:avLst/>
+          </a:prstGeom>
+        </p:spPr>
+        <p:txBody>
+          <a:bodyPr wrap="none">
+            <a:spAutoFit/>
+          </a:bodyPr>
+          <a:lstStyle/>
+          <a:p>
+            <a:r>
+              <a:rPr lang="zh-TW" altLang="en-US" sz="1400" dirty="0" smtClean="0">
+                <a:solidFill>
+                  <a:schemeClr val="tx1">
+                    <a:lumMod val="85000"/>
+                  </a:schemeClr>
+                </a:solidFill>
+                <a:latin typeface="微軟正黑體" panose="020B0604030504040204" pitchFamily="34" charset="-120"/>
+                <a:ea typeface="微軟正黑體" panose="020B0604030504040204" pitchFamily="34" charset="-120"/>
+              </a:rPr>
+              <a:t>腦部年齡</a:t>
+            </a:r>
+            <a:endParaRPr lang="zh-TW" altLang="en-US" sz="1400" dirty="0">
+              <a:solidFill>
+                <a:schemeClr val="tx1">
+                  <a:lumMod val="85000"/>
+                </a:schemeClr>
+              </a:solidFill>
+              <a:latin typeface="微軟正黑體" panose="020B0604030504040204" pitchFamily="34" charset="-120"/>
+              <a:ea typeface="微軟正黑體" panose="020B0604030504040204" pitchFamily="34" charset="-120"/>
+            </a:endParaRPr>
+          </a:p>
+        </p:txBody>
+      </p:sp>
+      <p:sp>
+        <p:nvSpPr>
+          <p:cNvPr id="122" name="矩形 121"/>
+          <p:cNvSpPr/>
+          <p:nvPr/>
+        </p:nvSpPr>
+        <p:spPr>
+          <a:xfrm>
+            <a:off x="3800516" y="5108292"/>
+            <a:ext cx="1082348" cy="307777"/>
+          </a:xfrm>
+          <a:prstGeom prst="rect">
+            <a:avLst/>
+          </a:prstGeom>
+        </p:spPr>
+        <p:txBody>
+          <a:bodyPr wrap="none">
+            <a:spAutoFit/>
+          </a:bodyPr>
+          <a:lstStyle/>
+          <a:p>
+            <a:r>
+              <a:rPr lang="zh-TW" altLang="en-US" sz="1400" dirty="0" smtClean="0">
+                <a:solidFill>
+                  <a:schemeClr val="tx1">
+                    <a:lumMod val="85000"/>
+                  </a:schemeClr>
+                </a:solidFill>
+                <a:latin typeface="微軟正黑體" panose="020B0604030504040204" pitchFamily="34" charset="-120"/>
+                <a:ea typeface="微軟正黑體" panose="020B0604030504040204" pitchFamily="34" charset="-120"/>
+              </a:rPr>
+              <a:t>失智症風險</a:t>
+            </a:r>
+            <a:endParaRPr lang="zh-TW" altLang="en-US" sz="1400" dirty="0">
+              <a:solidFill>
+                <a:schemeClr val="tx1">
+                  <a:lumMod val="85000"/>
+                </a:schemeClr>
+              </a:solidFill>
+              <a:latin typeface="微軟正黑體" panose="020B0604030504040204" pitchFamily="34" charset="-120"/>
+              <a:ea typeface="微軟正黑體" panose="020B0604030504040204" pitchFamily="34" charset="-120"/>
+            </a:endParaRPr>
+          </a:p>
+        </p:txBody>
+      </p:sp>
+      <p:sp>
+        <p:nvSpPr>
+          <p:cNvPr id="125" name="矩形 124"/>
+          <p:cNvSpPr/>
+          <p:nvPr/>
+        </p:nvSpPr>
+        <p:spPr>
+          <a:xfrm>
+            <a:off x="3564363" y="1158858"/>
+            <a:ext cx="1625272" cy="313160"/>
+          </a:xfrm>
+          <a:prstGeom prst="rect">
+            <a:avLst/>
+          </a:prstGeom>
+          <a:solidFill>
+            <a:srgbClr val="21222D"/>
+          </a:solidFill>
+          <a:ln>
+            <a:noFill/>
+          </a:ln>
+        </p:spPr>
+        <p:style>
+          <a:lnRef idx="2">
+            <a:schemeClr val="accent1">
+              <a:shade val="50000"/>
+            </a:schemeClr>
+          </a:lnRef>
+          <a:fillRef idx="1">
+            <a:schemeClr val="accent1"/>
+          </a:fillRef>
+          <a:effectRef idx="0">
+            <a:schemeClr val="accent1"/>
+          </a:effectRef>
+          <a:fontRef idx="minor">
+            <a:schemeClr val="lt1"/>
+          </a:fontRef>
+        </p:style>
+        <p:txBody>
+          <a:bodyPr rtlCol="0" anchor="ctr"/>
+          <a:lstStyle/>
+          <a:p>
+            <a:pPr algn="ctr"/>
+            <a:r>
+              <a:rPr lang="zh-TW" altLang="en-US" sz="2000" b="1" dirty="0">
+                <a:solidFill>
+                  <a:schemeClr val="tx1"/>
+                </a:solidFill>
+                <a:latin typeface="微軟正黑體" panose="020B0604030504040204" pitchFamily="34" charset="-120"/>
+                <a:ea typeface="微軟正黑體" panose="020B0604030504040204" pitchFamily="34" charset="-120"/>
+              </a:rPr>
+              <a:t>上</a:t>
+            </a:r>
+            <a:r>
+              <a:rPr lang="zh-TW" altLang="en-US" sz="2000" b="1" dirty="0" smtClean="0">
+                <a:solidFill>
+                  <a:schemeClr val="tx1"/>
+                </a:solidFill>
+                <a:latin typeface="微軟正黑體" panose="020B0604030504040204" pitchFamily="34" charset="-120"/>
+                <a:ea typeface="微軟正黑體" panose="020B0604030504040204" pitchFamily="34" charset="-120"/>
+              </a:rPr>
+              <a:t>傳影像</a:t>
+            </a:r>
+            <a:endParaRPr lang="zh-TW" altLang="en-US" sz="2000" b="1" dirty="0">
+              <a:solidFill>
+                <a:schemeClr val="tx1"/>
+              </a:solidFill>
+              <a:latin typeface="微軟正黑體" panose="020B0604030504040204" pitchFamily="34" charset="-120"/>
+              <a:ea typeface="微軟正黑體" panose="020B0604030504040204" pitchFamily="34" charset="-120"/>
+            </a:endParaRPr>
+          </a:p>
+        </p:txBody>
+      </p:sp>
+      <p:sp>
+        <p:nvSpPr>
+          <p:cNvPr id="126" name="矩形 125"/>
+          <p:cNvSpPr/>
+          <p:nvPr/>
+        </p:nvSpPr>
+        <p:spPr>
+          <a:xfrm>
+            <a:off x="9800686" y="996875"/>
+            <a:ext cx="1625272" cy="313160"/>
+          </a:xfrm>
+          <a:prstGeom prst="rect">
+            <a:avLst/>
+          </a:prstGeom>
+          <a:solidFill>
+            <a:srgbClr val="21222D"/>
+          </a:solidFill>
+          <a:ln>
+            <a:noFill/>
+          </a:ln>
+        </p:spPr>
+        <p:style>
+          <a:lnRef idx="2">
+            <a:schemeClr val="accent1">
+              <a:shade val="50000"/>
+            </a:schemeClr>
+          </a:lnRef>
+          <a:fillRef idx="1">
+            <a:schemeClr val="accent1"/>
+          </a:fillRef>
+          <a:effectRef idx="0">
+            <a:schemeClr val="accent1"/>
+          </a:effectRef>
+          <a:fontRef idx="minor">
+            <a:schemeClr val="lt1"/>
+          </a:fontRef>
+        </p:style>
+        <p:txBody>
+          <a:bodyPr rtlCol="0" anchor="ctr"/>
+          <a:lstStyle/>
+          <a:p>
+            <a:pPr algn="ctr"/>
+            <a:r>
+              <a:rPr lang="zh-TW" altLang="en-US" sz="2000" b="1" dirty="0" smtClean="0">
+                <a:solidFill>
+                  <a:schemeClr val="tx1"/>
+                </a:solidFill>
+                <a:latin typeface="微軟正黑體" panose="020B0604030504040204" pitchFamily="34" charset="-120"/>
+                <a:ea typeface="微軟正黑體" panose="020B0604030504040204" pitchFamily="34" charset="-120"/>
+              </a:rPr>
+              <a:t>個人檔案</a:t>
+            </a:r>
+            <a:endParaRPr lang="zh-TW" altLang="en-US" sz="2000" b="1" dirty="0">
+              <a:solidFill>
+                <a:schemeClr val="tx1"/>
+              </a:solidFill>
+              <a:latin typeface="微軟正黑體" panose="020B0604030504040204" pitchFamily="34" charset="-120"/>
+              <a:ea typeface="微軟正黑體" panose="020B0604030504040204" pitchFamily="34" charset="-120"/>
+            </a:endParaRPr>
+          </a:p>
+        </p:txBody>
+      </p:sp>
+      <p:sp>
+        <p:nvSpPr>
+          <p:cNvPr id="140" name="矩形 139"/>
+          <p:cNvSpPr/>
+          <p:nvPr/>
+        </p:nvSpPr>
+        <p:spPr>
+          <a:xfrm>
+            <a:off x="9216351" y="97368"/>
+            <a:ext cx="2236485" cy="438945"/>
+          </a:xfrm>
+          <a:prstGeom prst="rect">
+            <a:avLst/>
+          </a:prstGeom>
+          <a:noFill/>
+          <a:ln>
+            <a:noFill/>
+          </a:ln>
+        </p:spPr>
+        <p:style>
+          <a:lnRef idx="2">
+            <a:schemeClr val="accent1">
+              <a:shade val="50000"/>
+            </a:schemeClr>
+          </a:lnRef>
+          <a:fillRef idx="1">
+            <a:schemeClr val="accent1"/>
+          </a:fillRef>
+          <a:effectRef idx="0">
+            <a:schemeClr val="accent1"/>
+          </a:effectRef>
+          <a:fontRef idx="minor">
+            <a:schemeClr val="lt1"/>
+          </a:fontRef>
+        </p:style>
+        <p:txBody>
+          <a:bodyPr rtlCol="0" anchor="ctr"/>
+          <a:lstStyle/>
+          <a:p>
+            <a:pPr algn="ctr"/>
+            <a:r>
+              <a:rPr lang="zh-TW" altLang="en-US" sz="1600" b="1" dirty="0" smtClean="0">
+                <a:solidFill>
+                  <a:schemeClr val="tx1">
+                    <a:lumMod val="85000"/>
+                  </a:schemeClr>
+                </a:solidFill>
+                <a:latin typeface="微軟正黑體" panose="020B0604030504040204" pitchFamily="34" charset="-120"/>
+                <a:ea typeface="微軟正黑體" panose="020B0604030504040204" pitchFamily="34" charset="-120"/>
+              </a:rPr>
+              <a:t>曾柏 </a:t>
+            </a:r>
+            <a:r>
+              <a:rPr lang="en-US" altLang="zh-TW" sz="1600" b="1" dirty="0" smtClean="0">
+                <a:solidFill>
+                  <a:schemeClr val="tx1">
+                    <a:lumMod val="85000"/>
+                  </a:schemeClr>
+                </a:solidFill>
+                <a:latin typeface="微軟正黑體" panose="020B0604030504040204" pitchFamily="34" charset="-120"/>
+                <a:ea typeface="微軟正黑體" panose="020B0604030504040204" pitchFamily="34" charset="-120"/>
+              </a:rPr>
+              <a:t>(D786938)</a:t>
+            </a:r>
+            <a:endParaRPr lang="zh-TW" altLang="en-US" sz="1600" b="1" dirty="0">
+              <a:solidFill>
+                <a:schemeClr val="tx1">
+                  <a:lumMod val="85000"/>
+                </a:schemeClr>
+              </a:solidFill>
+              <a:latin typeface="微軟正黑體" panose="020B0604030504040204" pitchFamily="34" charset="-120"/>
+              <a:ea typeface="微軟正黑體" panose="020B0604030504040204" pitchFamily="34" charset="-120"/>
+            </a:endParaRPr>
+          </a:p>
+        </p:txBody>
+      </p:sp>
+      <p:grpSp>
+        <p:nvGrpSpPr>
+          <p:cNvPr id="141" name="群組 140"/>
+          <p:cNvGrpSpPr/>
+          <p:nvPr/>
+        </p:nvGrpSpPr>
+        <p:grpSpPr>
+          <a:xfrm>
+            <a:off x="11354770" y="97368"/>
+            <a:ext cx="467648" cy="467648"/>
+            <a:chOff x="9652574" y="1504621"/>
+            <a:chExt cx="2026919" cy="2026919"/>
+          </a:xfrm>
+        </p:grpSpPr>
+        <p:sp>
+          <p:nvSpPr>
+            <p:cNvPr id="142" name="橢圓 141"/>
+            <p:cNvSpPr/>
+            <p:nvPr/>
+          </p:nvSpPr>
+          <p:spPr>
+            <a:xfrm>
+              <a:off x="9652574" y="1504621"/>
+              <a:ext cx="2026919" cy="2026919"/>
+            </a:xfrm>
+            <a:prstGeom prst="ellipse">
+              <a:avLst/>
+            </a:prstGeom>
+            <a:noFill/>
+            <a:ln w="28575">
+              <a:solidFill>
+                <a:schemeClr val="accent4">
+                  <a:lumMod val="40000"/>
+                  <a:lumOff val="60000"/>
+                </a:schemeClr>
+              </a:solidFill>
+            </a:ln>
+          </p:spPr>
+          <p:style>
+            <a:lnRef idx="2">
+              <a:schemeClr val="accent1">
+                <a:shade val="50000"/>
+              </a:schemeClr>
+            </a:lnRef>
+            <a:fillRef idx="1">
+              <a:schemeClr val="accent1"/>
+            </a:fillRef>
+            <a:effectRef idx="0">
+              <a:schemeClr val="accent1"/>
+            </a:effectRef>
+            <a:fontRef idx="minor">
+              <a:schemeClr val="lt1"/>
+            </a:fontRef>
+          </p:style>
+          <p:txBody>
+            <a:bodyPr rtlCol="0" anchor="ctr"/>
+            <a:lstStyle/>
+            <a:p>
+              <a:pPr algn="ctr"/>
+              <a:endParaRPr lang="zh-TW" altLang="en-US"/>
+            </a:p>
+          </p:txBody>
+        </p:sp>
+        <p:pic>
+          <p:nvPicPr>
+            <p:cNvPr id="143" name="Picture 2" descr="Portrait of Japanese Doctor Patients and healthcare professionals at a hospital or medical clinic in Tokyo, Japan. Japanese Ethnicity Stock Photo"/>
+            <p:cNvPicPr>
+              <a:picLocks noChangeAspect="1" noChangeArrowheads="1"/>
+            </p:cNvPicPr>
+            <p:nvPr/>
+          </p:nvPicPr>
+          <p:blipFill rotWithShape="1">
+            <a:blip r:embed="rId3" cstate="print">
+              <a:extLst>
+                <a:ext uri="{28A0092B-C50C-407E-A947-70E740481C1C}">
+                  <a14:useLocalDpi xmlns:a14="http://schemas.microsoft.com/office/drawing/2010/main" val="0"/>
+                </a:ext>
+              </a:extLst>
+            </a:blip>
+            <a:srcRect l="42631" t="5226" r="33423" b="49365"/>
+            <a:stretch/>
+          </p:blipFill>
+          <p:spPr bwMode="auto">
+            <a:xfrm>
+              <a:off x="9725793" y="1572027"/>
+              <a:ext cx="1900800" cy="1900800"/>
+            </a:xfrm>
+            <a:prstGeom prst="ellipse">
+              <a:avLst/>
+            </a:prstGeom>
+            <a:noFill/>
+            <a:extLst>
+              <a:ext uri="{909E8E84-426E-40DD-AFC4-6F175D3DCCD1}">
+                <a14:hiddenFill xmlns:a14="http://schemas.microsoft.com/office/drawing/2010/main">
+                  <a:solidFill>
+                    <a:srgbClr val="FFFFFF"/>
+                  </a:solidFill>
+                </a14:hiddenFill>
+              </a:ext>
+            </a:extLst>
+          </p:spPr>
+        </p:pic>
+      </p:grpSp>
+    </p:spTree>
+    <p:extLst>
+      <p:ext uri="{BB962C8B-B14F-4D97-AF65-F5344CB8AC3E}">
+        <p14:creationId xmlns:p14="http://schemas.microsoft.com/office/powerpoint/2010/main" val="2664689919"/>
+      </p:ext>
+    </p:extLst>
+  </p:cSld>
+  <p:clrMapOvr>
+    <a:masterClrMapping/>
+  </p:clrMapOvr>
+  <p:timing>
+    <p:tnLst>
+      <p:par>
+        <p:cTn id="1" dur="indefinite" restart="never" nodeType="tmRoot"/>
+      </p:par>
+    </p:tnLst>
+  </p:timing>
+</p:sld>
+</file>
+
+<file path=ppt/slides/slide11.xml><?xml version="1.0" encoding="utf-8"?>
+<p:sld xmlns:a="http://schemas.openxmlformats.org/drawingml/2006/main" xmlns:r="http://schemas.openxmlformats.org/officeDocument/2006/relationships" xmlns:p="http://schemas.openxmlformats.org/presentationml/2006/main">
+  <p:cSld>
+    <p:spTree>
+      <p:nvGrpSpPr>
+        <p:cNvPr id="1" name=""/>
+        <p:cNvGrpSpPr/>
+        <p:nvPr/>
+      </p:nvGrpSpPr>
+      <p:grpSpPr>
+        <a:xfrm>
+          <a:off x="0" y="0"/>
+          <a:ext cx="0" cy="0"/>
+          <a:chOff x="0" y="0"/>
+          <a:chExt cx="0" cy="0"/>
+        </a:xfrm>
+      </p:grpSpPr>
       <p:sp>
         <p:nvSpPr>
           <p:cNvPr id="124" name="圓角矩形 123"/>
@@ -6053,7 +8211,7 @@
 </p:sld>
 </file>
 
-<file path=ppt/slides/slide11.xml><?xml version="1.0" encoding="utf-8"?>
+<file path=ppt/slides/slide12.xml><?xml version="1.0" encoding="utf-8"?>
 <p:sld xmlns:a="http://schemas.openxmlformats.org/drawingml/2006/main" xmlns:r="http://schemas.openxmlformats.org/officeDocument/2006/relationships" xmlns:p="http://schemas.openxmlformats.org/presentationml/2006/main">
   <p:cSld>
     <p:spTree>
@@ -7757,7 +9915,7 @@
 </p:sld>
 </file>
 
-<file path=ppt/slides/slide12.xml><?xml version="1.0" encoding="utf-8"?>
+<file path=ppt/slides/slide13.xml><?xml version="1.0" encoding="utf-8"?>
 <p:sld xmlns:a="http://schemas.openxmlformats.org/drawingml/2006/main" xmlns:r="http://schemas.openxmlformats.org/officeDocument/2006/relationships" xmlns:p="http://schemas.openxmlformats.org/presentationml/2006/main">
   <p:cSld>
     <p:spTree>
@@ -9489,7 +11647,7 @@
 </p:sld>
 </file>
 
-<file path=ppt/slides/slide13.xml><?xml version="1.0" encoding="utf-8"?>
+<file path=ppt/slides/slide14.xml><?xml version="1.0" encoding="utf-8"?>
 <p:sld xmlns:a="http://schemas.openxmlformats.org/drawingml/2006/main" xmlns:r="http://schemas.openxmlformats.org/officeDocument/2006/relationships" xmlns:p="http://schemas.openxmlformats.org/presentationml/2006/main">
   <p:cSld>
     <p:spTree>
@@ -11532,7 +13690,7 @@
 </p:sld>
 </file>
 
-<file path=ppt/slides/slide14.xml><?xml version="1.0" encoding="utf-8"?>
+<file path=ppt/slides/slide15.xml><?xml version="1.0" encoding="utf-8"?>
 <p:sld xmlns:a="http://schemas.openxmlformats.org/drawingml/2006/main" xmlns:r="http://schemas.openxmlformats.org/officeDocument/2006/relationships" xmlns:p="http://schemas.openxmlformats.org/presentationml/2006/main">
   <p:cSld>
     <p:spTree>
@@ -15700,6 +17858,1737 @@
       </p:grpSpPr>
       <p:sp>
         <p:nvSpPr>
+          <p:cNvPr id="2" name="標題 1"/>
+          <p:cNvSpPr>
+            <a:spLocks noGrp="1"/>
+          </p:cNvSpPr>
+          <p:nvPr>
+            <p:ph type="title"/>
+          </p:nvPr>
+        </p:nvSpPr>
+        <p:spPr/>
+        <p:txBody>
+          <a:bodyPr/>
+          <a:lstStyle/>
+          <a:p>
+            <a:r>
+              <a:rPr lang="zh-TW" altLang="en-US" dirty="0" smtClean="0"/>
+              <a:t>前</a:t>
+            </a:r>
+            <a:r>
+              <a:rPr lang="zh-TW" altLang="en-US" dirty="0" smtClean="0"/>
+              <a:t>端路由</a:t>
+            </a:r>
+            <a:endParaRPr lang="zh-TW" altLang="en-US" dirty="0"/>
+          </a:p>
+        </p:txBody>
+      </p:sp>
+      <p:sp>
+        <p:nvSpPr>
+          <p:cNvPr id="4" name="矩形 3"/>
+          <p:cNvSpPr/>
+          <p:nvPr/>
+        </p:nvSpPr>
+        <p:spPr>
+          <a:xfrm>
+            <a:off x="1977829" y="3600050"/>
+            <a:ext cx="1889760" cy="656525"/>
+          </a:xfrm>
+          <a:prstGeom prst="rect">
+            <a:avLst/>
+          </a:prstGeom>
+          <a:ln w="19050">
+            <a:solidFill>
+              <a:schemeClr val="tx1"/>
+            </a:solidFill>
+          </a:ln>
+        </p:spPr>
+        <p:style>
+          <a:lnRef idx="2">
+            <a:schemeClr val="dk1">
+              <a:shade val="50000"/>
+            </a:schemeClr>
+          </a:lnRef>
+          <a:fillRef idx="1">
+            <a:schemeClr val="dk1"/>
+          </a:fillRef>
+          <a:effectRef idx="0">
+            <a:schemeClr val="dk1"/>
+          </a:effectRef>
+          <a:fontRef idx="minor">
+            <a:schemeClr val="lt1"/>
+          </a:fontRef>
+        </p:style>
+        <p:txBody>
+          <a:bodyPr rtlCol="0" anchor="ctr"/>
+          <a:lstStyle/>
+          <a:p>
+            <a:pPr algn="ctr"/>
+            <a:r>
+              <a:rPr lang="zh-TW" altLang="en-US" sz="1600" dirty="0" smtClean="0">
+                <a:latin typeface="微軟正黑體" panose="020B0604030504040204" pitchFamily="34" charset="-120"/>
+                <a:ea typeface="微軟正黑體" panose="020B0604030504040204" pitchFamily="34" charset="-120"/>
+              </a:rPr>
+              <a:t>成員管理</a:t>
+            </a:r>
+            <a:endParaRPr lang="zh-TW" altLang="en-US" sz="1600" dirty="0">
+              <a:latin typeface="微軟正黑體" panose="020B0604030504040204" pitchFamily="34" charset="-120"/>
+              <a:ea typeface="微軟正黑體" panose="020B0604030504040204" pitchFamily="34" charset="-120"/>
+            </a:endParaRPr>
+          </a:p>
+        </p:txBody>
+      </p:sp>
+      <p:sp>
+        <p:nvSpPr>
+          <p:cNvPr id="27" name="矩形 26"/>
+          <p:cNvSpPr/>
+          <p:nvPr/>
+        </p:nvSpPr>
+        <p:spPr>
+          <a:xfrm>
+            <a:off x="1977829" y="4443330"/>
+            <a:ext cx="1889760" cy="656525"/>
+          </a:xfrm>
+          <a:prstGeom prst="rect">
+            <a:avLst/>
+          </a:prstGeom>
+          <a:ln w="19050">
+            <a:solidFill>
+              <a:schemeClr val="tx1"/>
+            </a:solidFill>
+          </a:ln>
+        </p:spPr>
+        <p:style>
+          <a:lnRef idx="2">
+            <a:schemeClr val="dk1">
+              <a:shade val="50000"/>
+            </a:schemeClr>
+          </a:lnRef>
+          <a:fillRef idx="1">
+            <a:schemeClr val="dk1"/>
+          </a:fillRef>
+          <a:effectRef idx="0">
+            <a:schemeClr val="dk1"/>
+          </a:effectRef>
+          <a:fontRef idx="minor">
+            <a:schemeClr val="lt1"/>
+          </a:fontRef>
+        </p:style>
+        <p:txBody>
+          <a:bodyPr rtlCol="0" anchor="ctr"/>
+          <a:lstStyle/>
+          <a:p>
+            <a:pPr algn="ctr"/>
+            <a:r>
+              <a:rPr lang="zh-TW" altLang="en-US" sz="1600" dirty="0" smtClean="0">
+                <a:latin typeface="微軟正黑體" panose="020B0604030504040204" pitchFamily="34" charset="-120"/>
+                <a:ea typeface="微軟正黑體" panose="020B0604030504040204" pitchFamily="34" charset="-120"/>
+              </a:rPr>
+              <a:t>上傳影像</a:t>
+            </a:r>
+            <a:endParaRPr lang="zh-TW" altLang="en-US" sz="1600" dirty="0">
+              <a:latin typeface="微軟正黑體" panose="020B0604030504040204" pitchFamily="34" charset="-120"/>
+              <a:ea typeface="微軟正黑體" panose="020B0604030504040204" pitchFamily="34" charset="-120"/>
+            </a:endParaRPr>
+          </a:p>
+        </p:txBody>
+      </p:sp>
+      <p:sp>
+        <p:nvSpPr>
+          <p:cNvPr id="28" name="矩形 27"/>
+          <p:cNvSpPr/>
+          <p:nvPr/>
+        </p:nvSpPr>
+        <p:spPr>
+          <a:xfrm>
+            <a:off x="1977829" y="5286610"/>
+            <a:ext cx="1889760" cy="656525"/>
+          </a:xfrm>
+          <a:prstGeom prst="rect">
+            <a:avLst/>
+          </a:prstGeom>
+          <a:ln w="19050">
+            <a:solidFill>
+              <a:schemeClr val="tx1"/>
+            </a:solidFill>
+          </a:ln>
+        </p:spPr>
+        <p:style>
+          <a:lnRef idx="2">
+            <a:schemeClr val="dk1">
+              <a:shade val="50000"/>
+            </a:schemeClr>
+          </a:lnRef>
+          <a:fillRef idx="1">
+            <a:schemeClr val="dk1"/>
+          </a:fillRef>
+          <a:effectRef idx="0">
+            <a:schemeClr val="dk1"/>
+          </a:effectRef>
+          <a:fontRef idx="minor">
+            <a:schemeClr val="lt1"/>
+          </a:fontRef>
+        </p:style>
+        <p:txBody>
+          <a:bodyPr rtlCol="0" anchor="ctr"/>
+          <a:lstStyle/>
+          <a:p>
+            <a:pPr algn="ctr"/>
+            <a:r>
+              <a:rPr lang="zh-TW" altLang="en-US" sz="1600" dirty="0" smtClean="0">
+                <a:latin typeface="微軟正黑體" panose="020B0604030504040204" pitchFamily="34" charset="-120"/>
+                <a:ea typeface="微軟正黑體" panose="020B0604030504040204" pitchFamily="34" charset="-120"/>
+              </a:rPr>
+              <a:t>新增成員</a:t>
+            </a:r>
+            <a:endParaRPr lang="zh-TW" altLang="en-US" sz="1600" dirty="0">
+              <a:latin typeface="微軟正黑體" panose="020B0604030504040204" pitchFamily="34" charset="-120"/>
+              <a:ea typeface="微軟正黑體" panose="020B0604030504040204" pitchFamily="34" charset="-120"/>
+            </a:endParaRPr>
+          </a:p>
+        </p:txBody>
+      </p:sp>
+      <p:sp>
+        <p:nvSpPr>
+          <p:cNvPr id="29" name="矩形 28"/>
+          <p:cNvSpPr/>
+          <p:nvPr/>
+        </p:nvSpPr>
+        <p:spPr>
+          <a:xfrm>
+            <a:off x="625546" y="3600050"/>
+            <a:ext cx="1128564" cy="2343085"/>
+          </a:xfrm>
+          <a:prstGeom prst="rect">
+            <a:avLst/>
+          </a:prstGeom>
+          <a:ln w="19050">
+            <a:solidFill>
+              <a:schemeClr val="tx1"/>
+            </a:solidFill>
+          </a:ln>
+        </p:spPr>
+        <p:style>
+          <a:lnRef idx="2">
+            <a:schemeClr val="dk1">
+              <a:shade val="50000"/>
+            </a:schemeClr>
+          </a:lnRef>
+          <a:fillRef idx="1">
+            <a:schemeClr val="dk1"/>
+          </a:fillRef>
+          <a:effectRef idx="0">
+            <a:schemeClr val="dk1"/>
+          </a:effectRef>
+          <a:fontRef idx="minor">
+            <a:schemeClr val="lt1"/>
+          </a:fontRef>
+        </p:style>
+        <p:txBody>
+          <a:bodyPr rtlCol="0" anchor="ctr"/>
+          <a:lstStyle/>
+          <a:p>
+            <a:pPr algn="ctr"/>
+            <a:r>
+              <a:rPr lang="en-US" altLang="zh-TW" sz="2000" dirty="0" smtClean="0">
+                <a:latin typeface="微軟正黑體" panose="020B0604030504040204" pitchFamily="34" charset="-120"/>
+                <a:ea typeface="微軟正黑體" panose="020B0604030504040204" pitchFamily="34" charset="-120"/>
+              </a:rPr>
+              <a:t>menu</a:t>
+            </a:r>
+            <a:endParaRPr lang="zh-TW" altLang="en-US" sz="2000" dirty="0">
+              <a:latin typeface="微軟正黑體" panose="020B0604030504040204" pitchFamily="34" charset="-120"/>
+              <a:ea typeface="微軟正黑體" panose="020B0604030504040204" pitchFamily="34" charset="-120"/>
+            </a:endParaRPr>
+          </a:p>
+        </p:txBody>
+      </p:sp>
+      <p:sp>
+        <p:nvSpPr>
+          <p:cNvPr id="30" name="矩形 29"/>
+          <p:cNvSpPr/>
+          <p:nvPr/>
+        </p:nvSpPr>
+        <p:spPr>
+          <a:xfrm>
+            <a:off x="4071919" y="3600050"/>
+            <a:ext cx="1558895" cy="656526"/>
+          </a:xfrm>
+          <a:prstGeom prst="rect">
+            <a:avLst/>
+          </a:prstGeom>
+          <a:ln w="19050">
+            <a:solidFill>
+              <a:schemeClr val="tx1"/>
+            </a:solidFill>
+          </a:ln>
+        </p:spPr>
+        <p:style>
+          <a:lnRef idx="2">
+            <a:schemeClr val="dk1">
+              <a:shade val="50000"/>
+            </a:schemeClr>
+          </a:lnRef>
+          <a:fillRef idx="1">
+            <a:schemeClr val="dk1"/>
+          </a:fillRef>
+          <a:effectRef idx="0">
+            <a:schemeClr val="dk1"/>
+          </a:effectRef>
+          <a:fontRef idx="minor">
+            <a:schemeClr val="lt1"/>
+          </a:fontRef>
+        </p:style>
+        <p:txBody>
+          <a:bodyPr rtlCol="0" anchor="ctr"/>
+          <a:lstStyle/>
+          <a:p>
+            <a:pPr algn="ctr"/>
+            <a:r>
+              <a:rPr lang="zh-TW" altLang="en-US" sz="1600" dirty="0">
+                <a:latin typeface="微軟正黑體" panose="020B0604030504040204" pitchFamily="34" charset="-120"/>
+                <a:ea typeface="微軟正黑體" panose="020B0604030504040204" pitchFamily="34" charset="-120"/>
+              </a:rPr>
+              <a:t>醫師</a:t>
+            </a:r>
+            <a:r>
+              <a:rPr lang="zh-TW" altLang="en-US" sz="1600" dirty="0" smtClean="0">
+                <a:latin typeface="微軟正黑體" panose="020B0604030504040204" pitchFamily="34" charset="-120"/>
+                <a:ea typeface="微軟正黑體" panose="020B0604030504040204" pitchFamily="34" charset="-120"/>
+              </a:rPr>
+              <a:t>自介</a:t>
+            </a:r>
+            <a:endParaRPr lang="zh-TW" altLang="en-US" sz="1600" dirty="0">
+              <a:latin typeface="微軟正黑體" panose="020B0604030504040204" pitchFamily="34" charset="-120"/>
+              <a:ea typeface="微軟正黑體" panose="020B0604030504040204" pitchFamily="34" charset="-120"/>
+            </a:endParaRPr>
+          </a:p>
+        </p:txBody>
+      </p:sp>
+      <p:sp>
+        <p:nvSpPr>
+          <p:cNvPr id="32" name="矩形 31"/>
+          <p:cNvSpPr/>
+          <p:nvPr/>
+        </p:nvSpPr>
+        <p:spPr>
+          <a:xfrm>
+            <a:off x="4081612" y="4443329"/>
+            <a:ext cx="1558895" cy="656526"/>
+          </a:xfrm>
+          <a:prstGeom prst="rect">
+            <a:avLst/>
+          </a:prstGeom>
+          <a:ln w="19050">
+            <a:solidFill>
+              <a:schemeClr val="tx1"/>
+            </a:solidFill>
+          </a:ln>
+        </p:spPr>
+        <p:style>
+          <a:lnRef idx="2">
+            <a:schemeClr val="dk1">
+              <a:shade val="50000"/>
+            </a:schemeClr>
+          </a:lnRef>
+          <a:fillRef idx="1">
+            <a:schemeClr val="dk1"/>
+          </a:fillRef>
+          <a:effectRef idx="0">
+            <a:schemeClr val="dk1"/>
+          </a:effectRef>
+          <a:fontRef idx="minor">
+            <a:schemeClr val="lt1"/>
+          </a:fontRef>
+        </p:style>
+        <p:txBody>
+          <a:bodyPr rtlCol="0" anchor="ctr"/>
+          <a:lstStyle/>
+          <a:p>
+            <a:pPr algn="ctr"/>
+            <a:r>
+              <a:rPr lang="zh-TW" altLang="en-US" sz="1600" dirty="0" smtClean="0">
+                <a:latin typeface="微軟正黑體" panose="020B0604030504040204" pitchFamily="34" charset="-120"/>
+                <a:ea typeface="微軟正黑體" panose="020B0604030504040204" pitchFamily="34" charset="-120"/>
+              </a:rPr>
+              <a:t>預覽</a:t>
+            </a:r>
+            <a:endParaRPr lang="zh-TW" altLang="en-US" sz="1600" dirty="0">
+              <a:latin typeface="微軟正黑體" panose="020B0604030504040204" pitchFamily="34" charset="-120"/>
+              <a:ea typeface="微軟正黑體" panose="020B0604030504040204" pitchFamily="34" charset="-120"/>
+            </a:endParaRPr>
+          </a:p>
+        </p:txBody>
+      </p:sp>
+      <p:sp>
+        <p:nvSpPr>
+          <p:cNvPr id="33" name="矩形 32"/>
+          <p:cNvSpPr/>
+          <p:nvPr/>
+        </p:nvSpPr>
+        <p:spPr>
+          <a:xfrm>
+            <a:off x="4101196" y="5286608"/>
+            <a:ext cx="1558895" cy="656526"/>
+          </a:xfrm>
+          <a:prstGeom prst="rect">
+            <a:avLst/>
+          </a:prstGeom>
+          <a:ln w="19050">
+            <a:solidFill>
+              <a:schemeClr val="tx1"/>
+            </a:solidFill>
+          </a:ln>
+        </p:spPr>
+        <p:style>
+          <a:lnRef idx="2">
+            <a:schemeClr val="dk1">
+              <a:shade val="50000"/>
+            </a:schemeClr>
+          </a:lnRef>
+          <a:fillRef idx="1">
+            <a:schemeClr val="dk1"/>
+          </a:fillRef>
+          <a:effectRef idx="0">
+            <a:schemeClr val="dk1"/>
+          </a:effectRef>
+          <a:fontRef idx="minor">
+            <a:schemeClr val="lt1"/>
+          </a:fontRef>
+        </p:style>
+        <p:txBody>
+          <a:bodyPr rtlCol="0" anchor="ctr"/>
+          <a:lstStyle/>
+          <a:p>
+            <a:pPr algn="ctr"/>
+            <a:r>
+              <a:rPr lang="zh-TW" altLang="en-US" sz="1600" dirty="0" smtClean="0">
+                <a:latin typeface="微軟正黑體" panose="020B0604030504040204" pitchFamily="34" charset="-120"/>
+                <a:ea typeface="微軟正黑體" panose="020B0604030504040204" pitchFamily="34" charset="-120"/>
+              </a:rPr>
+              <a:t>預覽</a:t>
+            </a:r>
+            <a:endParaRPr lang="zh-TW" altLang="en-US" sz="1600" dirty="0">
+              <a:latin typeface="微軟正黑體" panose="020B0604030504040204" pitchFamily="34" charset="-120"/>
+              <a:ea typeface="微軟正黑體" panose="020B0604030504040204" pitchFamily="34" charset="-120"/>
+            </a:endParaRPr>
+          </a:p>
+        </p:txBody>
+      </p:sp>
+      <p:cxnSp>
+        <p:nvCxnSpPr>
+          <p:cNvPr id="12" name="直線接點 11"/>
+          <p:cNvCxnSpPr>
+            <a:stCxn id="4" idx="3"/>
+            <a:endCxn id="30" idx="1"/>
+          </p:cNvCxnSpPr>
+          <p:nvPr/>
+        </p:nvCxnSpPr>
+        <p:spPr>
+          <a:xfrm>
+            <a:off x="3867589" y="3928313"/>
+            <a:ext cx="204330" cy="0"/>
+          </a:xfrm>
+          <a:prstGeom prst="line">
+            <a:avLst/>
+          </a:prstGeom>
+          <a:ln w="19050">
+            <a:solidFill>
+              <a:schemeClr val="tx1">
+                <a:lumMod val="75000"/>
+              </a:schemeClr>
+            </a:solidFill>
+          </a:ln>
+        </p:spPr>
+        <p:style>
+          <a:lnRef idx="1">
+            <a:schemeClr val="accent1"/>
+          </a:lnRef>
+          <a:fillRef idx="0">
+            <a:schemeClr val="accent1"/>
+          </a:fillRef>
+          <a:effectRef idx="0">
+            <a:schemeClr val="accent1"/>
+          </a:effectRef>
+          <a:fontRef idx="minor">
+            <a:schemeClr val="tx1"/>
+          </a:fontRef>
+        </p:style>
+      </p:cxnSp>
+      <p:cxnSp>
+        <p:nvCxnSpPr>
+          <p:cNvPr id="38" name="直線接點 37"/>
+          <p:cNvCxnSpPr>
+            <a:stCxn id="28" idx="3"/>
+            <a:endCxn id="33" idx="1"/>
+          </p:cNvCxnSpPr>
+          <p:nvPr/>
+        </p:nvCxnSpPr>
+        <p:spPr>
+          <a:xfrm flipV="1">
+            <a:off x="3867589" y="5614871"/>
+            <a:ext cx="233607" cy="2"/>
+          </a:xfrm>
+          <a:prstGeom prst="line">
+            <a:avLst/>
+          </a:prstGeom>
+          <a:ln w="19050">
+            <a:solidFill>
+              <a:schemeClr val="tx1">
+                <a:lumMod val="75000"/>
+              </a:schemeClr>
+            </a:solidFill>
+          </a:ln>
+        </p:spPr>
+        <p:style>
+          <a:lnRef idx="1">
+            <a:schemeClr val="accent1"/>
+          </a:lnRef>
+          <a:fillRef idx="0">
+            <a:schemeClr val="accent1"/>
+          </a:fillRef>
+          <a:effectRef idx="0">
+            <a:schemeClr val="accent1"/>
+          </a:effectRef>
+          <a:fontRef idx="minor">
+            <a:schemeClr val="tx1"/>
+          </a:fontRef>
+        </p:style>
+      </p:cxnSp>
+      <p:cxnSp>
+        <p:nvCxnSpPr>
+          <p:cNvPr id="39" name="直線接點 38"/>
+          <p:cNvCxnSpPr>
+            <a:stCxn id="27" idx="3"/>
+            <a:endCxn id="32" idx="1"/>
+          </p:cNvCxnSpPr>
+          <p:nvPr/>
+        </p:nvCxnSpPr>
+        <p:spPr>
+          <a:xfrm flipV="1">
+            <a:off x="3867589" y="4771592"/>
+            <a:ext cx="214023" cy="1"/>
+          </a:xfrm>
+          <a:prstGeom prst="line">
+            <a:avLst/>
+          </a:prstGeom>
+          <a:ln w="19050">
+            <a:solidFill>
+              <a:schemeClr val="tx1">
+                <a:lumMod val="75000"/>
+              </a:schemeClr>
+            </a:solidFill>
+          </a:ln>
+        </p:spPr>
+        <p:style>
+          <a:lnRef idx="1">
+            <a:schemeClr val="accent1"/>
+          </a:lnRef>
+          <a:fillRef idx="0">
+            <a:schemeClr val="accent1"/>
+          </a:fillRef>
+          <a:effectRef idx="0">
+            <a:schemeClr val="accent1"/>
+          </a:effectRef>
+          <a:fontRef idx="minor">
+            <a:schemeClr val="tx1"/>
+          </a:fontRef>
+        </p:style>
+      </p:cxnSp>
+      <p:sp>
+        <p:nvSpPr>
+          <p:cNvPr id="42" name="矩形 41"/>
+          <p:cNvSpPr/>
+          <p:nvPr/>
+        </p:nvSpPr>
+        <p:spPr>
+          <a:xfrm>
+            <a:off x="635240" y="2615262"/>
+            <a:ext cx="1889760" cy="656525"/>
+          </a:xfrm>
+          <a:prstGeom prst="rect">
+            <a:avLst/>
+          </a:prstGeom>
+          <a:ln w="19050">
+            <a:solidFill>
+              <a:schemeClr val="tx1"/>
+            </a:solidFill>
+          </a:ln>
+        </p:spPr>
+        <p:style>
+          <a:lnRef idx="2">
+            <a:schemeClr val="dk1">
+              <a:shade val="50000"/>
+            </a:schemeClr>
+          </a:lnRef>
+          <a:fillRef idx="1">
+            <a:schemeClr val="dk1"/>
+          </a:fillRef>
+          <a:effectRef idx="0">
+            <a:schemeClr val="dk1"/>
+          </a:effectRef>
+          <a:fontRef idx="minor">
+            <a:schemeClr val="lt1"/>
+          </a:fontRef>
+        </p:style>
+        <p:txBody>
+          <a:bodyPr rtlCol="0" anchor="ctr"/>
+          <a:lstStyle/>
+          <a:p>
+            <a:pPr algn="ctr"/>
+            <a:r>
+              <a:rPr lang="zh-TW" altLang="en-US" sz="1600" dirty="0" smtClean="0">
+                <a:latin typeface="微軟正黑體" panose="020B0604030504040204" pitchFamily="34" charset="-120"/>
+                <a:ea typeface="微軟正黑體" panose="020B0604030504040204" pitchFamily="34" charset="-120"/>
+              </a:rPr>
+              <a:t>醫生</a:t>
+            </a:r>
+            <a:r>
+              <a:rPr lang="zh-TW" altLang="en-US" sz="1600" dirty="0">
+                <a:latin typeface="微軟正黑體" panose="020B0604030504040204" pitchFamily="34" charset="-120"/>
+                <a:ea typeface="微軟正黑體" panose="020B0604030504040204" pitchFamily="34" charset="-120"/>
+              </a:rPr>
+              <a:t>畫面</a:t>
+            </a:r>
+            <a:endParaRPr lang="zh-TW" altLang="en-US" sz="1600" dirty="0">
+              <a:latin typeface="微軟正黑體" panose="020B0604030504040204" pitchFamily="34" charset="-120"/>
+              <a:ea typeface="微軟正黑體" panose="020B0604030504040204" pitchFamily="34" charset="-120"/>
+            </a:endParaRPr>
+          </a:p>
+        </p:txBody>
+      </p:sp>
+      <p:sp>
+        <p:nvSpPr>
+          <p:cNvPr id="43" name="矩形 42"/>
+          <p:cNvSpPr/>
+          <p:nvPr/>
+        </p:nvSpPr>
+        <p:spPr>
+          <a:xfrm>
+            <a:off x="1871615" y="3474255"/>
+            <a:ext cx="3870960" cy="883920"/>
+          </a:xfrm>
+          <a:prstGeom prst="rect">
+            <a:avLst/>
+          </a:prstGeom>
+          <a:noFill/>
+          <a:ln w="19050">
+            <a:solidFill>
+              <a:schemeClr val="tx1"/>
+            </a:solidFill>
+            <a:prstDash val="dash"/>
+          </a:ln>
+        </p:spPr>
+        <p:style>
+          <a:lnRef idx="2">
+            <a:schemeClr val="dk1">
+              <a:shade val="50000"/>
+            </a:schemeClr>
+          </a:lnRef>
+          <a:fillRef idx="1">
+            <a:schemeClr val="dk1"/>
+          </a:fillRef>
+          <a:effectRef idx="0">
+            <a:schemeClr val="dk1"/>
+          </a:effectRef>
+          <a:fontRef idx="minor">
+            <a:schemeClr val="lt1"/>
+          </a:fontRef>
+        </p:style>
+        <p:txBody>
+          <a:bodyPr rtlCol="0" anchor="ctr"/>
+          <a:lstStyle/>
+          <a:p>
+            <a:pPr algn="ctr"/>
+            <a:endParaRPr lang="zh-TW" altLang="en-US" sz="2000" dirty="0">
+              <a:latin typeface="微軟正黑體" panose="020B0604030504040204" pitchFamily="34" charset="-120"/>
+              <a:ea typeface="微軟正黑體" panose="020B0604030504040204" pitchFamily="34" charset="-120"/>
+            </a:endParaRPr>
+          </a:p>
+        </p:txBody>
+      </p:sp>
+      <p:sp>
+        <p:nvSpPr>
+          <p:cNvPr id="19" name="文字方塊 18"/>
+          <p:cNvSpPr txBox="1"/>
+          <p:nvPr/>
+        </p:nvSpPr>
+        <p:spPr>
+          <a:xfrm>
+            <a:off x="6077581" y="3743646"/>
+            <a:ext cx="625556" cy="369332"/>
+          </a:xfrm>
+          <a:prstGeom prst="rect">
+            <a:avLst/>
+          </a:prstGeom>
+          <a:noFill/>
+        </p:spPr>
+        <p:txBody>
+          <a:bodyPr wrap="none" rtlCol="0">
+            <a:spAutoFit/>
+          </a:bodyPr>
+          <a:lstStyle/>
+          <a:p>
+            <a:r>
+              <a:rPr lang="en-US" altLang="zh-TW" dirty="0" smtClean="0"/>
+              <a:t>Root</a:t>
+            </a:r>
+            <a:endParaRPr lang="zh-TW" altLang="en-US" dirty="0"/>
+          </a:p>
+        </p:txBody>
+      </p:sp>
+      <p:sp>
+        <p:nvSpPr>
+          <p:cNvPr id="45" name="文字方塊 44"/>
+          <p:cNvSpPr txBox="1"/>
+          <p:nvPr/>
+        </p:nvSpPr>
+        <p:spPr>
+          <a:xfrm>
+            <a:off x="5913676" y="4586926"/>
+            <a:ext cx="935641" cy="369332"/>
+          </a:xfrm>
+          <a:prstGeom prst="rect">
+            <a:avLst/>
+          </a:prstGeom>
+          <a:noFill/>
+        </p:spPr>
+        <p:txBody>
+          <a:bodyPr wrap="none" rtlCol="0">
+            <a:spAutoFit/>
+          </a:bodyPr>
+          <a:lstStyle/>
+          <a:p>
+            <a:r>
+              <a:rPr lang="en-US" altLang="zh-TW" dirty="0" smtClean="0"/>
+              <a:t>Router1</a:t>
+            </a:r>
+            <a:endParaRPr lang="zh-TW" altLang="en-US" dirty="0"/>
+          </a:p>
+        </p:txBody>
+      </p:sp>
+      <p:sp>
+        <p:nvSpPr>
+          <p:cNvPr id="46" name="文字方塊 45"/>
+          <p:cNvSpPr txBox="1"/>
+          <p:nvPr/>
+        </p:nvSpPr>
+        <p:spPr>
+          <a:xfrm>
+            <a:off x="5916698" y="5430206"/>
+            <a:ext cx="935641" cy="369332"/>
+          </a:xfrm>
+          <a:prstGeom prst="rect">
+            <a:avLst/>
+          </a:prstGeom>
+          <a:noFill/>
+        </p:spPr>
+        <p:txBody>
+          <a:bodyPr wrap="none" rtlCol="0">
+            <a:spAutoFit/>
+          </a:bodyPr>
+          <a:lstStyle/>
+          <a:p>
+            <a:r>
+              <a:rPr lang="en-US" altLang="zh-TW" dirty="0" smtClean="0"/>
+              <a:t>Router2</a:t>
+            </a:r>
+            <a:endParaRPr lang="zh-TW" altLang="en-US" dirty="0"/>
+          </a:p>
+        </p:txBody>
+      </p:sp>
+      <p:sp>
+        <p:nvSpPr>
+          <p:cNvPr id="47" name="文字方塊 46"/>
+          <p:cNvSpPr txBox="1"/>
+          <p:nvPr/>
+        </p:nvSpPr>
+        <p:spPr>
+          <a:xfrm>
+            <a:off x="2783734" y="2572104"/>
+            <a:ext cx="750526" cy="369332"/>
+          </a:xfrm>
+          <a:prstGeom prst="rect">
+            <a:avLst/>
+          </a:prstGeom>
+          <a:noFill/>
+        </p:spPr>
+        <p:txBody>
+          <a:bodyPr wrap="none" rtlCol="0">
+            <a:spAutoFit/>
+          </a:bodyPr>
+          <a:lstStyle/>
+          <a:p>
+            <a:r>
+              <a:rPr lang="en-US" altLang="zh-TW" dirty="0" smtClean="0"/>
+              <a:t>Home</a:t>
+            </a:r>
+            <a:endParaRPr lang="zh-TW" altLang="en-US" dirty="0"/>
+          </a:p>
+        </p:txBody>
+      </p:sp>
+      <p:cxnSp>
+        <p:nvCxnSpPr>
+          <p:cNvPr id="48" name="肘形接點 47"/>
+          <p:cNvCxnSpPr>
+            <a:stCxn id="42" idx="3"/>
+            <a:endCxn id="43" idx="0"/>
+          </p:cNvCxnSpPr>
+          <p:nvPr/>
+        </p:nvCxnSpPr>
+        <p:spPr>
+          <a:xfrm>
+            <a:off x="2525000" y="2943525"/>
+            <a:ext cx="1282095" cy="530730"/>
+          </a:xfrm>
+          <a:prstGeom prst="bentConnector2">
+            <a:avLst/>
+          </a:prstGeom>
+          <a:ln>
+            <a:solidFill>
+              <a:schemeClr val="tx1"/>
+            </a:solidFill>
+            <a:tailEnd type="triangle"/>
+          </a:ln>
+        </p:spPr>
+        <p:style>
+          <a:lnRef idx="1">
+            <a:schemeClr val="accent1"/>
+          </a:lnRef>
+          <a:fillRef idx="0">
+            <a:schemeClr val="accent1"/>
+          </a:fillRef>
+          <a:effectRef idx="0">
+            <a:schemeClr val="accent1"/>
+          </a:effectRef>
+          <a:fontRef idx="minor">
+            <a:schemeClr val="tx1"/>
+          </a:fontRef>
+        </p:style>
+      </p:cxnSp>
+      <p:sp>
+        <p:nvSpPr>
+          <p:cNvPr id="52" name="矩形 51"/>
+          <p:cNvSpPr/>
+          <p:nvPr/>
+        </p:nvSpPr>
+        <p:spPr>
+          <a:xfrm>
+            <a:off x="8322369" y="3600049"/>
+            <a:ext cx="1889760" cy="656525"/>
+          </a:xfrm>
+          <a:prstGeom prst="rect">
+            <a:avLst/>
+          </a:prstGeom>
+          <a:ln w="19050">
+            <a:solidFill>
+              <a:schemeClr val="tx1"/>
+            </a:solidFill>
+          </a:ln>
+        </p:spPr>
+        <p:style>
+          <a:lnRef idx="2">
+            <a:schemeClr val="dk1">
+              <a:shade val="50000"/>
+            </a:schemeClr>
+          </a:lnRef>
+          <a:fillRef idx="1">
+            <a:schemeClr val="dk1"/>
+          </a:fillRef>
+          <a:effectRef idx="0">
+            <a:schemeClr val="dk1"/>
+          </a:effectRef>
+          <a:fontRef idx="minor">
+            <a:schemeClr val="lt1"/>
+          </a:fontRef>
+        </p:style>
+        <p:txBody>
+          <a:bodyPr rtlCol="0" anchor="ctr"/>
+          <a:lstStyle/>
+          <a:p>
+            <a:pPr algn="ctr"/>
+            <a:r>
+              <a:rPr lang="zh-TW" altLang="en-US" sz="1600" dirty="0" smtClean="0">
+                <a:latin typeface="微軟正黑體" panose="020B0604030504040204" pitchFamily="34" charset="-120"/>
+                <a:ea typeface="微軟正黑體" panose="020B0604030504040204" pitchFamily="34" charset="-120"/>
+              </a:rPr>
+              <a:t>腦部分析</a:t>
+            </a:r>
+            <a:endParaRPr lang="zh-TW" altLang="en-US" sz="1600" dirty="0">
+              <a:latin typeface="微軟正黑體" panose="020B0604030504040204" pitchFamily="34" charset="-120"/>
+              <a:ea typeface="微軟正黑體" panose="020B0604030504040204" pitchFamily="34" charset="-120"/>
+            </a:endParaRPr>
+          </a:p>
+        </p:txBody>
+      </p:sp>
+      <p:sp>
+        <p:nvSpPr>
+          <p:cNvPr id="53" name="矩形 52"/>
+          <p:cNvSpPr/>
+          <p:nvPr/>
+        </p:nvSpPr>
+        <p:spPr>
+          <a:xfrm>
+            <a:off x="8322369" y="4443329"/>
+            <a:ext cx="1889760" cy="656525"/>
+          </a:xfrm>
+          <a:prstGeom prst="rect">
+            <a:avLst/>
+          </a:prstGeom>
+          <a:ln w="19050">
+            <a:solidFill>
+              <a:schemeClr val="tx1"/>
+            </a:solidFill>
+          </a:ln>
+        </p:spPr>
+        <p:style>
+          <a:lnRef idx="2">
+            <a:schemeClr val="dk1">
+              <a:shade val="50000"/>
+            </a:schemeClr>
+          </a:lnRef>
+          <a:fillRef idx="1">
+            <a:schemeClr val="dk1"/>
+          </a:fillRef>
+          <a:effectRef idx="0">
+            <a:schemeClr val="dk1"/>
+          </a:effectRef>
+          <a:fontRef idx="minor">
+            <a:schemeClr val="lt1"/>
+          </a:fontRef>
+        </p:style>
+        <p:txBody>
+          <a:bodyPr rtlCol="0" anchor="ctr"/>
+          <a:lstStyle/>
+          <a:p>
+            <a:pPr algn="ctr"/>
+            <a:r>
+              <a:rPr lang="zh-TW" altLang="en-US" sz="1600" dirty="0">
+                <a:latin typeface="微軟正黑體" panose="020B0604030504040204" pitchFamily="34" charset="-120"/>
+                <a:ea typeface="微軟正黑體" panose="020B0604030504040204" pitchFamily="34" charset="-120"/>
+              </a:rPr>
+              <a:t>影像紀錄</a:t>
+            </a:r>
+            <a:endParaRPr lang="zh-TW" altLang="en-US" sz="1600" dirty="0">
+              <a:latin typeface="微軟正黑體" panose="020B0604030504040204" pitchFamily="34" charset="-120"/>
+              <a:ea typeface="微軟正黑體" panose="020B0604030504040204" pitchFamily="34" charset="-120"/>
+            </a:endParaRPr>
+          </a:p>
+        </p:txBody>
+      </p:sp>
+      <p:sp>
+        <p:nvSpPr>
+          <p:cNvPr id="54" name="矩形 53"/>
+          <p:cNvSpPr/>
+          <p:nvPr/>
+        </p:nvSpPr>
+        <p:spPr>
+          <a:xfrm>
+            <a:off x="8322369" y="5286609"/>
+            <a:ext cx="1889760" cy="656525"/>
+          </a:xfrm>
+          <a:prstGeom prst="rect">
+            <a:avLst/>
+          </a:prstGeom>
+          <a:ln w="19050">
+            <a:solidFill>
+              <a:schemeClr val="tx1"/>
+            </a:solidFill>
+          </a:ln>
+        </p:spPr>
+        <p:style>
+          <a:lnRef idx="2">
+            <a:schemeClr val="dk1">
+              <a:shade val="50000"/>
+            </a:schemeClr>
+          </a:lnRef>
+          <a:fillRef idx="1">
+            <a:schemeClr val="dk1"/>
+          </a:fillRef>
+          <a:effectRef idx="0">
+            <a:schemeClr val="dk1"/>
+          </a:effectRef>
+          <a:fontRef idx="minor">
+            <a:schemeClr val="lt1"/>
+          </a:fontRef>
+        </p:style>
+        <p:txBody>
+          <a:bodyPr rtlCol="0" anchor="ctr"/>
+          <a:lstStyle/>
+          <a:p>
+            <a:pPr algn="ctr"/>
+            <a:r>
+              <a:rPr lang="zh-TW" altLang="en-US" sz="1600" dirty="0" smtClean="0">
+                <a:latin typeface="微軟正黑體" panose="020B0604030504040204" pitchFamily="34" charset="-120"/>
+                <a:ea typeface="微軟正黑體" panose="020B0604030504040204" pitchFamily="34" charset="-120"/>
+              </a:rPr>
+              <a:t>健康指南</a:t>
+            </a:r>
+            <a:endParaRPr lang="zh-TW" altLang="en-US" sz="1600" dirty="0">
+              <a:latin typeface="微軟正黑體" panose="020B0604030504040204" pitchFamily="34" charset="-120"/>
+              <a:ea typeface="微軟正黑體" panose="020B0604030504040204" pitchFamily="34" charset="-120"/>
+            </a:endParaRPr>
+          </a:p>
+        </p:txBody>
+      </p:sp>
+      <p:sp>
+        <p:nvSpPr>
+          <p:cNvPr id="55" name="矩形 54"/>
+          <p:cNvSpPr/>
+          <p:nvPr/>
+        </p:nvSpPr>
+        <p:spPr>
+          <a:xfrm>
+            <a:off x="6979780" y="3600049"/>
+            <a:ext cx="1128564" cy="2343085"/>
+          </a:xfrm>
+          <a:prstGeom prst="rect">
+            <a:avLst/>
+          </a:prstGeom>
+          <a:ln w="19050">
+            <a:solidFill>
+              <a:schemeClr val="tx1"/>
+            </a:solidFill>
+          </a:ln>
+        </p:spPr>
+        <p:style>
+          <a:lnRef idx="2">
+            <a:schemeClr val="dk1">
+              <a:shade val="50000"/>
+            </a:schemeClr>
+          </a:lnRef>
+          <a:fillRef idx="1">
+            <a:schemeClr val="dk1"/>
+          </a:fillRef>
+          <a:effectRef idx="0">
+            <a:schemeClr val="dk1"/>
+          </a:effectRef>
+          <a:fontRef idx="minor">
+            <a:schemeClr val="lt1"/>
+          </a:fontRef>
+        </p:style>
+        <p:txBody>
+          <a:bodyPr rtlCol="0" anchor="ctr"/>
+          <a:lstStyle/>
+          <a:p>
+            <a:pPr algn="ctr"/>
+            <a:r>
+              <a:rPr lang="en-US" altLang="zh-TW" sz="2000" dirty="0" smtClean="0">
+                <a:latin typeface="微軟正黑體" panose="020B0604030504040204" pitchFamily="34" charset="-120"/>
+                <a:ea typeface="微軟正黑體" panose="020B0604030504040204" pitchFamily="34" charset="-120"/>
+              </a:rPr>
+              <a:t>menu</a:t>
+            </a:r>
+            <a:endParaRPr lang="zh-TW" altLang="en-US" sz="2000" dirty="0">
+              <a:latin typeface="微軟正黑體" panose="020B0604030504040204" pitchFamily="34" charset="-120"/>
+              <a:ea typeface="微軟正黑體" panose="020B0604030504040204" pitchFamily="34" charset="-120"/>
+            </a:endParaRPr>
+          </a:p>
+        </p:txBody>
+      </p:sp>
+      <p:sp>
+        <p:nvSpPr>
+          <p:cNvPr id="65" name="矩形 64"/>
+          <p:cNvSpPr/>
+          <p:nvPr/>
+        </p:nvSpPr>
+        <p:spPr>
+          <a:xfrm>
+            <a:off x="6979780" y="2615261"/>
+            <a:ext cx="1889760" cy="656525"/>
+          </a:xfrm>
+          <a:prstGeom prst="rect">
+            <a:avLst/>
+          </a:prstGeom>
+          <a:ln w="19050">
+            <a:solidFill>
+              <a:schemeClr val="tx1"/>
+            </a:solidFill>
+          </a:ln>
+        </p:spPr>
+        <p:style>
+          <a:lnRef idx="2">
+            <a:schemeClr val="dk1">
+              <a:shade val="50000"/>
+            </a:schemeClr>
+          </a:lnRef>
+          <a:fillRef idx="1">
+            <a:schemeClr val="dk1"/>
+          </a:fillRef>
+          <a:effectRef idx="0">
+            <a:schemeClr val="dk1"/>
+          </a:effectRef>
+          <a:fontRef idx="minor">
+            <a:schemeClr val="lt1"/>
+          </a:fontRef>
+        </p:style>
+        <p:txBody>
+          <a:bodyPr rtlCol="0" anchor="ctr"/>
+          <a:lstStyle/>
+          <a:p>
+            <a:pPr algn="ctr"/>
+            <a:r>
+              <a:rPr lang="zh-TW" altLang="en-US" sz="1600" dirty="0" smtClean="0">
+                <a:latin typeface="微軟正黑體" panose="020B0604030504040204" pitchFamily="34" charset="-120"/>
+                <a:ea typeface="微軟正黑體" panose="020B0604030504040204" pitchFamily="34" charset="-120"/>
+              </a:rPr>
+              <a:t>成員</a:t>
+            </a:r>
+            <a:r>
+              <a:rPr lang="en-US" altLang="zh-TW" sz="1600" dirty="0" smtClean="0">
+                <a:latin typeface="微軟正黑體" panose="020B0604030504040204" pitchFamily="34" charset="-120"/>
+                <a:ea typeface="微軟正黑體" panose="020B0604030504040204" pitchFamily="34" charset="-120"/>
+              </a:rPr>
+              <a:t>APP</a:t>
+            </a:r>
+            <a:endParaRPr lang="zh-TW" altLang="en-US" sz="1600" dirty="0">
+              <a:latin typeface="微軟正黑體" panose="020B0604030504040204" pitchFamily="34" charset="-120"/>
+              <a:ea typeface="微軟正黑體" panose="020B0604030504040204" pitchFamily="34" charset="-120"/>
+            </a:endParaRPr>
+          </a:p>
+        </p:txBody>
+      </p:sp>
+      <p:sp>
+        <p:nvSpPr>
+          <p:cNvPr id="70" name="文字方塊 69"/>
+          <p:cNvSpPr txBox="1"/>
+          <p:nvPr/>
+        </p:nvSpPr>
+        <p:spPr>
+          <a:xfrm>
+            <a:off x="9274563" y="3030271"/>
+            <a:ext cx="750526" cy="369332"/>
+          </a:xfrm>
+          <a:prstGeom prst="rect">
+            <a:avLst/>
+          </a:prstGeom>
+          <a:noFill/>
+        </p:spPr>
+        <p:txBody>
+          <a:bodyPr wrap="none" rtlCol="0">
+            <a:spAutoFit/>
+          </a:bodyPr>
+          <a:lstStyle/>
+          <a:p>
+            <a:r>
+              <a:rPr lang="en-US" altLang="zh-TW" dirty="0" smtClean="0"/>
+              <a:t>Home</a:t>
+            </a:r>
+            <a:endParaRPr lang="zh-TW" altLang="en-US" dirty="0"/>
+          </a:p>
+        </p:txBody>
+      </p:sp>
+      <p:cxnSp>
+        <p:nvCxnSpPr>
+          <p:cNvPr id="71" name="肘形接點 70"/>
+          <p:cNvCxnSpPr>
+            <a:stCxn id="65" idx="3"/>
+            <a:endCxn id="74" idx="0"/>
+          </p:cNvCxnSpPr>
+          <p:nvPr/>
+        </p:nvCxnSpPr>
+        <p:spPr>
+          <a:xfrm>
+            <a:off x="8869540" y="2943524"/>
+            <a:ext cx="405023" cy="542827"/>
+          </a:xfrm>
+          <a:prstGeom prst="bentConnector2">
+            <a:avLst/>
+          </a:prstGeom>
+          <a:ln>
+            <a:solidFill>
+              <a:schemeClr val="tx1"/>
+            </a:solidFill>
+            <a:tailEnd type="triangle"/>
+          </a:ln>
+        </p:spPr>
+        <p:style>
+          <a:lnRef idx="1">
+            <a:schemeClr val="accent1"/>
+          </a:lnRef>
+          <a:fillRef idx="0">
+            <a:schemeClr val="accent1"/>
+          </a:fillRef>
+          <a:effectRef idx="0">
+            <a:schemeClr val="accent1"/>
+          </a:effectRef>
+          <a:fontRef idx="minor">
+            <a:schemeClr val="tx1"/>
+          </a:fontRef>
+        </p:style>
+      </p:cxnSp>
+      <p:sp>
+        <p:nvSpPr>
+          <p:cNvPr id="73" name="矩形 72"/>
+          <p:cNvSpPr/>
+          <p:nvPr/>
+        </p:nvSpPr>
+        <p:spPr>
+          <a:xfrm>
+            <a:off x="10426154" y="3604835"/>
+            <a:ext cx="1128564" cy="2343085"/>
+          </a:xfrm>
+          <a:prstGeom prst="rect">
+            <a:avLst/>
+          </a:prstGeom>
+          <a:ln w="19050">
+            <a:solidFill>
+              <a:schemeClr val="tx1"/>
+            </a:solidFill>
+          </a:ln>
+        </p:spPr>
+        <p:style>
+          <a:lnRef idx="2">
+            <a:schemeClr val="dk1">
+              <a:shade val="50000"/>
+            </a:schemeClr>
+          </a:lnRef>
+          <a:fillRef idx="1">
+            <a:schemeClr val="dk1"/>
+          </a:fillRef>
+          <a:effectRef idx="0">
+            <a:schemeClr val="dk1"/>
+          </a:effectRef>
+          <a:fontRef idx="minor">
+            <a:schemeClr val="lt1"/>
+          </a:fontRef>
+        </p:style>
+        <p:txBody>
+          <a:bodyPr rtlCol="0" anchor="ctr"/>
+          <a:lstStyle/>
+          <a:p>
+            <a:pPr algn="ctr"/>
+            <a:r>
+              <a:rPr lang="zh-TW" altLang="en-US" sz="1600" dirty="0" smtClean="0">
+                <a:latin typeface="微軟正黑體" panose="020B0604030504040204" pitchFamily="34" charset="-120"/>
+                <a:ea typeface="微軟正黑體" panose="020B0604030504040204" pitchFamily="34" charset="-120"/>
+              </a:rPr>
+              <a:t>成員</a:t>
+            </a:r>
+            <a:endParaRPr lang="en-US" altLang="zh-TW" sz="1600" dirty="0" smtClean="0">
+              <a:latin typeface="微軟正黑體" panose="020B0604030504040204" pitchFamily="34" charset="-120"/>
+              <a:ea typeface="微軟正黑體" panose="020B0604030504040204" pitchFamily="34" charset="-120"/>
+            </a:endParaRPr>
+          </a:p>
+          <a:p>
+            <a:pPr algn="ctr"/>
+            <a:r>
+              <a:rPr lang="zh-TW" altLang="en-US" sz="1600" dirty="0" smtClean="0">
+                <a:latin typeface="微軟正黑體" panose="020B0604030504040204" pitchFamily="34" charset="-120"/>
+                <a:ea typeface="微軟正黑體" panose="020B0604030504040204" pitchFamily="34" charset="-120"/>
+              </a:rPr>
+              <a:t>自介</a:t>
+            </a:r>
+            <a:endParaRPr lang="zh-TW" altLang="en-US" sz="1600" dirty="0">
+              <a:latin typeface="微軟正黑體" panose="020B0604030504040204" pitchFamily="34" charset="-120"/>
+              <a:ea typeface="微軟正黑體" panose="020B0604030504040204" pitchFamily="34" charset="-120"/>
+            </a:endParaRPr>
+          </a:p>
+        </p:txBody>
+      </p:sp>
+      <p:sp>
+        <p:nvSpPr>
+          <p:cNvPr id="74" name="矩形 73"/>
+          <p:cNvSpPr/>
+          <p:nvPr/>
+        </p:nvSpPr>
+        <p:spPr>
+          <a:xfrm flipH="1">
+            <a:off x="8235784" y="3486351"/>
+            <a:ext cx="2077558" cy="883920"/>
+          </a:xfrm>
+          <a:prstGeom prst="rect">
+            <a:avLst/>
+          </a:prstGeom>
+          <a:noFill/>
+          <a:ln w="19050">
+            <a:solidFill>
+              <a:schemeClr val="tx1"/>
+            </a:solidFill>
+            <a:prstDash val="dash"/>
+          </a:ln>
+        </p:spPr>
+        <p:style>
+          <a:lnRef idx="2">
+            <a:schemeClr val="dk1">
+              <a:shade val="50000"/>
+            </a:schemeClr>
+          </a:lnRef>
+          <a:fillRef idx="1">
+            <a:schemeClr val="dk1"/>
+          </a:fillRef>
+          <a:effectRef idx="0">
+            <a:schemeClr val="dk1"/>
+          </a:effectRef>
+          <a:fontRef idx="minor">
+            <a:schemeClr val="lt1"/>
+          </a:fontRef>
+        </p:style>
+        <p:txBody>
+          <a:bodyPr rtlCol="0" anchor="ctr"/>
+          <a:lstStyle/>
+          <a:p>
+            <a:pPr algn="ctr"/>
+            <a:endParaRPr lang="zh-TW" altLang="en-US" sz="2000" dirty="0">
+              <a:latin typeface="微軟正黑體" panose="020B0604030504040204" pitchFamily="34" charset="-120"/>
+              <a:ea typeface="微軟正黑體" panose="020B0604030504040204" pitchFamily="34" charset="-120"/>
+            </a:endParaRPr>
+          </a:p>
+        </p:txBody>
+      </p:sp>
+      <p:cxnSp>
+        <p:nvCxnSpPr>
+          <p:cNvPr id="75" name="肘形接點 74"/>
+          <p:cNvCxnSpPr>
+            <a:stCxn id="43" idx="3"/>
+            <a:endCxn id="65" idx="1"/>
+          </p:cNvCxnSpPr>
+          <p:nvPr/>
+        </p:nvCxnSpPr>
+        <p:spPr>
+          <a:xfrm flipV="1">
+            <a:off x="5742575" y="2943524"/>
+            <a:ext cx="1237205" cy="972691"/>
+          </a:xfrm>
+          <a:prstGeom prst="bentConnector3">
+            <a:avLst>
+              <a:gd name="adj1" fmla="val 22499"/>
+            </a:avLst>
+          </a:prstGeom>
+          <a:ln>
+            <a:solidFill>
+              <a:schemeClr val="tx1"/>
+            </a:solidFill>
+            <a:tailEnd type="triangle"/>
+          </a:ln>
+        </p:spPr>
+        <p:style>
+          <a:lnRef idx="1">
+            <a:schemeClr val="accent1"/>
+          </a:lnRef>
+          <a:fillRef idx="0">
+            <a:schemeClr val="accent1"/>
+          </a:fillRef>
+          <a:effectRef idx="0">
+            <a:schemeClr val="accent1"/>
+          </a:effectRef>
+          <a:fontRef idx="minor">
+            <a:schemeClr val="tx1"/>
+          </a:fontRef>
+        </p:style>
+      </p:cxnSp>
+      <p:sp>
+        <p:nvSpPr>
+          <p:cNvPr id="79" name="矩形 78"/>
+          <p:cNvSpPr/>
+          <p:nvPr/>
+        </p:nvSpPr>
+        <p:spPr>
+          <a:xfrm>
+            <a:off x="5445479" y="279781"/>
+            <a:ext cx="1889760" cy="656525"/>
+          </a:xfrm>
+          <a:prstGeom prst="rect">
+            <a:avLst/>
+          </a:prstGeom>
+          <a:ln w="19050">
+            <a:solidFill>
+              <a:schemeClr val="tx1"/>
+            </a:solidFill>
+          </a:ln>
+        </p:spPr>
+        <p:style>
+          <a:lnRef idx="2">
+            <a:schemeClr val="dk1">
+              <a:shade val="50000"/>
+            </a:schemeClr>
+          </a:lnRef>
+          <a:fillRef idx="1">
+            <a:schemeClr val="dk1"/>
+          </a:fillRef>
+          <a:effectRef idx="0">
+            <a:schemeClr val="dk1"/>
+          </a:effectRef>
+          <a:fontRef idx="minor">
+            <a:schemeClr val="lt1"/>
+          </a:fontRef>
+        </p:style>
+        <p:txBody>
+          <a:bodyPr rtlCol="0" anchor="ctr"/>
+          <a:lstStyle/>
+          <a:p>
+            <a:pPr algn="ctr"/>
+            <a:r>
+              <a:rPr lang="en-US" altLang="zh-TW" sz="2000" dirty="0" smtClean="0">
+                <a:latin typeface="微軟正黑體" panose="020B0604030504040204" pitchFamily="34" charset="-120"/>
+                <a:ea typeface="微軟正黑體" panose="020B0604030504040204" pitchFamily="34" charset="-120"/>
+              </a:rPr>
+              <a:t>APP</a:t>
+            </a:r>
+            <a:endParaRPr lang="zh-TW" altLang="en-US" sz="2000" dirty="0">
+              <a:latin typeface="微軟正黑體" panose="020B0604030504040204" pitchFamily="34" charset="-120"/>
+              <a:ea typeface="微軟正黑體" panose="020B0604030504040204" pitchFamily="34" charset="-120"/>
+            </a:endParaRPr>
+          </a:p>
+        </p:txBody>
+      </p:sp>
+      <p:sp>
+        <p:nvSpPr>
+          <p:cNvPr id="82" name="矩形 81"/>
+          <p:cNvSpPr/>
+          <p:nvPr/>
+        </p:nvSpPr>
+        <p:spPr>
+          <a:xfrm>
+            <a:off x="329610" y="2059088"/>
+            <a:ext cx="5584066" cy="4224753"/>
+          </a:xfrm>
+          <a:prstGeom prst="rect">
+            <a:avLst/>
+          </a:prstGeom>
+          <a:noFill/>
+          <a:ln w="19050">
+            <a:solidFill>
+              <a:srgbClr val="88B2AC"/>
+            </a:solidFill>
+            <a:prstDash val="dash"/>
+          </a:ln>
+        </p:spPr>
+        <p:style>
+          <a:lnRef idx="2">
+            <a:schemeClr val="dk1">
+              <a:shade val="50000"/>
+            </a:schemeClr>
+          </a:lnRef>
+          <a:fillRef idx="1">
+            <a:schemeClr val="dk1"/>
+          </a:fillRef>
+          <a:effectRef idx="0">
+            <a:schemeClr val="dk1"/>
+          </a:effectRef>
+          <a:fontRef idx="minor">
+            <a:schemeClr val="lt1"/>
+          </a:fontRef>
+        </p:style>
+        <p:txBody>
+          <a:bodyPr rtlCol="0" anchor="ctr"/>
+          <a:lstStyle/>
+          <a:p>
+            <a:pPr algn="ctr"/>
+            <a:endParaRPr lang="zh-TW" altLang="en-US" sz="2000" dirty="0">
+              <a:latin typeface="微軟正黑體" panose="020B0604030504040204" pitchFamily="34" charset="-120"/>
+              <a:ea typeface="微軟正黑體" panose="020B0604030504040204" pitchFamily="34" charset="-120"/>
+            </a:endParaRPr>
+          </a:p>
+        </p:txBody>
+      </p:sp>
+      <p:sp>
+        <p:nvSpPr>
+          <p:cNvPr id="83" name="矩形 82"/>
+          <p:cNvSpPr/>
+          <p:nvPr/>
+        </p:nvSpPr>
+        <p:spPr>
+          <a:xfrm>
+            <a:off x="6867042" y="2059088"/>
+            <a:ext cx="4881935" cy="4224753"/>
+          </a:xfrm>
+          <a:prstGeom prst="rect">
+            <a:avLst/>
+          </a:prstGeom>
+          <a:noFill/>
+          <a:ln w="19050">
+            <a:solidFill>
+              <a:srgbClr val="88B2AC"/>
+            </a:solidFill>
+            <a:prstDash val="dash"/>
+          </a:ln>
+        </p:spPr>
+        <p:style>
+          <a:lnRef idx="2">
+            <a:schemeClr val="dk1">
+              <a:shade val="50000"/>
+            </a:schemeClr>
+          </a:lnRef>
+          <a:fillRef idx="1">
+            <a:schemeClr val="dk1"/>
+          </a:fillRef>
+          <a:effectRef idx="0">
+            <a:schemeClr val="dk1"/>
+          </a:effectRef>
+          <a:fontRef idx="minor">
+            <a:schemeClr val="lt1"/>
+          </a:fontRef>
+        </p:style>
+        <p:txBody>
+          <a:bodyPr rtlCol="0" anchor="ctr"/>
+          <a:lstStyle/>
+          <a:p>
+            <a:pPr algn="ctr"/>
+            <a:endParaRPr lang="zh-TW" altLang="en-US" sz="2000" dirty="0">
+              <a:latin typeface="微軟正黑體" panose="020B0604030504040204" pitchFamily="34" charset="-120"/>
+              <a:ea typeface="微軟正黑體" panose="020B0604030504040204" pitchFamily="34" charset="-120"/>
+            </a:endParaRPr>
+          </a:p>
+        </p:txBody>
+      </p:sp>
+      <p:sp>
+        <p:nvSpPr>
+          <p:cNvPr id="84" name="矩形 83"/>
+          <p:cNvSpPr/>
+          <p:nvPr/>
+        </p:nvSpPr>
+        <p:spPr>
+          <a:xfrm>
+            <a:off x="5445479" y="1280373"/>
+            <a:ext cx="1889760" cy="656525"/>
+          </a:xfrm>
+          <a:prstGeom prst="rect">
+            <a:avLst/>
+          </a:prstGeom>
+          <a:ln w="19050">
+            <a:solidFill>
+              <a:schemeClr val="tx1"/>
+            </a:solidFill>
+          </a:ln>
+        </p:spPr>
+        <p:style>
+          <a:lnRef idx="2">
+            <a:schemeClr val="dk1">
+              <a:shade val="50000"/>
+            </a:schemeClr>
+          </a:lnRef>
+          <a:fillRef idx="1">
+            <a:schemeClr val="dk1"/>
+          </a:fillRef>
+          <a:effectRef idx="0">
+            <a:schemeClr val="dk1"/>
+          </a:effectRef>
+          <a:fontRef idx="minor">
+            <a:schemeClr val="lt1"/>
+          </a:fontRef>
+        </p:style>
+        <p:txBody>
+          <a:bodyPr rtlCol="0" anchor="ctr"/>
+          <a:lstStyle/>
+          <a:p>
+            <a:pPr algn="ctr"/>
+            <a:r>
+              <a:rPr lang="zh-TW" altLang="en-US" sz="1600" dirty="0" smtClean="0">
+                <a:latin typeface="微軟正黑體" panose="020B0604030504040204" pitchFamily="34" charset="-120"/>
+                <a:ea typeface="微軟正黑體" panose="020B0604030504040204" pitchFamily="34" charset="-120"/>
+              </a:rPr>
+              <a:t>登入</a:t>
+            </a:r>
+            <a:endParaRPr lang="en-US" altLang="zh-TW" sz="1600" dirty="0" smtClean="0">
+              <a:latin typeface="微軟正黑體" panose="020B0604030504040204" pitchFamily="34" charset="-120"/>
+              <a:ea typeface="微軟正黑體" panose="020B0604030504040204" pitchFamily="34" charset="-120"/>
+            </a:endParaRPr>
+          </a:p>
+        </p:txBody>
+      </p:sp>
+      <p:cxnSp>
+        <p:nvCxnSpPr>
+          <p:cNvPr id="85" name="肘形接點 84"/>
+          <p:cNvCxnSpPr>
+            <a:stCxn id="84" idx="1"/>
+            <a:endCxn id="82" idx="0"/>
+          </p:cNvCxnSpPr>
+          <p:nvPr/>
+        </p:nvCxnSpPr>
+        <p:spPr>
+          <a:xfrm rot="10800000" flipV="1">
+            <a:off x="3121643" y="1608636"/>
+            <a:ext cx="2323836" cy="450452"/>
+          </a:xfrm>
+          <a:prstGeom prst="bentConnector2">
+            <a:avLst/>
+          </a:prstGeom>
+          <a:ln>
+            <a:solidFill>
+              <a:schemeClr val="tx1"/>
+            </a:solidFill>
+            <a:tailEnd type="triangle"/>
+          </a:ln>
+        </p:spPr>
+        <p:style>
+          <a:lnRef idx="1">
+            <a:schemeClr val="accent1"/>
+          </a:lnRef>
+          <a:fillRef idx="0">
+            <a:schemeClr val="accent1"/>
+          </a:fillRef>
+          <a:effectRef idx="0">
+            <a:schemeClr val="accent1"/>
+          </a:effectRef>
+          <a:fontRef idx="minor">
+            <a:schemeClr val="tx1"/>
+          </a:fontRef>
+        </p:style>
+      </p:cxnSp>
+      <p:cxnSp>
+        <p:nvCxnSpPr>
+          <p:cNvPr id="88" name="肘形接點 87"/>
+          <p:cNvCxnSpPr>
+            <a:stCxn id="84" idx="3"/>
+            <a:endCxn id="83" idx="0"/>
+          </p:cNvCxnSpPr>
+          <p:nvPr/>
+        </p:nvCxnSpPr>
+        <p:spPr>
+          <a:xfrm>
+            <a:off x="7335239" y="1608636"/>
+            <a:ext cx="1972771" cy="450452"/>
+          </a:xfrm>
+          <a:prstGeom prst="bentConnector2">
+            <a:avLst/>
+          </a:prstGeom>
+          <a:ln>
+            <a:solidFill>
+              <a:schemeClr val="tx1"/>
+            </a:solidFill>
+            <a:tailEnd type="triangle"/>
+          </a:ln>
+        </p:spPr>
+        <p:style>
+          <a:lnRef idx="1">
+            <a:schemeClr val="accent1"/>
+          </a:lnRef>
+          <a:fillRef idx="0">
+            <a:schemeClr val="accent1"/>
+          </a:fillRef>
+          <a:effectRef idx="0">
+            <a:schemeClr val="accent1"/>
+          </a:effectRef>
+          <a:fontRef idx="minor">
+            <a:schemeClr val="tx1"/>
+          </a:fontRef>
+        </p:style>
+      </p:cxnSp>
+      <p:cxnSp>
+        <p:nvCxnSpPr>
+          <p:cNvPr id="96" name="直線單箭頭接點 95"/>
+          <p:cNvCxnSpPr>
+            <a:stCxn id="79" idx="2"/>
+            <a:endCxn id="84" idx="0"/>
+          </p:cNvCxnSpPr>
+          <p:nvPr/>
+        </p:nvCxnSpPr>
+        <p:spPr>
+          <a:xfrm>
+            <a:off x="6390359" y="936306"/>
+            <a:ext cx="0" cy="344067"/>
+          </a:xfrm>
+          <a:prstGeom prst="straightConnector1">
+            <a:avLst/>
+          </a:prstGeom>
+          <a:ln>
+            <a:solidFill>
+              <a:schemeClr val="tx1"/>
+            </a:solidFill>
+            <a:tailEnd type="triangle"/>
+          </a:ln>
+        </p:spPr>
+        <p:style>
+          <a:lnRef idx="1">
+            <a:schemeClr val="accent1"/>
+          </a:lnRef>
+          <a:fillRef idx="0">
+            <a:schemeClr val="accent1"/>
+          </a:fillRef>
+          <a:effectRef idx="0">
+            <a:schemeClr val="accent1"/>
+          </a:effectRef>
+          <a:fontRef idx="minor">
+            <a:schemeClr val="tx1"/>
+          </a:fontRef>
+        </p:style>
+      </p:cxnSp>
+      <p:sp>
+        <p:nvSpPr>
+          <p:cNvPr id="115" name="文字方塊 114"/>
+          <p:cNvSpPr txBox="1"/>
+          <p:nvPr/>
+        </p:nvSpPr>
+        <p:spPr>
+          <a:xfrm>
+            <a:off x="5949654" y="1626660"/>
+            <a:ext cx="823046" cy="369332"/>
+          </a:xfrm>
+          <a:prstGeom prst="rect">
+            <a:avLst/>
+          </a:prstGeom>
+          <a:noFill/>
+        </p:spPr>
+        <p:txBody>
+          <a:bodyPr wrap="none" rtlCol="0">
+            <a:spAutoFit/>
+          </a:bodyPr>
+          <a:lstStyle/>
+          <a:p>
+            <a:r>
+              <a:rPr lang="en-US" altLang="zh-TW" dirty="0" smtClean="0">
+                <a:solidFill>
+                  <a:srgbClr val="FFC000"/>
+                </a:solidFill>
+              </a:rPr>
+              <a:t>/</a:t>
+            </a:r>
+            <a:r>
+              <a:rPr lang="en-US" altLang="zh-TW" dirty="0" err="1" smtClean="0">
+                <a:solidFill>
+                  <a:srgbClr val="FFC000"/>
+                </a:solidFill>
+              </a:rPr>
+              <a:t>signIn</a:t>
+            </a:r>
+            <a:endParaRPr lang="zh-TW" altLang="en-US" dirty="0">
+              <a:solidFill>
+                <a:srgbClr val="FFC000"/>
+              </a:solidFill>
+            </a:endParaRPr>
+          </a:p>
+        </p:txBody>
+      </p:sp>
+    </p:spTree>
+    <p:extLst>
+      <p:ext uri="{BB962C8B-B14F-4D97-AF65-F5344CB8AC3E}">
+        <p14:creationId xmlns:p14="http://schemas.microsoft.com/office/powerpoint/2010/main" val="440783614"/>
+      </p:ext>
+    </p:extLst>
+  </p:cSld>
+  <p:clrMapOvr>
+    <a:masterClrMapping/>
+  </p:clrMapOvr>
+  <p:timing>
+    <p:tnLst>
+      <p:par>
+        <p:cTn id="1" dur="indefinite" restart="never" nodeType="tmRoot"/>
+      </p:par>
+    </p:tnLst>
+  </p:timing>
+</p:sld>
+</file>
+
+<file path=ppt/slides/slide4.xml><?xml version="1.0" encoding="utf-8"?>
+<p:sld xmlns:a="http://schemas.openxmlformats.org/drawingml/2006/main" xmlns:r="http://schemas.openxmlformats.org/officeDocument/2006/relationships" xmlns:p="http://schemas.openxmlformats.org/presentationml/2006/main">
+  <p:cSld>
+    <p:spTree>
+      <p:nvGrpSpPr>
+        <p:cNvPr id="1" name=""/>
+        <p:cNvGrpSpPr/>
+        <p:nvPr/>
+      </p:nvGrpSpPr>
+      <p:grpSpPr>
+        <a:xfrm>
+          <a:off x="0" y="0"/>
+          <a:ext cx="0" cy="0"/>
+          <a:chOff x="0" y="0"/>
+          <a:chExt cx="0" cy="0"/>
+        </a:xfrm>
+      </p:grpSpPr>
+      <p:sp>
+        <p:nvSpPr>
           <p:cNvPr id="21" name="圓角矩形 20"/>
           <p:cNvSpPr/>
           <p:nvPr/>
@@ -16438,7 +20327,7 @@
 </p:sld>
 </file>
 
-<file path=ppt/slides/slide4.xml><?xml version="1.0" encoding="utf-8"?>
+<file path=ppt/slides/slide5.xml><?xml version="1.0" encoding="utf-8"?>
 <p:sld xmlns:a="http://schemas.openxmlformats.org/drawingml/2006/main" xmlns:r="http://schemas.openxmlformats.org/officeDocument/2006/relationships" xmlns:p="http://schemas.openxmlformats.org/presentationml/2006/main">
   <p:cSld>
     <p:spTree>
@@ -18196,7 +22085,7 @@
 </p:sld>
 </file>
 
-<file path=ppt/slides/slide5.xml><?xml version="1.0" encoding="utf-8"?>
+<file path=ppt/slides/slide6.xml><?xml version="1.0" encoding="utf-8"?>
 <p:sld xmlns:a="http://schemas.openxmlformats.org/drawingml/2006/main" xmlns:r="http://schemas.openxmlformats.org/officeDocument/2006/relationships" xmlns:p="http://schemas.openxmlformats.org/presentationml/2006/main">
   <p:cSld>
     <p:spTree>
@@ -20904,7 +24793,7 @@
 </p:sld>
 </file>
 
-<file path=ppt/slides/slide6.xml><?xml version="1.0" encoding="utf-8"?>
+<file path=ppt/slides/slide7.xml><?xml version="1.0" encoding="utf-8"?>
 <p:sld xmlns:a="http://schemas.openxmlformats.org/drawingml/2006/main" xmlns:r="http://schemas.openxmlformats.org/officeDocument/2006/relationships" xmlns:p="http://schemas.openxmlformats.org/presentationml/2006/main">
   <p:cSld>
     <p:spTree>
@@ -23673,8 +27562,8 @@
           </a:p>
         </p:txBody>
       </p:sp>
-      <mc:AlternateContent xmlns:mc="http://schemas.openxmlformats.org/markup-compatibility/2006">
-        <mc:Choice xmlns:a14="http://schemas.microsoft.com/office/drawing/2010/main" Requires="a14">
+      <mc:AlternateContent xmlns:mc="http://schemas.openxmlformats.org/markup-compatibility/2006" xmlns:a14="http://schemas.microsoft.com/office/drawing/2010/main">
+        <mc:Choice Requires="a14">
           <p:sp>
             <p:nvSpPr>
               <p:cNvPr id="55" name="矩形 54"/>
@@ -23696,6 +27585,7 @@
               </a:bodyPr>
               <a:lstStyle/>
               <a:p>
+                <a:pPr/>
                 <a14:m>
                   <m:oMathPara xmlns:m="http://schemas.openxmlformats.org/officeDocument/2006/math">
                     <m:oMathParaPr>
@@ -23720,7 +27610,7 @@
             </p:txBody>
           </p:sp>
         </mc:Choice>
-        <mc:Fallback>
+        <mc:Fallback xmlns="">
           <p:sp>
             <p:nvSpPr>
               <p:cNvPr id="55" name="矩形 54"/>
@@ -23779,7 +27669,7 @@
 </p:sld>
 </file>
 
-<file path=ppt/slides/slide7.xml><?xml version="1.0" encoding="utf-8"?>
+<file path=ppt/slides/slide8.xml><?xml version="1.0" encoding="utf-8"?>
 <p:sld xmlns:a="http://schemas.openxmlformats.org/drawingml/2006/main" xmlns:r="http://schemas.openxmlformats.org/officeDocument/2006/relationships" xmlns:p="http://schemas.openxmlformats.org/presentationml/2006/main">
   <p:cSld>
     <p:spTree>
@@ -24532,7 +28422,7 @@
 </p:sld>
 </file>
 
-<file path=ppt/slides/slide8.xml><?xml version="1.0" encoding="utf-8"?>
+<file path=ppt/slides/slide9.xml><?xml version="1.0" encoding="utf-8"?>
 <p:sld xmlns:a="http://schemas.openxmlformats.org/drawingml/2006/main" xmlns:r="http://schemas.openxmlformats.org/officeDocument/2006/relationships" xmlns:p="http://schemas.openxmlformats.org/presentationml/2006/main">
   <p:cSld>
     <p:spTree>
@@ -25955,2079 +29845,6 @@
     <p:extLst>
       <p:ext uri="{BB962C8B-B14F-4D97-AF65-F5344CB8AC3E}">
         <p14:creationId xmlns:p14="http://schemas.microsoft.com/office/powerpoint/2010/main" val="444433980"/>
-      </p:ext>
-    </p:extLst>
-  </p:cSld>
-  <p:clrMapOvr>
-    <a:masterClrMapping/>
-  </p:clrMapOvr>
-  <p:timing>
-    <p:tnLst>
-      <p:par>
-        <p:cTn id="1" dur="indefinite" restart="never" nodeType="tmRoot"/>
-      </p:par>
-    </p:tnLst>
-  </p:timing>
-</p:sld>
-</file>
-
-<file path=ppt/slides/slide9.xml><?xml version="1.0" encoding="utf-8"?>
-<p:sld xmlns:a="http://schemas.openxmlformats.org/drawingml/2006/main" xmlns:r="http://schemas.openxmlformats.org/officeDocument/2006/relationships" xmlns:p="http://schemas.openxmlformats.org/presentationml/2006/main">
-  <p:cSld>
-    <p:spTree>
-      <p:nvGrpSpPr>
-        <p:cNvPr id="1" name=""/>
-        <p:cNvGrpSpPr/>
-        <p:nvPr/>
-      </p:nvGrpSpPr>
-      <p:grpSpPr>
-        <a:xfrm>
-          <a:off x="0" y="0"/>
-          <a:ext cx="0" cy="0"/>
-          <a:chOff x="0" y="0"/>
-          <a:chExt cx="0" cy="0"/>
-        </a:xfrm>
-      </p:grpSpPr>
-      <p:pic>
-        <p:nvPicPr>
-          <p:cNvPr id="2" name="圖片 1"/>
-          <p:cNvPicPr>
-            <a:picLocks noChangeAspect="1"/>
-          </p:cNvPicPr>
-          <p:nvPr/>
-        </p:nvPicPr>
-        <p:blipFill rotWithShape="1">
-          <a:blip r:embed="rId2"/>
-          <a:srcRect b="4266"/>
-          <a:stretch/>
-        </p:blipFill>
-        <p:spPr>
-          <a:xfrm>
-            <a:off x="-5340" y="632095"/>
-            <a:ext cx="2022904" cy="6205585"/>
-          </a:xfrm>
-          <a:prstGeom prst="rect">
-            <a:avLst/>
-          </a:prstGeom>
-        </p:spPr>
-      </p:pic>
-      <p:sp>
-        <p:nvSpPr>
-          <p:cNvPr id="124" name="圓角矩形 123"/>
-          <p:cNvSpPr/>
-          <p:nvPr/>
-        </p:nvSpPr>
-        <p:spPr>
-          <a:xfrm>
-            <a:off x="3197593" y="842248"/>
-            <a:ext cx="4737169" cy="5805599"/>
-          </a:xfrm>
-          <a:prstGeom prst="roundRect">
-            <a:avLst>
-              <a:gd name="adj" fmla="val 2030"/>
-            </a:avLst>
-          </a:prstGeom>
-          <a:solidFill>
-            <a:srgbClr val="21222D"/>
-          </a:solidFill>
-          <a:ln>
-            <a:noFill/>
-          </a:ln>
-        </p:spPr>
-        <p:style>
-          <a:lnRef idx="2">
-            <a:schemeClr val="accent1">
-              <a:shade val="50000"/>
-            </a:schemeClr>
-          </a:lnRef>
-          <a:fillRef idx="1">
-            <a:schemeClr val="accent1"/>
-          </a:fillRef>
-          <a:effectRef idx="0">
-            <a:schemeClr val="accent1"/>
-          </a:effectRef>
-          <a:fontRef idx="minor">
-            <a:schemeClr val="lt1"/>
-          </a:fontRef>
-        </p:style>
-        <p:txBody>
-          <a:bodyPr rtlCol="0" anchor="ctr"/>
-          <a:lstStyle/>
-          <a:p>
-            <a:pPr algn="ctr"/>
-            <a:r>
-              <a:rPr lang="zh-TW" altLang="en-US" dirty="0" smtClean="0"/>
-              <a:t> </a:t>
-            </a:r>
-            <a:endParaRPr lang="zh-TW" altLang="en-US" dirty="0"/>
-          </a:p>
-        </p:txBody>
-      </p:sp>
-      <p:grpSp>
-        <p:nvGrpSpPr>
-          <p:cNvPr id="19" name="群組 18"/>
-          <p:cNvGrpSpPr/>
-          <p:nvPr/>
-        </p:nvGrpSpPr>
-        <p:grpSpPr>
-          <a:xfrm>
-            <a:off x="-2540" y="0"/>
-            <a:ext cx="12194540" cy="632095"/>
-            <a:chOff x="-2540" y="0"/>
-            <a:chExt cx="12194540" cy="632095"/>
-          </a:xfrm>
-        </p:grpSpPr>
-        <p:sp>
-          <p:nvSpPr>
-            <p:cNvPr id="10" name="矩形 9"/>
-            <p:cNvSpPr/>
-            <p:nvPr/>
-          </p:nvSpPr>
-          <p:spPr>
-            <a:xfrm>
-              <a:off x="-2540" y="0"/>
-              <a:ext cx="12194540" cy="632095"/>
-            </a:xfrm>
-            <a:prstGeom prst="rect">
-              <a:avLst/>
-            </a:prstGeom>
-            <a:solidFill>
-              <a:srgbClr val="121318"/>
-            </a:solidFill>
-            <a:ln>
-              <a:noFill/>
-            </a:ln>
-          </p:spPr>
-          <p:style>
-            <a:lnRef idx="2">
-              <a:schemeClr val="accent1">
-                <a:shade val="50000"/>
-              </a:schemeClr>
-            </a:lnRef>
-            <a:fillRef idx="1">
-              <a:schemeClr val="accent1"/>
-            </a:fillRef>
-            <a:effectRef idx="0">
-              <a:schemeClr val="accent1"/>
-            </a:effectRef>
-            <a:fontRef idx="minor">
-              <a:schemeClr val="lt1"/>
-            </a:fontRef>
-          </p:style>
-          <p:txBody>
-            <a:bodyPr rtlCol="0" anchor="ctr"/>
-            <a:lstStyle/>
-            <a:p>
-              <a:pPr algn="ctr"/>
-              <a:endParaRPr lang="zh-TW" altLang="en-US"/>
-            </a:p>
-          </p:txBody>
-        </p:sp>
-        <p:sp>
-          <p:nvSpPr>
-            <p:cNvPr id="112" name="矩形 111"/>
-            <p:cNvSpPr/>
-            <p:nvPr/>
-          </p:nvSpPr>
-          <p:spPr>
-            <a:xfrm>
-              <a:off x="28531" y="38339"/>
-              <a:ext cx="2242754" cy="563693"/>
-            </a:xfrm>
-            <a:prstGeom prst="rect">
-              <a:avLst/>
-            </a:prstGeom>
-            <a:noFill/>
-            <a:ln>
-              <a:noFill/>
-            </a:ln>
-          </p:spPr>
-          <p:style>
-            <a:lnRef idx="2">
-              <a:schemeClr val="accent1">
-                <a:shade val="50000"/>
-              </a:schemeClr>
-            </a:lnRef>
-            <a:fillRef idx="1">
-              <a:schemeClr val="accent1"/>
-            </a:fillRef>
-            <a:effectRef idx="0">
-              <a:schemeClr val="accent1"/>
-            </a:effectRef>
-            <a:fontRef idx="minor">
-              <a:schemeClr val="lt1"/>
-            </a:fontRef>
-          </p:style>
-          <p:txBody>
-            <a:bodyPr rtlCol="0" anchor="ctr"/>
-            <a:lstStyle/>
-            <a:p>
-              <a:pPr algn="ctr"/>
-              <a:r>
-                <a:rPr lang="en-US" altLang="zh-TW" sz="2800" b="1" dirty="0" smtClean="0">
-                  <a:solidFill>
-                    <a:schemeClr val="tx1"/>
-                  </a:solidFill>
-                  <a:latin typeface="Old English Text MT" panose="03040902040508030806" pitchFamily="66" charset="0"/>
-                  <a:ea typeface="微軟正黑體" panose="020B0604030504040204" pitchFamily="34" charset="-120"/>
-                </a:rPr>
-                <a:t>Trajectory</a:t>
-              </a:r>
-              <a:endParaRPr lang="zh-TW" altLang="en-US" sz="2800" b="1" dirty="0">
-                <a:solidFill>
-                  <a:schemeClr val="tx1"/>
-                </a:solidFill>
-                <a:latin typeface="Old English Text MT" panose="03040902040508030806" pitchFamily="66" charset="0"/>
-                <a:ea typeface="微軟正黑體" panose="020B0604030504040204" pitchFamily="34" charset="-120"/>
-              </a:endParaRPr>
-            </a:p>
-          </p:txBody>
-        </p:sp>
-      </p:grpSp>
-      <p:sp>
-        <p:nvSpPr>
-          <p:cNvPr id="99" name="圓角矩形 98"/>
-          <p:cNvSpPr/>
-          <p:nvPr/>
-        </p:nvSpPr>
-        <p:spPr>
-          <a:xfrm>
-            <a:off x="9114791" y="632095"/>
-            <a:ext cx="3077209" cy="6225905"/>
-          </a:xfrm>
-          <a:prstGeom prst="roundRect">
-            <a:avLst>
-              <a:gd name="adj" fmla="val 0"/>
-            </a:avLst>
-          </a:prstGeom>
-          <a:solidFill>
-            <a:srgbClr val="21222D"/>
-          </a:solidFill>
-          <a:ln>
-            <a:noFill/>
-          </a:ln>
-        </p:spPr>
-        <p:style>
-          <a:lnRef idx="2">
-            <a:schemeClr val="accent1">
-              <a:shade val="50000"/>
-            </a:schemeClr>
-          </a:lnRef>
-          <a:fillRef idx="1">
-            <a:schemeClr val="accent1"/>
-          </a:fillRef>
-          <a:effectRef idx="0">
-            <a:schemeClr val="accent1"/>
-          </a:effectRef>
-          <a:fontRef idx="minor">
-            <a:schemeClr val="lt1"/>
-          </a:fontRef>
-        </p:style>
-        <p:txBody>
-          <a:bodyPr rtlCol="0" anchor="ctr"/>
-          <a:lstStyle/>
-          <a:p>
-            <a:pPr algn="ctr"/>
-            <a:endParaRPr lang="zh-TW" altLang="en-US"/>
-          </a:p>
-        </p:txBody>
-      </p:sp>
-      <p:sp>
-        <p:nvSpPr>
-          <p:cNvPr id="100" name="橢圓 99"/>
-          <p:cNvSpPr/>
-          <p:nvPr/>
-        </p:nvSpPr>
-        <p:spPr>
-          <a:xfrm>
-            <a:off x="9652574" y="1504612"/>
-            <a:ext cx="2026919" cy="2026919"/>
-          </a:xfrm>
-          <a:prstGeom prst="ellipse">
-            <a:avLst/>
-          </a:prstGeom>
-          <a:noFill/>
-          <a:ln w="28575">
-            <a:solidFill>
-              <a:srgbClr val="88B2AC"/>
-            </a:solidFill>
-          </a:ln>
-        </p:spPr>
-        <p:style>
-          <a:lnRef idx="2">
-            <a:schemeClr val="accent1">
-              <a:shade val="50000"/>
-            </a:schemeClr>
-          </a:lnRef>
-          <a:fillRef idx="1">
-            <a:schemeClr val="accent1"/>
-          </a:fillRef>
-          <a:effectRef idx="0">
-            <a:schemeClr val="accent1"/>
-          </a:effectRef>
-          <a:fontRef idx="minor">
-            <a:schemeClr val="lt1"/>
-          </a:fontRef>
-        </p:style>
-        <p:txBody>
-          <a:bodyPr rtlCol="0" anchor="ctr"/>
-          <a:lstStyle/>
-          <a:p>
-            <a:pPr algn="ctr"/>
-            <a:endParaRPr lang="zh-TW" altLang="en-US"/>
-          </a:p>
-        </p:txBody>
-      </p:sp>
-      <p:sp>
-        <p:nvSpPr>
-          <p:cNvPr id="101" name="矩形 100"/>
-          <p:cNvSpPr/>
-          <p:nvPr/>
-        </p:nvSpPr>
-        <p:spPr>
-          <a:xfrm>
-            <a:off x="9914753" y="3651836"/>
-            <a:ext cx="1485647" cy="438945"/>
-          </a:xfrm>
-          <a:prstGeom prst="rect">
-            <a:avLst/>
-          </a:prstGeom>
-          <a:noFill/>
-          <a:ln>
-            <a:noFill/>
-          </a:ln>
-        </p:spPr>
-        <p:style>
-          <a:lnRef idx="2">
-            <a:schemeClr val="accent1">
-              <a:shade val="50000"/>
-            </a:schemeClr>
-          </a:lnRef>
-          <a:fillRef idx="1">
-            <a:schemeClr val="accent1"/>
-          </a:fillRef>
-          <a:effectRef idx="0">
-            <a:schemeClr val="accent1"/>
-          </a:effectRef>
-          <a:fontRef idx="minor">
-            <a:schemeClr val="lt1"/>
-          </a:fontRef>
-        </p:style>
-        <p:txBody>
-          <a:bodyPr rtlCol="0" anchor="ctr"/>
-          <a:lstStyle/>
-          <a:p>
-            <a:pPr algn="ctr"/>
-            <a:r>
-              <a:rPr lang="en-US" altLang="zh-TW" sz="2000" b="1" dirty="0" smtClean="0">
-                <a:solidFill>
-                  <a:schemeClr val="tx1"/>
-                </a:solidFill>
-                <a:latin typeface="微軟正黑體" panose="020B0604030504040204" pitchFamily="34" charset="-120"/>
-                <a:ea typeface="微軟正黑體" panose="020B0604030504040204" pitchFamily="34" charset="-120"/>
-              </a:rPr>
-              <a:t>---</a:t>
-            </a:r>
-            <a:endParaRPr lang="zh-TW" altLang="en-US" sz="2000" b="1" dirty="0">
-              <a:solidFill>
-                <a:schemeClr val="tx1"/>
-              </a:solidFill>
-              <a:latin typeface="微軟正黑體" panose="020B0604030504040204" pitchFamily="34" charset="-120"/>
-              <a:ea typeface="微軟正黑體" panose="020B0604030504040204" pitchFamily="34" charset="-120"/>
-            </a:endParaRPr>
-          </a:p>
-        </p:txBody>
-      </p:sp>
-      <p:graphicFrame>
-        <p:nvGraphicFramePr>
-          <p:cNvPr id="102" name="表格 101"/>
-          <p:cNvGraphicFramePr>
-            <a:graphicFrameLocks noGrp="1"/>
-          </p:cNvGraphicFramePr>
-          <p:nvPr>
-            <p:extLst>
-              <p:ext uri="{D42A27DB-BD31-4B8C-83A1-F6EECF244321}">
-                <p14:modId xmlns:p14="http://schemas.microsoft.com/office/powerpoint/2010/main" val="455050632"/>
-              </p:ext>
-            </p:extLst>
-          </p:nvPr>
-        </p:nvGraphicFramePr>
-        <p:xfrm>
-          <a:off x="9442746" y="4289286"/>
-          <a:ext cx="2582622" cy="1483360"/>
-        </p:xfrm>
-        <a:graphic>
-          <a:graphicData uri="http://schemas.openxmlformats.org/drawingml/2006/table">
-            <a:tbl>
-              <a:tblPr firstRow="1" bandRow="1">
-                <a:tableStyleId>{2D5ABB26-0587-4C30-8999-92F81FD0307C}</a:tableStyleId>
-              </a:tblPr>
-              <a:tblGrid>
-                <a:gridCol w="1115275">
-                  <a:extLst>
-                    <a:ext uri="{9D8B030D-6E8A-4147-A177-3AD203B41FA5}">
-                      <a16:colId xmlns:a16="http://schemas.microsoft.com/office/drawing/2014/main" val="3208460249"/>
-                    </a:ext>
-                  </a:extLst>
-                </a:gridCol>
-                <a:gridCol w="1467347">
-                  <a:extLst>
-                    <a:ext uri="{9D8B030D-6E8A-4147-A177-3AD203B41FA5}">
-                      <a16:colId xmlns:a16="http://schemas.microsoft.com/office/drawing/2014/main" val="2219400454"/>
-                    </a:ext>
-                  </a:extLst>
-                </a:gridCol>
-              </a:tblGrid>
-              <a:tr h="370840">
-                <a:tc>
-                  <a:txBody>
-                    <a:bodyPr/>
-                    <a:lstStyle/>
-                    <a:p>
-                      <a:pPr algn="l"/>
-                      <a:r>
-                        <a:rPr lang="zh-TW" altLang="en-US" sz="1400" b="1" dirty="0" smtClean="0">
-                          <a:solidFill>
-                            <a:schemeClr val="tx1">
-                              <a:lumMod val="65000"/>
-                            </a:schemeClr>
-                          </a:solidFill>
-                          <a:latin typeface="微軟正黑體" panose="020B0604030504040204" pitchFamily="34" charset="-120"/>
-                          <a:ea typeface="微軟正黑體" panose="020B0604030504040204" pitchFamily="34" charset="-120"/>
-                        </a:rPr>
-                        <a:t>身分證字號</a:t>
-                      </a:r>
-                      <a:endParaRPr lang="zh-TW" altLang="en-US" sz="1400" b="1" dirty="0">
-                        <a:solidFill>
-                          <a:schemeClr val="tx1">
-                            <a:lumMod val="65000"/>
-                          </a:schemeClr>
-                        </a:solidFill>
-                        <a:latin typeface="微軟正黑體" panose="020B0604030504040204" pitchFamily="34" charset="-120"/>
-                        <a:ea typeface="微軟正黑體" panose="020B0604030504040204" pitchFamily="34" charset="-120"/>
-                      </a:endParaRPr>
-                    </a:p>
-                  </a:txBody>
-                  <a:tcPr/>
-                </a:tc>
-                <a:tc>
-                  <a:txBody>
-                    <a:bodyPr/>
-                    <a:lstStyle/>
-                    <a:p>
-                      <a:pPr algn="r"/>
-                      <a:r>
-                        <a:rPr lang="en-US" altLang="zh-TW" sz="1400" b="1" dirty="0" smtClean="0">
-                          <a:solidFill>
-                            <a:schemeClr val="tx1">
-                              <a:lumMod val="85000"/>
-                            </a:schemeClr>
-                          </a:solidFill>
-                          <a:latin typeface="微軟正黑體" panose="020B0604030504040204" pitchFamily="34" charset="-120"/>
-                          <a:ea typeface="微軟正黑體" panose="020B0604030504040204" pitchFamily="34" charset="-120"/>
-                        </a:rPr>
-                        <a:t>---</a:t>
-                      </a:r>
-                      <a:endParaRPr lang="zh-TW" altLang="en-US" sz="1400" b="1" dirty="0">
-                        <a:solidFill>
-                          <a:schemeClr val="tx1">
-                            <a:lumMod val="85000"/>
-                          </a:schemeClr>
-                        </a:solidFill>
-                        <a:latin typeface="微軟正黑體" panose="020B0604030504040204" pitchFamily="34" charset="-120"/>
-                        <a:ea typeface="微軟正黑體" panose="020B0604030504040204" pitchFamily="34" charset="-120"/>
-                      </a:endParaRPr>
-                    </a:p>
-                  </a:txBody>
-                  <a:tcPr/>
-                </a:tc>
-                <a:extLst>
-                  <a:ext uri="{0D108BD9-81ED-4DB2-BD59-A6C34878D82A}">
-                    <a16:rowId xmlns:a16="http://schemas.microsoft.com/office/drawing/2014/main" val="4260925474"/>
-                  </a:ext>
-                </a:extLst>
-              </a:tr>
-              <a:tr h="370840">
-                <a:tc>
-                  <a:txBody>
-                    <a:bodyPr/>
-                    <a:lstStyle/>
-                    <a:p>
-                      <a:pPr algn="l"/>
-                      <a:r>
-                        <a:rPr lang="zh-TW" altLang="en-US" sz="1400" b="1" dirty="0" smtClean="0">
-                          <a:solidFill>
-                            <a:schemeClr val="tx1">
-                              <a:lumMod val="65000"/>
-                            </a:schemeClr>
-                          </a:solidFill>
-                          <a:latin typeface="微軟正黑體" panose="020B0604030504040204" pitchFamily="34" charset="-120"/>
-                          <a:ea typeface="微軟正黑體" panose="020B0604030504040204" pitchFamily="34" charset="-120"/>
-                        </a:rPr>
-                        <a:t>出生日期</a:t>
-                      </a:r>
-                      <a:endParaRPr lang="zh-TW" altLang="en-US" sz="1400" b="1" dirty="0">
-                        <a:solidFill>
-                          <a:schemeClr val="tx1">
-                            <a:lumMod val="65000"/>
-                          </a:schemeClr>
-                        </a:solidFill>
-                        <a:latin typeface="微軟正黑體" panose="020B0604030504040204" pitchFamily="34" charset="-120"/>
-                        <a:ea typeface="微軟正黑體" panose="020B0604030504040204" pitchFamily="34" charset="-120"/>
-                      </a:endParaRPr>
-                    </a:p>
-                  </a:txBody>
-                  <a:tcPr/>
-                </a:tc>
-                <a:tc>
-                  <a:txBody>
-                    <a:bodyPr/>
-                    <a:lstStyle/>
-                    <a:p>
-                      <a:pPr algn="r"/>
-                      <a:r>
-                        <a:rPr lang="en-US" altLang="zh-TW" sz="1400" b="1" dirty="0" smtClean="0">
-                          <a:solidFill>
-                            <a:schemeClr val="tx1">
-                              <a:lumMod val="85000"/>
-                            </a:schemeClr>
-                          </a:solidFill>
-                          <a:latin typeface="微軟正黑體" panose="020B0604030504040204" pitchFamily="34" charset="-120"/>
-                          <a:ea typeface="微軟正黑體" panose="020B0604030504040204" pitchFamily="34" charset="-120"/>
-                        </a:rPr>
-                        <a:t>---</a:t>
-                      </a:r>
-                      <a:endParaRPr lang="zh-TW" altLang="en-US" sz="1400" b="1" dirty="0">
-                        <a:solidFill>
-                          <a:schemeClr val="tx1">
-                            <a:lumMod val="85000"/>
-                          </a:schemeClr>
-                        </a:solidFill>
-                        <a:latin typeface="微軟正黑體" panose="020B0604030504040204" pitchFamily="34" charset="-120"/>
-                        <a:ea typeface="微軟正黑體" panose="020B0604030504040204" pitchFamily="34" charset="-120"/>
-                      </a:endParaRPr>
-                    </a:p>
-                  </a:txBody>
-                  <a:tcPr/>
-                </a:tc>
-                <a:extLst>
-                  <a:ext uri="{0D108BD9-81ED-4DB2-BD59-A6C34878D82A}">
-                    <a16:rowId xmlns:a16="http://schemas.microsoft.com/office/drawing/2014/main" val="256342623"/>
-                  </a:ext>
-                </a:extLst>
-              </a:tr>
-              <a:tr h="370840">
-                <a:tc>
-                  <a:txBody>
-                    <a:bodyPr/>
-                    <a:lstStyle/>
-                    <a:p>
-                      <a:pPr algn="l"/>
-                      <a:r>
-                        <a:rPr lang="zh-TW" altLang="en-US" sz="1400" b="1" dirty="0" smtClean="0">
-                          <a:solidFill>
-                            <a:schemeClr val="tx1">
-                              <a:lumMod val="65000"/>
-                            </a:schemeClr>
-                          </a:solidFill>
-                          <a:latin typeface="微軟正黑體" panose="020B0604030504040204" pitchFamily="34" charset="-120"/>
-                          <a:ea typeface="微軟正黑體" panose="020B0604030504040204" pitchFamily="34" charset="-120"/>
-                        </a:rPr>
-                        <a:t>性別</a:t>
-                      </a:r>
-                      <a:endParaRPr lang="zh-TW" altLang="en-US" sz="1400" b="1" dirty="0">
-                        <a:solidFill>
-                          <a:schemeClr val="tx1">
-                            <a:lumMod val="65000"/>
-                          </a:schemeClr>
-                        </a:solidFill>
-                        <a:latin typeface="微軟正黑體" panose="020B0604030504040204" pitchFamily="34" charset="-120"/>
-                        <a:ea typeface="微軟正黑體" panose="020B0604030504040204" pitchFamily="34" charset="-120"/>
-                      </a:endParaRPr>
-                    </a:p>
-                  </a:txBody>
-                  <a:tcPr/>
-                </a:tc>
-                <a:tc>
-                  <a:txBody>
-                    <a:bodyPr/>
-                    <a:lstStyle/>
-                    <a:p>
-                      <a:pPr algn="r"/>
-                      <a:r>
-                        <a:rPr lang="en-US" altLang="zh-TW" sz="1400" b="1" dirty="0" smtClean="0">
-                          <a:solidFill>
-                            <a:schemeClr val="tx1">
-                              <a:lumMod val="85000"/>
-                            </a:schemeClr>
-                          </a:solidFill>
-                          <a:latin typeface="微軟正黑體" panose="020B0604030504040204" pitchFamily="34" charset="-120"/>
-                          <a:ea typeface="微軟正黑體" panose="020B0604030504040204" pitchFamily="34" charset="-120"/>
-                        </a:rPr>
-                        <a:t>---</a:t>
-                      </a:r>
-                      <a:endParaRPr lang="zh-TW" altLang="en-US" sz="1400" b="1" dirty="0">
-                        <a:solidFill>
-                          <a:schemeClr val="tx1">
-                            <a:lumMod val="85000"/>
-                          </a:schemeClr>
-                        </a:solidFill>
-                        <a:latin typeface="微軟正黑體" panose="020B0604030504040204" pitchFamily="34" charset="-120"/>
-                        <a:ea typeface="微軟正黑體" panose="020B0604030504040204" pitchFamily="34" charset="-120"/>
-                      </a:endParaRPr>
-                    </a:p>
-                  </a:txBody>
-                  <a:tcPr/>
-                </a:tc>
-                <a:extLst>
-                  <a:ext uri="{0D108BD9-81ED-4DB2-BD59-A6C34878D82A}">
-                    <a16:rowId xmlns:a16="http://schemas.microsoft.com/office/drawing/2014/main" val="3290354184"/>
-                  </a:ext>
-                </a:extLst>
-              </a:tr>
-              <a:tr h="370840">
-                <a:tc>
-                  <a:txBody>
-                    <a:bodyPr/>
-                    <a:lstStyle/>
-                    <a:p>
-                      <a:pPr algn="l"/>
-                      <a:r>
-                        <a:rPr lang="zh-TW" altLang="en-US" sz="1400" b="1" dirty="0" smtClean="0">
-                          <a:solidFill>
-                            <a:schemeClr val="tx1">
-                              <a:lumMod val="65000"/>
-                            </a:schemeClr>
-                          </a:solidFill>
-                          <a:latin typeface="微軟正黑體" panose="020B0604030504040204" pitchFamily="34" charset="-120"/>
-                          <a:ea typeface="微軟正黑體" panose="020B0604030504040204" pitchFamily="34" charset="-120"/>
-                        </a:rPr>
-                        <a:t>影像紀錄</a:t>
-                      </a:r>
-                      <a:endParaRPr lang="zh-TW" altLang="en-US" sz="1400" b="1" dirty="0">
-                        <a:solidFill>
-                          <a:schemeClr val="tx1">
-                            <a:lumMod val="65000"/>
-                          </a:schemeClr>
-                        </a:solidFill>
-                        <a:latin typeface="微軟正黑體" panose="020B0604030504040204" pitchFamily="34" charset="-120"/>
-                        <a:ea typeface="微軟正黑體" panose="020B0604030504040204" pitchFamily="34" charset="-120"/>
-                      </a:endParaRPr>
-                    </a:p>
-                  </a:txBody>
-                  <a:tcPr/>
-                </a:tc>
-                <a:tc>
-                  <a:txBody>
-                    <a:bodyPr/>
-                    <a:lstStyle/>
-                    <a:p>
-                      <a:pPr algn="r"/>
-                      <a:r>
-                        <a:rPr lang="en-US" altLang="zh-TW" sz="1400" b="1" dirty="0" smtClean="0">
-                          <a:solidFill>
-                            <a:schemeClr val="tx1">
-                              <a:lumMod val="85000"/>
-                            </a:schemeClr>
-                          </a:solidFill>
-                          <a:latin typeface="微軟正黑體" panose="020B0604030504040204" pitchFamily="34" charset="-120"/>
-                          <a:ea typeface="微軟正黑體" panose="020B0604030504040204" pitchFamily="34" charset="-120"/>
-                        </a:rPr>
-                        <a:t>---</a:t>
-                      </a:r>
-                      <a:endParaRPr lang="zh-TW" altLang="en-US" sz="1400" b="1" dirty="0">
-                        <a:solidFill>
-                          <a:schemeClr val="tx1">
-                            <a:lumMod val="85000"/>
-                          </a:schemeClr>
-                        </a:solidFill>
-                        <a:latin typeface="微軟正黑體" panose="020B0604030504040204" pitchFamily="34" charset="-120"/>
-                        <a:ea typeface="微軟正黑體" panose="020B0604030504040204" pitchFamily="34" charset="-120"/>
-                      </a:endParaRPr>
-                    </a:p>
-                  </a:txBody>
-                  <a:tcPr/>
-                </a:tc>
-                <a:extLst>
-                  <a:ext uri="{0D108BD9-81ED-4DB2-BD59-A6C34878D82A}">
-                    <a16:rowId xmlns:a16="http://schemas.microsoft.com/office/drawing/2014/main" val="435934568"/>
-                  </a:ext>
-                </a:extLst>
-              </a:tr>
-            </a:tbl>
-          </a:graphicData>
-        </a:graphic>
-      </p:graphicFrame>
-      <p:cxnSp>
-        <p:nvCxnSpPr>
-          <p:cNvPr id="103" name="直線接點 102"/>
-          <p:cNvCxnSpPr/>
-          <p:nvPr/>
-        </p:nvCxnSpPr>
-        <p:spPr>
-          <a:xfrm>
-            <a:off x="9491682" y="4180662"/>
-            <a:ext cx="2484749" cy="0"/>
-          </a:xfrm>
-          <a:prstGeom prst="line">
-            <a:avLst/>
-          </a:prstGeom>
-          <a:ln w="12700">
-            <a:solidFill>
-              <a:srgbClr val="88B2AC"/>
-            </a:solidFill>
-          </a:ln>
-        </p:spPr>
-        <p:style>
-          <a:lnRef idx="1">
-            <a:schemeClr val="accent1"/>
-          </a:lnRef>
-          <a:fillRef idx="0">
-            <a:schemeClr val="accent1"/>
-          </a:fillRef>
-          <a:effectRef idx="0">
-            <a:schemeClr val="accent1"/>
-          </a:effectRef>
-          <a:fontRef idx="minor">
-            <a:schemeClr val="tx1"/>
-          </a:fontRef>
-        </p:style>
-      </p:cxnSp>
-      <p:cxnSp>
-        <p:nvCxnSpPr>
-          <p:cNvPr id="104" name="直線接點 103"/>
-          <p:cNvCxnSpPr/>
-          <p:nvPr/>
-        </p:nvCxnSpPr>
-        <p:spPr>
-          <a:xfrm>
-            <a:off x="9520299" y="5825536"/>
-            <a:ext cx="2484749" cy="0"/>
-          </a:xfrm>
-          <a:prstGeom prst="line">
-            <a:avLst/>
-          </a:prstGeom>
-          <a:ln w="12700">
-            <a:solidFill>
-              <a:srgbClr val="88B2AC"/>
-            </a:solidFill>
-          </a:ln>
-        </p:spPr>
-        <p:style>
-          <a:lnRef idx="1">
-            <a:schemeClr val="accent1"/>
-          </a:lnRef>
-          <a:fillRef idx="0">
-            <a:schemeClr val="accent1"/>
-          </a:fillRef>
-          <a:effectRef idx="0">
-            <a:schemeClr val="accent1"/>
-          </a:effectRef>
-          <a:fontRef idx="minor">
-            <a:schemeClr val="tx1"/>
-          </a:fontRef>
-        </p:style>
-      </p:cxnSp>
-      <p:sp>
-        <p:nvSpPr>
-          <p:cNvPr id="106" name="圓角矩形 105"/>
-          <p:cNvSpPr/>
-          <p:nvPr/>
-        </p:nvSpPr>
-        <p:spPr>
-          <a:xfrm>
-            <a:off x="5066104" y="1730994"/>
-            <a:ext cx="2271498" cy="436309"/>
-          </a:xfrm>
-          <a:prstGeom prst="roundRect">
-            <a:avLst>
-              <a:gd name="adj" fmla="val 11522"/>
-            </a:avLst>
-          </a:prstGeom>
-          <a:solidFill>
-            <a:srgbClr val="21222D"/>
-          </a:solidFill>
-          <a:ln w="3175">
-            <a:solidFill>
-              <a:schemeClr val="tx1">
-                <a:lumMod val="75000"/>
-              </a:schemeClr>
-            </a:solidFill>
-          </a:ln>
-        </p:spPr>
-        <p:style>
-          <a:lnRef idx="2">
-            <a:schemeClr val="accent1">
-              <a:shade val="50000"/>
-            </a:schemeClr>
-          </a:lnRef>
-          <a:fillRef idx="1">
-            <a:schemeClr val="accent1"/>
-          </a:fillRef>
-          <a:effectRef idx="0">
-            <a:schemeClr val="accent1"/>
-          </a:effectRef>
-          <a:fontRef idx="minor">
-            <a:schemeClr val="lt1"/>
-          </a:fontRef>
-        </p:style>
-        <p:txBody>
-          <a:bodyPr rtlCol="0" anchor="ctr"/>
-          <a:lstStyle/>
-          <a:p>
-            <a:r>
-              <a:rPr lang="zh-TW" altLang="en-US" sz="1400" dirty="0">
-                <a:solidFill>
-                  <a:schemeClr val="tx1">
-                    <a:lumMod val="75000"/>
-                  </a:schemeClr>
-                </a:solidFill>
-                <a:latin typeface="微軟正黑體" panose="020B0604030504040204" pitchFamily="34" charset="-120"/>
-                <a:ea typeface="微軟正黑體" panose="020B0604030504040204" pitchFamily="34" charset="-120"/>
-              </a:rPr>
-              <a:t>身</a:t>
-            </a:r>
-            <a:r>
-              <a:rPr lang="zh-TW" altLang="en-US" sz="1400" dirty="0" smtClean="0">
-                <a:solidFill>
-                  <a:schemeClr val="tx1">
-                    <a:lumMod val="75000"/>
-                  </a:schemeClr>
-                </a:solidFill>
-                <a:latin typeface="微軟正黑體" panose="020B0604030504040204" pitchFamily="34" charset="-120"/>
-                <a:ea typeface="微軟正黑體" panose="020B0604030504040204" pitchFamily="34" charset="-120"/>
-              </a:rPr>
-              <a:t>分證字號</a:t>
-            </a:r>
-            <a:endParaRPr lang="zh-TW" altLang="en-US" sz="1400" dirty="0">
-              <a:solidFill>
-                <a:schemeClr val="tx1">
-                  <a:lumMod val="75000"/>
-                </a:schemeClr>
-              </a:solidFill>
-              <a:latin typeface="微軟正黑體" panose="020B0604030504040204" pitchFamily="34" charset="-120"/>
-              <a:ea typeface="微軟正黑體" panose="020B0604030504040204" pitchFamily="34" charset="-120"/>
-            </a:endParaRPr>
-          </a:p>
-        </p:txBody>
-      </p:sp>
-      <p:sp>
-        <p:nvSpPr>
-          <p:cNvPr id="107" name="圓角矩形 106"/>
-          <p:cNvSpPr/>
-          <p:nvPr/>
-        </p:nvSpPr>
-        <p:spPr>
-          <a:xfrm>
-            <a:off x="5066104" y="2396841"/>
-            <a:ext cx="2271498" cy="436309"/>
-          </a:xfrm>
-          <a:prstGeom prst="roundRect">
-            <a:avLst>
-              <a:gd name="adj" fmla="val 11522"/>
-            </a:avLst>
-          </a:prstGeom>
-          <a:solidFill>
-            <a:srgbClr val="21222D"/>
-          </a:solidFill>
-          <a:ln w="3175">
-            <a:solidFill>
-              <a:schemeClr val="tx1">
-                <a:lumMod val="75000"/>
-              </a:schemeClr>
-            </a:solidFill>
-          </a:ln>
-        </p:spPr>
-        <p:style>
-          <a:lnRef idx="2">
-            <a:schemeClr val="accent1">
-              <a:shade val="50000"/>
-            </a:schemeClr>
-          </a:lnRef>
-          <a:fillRef idx="1">
-            <a:schemeClr val="accent1"/>
-          </a:fillRef>
-          <a:effectRef idx="0">
-            <a:schemeClr val="accent1"/>
-          </a:effectRef>
-          <a:fontRef idx="minor">
-            <a:schemeClr val="lt1"/>
-          </a:fontRef>
-        </p:style>
-        <p:txBody>
-          <a:bodyPr rtlCol="0" anchor="ctr"/>
-          <a:lstStyle/>
-          <a:p>
-            <a:r>
-              <a:rPr lang="zh-TW" altLang="en-US" sz="1400" dirty="0">
-                <a:solidFill>
-                  <a:schemeClr val="tx1">
-                    <a:lumMod val="75000"/>
-                  </a:schemeClr>
-                </a:solidFill>
-                <a:latin typeface="微軟正黑體" panose="020B0604030504040204" pitchFamily="34" charset="-120"/>
-                <a:ea typeface="微軟正黑體" panose="020B0604030504040204" pitchFamily="34" charset="-120"/>
-              </a:rPr>
-              <a:t>拍攝日期</a:t>
-            </a:r>
-          </a:p>
-        </p:txBody>
-      </p:sp>
-      <p:sp>
-        <p:nvSpPr>
-          <p:cNvPr id="108" name="圓角矩形 107"/>
-          <p:cNvSpPr/>
-          <p:nvPr/>
-        </p:nvSpPr>
-        <p:spPr>
-          <a:xfrm>
-            <a:off x="5066104" y="3063892"/>
-            <a:ext cx="2271498" cy="436309"/>
-          </a:xfrm>
-          <a:prstGeom prst="roundRect">
-            <a:avLst>
-              <a:gd name="adj" fmla="val 11522"/>
-            </a:avLst>
-          </a:prstGeom>
-          <a:solidFill>
-            <a:srgbClr val="21222D"/>
-          </a:solidFill>
-          <a:ln w="3175">
-            <a:solidFill>
-              <a:schemeClr val="tx1">
-                <a:lumMod val="75000"/>
-              </a:schemeClr>
-            </a:solidFill>
-          </a:ln>
-        </p:spPr>
-        <p:style>
-          <a:lnRef idx="2">
-            <a:schemeClr val="accent1">
-              <a:shade val="50000"/>
-            </a:schemeClr>
-          </a:lnRef>
-          <a:fillRef idx="1">
-            <a:schemeClr val="accent1"/>
-          </a:fillRef>
-          <a:effectRef idx="0">
-            <a:schemeClr val="accent1"/>
-          </a:effectRef>
-          <a:fontRef idx="minor">
-            <a:schemeClr val="lt1"/>
-          </a:fontRef>
-        </p:style>
-        <p:txBody>
-          <a:bodyPr rtlCol="0" anchor="ctr"/>
-          <a:lstStyle/>
-          <a:p>
-            <a:r>
-              <a:rPr lang="zh-TW" altLang="en-US" sz="1400" dirty="0" smtClean="0">
-                <a:solidFill>
-                  <a:schemeClr val="tx1">
-                    <a:lumMod val="75000"/>
-                  </a:schemeClr>
-                </a:solidFill>
-                <a:latin typeface="微軟正黑體" panose="020B0604030504040204" pitchFamily="34" charset="-120"/>
-                <a:ea typeface="微軟正黑體" panose="020B0604030504040204" pitchFamily="34" charset="-120"/>
-              </a:rPr>
-              <a:t>上傳檔案 </a:t>
-            </a:r>
-            <a:r>
-              <a:rPr lang="en-US" altLang="zh-TW" sz="1400" dirty="0" smtClean="0">
-                <a:solidFill>
-                  <a:schemeClr val="tx1">
-                    <a:lumMod val="75000"/>
-                  </a:schemeClr>
-                </a:solidFill>
-                <a:latin typeface="微軟正黑體" panose="020B0604030504040204" pitchFamily="34" charset="-120"/>
-                <a:ea typeface="微軟正黑體" panose="020B0604030504040204" pitchFamily="34" charset="-120"/>
-              </a:rPr>
-              <a:t>nii.gz</a:t>
-            </a:r>
-            <a:endParaRPr lang="zh-TW" altLang="en-US" sz="1400" dirty="0">
-              <a:solidFill>
-                <a:schemeClr val="tx1">
-                  <a:lumMod val="75000"/>
-                </a:schemeClr>
-              </a:solidFill>
-              <a:latin typeface="微軟正黑體" panose="020B0604030504040204" pitchFamily="34" charset="-120"/>
-              <a:ea typeface="微軟正黑體" panose="020B0604030504040204" pitchFamily="34" charset="-120"/>
-            </a:endParaRPr>
-          </a:p>
-        </p:txBody>
-      </p:sp>
-      <p:sp>
-        <p:nvSpPr>
-          <p:cNvPr id="109" name="圓角矩形 108"/>
-          <p:cNvSpPr/>
-          <p:nvPr/>
-        </p:nvSpPr>
-        <p:spPr>
-          <a:xfrm>
-            <a:off x="5066104" y="4397994"/>
-            <a:ext cx="2271498" cy="436309"/>
-          </a:xfrm>
-          <a:prstGeom prst="roundRect">
-            <a:avLst>
-              <a:gd name="adj" fmla="val 11522"/>
-            </a:avLst>
-          </a:prstGeom>
-          <a:solidFill>
-            <a:schemeClr val="bg2">
-              <a:lumMod val="75000"/>
-            </a:schemeClr>
-          </a:solidFill>
-          <a:ln w="3175">
-            <a:solidFill>
-              <a:schemeClr val="tx1">
-                <a:lumMod val="75000"/>
-              </a:schemeClr>
-            </a:solidFill>
-          </a:ln>
-        </p:spPr>
-        <p:style>
-          <a:lnRef idx="2">
-            <a:schemeClr val="accent1">
-              <a:shade val="50000"/>
-            </a:schemeClr>
-          </a:lnRef>
-          <a:fillRef idx="1">
-            <a:schemeClr val="accent1"/>
-          </a:fillRef>
-          <a:effectRef idx="0">
-            <a:schemeClr val="accent1"/>
-          </a:effectRef>
-          <a:fontRef idx="minor">
-            <a:schemeClr val="lt1"/>
-          </a:fontRef>
-        </p:style>
-        <p:txBody>
-          <a:bodyPr rtlCol="0" anchor="ctr"/>
-          <a:lstStyle/>
-          <a:p>
-            <a:r>
-              <a:rPr lang="zh-TW" altLang="en-US" sz="1400" dirty="0" smtClean="0">
-                <a:solidFill>
-                  <a:schemeClr val="tx1">
-                    <a:lumMod val="75000"/>
-                  </a:schemeClr>
-                </a:solidFill>
-                <a:latin typeface="微軟正黑體" panose="020B0604030504040204" pitchFamily="34" charset="-120"/>
-                <a:ea typeface="微軟正黑體" panose="020B0604030504040204" pitchFamily="34" charset="-120"/>
-              </a:rPr>
-              <a:t>腦部年齡 </a:t>
-            </a:r>
-            <a:r>
-              <a:rPr lang="en-US" altLang="zh-TW" sz="1400" dirty="0" smtClean="0">
-                <a:solidFill>
-                  <a:schemeClr val="tx1">
-                    <a:lumMod val="75000"/>
-                  </a:schemeClr>
-                </a:solidFill>
-                <a:latin typeface="微軟正黑體" panose="020B0604030504040204" pitchFamily="34" charset="-120"/>
-                <a:ea typeface="微軟正黑體" panose="020B0604030504040204" pitchFamily="34" charset="-120"/>
-              </a:rPr>
-              <a:t>(AI</a:t>
-            </a:r>
-            <a:r>
-              <a:rPr lang="zh-TW" altLang="en-US" sz="1400" dirty="0" smtClean="0">
-                <a:solidFill>
-                  <a:schemeClr val="tx1">
-                    <a:lumMod val="75000"/>
-                  </a:schemeClr>
-                </a:solidFill>
-                <a:latin typeface="微軟正黑體" panose="020B0604030504040204" pitchFamily="34" charset="-120"/>
-                <a:ea typeface="微軟正黑體" panose="020B0604030504040204" pitchFamily="34" charset="-120"/>
-              </a:rPr>
-              <a:t>計算</a:t>
-            </a:r>
-            <a:r>
-              <a:rPr lang="en-US" altLang="zh-TW" sz="1400" dirty="0" smtClean="0">
-                <a:solidFill>
-                  <a:schemeClr val="tx1">
-                    <a:lumMod val="75000"/>
-                  </a:schemeClr>
-                </a:solidFill>
-                <a:latin typeface="微軟正黑體" panose="020B0604030504040204" pitchFamily="34" charset="-120"/>
-                <a:ea typeface="微軟正黑體" panose="020B0604030504040204" pitchFamily="34" charset="-120"/>
-              </a:rPr>
-              <a:t>)</a:t>
-            </a:r>
-            <a:endParaRPr lang="zh-TW" altLang="en-US" sz="1400" dirty="0">
-              <a:solidFill>
-                <a:schemeClr val="tx1">
-                  <a:lumMod val="75000"/>
-                </a:schemeClr>
-              </a:solidFill>
-              <a:latin typeface="微軟正黑體" panose="020B0604030504040204" pitchFamily="34" charset="-120"/>
-              <a:ea typeface="微軟正黑體" panose="020B0604030504040204" pitchFamily="34" charset="-120"/>
-            </a:endParaRPr>
-          </a:p>
-        </p:txBody>
-      </p:sp>
-      <p:sp>
-        <p:nvSpPr>
-          <p:cNvPr id="110" name="圓角矩形 109"/>
-          <p:cNvSpPr/>
-          <p:nvPr/>
-        </p:nvSpPr>
-        <p:spPr>
-          <a:xfrm>
-            <a:off x="5066104" y="3730943"/>
-            <a:ext cx="2271498" cy="436309"/>
-          </a:xfrm>
-          <a:prstGeom prst="roundRect">
-            <a:avLst>
-              <a:gd name="adj" fmla="val 11522"/>
-            </a:avLst>
-          </a:prstGeom>
-          <a:solidFill>
-            <a:schemeClr val="bg2">
-              <a:lumMod val="75000"/>
-            </a:schemeClr>
-          </a:solidFill>
-          <a:ln w="3175">
-            <a:solidFill>
-              <a:schemeClr val="tx1">
-                <a:lumMod val="75000"/>
-              </a:schemeClr>
-            </a:solidFill>
-          </a:ln>
-        </p:spPr>
-        <p:style>
-          <a:lnRef idx="2">
-            <a:schemeClr val="accent1">
-              <a:shade val="50000"/>
-            </a:schemeClr>
-          </a:lnRef>
-          <a:fillRef idx="1">
-            <a:schemeClr val="accent1"/>
-          </a:fillRef>
-          <a:effectRef idx="0">
-            <a:schemeClr val="accent1"/>
-          </a:effectRef>
-          <a:fontRef idx="minor">
-            <a:schemeClr val="lt1"/>
-          </a:fontRef>
-        </p:style>
-        <p:txBody>
-          <a:bodyPr rtlCol="0" anchor="ctr"/>
-          <a:lstStyle/>
-          <a:p>
-            <a:r>
-              <a:rPr lang="zh-TW" altLang="en-US" sz="1400" dirty="0">
-                <a:solidFill>
-                  <a:schemeClr val="tx1">
-                    <a:lumMod val="75000"/>
-                  </a:schemeClr>
-                </a:solidFill>
-                <a:latin typeface="微軟正黑體" panose="020B0604030504040204" pitchFamily="34" charset="-120"/>
-                <a:ea typeface="微軟正黑體" panose="020B0604030504040204" pitchFamily="34" charset="-120"/>
-              </a:rPr>
-              <a:t>實際</a:t>
-            </a:r>
-            <a:r>
-              <a:rPr lang="zh-TW" altLang="en-US" sz="1400" dirty="0" smtClean="0">
-                <a:solidFill>
-                  <a:schemeClr val="tx1">
-                    <a:lumMod val="75000"/>
-                  </a:schemeClr>
-                </a:solidFill>
-                <a:latin typeface="微軟正黑體" panose="020B0604030504040204" pitchFamily="34" charset="-120"/>
-                <a:ea typeface="微軟正黑體" panose="020B0604030504040204" pitchFamily="34" charset="-120"/>
-              </a:rPr>
-              <a:t>年齡 </a:t>
-            </a:r>
-            <a:r>
-              <a:rPr lang="en-US" altLang="zh-TW" sz="1400" dirty="0" smtClean="0">
-                <a:solidFill>
-                  <a:schemeClr val="tx1">
-                    <a:lumMod val="75000"/>
-                  </a:schemeClr>
-                </a:solidFill>
-                <a:latin typeface="微軟正黑體" panose="020B0604030504040204" pitchFamily="34" charset="-120"/>
-                <a:ea typeface="微軟正黑體" panose="020B0604030504040204" pitchFamily="34" charset="-120"/>
-              </a:rPr>
-              <a:t>(</a:t>
-            </a:r>
-            <a:r>
-              <a:rPr lang="zh-TW" altLang="en-US" sz="1400" dirty="0" smtClean="0">
-                <a:solidFill>
-                  <a:schemeClr val="tx1">
-                    <a:lumMod val="75000"/>
-                  </a:schemeClr>
-                </a:solidFill>
-                <a:latin typeface="微軟正黑體" panose="020B0604030504040204" pitchFamily="34" charset="-120"/>
-                <a:ea typeface="微軟正黑體" panose="020B0604030504040204" pitchFamily="34" charset="-120"/>
-              </a:rPr>
-              <a:t>自動填入</a:t>
-            </a:r>
-            <a:r>
-              <a:rPr lang="en-US" altLang="zh-TW" sz="1400" dirty="0" smtClean="0">
-                <a:solidFill>
-                  <a:schemeClr val="tx1">
-                    <a:lumMod val="75000"/>
-                  </a:schemeClr>
-                </a:solidFill>
-                <a:latin typeface="微軟正黑體" panose="020B0604030504040204" pitchFamily="34" charset="-120"/>
-                <a:ea typeface="微軟正黑體" panose="020B0604030504040204" pitchFamily="34" charset="-120"/>
-              </a:rPr>
-              <a:t>)</a:t>
-            </a:r>
-            <a:endParaRPr lang="zh-TW" altLang="en-US" sz="1400" dirty="0">
-              <a:solidFill>
-                <a:schemeClr val="tx1">
-                  <a:lumMod val="75000"/>
-                </a:schemeClr>
-              </a:solidFill>
-              <a:latin typeface="微軟正黑體" panose="020B0604030504040204" pitchFamily="34" charset="-120"/>
-              <a:ea typeface="微軟正黑體" panose="020B0604030504040204" pitchFamily="34" charset="-120"/>
-            </a:endParaRPr>
-          </a:p>
-        </p:txBody>
-      </p:sp>
-      <p:sp>
-        <p:nvSpPr>
-          <p:cNvPr id="111" name="圓角矩形 110"/>
-          <p:cNvSpPr/>
-          <p:nvPr/>
-        </p:nvSpPr>
-        <p:spPr>
-          <a:xfrm>
-            <a:off x="5066104" y="5065045"/>
-            <a:ext cx="2271498" cy="436309"/>
-          </a:xfrm>
-          <a:prstGeom prst="roundRect">
-            <a:avLst>
-              <a:gd name="adj" fmla="val 11522"/>
-            </a:avLst>
-          </a:prstGeom>
-          <a:solidFill>
-            <a:schemeClr val="bg2">
-              <a:lumMod val="75000"/>
-            </a:schemeClr>
-          </a:solidFill>
-          <a:ln w="3175">
-            <a:solidFill>
-              <a:schemeClr val="tx1">
-                <a:lumMod val="75000"/>
-              </a:schemeClr>
-            </a:solidFill>
-          </a:ln>
-        </p:spPr>
-        <p:style>
-          <a:lnRef idx="2">
-            <a:schemeClr val="accent1">
-              <a:shade val="50000"/>
-            </a:schemeClr>
-          </a:lnRef>
-          <a:fillRef idx="1">
-            <a:schemeClr val="accent1"/>
-          </a:fillRef>
-          <a:effectRef idx="0">
-            <a:schemeClr val="accent1"/>
-          </a:effectRef>
-          <a:fontRef idx="minor">
-            <a:schemeClr val="lt1"/>
-          </a:fontRef>
-        </p:style>
-        <p:txBody>
-          <a:bodyPr rtlCol="0" anchor="ctr"/>
-          <a:lstStyle/>
-          <a:p>
-            <a:r>
-              <a:rPr lang="zh-TW" altLang="en-US" sz="1400" dirty="0" smtClean="0">
-                <a:solidFill>
-                  <a:schemeClr val="tx1">
-                    <a:lumMod val="75000"/>
-                  </a:schemeClr>
-                </a:solidFill>
-                <a:latin typeface="微軟正黑體" panose="020B0604030504040204" pitchFamily="34" charset="-120"/>
-                <a:ea typeface="微軟正黑體" panose="020B0604030504040204" pitchFamily="34" charset="-120"/>
-              </a:rPr>
-              <a:t>失智症風險 </a:t>
-            </a:r>
-            <a:r>
-              <a:rPr lang="en-US" altLang="zh-TW" sz="1400" dirty="0" smtClean="0">
-                <a:solidFill>
-                  <a:schemeClr val="tx1">
-                    <a:lumMod val="75000"/>
-                  </a:schemeClr>
-                </a:solidFill>
-                <a:latin typeface="微軟正黑體" panose="020B0604030504040204" pitchFamily="34" charset="-120"/>
-                <a:ea typeface="微軟正黑體" panose="020B0604030504040204" pitchFamily="34" charset="-120"/>
-              </a:rPr>
-              <a:t>(AI</a:t>
-            </a:r>
-            <a:r>
-              <a:rPr lang="zh-TW" altLang="en-US" sz="1400" dirty="0" smtClean="0">
-                <a:solidFill>
-                  <a:schemeClr val="tx1">
-                    <a:lumMod val="75000"/>
-                  </a:schemeClr>
-                </a:solidFill>
-                <a:latin typeface="微軟正黑體" panose="020B0604030504040204" pitchFamily="34" charset="-120"/>
-                <a:ea typeface="微軟正黑體" panose="020B0604030504040204" pitchFamily="34" charset="-120"/>
-              </a:rPr>
-              <a:t>計算</a:t>
-            </a:r>
-            <a:r>
-              <a:rPr lang="en-US" altLang="zh-TW" sz="1400" dirty="0" smtClean="0">
-                <a:solidFill>
-                  <a:schemeClr val="tx1">
-                    <a:lumMod val="75000"/>
-                  </a:schemeClr>
-                </a:solidFill>
-                <a:latin typeface="微軟正黑體" panose="020B0604030504040204" pitchFamily="34" charset="-120"/>
-                <a:ea typeface="微軟正黑體" panose="020B0604030504040204" pitchFamily="34" charset="-120"/>
-              </a:rPr>
-              <a:t>)</a:t>
-            </a:r>
-            <a:endParaRPr lang="zh-TW" altLang="en-US" sz="1400" dirty="0">
-              <a:solidFill>
-                <a:schemeClr val="tx1">
-                  <a:lumMod val="75000"/>
-                </a:schemeClr>
-              </a:solidFill>
-              <a:latin typeface="微軟正黑體" panose="020B0604030504040204" pitchFamily="34" charset="-120"/>
-              <a:ea typeface="微軟正黑體" panose="020B0604030504040204" pitchFamily="34" charset="-120"/>
-            </a:endParaRPr>
-          </a:p>
-        </p:txBody>
-      </p:sp>
-      <p:sp>
-        <p:nvSpPr>
-          <p:cNvPr id="113" name="圓角矩形 112"/>
-          <p:cNvSpPr/>
-          <p:nvPr/>
-        </p:nvSpPr>
-        <p:spPr>
-          <a:xfrm>
-            <a:off x="3878396" y="5793056"/>
-            <a:ext cx="1971042" cy="373297"/>
-          </a:xfrm>
-          <a:prstGeom prst="roundRect">
-            <a:avLst>
-              <a:gd name="adj" fmla="val 11522"/>
-            </a:avLst>
-          </a:prstGeom>
-          <a:solidFill>
-            <a:srgbClr val="88B2AC"/>
-          </a:solidFill>
-          <a:ln w="28575">
-            <a:gradFill flip="none" rotWithShape="1">
-              <a:gsLst>
-                <a:gs pos="0">
-                  <a:srgbClr val="00B050"/>
-                </a:gs>
-                <a:gs pos="100000">
-                  <a:srgbClr val="FF0000"/>
-                </a:gs>
-                <a:gs pos="28000">
-                  <a:srgbClr val="92D050"/>
-                </a:gs>
-                <a:gs pos="52000">
-                  <a:srgbClr val="FFFF00"/>
-                </a:gs>
-                <a:gs pos="77000">
-                  <a:srgbClr val="FFC000"/>
-                </a:gs>
-              </a:gsLst>
-              <a:lin ang="0" scaled="1"/>
-              <a:tileRect/>
-            </a:gradFill>
-          </a:ln>
-        </p:spPr>
-        <p:style>
-          <a:lnRef idx="2">
-            <a:schemeClr val="accent1">
-              <a:shade val="50000"/>
-            </a:schemeClr>
-          </a:lnRef>
-          <a:fillRef idx="1">
-            <a:schemeClr val="accent1"/>
-          </a:fillRef>
-          <a:effectRef idx="0">
-            <a:schemeClr val="accent1"/>
-          </a:effectRef>
-          <a:fontRef idx="minor">
-            <a:schemeClr val="lt1"/>
-          </a:fontRef>
-        </p:style>
-        <p:txBody>
-          <a:bodyPr rtlCol="0" anchor="ctr"/>
-          <a:lstStyle/>
-          <a:p>
-            <a:pPr algn="ctr"/>
-            <a:r>
-              <a:rPr lang="en-US" altLang="zh-TW" sz="1600" b="1" dirty="0">
-                <a:solidFill>
-                  <a:schemeClr val="tx1"/>
-                </a:solidFill>
-                <a:latin typeface="微軟正黑體" panose="020B0604030504040204" pitchFamily="34" charset="-120"/>
-                <a:ea typeface="微軟正黑體" panose="020B0604030504040204" pitchFamily="34" charset="-120"/>
-              </a:rPr>
-              <a:t>AI</a:t>
-            </a:r>
-            <a:r>
-              <a:rPr lang="zh-TW" altLang="en-US" sz="1600" b="1" dirty="0">
-                <a:solidFill>
-                  <a:schemeClr val="tx1"/>
-                </a:solidFill>
-                <a:latin typeface="微軟正黑體" panose="020B0604030504040204" pitchFamily="34" charset="-120"/>
-                <a:ea typeface="微軟正黑體" panose="020B0604030504040204" pitchFamily="34" charset="-120"/>
-              </a:rPr>
-              <a:t>計算</a:t>
-            </a:r>
-          </a:p>
-        </p:txBody>
-      </p:sp>
-      <p:sp>
-        <p:nvSpPr>
-          <p:cNvPr id="114" name="圓角矩形 113"/>
-          <p:cNvSpPr/>
-          <p:nvPr/>
-        </p:nvSpPr>
-        <p:spPr>
-          <a:xfrm>
-            <a:off x="5961197" y="5793056"/>
-            <a:ext cx="1376405" cy="373297"/>
-          </a:xfrm>
-          <a:prstGeom prst="roundRect">
-            <a:avLst>
-              <a:gd name="adj" fmla="val 11522"/>
-            </a:avLst>
-          </a:prstGeom>
-          <a:solidFill>
-            <a:srgbClr val="21222D"/>
-          </a:solidFill>
-          <a:ln w="3175">
-            <a:solidFill>
-              <a:schemeClr val="tx1">
-                <a:lumMod val="75000"/>
-              </a:schemeClr>
-            </a:solidFill>
-          </a:ln>
-        </p:spPr>
-        <p:style>
-          <a:lnRef idx="2">
-            <a:schemeClr val="accent1">
-              <a:shade val="50000"/>
-            </a:schemeClr>
-          </a:lnRef>
-          <a:fillRef idx="1">
-            <a:schemeClr val="accent1"/>
-          </a:fillRef>
-          <a:effectRef idx="0">
-            <a:schemeClr val="accent1"/>
-          </a:effectRef>
-          <a:fontRef idx="minor">
-            <a:schemeClr val="lt1"/>
-          </a:fontRef>
-        </p:style>
-        <p:txBody>
-          <a:bodyPr rtlCol="0" anchor="ctr"/>
-          <a:lstStyle/>
-          <a:p>
-            <a:pPr algn="ctr"/>
-            <a:r>
-              <a:rPr lang="zh-TW" altLang="en-US" sz="1600" b="1" dirty="0" smtClean="0">
-                <a:solidFill>
-                  <a:schemeClr val="tx1"/>
-                </a:solidFill>
-                <a:latin typeface="微軟正黑體" panose="020B0604030504040204" pitchFamily="34" charset="-120"/>
-                <a:ea typeface="微軟正黑體" panose="020B0604030504040204" pitchFamily="34" charset="-120"/>
-              </a:rPr>
-              <a:t>送出</a:t>
-            </a:r>
-            <a:endParaRPr lang="zh-TW" altLang="en-US" sz="1600" b="1" dirty="0">
-              <a:solidFill>
-                <a:schemeClr val="tx1"/>
-              </a:solidFill>
-              <a:latin typeface="微軟正黑體" panose="020B0604030504040204" pitchFamily="34" charset="-120"/>
-              <a:ea typeface="微軟正黑體" panose="020B0604030504040204" pitchFamily="34" charset="-120"/>
-            </a:endParaRPr>
-          </a:p>
-        </p:txBody>
-      </p:sp>
-      <p:sp>
-        <p:nvSpPr>
-          <p:cNvPr id="117" name="矩形 116"/>
-          <p:cNvSpPr/>
-          <p:nvPr/>
-        </p:nvSpPr>
-        <p:spPr>
-          <a:xfrm>
-            <a:off x="3800516" y="1779871"/>
-            <a:ext cx="1082348" cy="307777"/>
-          </a:xfrm>
-          <a:prstGeom prst="rect">
-            <a:avLst/>
-          </a:prstGeom>
-        </p:spPr>
-        <p:txBody>
-          <a:bodyPr wrap="none">
-            <a:spAutoFit/>
-          </a:bodyPr>
-          <a:lstStyle/>
-          <a:p>
-            <a:r>
-              <a:rPr lang="zh-TW" altLang="en-US" sz="1400" dirty="0">
-                <a:solidFill>
-                  <a:schemeClr val="tx1">
-                    <a:lumMod val="85000"/>
-                  </a:schemeClr>
-                </a:solidFill>
-                <a:latin typeface="微軟正黑體" panose="020B0604030504040204" pitchFamily="34" charset="-120"/>
-                <a:ea typeface="微軟正黑體" panose="020B0604030504040204" pitchFamily="34" charset="-120"/>
-              </a:rPr>
-              <a:t>身分證字號</a:t>
-            </a:r>
-          </a:p>
-        </p:txBody>
-      </p:sp>
-      <p:sp>
-        <p:nvSpPr>
-          <p:cNvPr id="118" name="矩形 117"/>
-          <p:cNvSpPr/>
-          <p:nvPr/>
-        </p:nvSpPr>
-        <p:spPr>
-          <a:xfrm>
-            <a:off x="3800516" y="2445718"/>
-            <a:ext cx="902811" cy="307777"/>
-          </a:xfrm>
-          <a:prstGeom prst="rect">
-            <a:avLst/>
-          </a:prstGeom>
-        </p:spPr>
-        <p:txBody>
-          <a:bodyPr wrap="none">
-            <a:spAutoFit/>
-          </a:bodyPr>
-          <a:lstStyle/>
-          <a:p>
-            <a:r>
-              <a:rPr lang="zh-TW" altLang="en-US" sz="1400" dirty="0" smtClean="0">
-                <a:solidFill>
-                  <a:schemeClr val="tx1">
-                    <a:lumMod val="85000"/>
-                  </a:schemeClr>
-                </a:solidFill>
-                <a:latin typeface="微軟正黑體" panose="020B0604030504040204" pitchFamily="34" charset="-120"/>
-                <a:ea typeface="微軟正黑體" panose="020B0604030504040204" pitchFamily="34" charset="-120"/>
-              </a:rPr>
-              <a:t>拍攝日期</a:t>
-            </a:r>
-            <a:endParaRPr lang="zh-TW" altLang="en-US" sz="1400" dirty="0">
-              <a:solidFill>
-                <a:schemeClr val="tx1">
-                  <a:lumMod val="85000"/>
-                </a:schemeClr>
-              </a:solidFill>
-              <a:latin typeface="微軟正黑體" panose="020B0604030504040204" pitchFamily="34" charset="-120"/>
-              <a:ea typeface="微軟正黑體" panose="020B0604030504040204" pitchFamily="34" charset="-120"/>
-            </a:endParaRPr>
-          </a:p>
-        </p:txBody>
-      </p:sp>
-      <p:sp>
-        <p:nvSpPr>
-          <p:cNvPr id="119" name="矩形 118"/>
-          <p:cNvSpPr/>
-          <p:nvPr/>
-        </p:nvSpPr>
-        <p:spPr>
-          <a:xfrm>
-            <a:off x="3800516" y="3111565"/>
-            <a:ext cx="902811" cy="307777"/>
-          </a:xfrm>
-          <a:prstGeom prst="rect">
-            <a:avLst/>
-          </a:prstGeom>
-        </p:spPr>
-        <p:txBody>
-          <a:bodyPr wrap="none">
-            <a:spAutoFit/>
-          </a:bodyPr>
-          <a:lstStyle/>
-          <a:p>
-            <a:r>
-              <a:rPr lang="zh-TW" altLang="en-US" sz="1400" dirty="0" smtClean="0">
-                <a:solidFill>
-                  <a:schemeClr val="tx1">
-                    <a:lumMod val="85000"/>
-                  </a:schemeClr>
-                </a:solidFill>
-                <a:latin typeface="微軟正黑體" panose="020B0604030504040204" pitchFamily="34" charset="-120"/>
-                <a:ea typeface="微軟正黑體" panose="020B0604030504040204" pitchFamily="34" charset="-120"/>
-              </a:rPr>
-              <a:t>上傳檔案</a:t>
-            </a:r>
-            <a:endParaRPr lang="zh-TW" altLang="en-US" sz="1400" dirty="0">
-              <a:solidFill>
-                <a:schemeClr val="tx1">
-                  <a:lumMod val="85000"/>
-                </a:schemeClr>
-              </a:solidFill>
-              <a:latin typeface="微軟正黑體" panose="020B0604030504040204" pitchFamily="34" charset="-120"/>
-              <a:ea typeface="微軟正黑體" panose="020B0604030504040204" pitchFamily="34" charset="-120"/>
-            </a:endParaRPr>
-          </a:p>
-        </p:txBody>
-      </p:sp>
-      <p:sp>
-        <p:nvSpPr>
-          <p:cNvPr id="120" name="矩形 119"/>
-          <p:cNvSpPr/>
-          <p:nvPr/>
-        </p:nvSpPr>
-        <p:spPr>
-          <a:xfrm>
-            <a:off x="3800516" y="3777412"/>
-            <a:ext cx="902811" cy="307777"/>
-          </a:xfrm>
-          <a:prstGeom prst="rect">
-            <a:avLst/>
-          </a:prstGeom>
-        </p:spPr>
-        <p:txBody>
-          <a:bodyPr wrap="none">
-            <a:spAutoFit/>
-          </a:bodyPr>
-          <a:lstStyle/>
-          <a:p>
-            <a:r>
-              <a:rPr lang="zh-TW" altLang="en-US" sz="1400" dirty="0" smtClean="0">
-                <a:solidFill>
-                  <a:schemeClr val="tx1">
-                    <a:lumMod val="85000"/>
-                  </a:schemeClr>
-                </a:solidFill>
-                <a:latin typeface="微軟正黑體" panose="020B0604030504040204" pitchFamily="34" charset="-120"/>
-                <a:ea typeface="微軟正黑體" panose="020B0604030504040204" pitchFamily="34" charset="-120"/>
-              </a:rPr>
-              <a:t>實際年齡</a:t>
-            </a:r>
-            <a:endParaRPr lang="zh-TW" altLang="en-US" sz="1400" dirty="0">
-              <a:solidFill>
-                <a:schemeClr val="tx1">
-                  <a:lumMod val="85000"/>
-                </a:schemeClr>
-              </a:solidFill>
-              <a:latin typeface="微軟正黑體" panose="020B0604030504040204" pitchFamily="34" charset="-120"/>
-              <a:ea typeface="微軟正黑體" panose="020B0604030504040204" pitchFamily="34" charset="-120"/>
-            </a:endParaRPr>
-          </a:p>
-        </p:txBody>
-      </p:sp>
-      <p:sp>
-        <p:nvSpPr>
-          <p:cNvPr id="121" name="矩形 120"/>
-          <p:cNvSpPr/>
-          <p:nvPr/>
-        </p:nvSpPr>
-        <p:spPr>
-          <a:xfrm>
-            <a:off x="3800516" y="4442445"/>
-            <a:ext cx="902811" cy="307777"/>
-          </a:xfrm>
-          <a:prstGeom prst="rect">
-            <a:avLst/>
-          </a:prstGeom>
-        </p:spPr>
-        <p:txBody>
-          <a:bodyPr wrap="none">
-            <a:spAutoFit/>
-          </a:bodyPr>
-          <a:lstStyle/>
-          <a:p>
-            <a:r>
-              <a:rPr lang="zh-TW" altLang="en-US" sz="1400" dirty="0" smtClean="0">
-                <a:solidFill>
-                  <a:schemeClr val="tx1">
-                    <a:lumMod val="85000"/>
-                  </a:schemeClr>
-                </a:solidFill>
-                <a:latin typeface="微軟正黑體" panose="020B0604030504040204" pitchFamily="34" charset="-120"/>
-                <a:ea typeface="微軟正黑體" panose="020B0604030504040204" pitchFamily="34" charset="-120"/>
-              </a:rPr>
-              <a:t>腦部年齡</a:t>
-            </a:r>
-            <a:endParaRPr lang="zh-TW" altLang="en-US" sz="1400" dirty="0">
-              <a:solidFill>
-                <a:schemeClr val="tx1">
-                  <a:lumMod val="85000"/>
-                </a:schemeClr>
-              </a:solidFill>
-              <a:latin typeface="微軟正黑體" panose="020B0604030504040204" pitchFamily="34" charset="-120"/>
-              <a:ea typeface="微軟正黑體" panose="020B0604030504040204" pitchFamily="34" charset="-120"/>
-            </a:endParaRPr>
-          </a:p>
-        </p:txBody>
-      </p:sp>
-      <p:sp>
-        <p:nvSpPr>
-          <p:cNvPr id="122" name="矩形 121"/>
-          <p:cNvSpPr/>
-          <p:nvPr/>
-        </p:nvSpPr>
-        <p:spPr>
-          <a:xfrm>
-            <a:off x="3800516" y="5108292"/>
-            <a:ext cx="1082348" cy="307777"/>
-          </a:xfrm>
-          <a:prstGeom prst="rect">
-            <a:avLst/>
-          </a:prstGeom>
-        </p:spPr>
-        <p:txBody>
-          <a:bodyPr wrap="none">
-            <a:spAutoFit/>
-          </a:bodyPr>
-          <a:lstStyle/>
-          <a:p>
-            <a:r>
-              <a:rPr lang="zh-TW" altLang="en-US" sz="1400" dirty="0" smtClean="0">
-                <a:solidFill>
-                  <a:schemeClr val="tx1">
-                    <a:lumMod val="85000"/>
-                  </a:schemeClr>
-                </a:solidFill>
-                <a:latin typeface="微軟正黑體" panose="020B0604030504040204" pitchFamily="34" charset="-120"/>
-                <a:ea typeface="微軟正黑體" panose="020B0604030504040204" pitchFamily="34" charset="-120"/>
-              </a:rPr>
-              <a:t>失智症風險</a:t>
-            </a:r>
-            <a:endParaRPr lang="zh-TW" altLang="en-US" sz="1400" dirty="0">
-              <a:solidFill>
-                <a:schemeClr val="tx1">
-                  <a:lumMod val="85000"/>
-                </a:schemeClr>
-              </a:solidFill>
-              <a:latin typeface="微軟正黑體" panose="020B0604030504040204" pitchFamily="34" charset="-120"/>
-              <a:ea typeface="微軟正黑體" panose="020B0604030504040204" pitchFamily="34" charset="-120"/>
-            </a:endParaRPr>
-          </a:p>
-        </p:txBody>
-      </p:sp>
-      <p:sp>
-        <p:nvSpPr>
-          <p:cNvPr id="125" name="矩形 124"/>
-          <p:cNvSpPr/>
-          <p:nvPr/>
-        </p:nvSpPr>
-        <p:spPr>
-          <a:xfrm>
-            <a:off x="3564363" y="1158858"/>
-            <a:ext cx="1625272" cy="313160"/>
-          </a:xfrm>
-          <a:prstGeom prst="rect">
-            <a:avLst/>
-          </a:prstGeom>
-          <a:solidFill>
-            <a:srgbClr val="21222D"/>
-          </a:solidFill>
-          <a:ln>
-            <a:noFill/>
-          </a:ln>
-        </p:spPr>
-        <p:style>
-          <a:lnRef idx="2">
-            <a:schemeClr val="accent1">
-              <a:shade val="50000"/>
-            </a:schemeClr>
-          </a:lnRef>
-          <a:fillRef idx="1">
-            <a:schemeClr val="accent1"/>
-          </a:fillRef>
-          <a:effectRef idx="0">
-            <a:schemeClr val="accent1"/>
-          </a:effectRef>
-          <a:fontRef idx="minor">
-            <a:schemeClr val="lt1"/>
-          </a:fontRef>
-        </p:style>
-        <p:txBody>
-          <a:bodyPr rtlCol="0" anchor="ctr"/>
-          <a:lstStyle/>
-          <a:p>
-            <a:pPr algn="ctr"/>
-            <a:r>
-              <a:rPr lang="zh-TW" altLang="en-US" sz="2000" b="1" dirty="0">
-                <a:solidFill>
-                  <a:schemeClr val="tx1"/>
-                </a:solidFill>
-                <a:latin typeface="微軟正黑體" panose="020B0604030504040204" pitchFamily="34" charset="-120"/>
-                <a:ea typeface="微軟正黑體" panose="020B0604030504040204" pitchFamily="34" charset="-120"/>
-              </a:rPr>
-              <a:t>上</a:t>
-            </a:r>
-            <a:r>
-              <a:rPr lang="zh-TW" altLang="en-US" sz="2000" b="1" dirty="0" smtClean="0">
-                <a:solidFill>
-                  <a:schemeClr val="tx1"/>
-                </a:solidFill>
-                <a:latin typeface="微軟正黑體" panose="020B0604030504040204" pitchFamily="34" charset="-120"/>
-                <a:ea typeface="微軟正黑體" panose="020B0604030504040204" pitchFamily="34" charset="-120"/>
-              </a:rPr>
-              <a:t>傳影像</a:t>
-            </a:r>
-            <a:endParaRPr lang="zh-TW" altLang="en-US" sz="2000" b="1" dirty="0">
-              <a:solidFill>
-                <a:schemeClr val="tx1"/>
-              </a:solidFill>
-              <a:latin typeface="微軟正黑體" panose="020B0604030504040204" pitchFamily="34" charset="-120"/>
-              <a:ea typeface="微軟正黑體" panose="020B0604030504040204" pitchFamily="34" charset="-120"/>
-            </a:endParaRPr>
-          </a:p>
-        </p:txBody>
-      </p:sp>
-      <p:sp>
-        <p:nvSpPr>
-          <p:cNvPr id="126" name="矩形 125"/>
-          <p:cNvSpPr/>
-          <p:nvPr/>
-        </p:nvSpPr>
-        <p:spPr>
-          <a:xfrm>
-            <a:off x="9800686" y="996875"/>
-            <a:ext cx="1625272" cy="313160"/>
-          </a:xfrm>
-          <a:prstGeom prst="rect">
-            <a:avLst/>
-          </a:prstGeom>
-          <a:solidFill>
-            <a:srgbClr val="21222D"/>
-          </a:solidFill>
-          <a:ln>
-            <a:noFill/>
-          </a:ln>
-        </p:spPr>
-        <p:style>
-          <a:lnRef idx="2">
-            <a:schemeClr val="accent1">
-              <a:shade val="50000"/>
-            </a:schemeClr>
-          </a:lnRef>
-          <a:fillRef idx="1">
-            <a:schemeClr val="accent1"/>
-          </a:fillRef>
-          <a:effectRef idx="0">
-            <a:schemeClr val="accent1"/>
-          </a:effectRef>
-          <a:fontRef idx="minor">
-            <a:schemeClr val="lt1"/>
-          </a:fontRef>
-        </p:style>
-        <p:txBody>
-          <a:bodyPr rtlCol="0" anchor="ctr"/>
-          <a:lstStyle/>
-          <a:p>
-            <a:pPr algn="ctr"/>
-            <a:r>
-              <a:rPr lang="zh-TW" altLang="en-US" sz="2000" b="1" dirty="0" smtClean="0">
-                <a:solidFill>
-                  <a:schemeClr val="tx1"/>
-                </a:solidFill>
-                <a:latin typeface="微軟正黑體" panose="020B0604030504040204" pitchFamily="34" charset="-120"/>
-                <a:ea typeface="微軟正黑體" panose="020B0604030504040204" pitchFamily="34" charset="-120"/>
-              </a:rPr>
-              <a:t>個人檔案</a:t>
-            </a:r>
-            <a:endParaRPr lang="zh-TW" altLang="en-US" sz="2000" b="1" dirty="0">
-              <a:solidFill>
-                <a:schemeClr val="tx1"/>
-              </a:solidFill>
-              <a:latin typeface="微軟正黑體" panose="020B0604030504040204" pitchFamily="34" charset="-120"/>
-              <a:ea typeface="微軟正黑體" panose="020B0604030504040204" pitchFamily="34" charset="-120"/>
-            </a:endParaRPr>
-          </a:p>
-        </p:txBody>
-      </p:sp>
-      <p:sp>
-        <p:nvSpPr>
-          <p:cNvPr id="140" name="矩形 139"/>
-          <p:cNvSpPr/>
-          <p:nvPr/>
-        </p:nvSpPr>
-        <p:spPr>
-          <a:xfrm>
-            <a:off x="9216351" y="97368"/>
-            <a:ext cx="2236485" cy="438945"/>
-          </a:xfrm>
-          <a:prstGeom prst="rect">
-            <a:avLst/>
-          </a:prstGeom>
-          <a:noFill/>
-          <a:ln>
-            <a:noFill/>
-          </a:ln>
-        </p:spPr>
-        <p:style>
-          <a:lnRef idx="2">
-            <a:schemeClr val="accent1">
-              <a:shade val="50000"/>
-            </a:schemeClr>
-          </a:lnRef>
-          <a:fillRef idx="1">
-            <a:schemeClr val="accent1"/>
-          </a:fillRef>
-          <a:effectRef idx="0">
-            <a:schemeClr val="accent1"/>
-          </a:effectRef>
-          <a:fontRef idx="minor">
-            <a:schemeClr val="lt1"/>
-          </a:fontRef>
-        </p:style>
-        <p:txBody>
-          <a:bodyPr rtlCol="0" anchor="ctr"/>
-          <a:lstStyle/>
-          <a:p>
-            <a:pPr algn="ctr"/>
-            <a:r>
-              <a:rPr lang="zh-TW" altLang="en-US" sz="1600" b="1" dirty="0" smtClean="0">
-                <a:solidFill>
-                  <a:schemeClr val="tx1">
-                    <a:lumMod val="85000"/>
-                  </a:schemeClr>
-                </a:solidFill>
-                <a:latin typeface="微軟正黑體" panose="020B0604030504040204" pitchFamily="34" charset="-120"/>
-                <a:ea typeface="微軟正黑體" panose="020B0604030504040204" pitchFamily="34" charset="-120"/>
-              </a:rPr>
-              <a:t>曾柏 </a:t>
-            </a:r>
-            <a:r>
-              <a:rPr lang="en-US" altLang="zh-TW" sz="1600" b="1" dirty="0" smtClean="0">
-                <a:solidFill>
-                  <a:schemeClr val="tx1">
-                    <a:lumMod val="85000"/>
-                  </a:schemeClr>
-                </a:solidFill>
-                <a:latin typeface="微軟正黑體" panose="020B0604030504040204" pitchFamily="34" charset="-120"/>
-                <a:ea typeface="微軟正黑體" panose="020B0604030504040204" pitchFamily="34" charset="-120"/>
-              </a:rPr>
-              <a:t>(D786938)</a:t>
-            </a:r>
-            <a:endParaRPr lang="zh-TW" altLang="en-US" sz="1600" b="1" dirty="0">
-              <a:solidFill>
-                <a:schemeClr val="tx1">
-                  <a:lumMod val="85000"/>
-                </a:schemeClr>
-              </a:solidFill>
-              <a:latin typeface="微軟正黑體" panose="020B0604030504040204" pitchFamily="34" charset="-120"/>
-              <a:ea typeface="微軟正黑體" panose="020B0604030504040204" pitchFamily="34" charset="-120"/>
-            </a:endParaRPr>
-          </a:p>
-        </p:txBody>
-      </p:sp>
-      <p:grpSp>
-        <p:nvGrpSpPr>
-          <p:cNvPr id="141" name="群組 140"/>
-          <p:cNvGrpSpPr/>
-          <p:nvPr/>
-        </p:nvGrpSpPr>
-        <p:grpSpPr>
-          <a:xfrm>
-            <a:off x="11354770" y="97368"/>
-            <a:ext cx="467648" cy="467648"/>
-            <a:chOff x="9652574" y="1504621"/>
-            <a:chExt cx="2026919" cy="2026919"/>
-          </a:xfrm>
-        </p:grpSpPr>
-        <p:sp>
-          <p:nvSpPr>
-            <p:cNvPr id="142" name="橢圓 141"/>
-            <p:cNvSpPr/>
-            <p:nvPr/>
-          </p:nvSpPr>
-          <p:spPr>
-            <a:xfrm>
-              <a:off x="9652574" y="1504621"/>
-              <a:ext cx="2026919" cy="2026919"/>
-            </a:xfrm>
-            <a:prstGeom prst="ellipse">
-              <a:avLst/>
-            </a:prstGeom>
-            <a:noFill/>
-            <a:ln w="28575">
-              <a:solidFill>
-                <a:schemeClr val="accent4">
-                  <a:lumMod val="40000"/>
-                  <a:lumOff val="60000"/>
-                </a:schemeClr>
-              </a:solidFill>
-            </a:ln>
-          </p:spPr>
-          <p:style>
-            <a:lnRef idx="2">
-              <a:schemeClr val="accent1">
-                <a:shade val="50000"/>
-              </a:schemeClr>
-            </a:lnRef>
-            <a:fillRef idx="1">
-              <a:schemeClr val="accent1"/>
-            </a:fillRef>
-            <a:effectRef idx="0">
-              <a:schemeClr val="accent1"/>
-            </a:effectRef>
-            <a:fontRef idx="minor">
-              <a:schemeClr val="lt1"/>
-            </a:fontRef>
-          </p:style>
-          <p:txBody>
-            <a:bodyPr rtlCol="0" anchor="ctr"/>
-            <a:lstStyle/>
-            <a:p>
-              <a:pPr algn="ctr"/>
-              <a:endParaRPr lang="zh-TW" altLang="en-US"/>
-            </a:p>
-          </p:txBody>
-        </p:sp>
-        <p:pic>
-          <p:nvPicPr>
-            <p:cNvPr id="143" name="Picture 2" descr="Portrait of Japanese Doctor Patients and healthcare professionals at a hospital or medical clinic in Tokyo, Japan. Japanese Ethnicity Stock Photo"/>
-            <p:cNvPicPr>
-              <a:picLocks noChangeAspect="1" noChangeArrowheads="1"/>
-            </p:cNvPicPr>
-            <p:nvPr/>
-          </p:nvPicPr>
-          <p:blipFill rotWithShape="1">
-            <a:blip r:embed="rId3" cstate="print">
-              <a:extLst>
-                <a:ext uri="{28A0092B-C50C-407E-A947-70E740481C1C}">
-                  <a14:useLocalDpi xmlns:a14="http://schemas.microsoft.com/office/drawing/2010/main" val="0"/>
-                </a:ext>
-              </a:extLst>
-            </a:blip>
-            <a:srcRect l="42631" t="5226" r="33423" b="49365"/>
-            <a:stretch/>
-          </p:blipFill>
-          <p:spPr bwMode="auto">
-            <a:xfrm>
-              <a:off x="9725793" y="1572027"/>
-              <a:ext cx="1900800" cy="1900800"/>
-            </a:xfrm>
-            <a:prstGeom prst="ellipse">
-              <a:avLst/>
-            </a:prstGeom>
-            <a:noFill/>
-            <a:extLst>
-              <a:ext uri="{909E8E84-426E-40DD-AFC4-6F175D3DCCD1}">
-                <a14:hiddenFill xmlns:a14="http://schemas.microsoft.com/office/drawing/2010/main">
-                  <a:solidFill>
-                    <a:srgbClr val="FFFFFF"/>
-                  </a:solidFill>
-                </a14:hiddenFill>
-              </a:ext>
-            </a:extLst>
-          </p:spPr>
-        </p:pic>
-      </p:grpSp>
-    </p:spTree>
-    <p:extLst>
-      <p:ext uri="{BB962C8B-B14F-4D97-AF65-F5344CB8AC3E}">
-        <p14:creationId xmlns:p14="http://schemas.microsoft.com/office/powerpoint/2010/main" val="2664689919"/>
       </p:ext>
     </p:extLst>
   </p:cSld>

--- a/會議記錄/前端設計.pptx
+++ b/會議記錄/前端設計.pptx
@@ -211,7 +211,7 @@
           <a:p>
             <a:fld id="{7965AF4D-C3C3-41F4-8B03-FB0AA6277351}" type="datetimeFigureOut">
               <a:rPr lang="zh-TW" altLang="en-US" smtClean="0"/>
-              <a:t>2025/3/17</a:t>
+              <a:t>2025/4/11</a:t>
             </a:fld>
             <a:endParaRPr lang="zh-TW" altLang="en-US"/>
           </a:p>
@@ -1120,7 +1120,7 @@
           <a:p>
             <a:fld id="{F404DC6C-E353-4FBF-8B7B-7C2F0DFA34E8}" type="datetimeFigureOut">
               <a:rPr lang="zh-TW" altLang="en-US" smtClean="0"/>
-              <a:t>2025/3/17</a:t>
+              <a:t>2025/4/11</a:t>
             </a:fld>
             <a:endParaRPr lang="zh-TW" altLang="en-US"/>
           </a:p>
@@ -1290,7 +1290,7 @@
           <a:p>
             <a:fld id="{F404DC6C-E353-4FBF-8B7B-7C2F0DFA34E8}" type="datetimeFigureOut">
               <a:rPr lang="zh-TW" altLang="en-US" smtClean="0"/>
-              <a:t>2025/3/17</a:t>
+              <a:t>2025/4/11</a:t>
             </a:fld>
             <a:endParaRPr lang="zh-TW" altLang="en-US"/>
           </a:p>
@@ -1470,7 +1470,7 @@
           <a:p>
             <a:fld id="{F404DC6C-E353-4FBF-8B7B-7C2F0DFA34E8}" type="datetimeFigureOut">
               <a:rPr lang="zh-TW" altLang="en-US" smtClean="0"/>
-              <a:t>2025/3/17</a:t>
+              <a:t>2025/4/11</a:t>
             </a:fld>
             <a:endParaRPr lang="zh-TW" altLang="en-US"/>
           </a:p>
@@ -1690,7 +1690,7 @@
           <a:p>
             <a:fld id="{F404DC6C-E353-4FBF-8B7B-7C2F0DFA34E8}" type="datetimeFigureOut">
               <a:rPr lang="zh-TW" altLang="en-US" smtClean="0"/>
-              <a:t>2025/3/17</a:t>
+              <a:t>2025/4/11</a:t>
             </a:fld>
             <a:endParaRPr lang="zh-TW" altLang="en-US"/>
           </a:p>
@@ -1936,7 +1936,7 @@
           <a:p>
             <a:fld id="{F404DC6C-E353-4FBF-8B7B-7C2F0DFA34E8}" type="datetimeFigureOut">
               <a:rPr lang="zh-TW" altLang="en-US" smtClean="0"/>
-              <a:t>2025/3/17</a:t>
+              <a:t>2025/4/11</a:t>
             </a:fld>
             <a:endParaRPr lang="zh-TW" altLang="en-US"/>
           </a:p>
@@ -2168,7 +2168,7 @@
           <a:p>
             <a:fld id="{F404DC6C-E353-4FBF-8B7B-7C2F0DFA34E8}" type="datetimeFigureOut">
               <a:rPr lang="zh-TW" altLang="en-US" smtClean="0"/>
-              <a:t>2025/3/17</a:t>
+              <a:t>2025/4/11</a:t>
             </a:fld>
             <a:endParaRPr lang="zh-TW" altLang="en-US"/>
           </a:p>
@@ -2535,7 +2535,7 @@
           <a:p>
             <a:fld id="{F404DC6C-E353-4FBF-8B7B-7C2F0DFA34E8}" type="datetimeFigureOut">
               <a:rPr lang="zh-TW" altLang="en-US" smtClean="0"/>
-              <a:t>2025/3/17</a:t>
+              <a:t>2025/4/11</a:t>
             </a:fld>
             <a:endParaRPr lang="zh-TW" altLang="en-US"/>
           </a:p>
@@ -2653,7 +2653,7 @@
           <a:p>
             <a:fld id="{F404DC6C-E353-4FBF-8B7B-7C2F0DFA34E8}" type="datetimeFigureOut">
               <a:rPr lang="zh-TW" altLang="en-US" smtClean="0"/>
-              <a:t>2025/3/17</a:t>
+              <a:t>2025/4/11</a:t>
             </a:fld>
             <a:endParaRPr lang="zh-TW" altLang="en-US"/>
           </a:p>
@@ -2748,7 +2748,7 @@
           <a:p>
             <a:fld id="{F404DC6C-E353-4FBF-8B7B-7C2F0DFA34E8}" type="datetimeFigureOut">
               <a:rPr lang="zh-TW" altLang="en-US" smtClean="0"/>
-              <a:t>2025/3/17</a:t>
+              <a:t>2025/4/11</a:t>
             </a:fld>
             <a:endParaRPr lang="zh-TW" altLang="en-US"/>
           </a:p>
@@ -3025,7 +3025,7 @@
           <a:p>
             <a:fld id="{F404DC6C-E353-4FBF-8B7B-7C2F0DFA34E8}" type="datetimeFigureOut">
               <a:rPr lang="zh-TW" altLang="en-US" smtClean="0"/>
-              <a:t>2025/3/17</a:t>
+              <a:t>2025/4/11</a:t>
             </a:fld>
             <a:endParaRPr lang="zh-TW" altLang="en-US"/>
           </a:p>
@@ -3282,7 +3282,7 @@
           <a:p>
             <a:fld id="{F404DC6C-E353-4FBF-8B7B-7C2F0DFA34E8}" type="datetimeFigureOut">
               <a:rPr lang="zh-TW" altLang="en-US" smtClean="0"/>
-              <a:t>2025/3/17</a:t>
+              <a:t>2025/4/11</a:t>
             </a:fld>
             <a:endParaRPr lang="zh-TW" altLang="en-US"/>
           </a:p>
@@ -3495,7 +3495,7 @@
           <a:p>
             <a:fld id="{F404DC6C-E353-4FBF-8B7B-7C2F0DFA34E8}" type="datetimeFigureOut">
               <a:rPr lang="zh-TW" altLang="en-US" smtClean="0"/>
-              <a:t>2025/3/17</a:t>
+              <a:t>2025/4/11</a:t>
             </a:fld>
             <a:endParaRPr lang="zh-TW" altLang="en-US"/>
           </a:p>
@@ -17873,11 +17873,7 @@
           <a:p>
             <a:r>
               <a:rPr lang="zh-TW" altLang="en-US" dirty="0" smtClean="0"/>
-              <a:t>前</a:t>
-            </a:r>
-            <a:r>
-              <a:rPr lang="zh-TW" altLang="en-US" dirty="0" smtClean="0"/>
-              <a:t>端路由</a:t>
+              <a:t>前端路由</a:t>
             </a:r>
             <a:endParaRPr lang="zh-TW" altLang="en-US" dirty="0"/>
           </a:p>
@@ -18450,10 +18446,6 @@
               </a:rPr>
               <a:t>畫面</a:t>
             </a:r>
-            <a:endParaRPr lang="zh-TW" altLang="en-US" sz="1600" dirty="0">
-              <a:latin typeface="微軟正黑體" panose="020B0604030504040204" pitchFamily="34" charset="-120"/>
-              <a:ea typeface="微軟正黑體" panose="020B0604030504040204" pitchFamily="34" charset="-120"/>
-            </a:endParaRPr>
           </a:p>
         </p:txBody>
       </p:sp>
@@ -18769,10 +18761,6 @@
               </a:rPr>
               <a:t>影像紀錄</a:t>
             </a:r>
-            <a:endParaRPr lang="zh-TW" altLang="en-US" sz="1600" dirty="0">
-              <a:latin typeface="微軟正黑體" panose="020B0604030504040204" pitchFamily="34" charset="-120"/>
-              <a:ea typeface="微軟正黑體" panose="020B0604030504040204" pitchFamily="34" charset="-120"/>
-            </a:endParaRPr>
           </a:p>
         </p:txBody>
       </p:sp>
